--- a/Opentrons_experiments/BOTorch_optimization/Shivam_Report/Graphs.pptx
+++ b/Opentrons_experiments/BOTorch_optimization/Shivam_Report/Graphs.pptx
@@ -109,6 +109,11 @@
       </a:defRPr>
     </a:lvl9pPr>
   </p:defaultTextStyle>
+  <p:extLst>
+    <p:ext uri="{EFAFB233-063F-42B5-8137-9DF3F51BA10A}">
+      <p15:sldGuideLst xmlns:p15="http://schemas.microsoft.com/office/powerpoint/2012/main"/>
+    </p:ext>
+  </p:extLst>
 </p:presentation>
 </file>
 
@@ -1218,7 +1223,7 @@
           <a:p>
             <a:fld id="{E562C55A-646D-49D0-A2F0-B5B5B12C5BD3}" type="datetimeFigureOut">
               <a:rPr lang="en-SG" smtClean="0"/>
-              <a:t>19/5/2023</a:t>
+              <a:t>22/5/2023</a:t>
             </a:fld>
             <a:endParaRPr lang="en-SG"/>
           </a:p>
@@ -1418,7 +1423,7 @@
           <a:p>
             <a:fld id="{E562C55A-646D-49D0-A2F0-B5B5B12C5BD3}" type="datetimeFigureOut">
               <a:rPr lang="en-SG" smtClean="0"/>
-              <a:t>19/5/2023</a:t>
+              <a:t>22/5/2023</a:t>
             </a:fld>
             <a:endParaRPr lang="en-SG"/>
           </a:p>
@@ -1628,7 +1633,7 @@
           <a:p>
             <a:fld id="{E562C55A-646D-49D0-A2F0-B5B5B12C5BD3}" type="datetimeFigureOut">
               <a:rPr lang="en-SG" smtClean="0"/>
-              <a:t>19/5/2023</a:t>
+              <a:t>22/5/2023</a:t>
             </a:fld>
             <a:endParaRPr lang="en-SG"/>
           </a:p>
@@ -1828,7 +1833,7 @@
           <a:p>
             <a:fld id="{E562C55A-646D-49D0-A2F0-B5B5B12C5BD3}" type="datetimeFigureOut">
               <a:rPr lang="en-SG" smtClean="0"/>
-              <a:t>19/5/2023</a:t>
+              <a:t>22/5/2023</a:t>
             </a:fld>
             <a:endParaRPr lang="en-SG"/>
           </a:p>
@@ -2104,7 +2109,7 @@
           <a:p>
             <a:fld id="{E562C55A-646D-49D0-A2F0-B5B5B12C5BD3}" type="datetimeFigureOut">
               <a:rPr lang="en-SG" smtClean="0"/>
-              <a:t>19/5/2023</a:t>
+              <a:t>22/5/2023</a:t>
             </a:fld>
             <a:endParaRPr lang="en-SG"/>
           </a:p>
@@ -2372,7 +2377,7 @@
           <a:p>
             <a:fld id="{E562C55A-646D-49D0-A2F0-B5B5B12C5BD3}" type="datetimeFigureOut">
               <a:rPr lang="en-SG" smtClean="0"/>
-              <a:t>19/5/2023</a:t>
+              <a:t>22/5/2023</a:t>
             </a:fld>
             <a:endParaRPr lang="en-SG"/>
           </a:p>
@@ -2787,7 +2792,7 @@
           <a:p>
             <a:fld id="{E562C55A-646D-49D0-A2F0-B5B5B12C5BD3}" type="datetimeFigureOut">
               <a:rPr lang="en-SG" smtClean="0"/>
-              <a:t>19/5/2023</a:t>
+              <a:t>22/5/2023</a:t>
             </a:fld>
             <a:endParaRPr lang="en-SG"/>
           </a:p>
@@ -2929,7 +2934,7 @@
           <a:p>
             <a:fld id="{E562C55A-646D-49D0-A2F0-B5B5B12C5BD3}" type="datetimeFigureOut">
               <a:rPr lang="en-SG" smtClean="0"/>
-              <a:t>19/5/2023</a:t>
+              <a:t>22/5/2023</a:t>
             </a:fld>
             <a:endParaRPr lang="en-SG"/>
           </a:p>
@@ -3042,7 +3047,7 @@
           <a:p>
             <a:fld id="{E562C55A-646D-49D0-A2F0-B5B5B12C5BD3}" type="datetimeFigureOut">
               <a:rPr lang="en-SG" smtClean="0"/>
-              <a:t>19/5/2023</a:t>
+              <a:t>22/5/2023</a:t>
             </a:fld>
             <a:endParaRPr lang="en-SG"/>
           </a:p>
@@ -3355,7 +3360,7 @@
           <a:p>
             <a:fld id="{E562C55A-646D-49D0-A2F0-B5B5B12C5BD3}" type="datetimeFigureOut">
               <a:rPr lang="en-SG" smtClean="0"/>
-              <a:t>19/5/2023</a:t>
+              <a:t>22/5/2023</a:t>
             </a:fld>
             <a:endParaRPr lang="en-SG"/>
           </a:p>
@@ -3644,7 +3649,7 @@
           <a:p>
             <a:fld id="{E562C55A-646D-49D0-A2F0-B5B5B12C5BD3}" type="datetimeFigureOut">
               <a:rPr lang="en-SG" smtClean="0"/>
-              <a:t>19/5/2023</a:t>
+              <a:t>22/5/2023</a:t>
             </a:fld>
             <a:endParaRPr lang="en-SG"/>
           </a:p>
@@ -3887,7 +3892,7 @@
           <a:p>
             <a:fld id="{E562C55A-646D-49D0-A2F0-B5B5B12C5BD3}" type="datetimeFigureOut">
               <a:rPr lang="en-SG" smtClean="0"/>
-              <a:t>19/5/2023</a:t>
+              <a:t>22/5/2023</a:t>
             </a:fld>
             <a:endParaRPr lang="en-SG"/>
           </a:p>
@@ -4406,8 +4411,8 @@
           </a:prstGeom>
         </p:spPr>
       </p:pic>
-      <mc:AlternateContent xmlns:mc="http://schemas.openxmlformats.org/markup-compatibility/2006">
-        <mc:Choice xmlns:p14="http://schemas.microsoft.com/office/powerpoint/2010/main" Requires="p14">
+      <mc:AlternateContent xmlns:mc="http://schemas.openxmlformats.org/markup-compatibility/2006" xmlns:p14="http://schemas.microsoft.com/office/powerpoint/2010/main">
+        <mc:Choice Requires="p14">
           <p:contentPart p14:bwMode="auto" r:id="rId3">
             <p14:nvContentPartPr>
               <p14:cNvPr id="4" name="Ink 3">
@@ -4426,7 +4431,7 @@
             </p14:xfrm>
           </p:contentPart>
         </mc:Choice>
-        <mc:Fallback>
+        <mc:Fallback xmlns="">
           <p:pic>
             <p:nvPicPr>
               <p:cNvPr id="4" name="Ink 3">
@@ -4457,8 +4462,8 @@
           </p:pic>
         </mc:Fallback>
       </mc:AlternateContent>
-      <mc:AlternateContent xmlns:mc="http://schemas.openxmlformats.org/markup-compatibility/2006">
-        <mc:Choice xmlns:p14="http://schemas.microsoft.com/office/powerpoint/2010/main" Requires="p14">
+      <mc:AlternateContent xmlns:mc="http://schemas.openxmlformats.org/markup-compatibility/2006" xmlns:p14="http://schemas.microsoft.com/office/powerpoint/2010/main">
+        <mc:Choice Requires="p14">
           <p:contentPart p14:bwMode="auto" r:id="rId5">
             <p14:nvContentPartPr>
               <p14:cNvPr id="6" name="Ink 5">
@@ -4477,7 +4482,7 @@
             </p14:xfrm>
           </p:contentPart>
         </mc:Choice>
-        <mc:Fallback>
+        <mc:Fallback xmlns="">
           <p:pic>
             <p:nvPicPr>
               <p:cNvPr id="6" name="Ink 5">
@@ -4508,8 +4513,8 @@
           </p:pic>
         </mc:Fallback>
       </mc:AlternateContent>
-      <mc:AlternateContent xmlns:mc="http://schemas.openxmlformats.org/markup-compatibility/2006">
-        <mc:Choice xmlns:p14="http://schemas.microsoft.com/office/powerpoint/2010/main" Requires="p14">
+      <mc:AlternateContent xmlns:mc="http://schemas.openxmlformats.org/markup-compatibility/2006" xmlns:p14="http://schemas.microsoft.com/office/powerpoint/2010/main">
+        <mc:Choice Requires="p14">
           <p:contentPart p14:bwMode="auto" r:id="rId7">
             <p14:nvContentPartPr>
               <p14:cNvPr id="9" name="Ink 8">
@@ -4528,7 +4533,7 @@
             </p14:xfrm>
           </p:contentPart>
         </mc:Choice>
-        <mc:Fallback>
+        <mc:Fallback xmlns="">
           <p:pic>
             <p:nvPicPr>
               <p:cNvPr id="9" name="Ink 8">
@@ -4559,8 +4564,8 @@
           </p:pic>
         </mc:Fallback>
       </mc:AlternateContent>
-      <mc:AlternateContent xmlns:mc="http://schemas.openxmlformats.org/markup-compatibility/2006">
-        <mc:Choice xmlns:p14="http://schemas.microsoft.com/office/powerpoint/2010/main" Requires="p14">
+      <mc:AlternateContent xmlns:mc="http://schemas.openxmlformats.org/markup-compatibility/2006" xmlns:p14="http://schemas.microsoft.com/office/powerpoint/2010/main">
+        <mc:Choice Requires="p14">
           <p:contentPart p14:bwMode="auto" r:id="rId9">
             <p14:nvContentPartPr>
               <p14:cNvPr id="10" name="Ink 9">
@@ -4579,7 +4584,7 @@
             </p14:xfrm>
           </p:contentPart>
         </mc:Choice>
-        <mc:Fallback>
+        <mc:Fallback xmlns="">
           <p:pic>
             <p:nvPicPr>
               <p:cNvPr id="10" name="Ink 9">
@@ -4610,8 +4615,8 @@
           </p:pic>
         </mc:Fallback>
       </mc:AlternateContent>
-      <mc:AlternateContent xmlns:mc="http://schemas.openxmlformats.org/markup-compatibility/2006">
-        <mc:Choice xmlns:p14="http://schemas.microsoft.com/office/powerpoint/2010/main" Requires="p14">
+      <mc:AlternateContent xmlns:mc="http://schemas.openxmlformats.org/markup-compatibility/2006" xmlns:p14="http://schemas.microsoft.com/office/powerpoint/2010/main">
+        <mc:Choice Requires="p14">
           <p:contentPart p14:bwMode="auto" r:id="rId11">
             <p14:nvContentPartPr>
               <p14:cNvPr id="11" name="Ink 10">
@@ -4630,7 +4635,7 @@
             </p14:xfrm>
           </p:contentPart>
         </mc:Choice>
-        <mc:Fallback>
+        <mc:Fallback xmlns="">
           <p:pic>
             <p:nvPicPr>
               <p:cNvPr id="11" name="Ink 10">
@@ -4661,8 +4666,8 @@
           </p:pic>
         </mc:Fallback>
       </mc:AlternateContent>
-      <mc:AlternateContent xmlns:mc="http://schemas.openxmlformats.org/markup-compatibility/2006">
-        <mc:Choice xmlns:p14="http://schemas.microsoft.com/office/powerpoint/2010/main" Requires="p14">
+      <mc:AlternateContent xmlns:mc="http://schemas.openxmlformats.org/markup-compatibility/2006" xmlns:p14="http://schemas.microsoft.com/office/powerpoint/2010/main">
+        <mc:Choice Requires="p14">
           <p:contentPart p14:bwMode="auto" r:id="rId13">
             <p14:nvContentPartPr>
               <p14:cNvPr id="12" name="Ink 11">
@@ -4681,7 +4686,7 @@
             </p14:xfrm>
           </p:contentPart>
         </mc:Choice>
-        <mc:Fallback>
+        <mc:Fallback xmlns="">
           <p:pic>
             <p:nvPicPr>
               <p:cNvPr id="12" name="Ink 11">
@@ -4712,8 +4717,8 @@
           </p:pic>
         </mc:Fallback>
       </mc:AlternateContent>
-      <mc:AlternateContent xmlns:mc="http://schemas.openxmlformats.org/markup-compatibility/2006">
-        <mc:Choice xmlns:p14="http://schemas.microsoft.com/office/powerpoint/2010/main" Requires="p14">
+      <mc:AlternateContent xmlns:mc="http://schemas.openxmlformats.org/markup-compatibility/2006" xmlns:p14="http://schemas.microsoft.com/office/powerpoint/2010/main">
+        <mc:Choice Requires="p14">
           <p:contentPart p14:bwMode="auto" r:id="rId15">
             <p14:nvContentPartPr>
               <p14:cNvPr id="13" name="Ink 12">
@@ -4732,7 +4737,7 @@
             </p14:xfrm>
           </p:contentPart>
         </mc:Choice>
-        <mc:Fallback>
+        <mc:Fallback xmlns="">
           <p:pic>
             <p:nvPicPr>
               <p:cNvPr id="13" name="Ink 12">
@@ -4763,8 +4768,8 @@
           </p:pic>
         </mc:Fallback>
       </mc:AlternateContent>
-      <mc:AlternateContent xmlns:mc="http://schemas.openxmlformats.org/markup-compatibility/2006">
-        <mc:Choice xmlns:p14="http://schemas.microsoft.com/office/powerpoint/2010/main" Requires="p14">
+      <mc:AlternateContent xmlns:mc="http://schemas.openxmlformats.org/markup-compatibility/2006" xmlns:p14="http://schemas.microsoft.com/office/powerpoint/2010/main">
+        <mc:Choice Requires="p14">
           <p:contentPart p14:bwMode="auto" r:id="rId16">
             <p14:nvContentPartPr>
               <p14:cNvPr id="14" name="Ink 13">
@@ -4783,7 +4788,7 @@
             </p14:xfrm>
           </p:contentPart>
         </mc:Choice>
-        <mc:Fallback>
+        <mc:Fallback xmlns="">
           <p:pic>
             <p:nvPicPr>
               <p:cNvPr id="14" name="Ink 13">
@@ -4814,8 +4819,8 @@
           </p:pic>
         </mc:Fallback>
       </mc:AlternateContent>
-      <mc:AlternateContent xmlns:mc="http://schemas.openxmlformats.org/markup-compatibility/2006">
-        <mc:Choice xmlns:p14="http://schemas.microsoft.com/office/powerpoint/2010/main" Requires="p14">
+      <mc:AlternateContent xmlns:mc="http://schemas.openxmlformats.org/markup-compatibility/2006" xmlns:p14="http://schemas.microsoft.com/office/powerpoint/2010/main">
+        <mc:Choice Requires="p14">
           <p:contentPart p14:bwMode="auto" r:id="rId18">
             <p14:nvContentPartPr>
               <p14:cNvPr id="15" name="Ink 14">
@@ -4834,7 +4839,7 @@
             </p14:xfrm>
           </p:contentPart>
         </mc:Choice>
-        <mc:Fallback>
+        <mc:Fallback xmlns="">
           <p:pic>
             <p:nvPicPr>
               <p:cNvPr id="15" name="Ink 14">
@@ -4865,8 +4870,8 @@
           </p:pic>
         </mc:Fallback>
       </mc:AlternateContent>
-      <mc:AlternateContent xmlns:mc="http://schemas.openxmlformats.org/markup-compatibility/2006">
-        <mc:Choice xmlns:p14="http://schemas.microsoft.com/office/powerpoint/2010/main" Requires="p14">
+      <mc:AlternateContent xmlns:mc="http://schemas.openxmlformats.org/markup-compatibility/2006" xmlns:p14="http://schemas.microsoft.com/office/powerpoint/2010/main">
+        <mc:Choice Requires="p14">
           <p:contentPart p14:bwMode="auto" r:id="rId20">
             <p14:nvContentPartPr>
               <p14:cNvPr id="16" name="Ink 15">
@@ -4885,7 +4890,7 @@
             </p14:xfrm>
           </p:contentPart>
         </mc:Choice>
-        <mc:Fallback>
+        <mc:Fallback xmlns="">
           <p:pic>
             <p:nvPicPr>
               <p:cNvPr id="16" name="Ink 15">
@@ -4970,14 +4975,14 @@
                 <p:nvPr/>
               </p:nvPicPr>
               <p:blipFill>
-                <a:blip r:embed="rId10"/>
+                <a:blip r:embed="rId23"/>
                 <a:stretch>
                   <a:fillRect/>
                 </a:stretch>
               </p:blipFill>
               <p:spPr>
                 <a:xfrm>
-                  <a:off x="2116080" y="1716733"/>
+                  <a:off x="2115720" y="1716373"/>
                   <a:ext cx="18000" cy="19440"/>
                 </a:xfrm>
                 <a:prstGeom prst="rect">
@@ -4987,9 +4992,9 @@
             </p:pic>
           </mc:Fallback>
         </mc:AlternateContent>
-        <mc:AlternateContent xmlns:mc="http://schemas.openxmlformats.org/markup-compatibility/2006">
-          <mc:Choice xmlns:p14="http://schemas.microsoft.com/office/powerpoint/2010/main" Requires="p14">
-            <p:contentPart p14:bwMode="auto" r:id="rId23">
+        <mc:AlternateContent xmlns:mc="http://schemas.openxmlformats.org/markup-compatibility/2006" xmlns:p14="http://schemas.microsoft.com/office/powerpoint/2010/main">
+          <mc:Choice Requires="p14">
+            <p:contentPart p14:bwMode="auto" r:id="rId24">
               <p14:nvContentPartPr>
                 <p14:cNvPr id="18" name="Ink 17">
                   <a:extLst>
@@ -5007,7 +5012,7 @@
               </p14:xfrm>
             </p:contentPart>
           </mc:Choice>
-          <mc:Fallback>
+          <mc:Fallback xmlns="">
             <p:pic>
               <p:nvPicPr>
                 <p:cNvPr id="18" name="Ink 17">
@@ -5039,9 +5044,9 @@
           </mc:Fallback>
         </mc:AlternateContent>
       </p:grpSp>
-      <mc:AlternateContent xmlns:mc="http://schemas.openxmlformats.org/markup-compatibility/2006">
-        <mc:Choice xmlns:p14="http://schemas.microsoft.com/office/powerpoint/2010/main" Requires="p14">
-          <p:contentPart p14:bwMode="auto" r:id="rId24">
+      <mc:AlternateContent xmlns:mc="http://schemas.openxmlformats.org/markup-compatibility/2006" xmlns:p14="http://schemas.microsoft.com/office/powerpoint/2010/main">
+        <mc:Choice Requires="p14">
+          <p:contentPart p14:bwMode="auto" r:id="rId25">
             <p14:nvContentPartPr>
               <p14:cNvPr id="21" name="Ink 20">
                 <a:extLst>
@@ -5059,7 +5064,7 @@
             </p14:xfrm>
           </p:contentPart>
         </mc:Choice>
-        <mc:Fallback>
+        <mc:Fallback xmlns="">
           <p:pic>
             <p:nvPicPr>
               <p:cNvPr id="21" name="Ink 20">
@@ -5073,7 +5078,7 @@
               <p:nvPr/>
             </p:nvPicPr>
             <p:blipFill>
-              <a:blip r:embed="rId25"/>
+              <a:blip r:embed="rId26"/>
               <a:stretch>
                 <a:fillRect/>
               </a:stretch>
@@ -5090,9 +5095,9 @@
           </p:pic>
         </mc:Fallback>
       </mc:AlternateContent>
-      <mc:AlternateContent xmlns:mc="http://schemas.openxmlformats.org/markup-compatibility/2006">
-        <mc:Choice xmlns:p14="http://schemas.microsoft.com/office/powerpoint/2010/main" Requires="p14">
-          <p:contentPart p14:bwMode="auto" r:id="rId26">
+      <mc:AlternateContent xmlns:mc="http://schemas.openxmlformats.org/markup-compatibility/2006" xmlns:p14="http://schemas.microsoft.com/office/powerpoint/2010/main">
+        <mc:Choice Requires="p14">
+          <p:contentPart p14:bwMode="auto" r:id="rId27">
             <p14:nvContentPartPr>
               <p14:cNvPr id="23" name="Ink 22">
                 <a:extLst>
@@ -5110,7 +5115,7 @@
             </p14:xfrm>
           </p:contentPart>
         </mc:Choice>
-        <mc:Fallback>
+        <mc:Fallback xmlns="">
           <p:pic>
             <p:nvPicPr>
               <p:cNvPr id="23" name="Ink 22">
@@ -5124,7 +5129,7 @@
               <p:nvPr/>
             </p:nvPicPr>
             <p:blipFill>
-              <a:blip r:embed="rId27"/>
+              <a:blip r:embed="rId28"/>
               <a:stretch>
                 <a:fillRect/>
               </a:stretch>
@@ -5141,9 +5146,9 @@
           </p:pic>
         </mc:Fallback>
       </mc:AlternateContent>
-      <mc:AlternateContent xmlns:mc="http://schemas.openxmlformats.org/markup-compatibility/2006">
-        <mc:Choice xmlns:p14="http://schemas.microsoft.com/office/powerpoint/2010/main" Requires="p14">
-          <p:contentPart p14:bwMode="auto" r:id="rId28">
+      <mc:AlternateContent xmlns:mc="http://schemas.openxmlformats.org/markup-compatibility/2006" xmlns:p14="http://schemas.microsoft.com/office/powerpoint/2010/main">
+        <mc:Choice Requires="p14">
+          <p:contentPart p14:bwMode="auto" r:id="rId29">
             <p14:nvContentPartPr>
               <p14:cNvPr id="24" name="Ink 23">
                 <a:extLst>
@@ -5161,7 +5166,7 @@
             </p14:xfrm>
           </p:contentPart>
         </mc:Choice>
-        <mc:Fallback>
+        <mc:Fallback xmlns="">
           <p:pic>
             <p:nvPicPr>
               <p:cNvPr id="24" name="Ink 23">
@@ -5175,7 +5180,7 @@
               <p:nvPr/>
             </p:nvPicPr>
             <p:blipFill>
-              <a:blip r:embed="rId29"/>
+              <a:blip r:embed="rId30"/>
               <a:stretch>
                 <a:fillRect/>
               </a:stretch>
@@ -5192,9 +5197,9 @@
           </p:pic>
         </mc:Fallback>
       </mc:AlternateContent>
-      <mc:AlternateContent xmlns:mc="http://schemas.openxmlformats.org/markup-compatibility/2006">
-        <mc:Choice xmlns:p14="http://schemas.microsoft.com/office/powerpoint/2010/main" Requires="p14">
-          <p:contentPart p14:bwMode="auto" r:id="rId30">
+      <mc:AlternateContent xmlns:mc="http://schemas.openxmlformats.org/markup-compatibility/2006" xmlns:p14="http://schemas.microsoft.com/office/powerpoint/2010/main">
+        <mc:Choice Requires="p14">
+          <p:contentPart p14:bwMode="auto" r:id="rId31">
             <p14:nvContentPartPr>
               <p14:cNvPr id="25" name="Ink 24">
                 <a:extLst>
@@ -5212,7 +5217,7 @@
             </p14:xfrm>
           </p:contentPart>
         </mc:Choice>
-        <mc:Fallback>
+        <mc:Fallback xmlns="">
           <p:pic>
             <p:nvPicPr>
               <p:cNvPr id="25" name="Ink 24">
@@ -5226,7 +5231,7 @@
               <p:nvPr/>
             </p:nvPicPr>
             <p:blipFill>
-              <a:blip r:embed="rId31"/>
+              <a:blip r:embed="rId32"/>
               <a:stretch>
                 <a:fillRect/>
               </a:stretch>
@@ -5243,9 +5248,9 @@
           </p:pic>
         </mc:Fallback>
       </mc:AlternateContent>
-      <mc:AlternateContent xmlns:mc="http://schemas.openxmlformats.org/markup-compatibility/2006">
-        <mc:Choice xmlns:p14="http://schemas.microsoft.com/office/powerpoint/2010/main" Requires="p14">
-          <p:contentPart p14:bwMode="auto" r:id="rId32">
+      <mc:AlternateContent xmlns:mc="http://schemas.openxmlformats.org/markup-compatibility/2006" xmlns:p14="http://schemas.microsoft.com/office/powerpoint/2010/main">
+        <mc:Choice Requires="p14">
+          <p:contentPart p14:bwMode="auto" r:id="rId33">
             <p14:nvContentPartPr>
               <p14:cNvPr id="26" name="Ink 25">
                 <a:extLst>
@@ -5263,7 +5268,7 @@
             </p14:xfrm>
           </p:contentPart>
         </mc:Choice>
-        <mc:Fallback>
+        <mc:Fallback xmlns="">
           <p:pic>
             <p:nvPicPr>
               <p:cNvPr id="26" name="Ink 25">
@@ -5277,7 +5282,7 @@
               <p:nvPr/>
             </p:nvPicPr>
             <p:blipFill>
-              <a:blip r:embed="rId33"/>
+              <a:blip r:embed="rId34"/>
               <a:stretch>
                 <a:fillRect/>
               </a:stretch>
@@ -5294,9 +5299,9 @@
           </p:pic>
         </mc:Fallback>
       </mc:AlternateContent>
-      <mc:AlternateContent xmlns:mc="http://schemas.openxmlformats.org/markup-compatibility/2006">
-        <mc:Choice xmlns:p14="http://schemas.microsoft.com/office/powerpoint/2010/main" Requires="p14">
-          <p:contentPart p14:bwMode="auto" r:id="rId34">
+      <mc:AlternateContent xmlns:mc="http://schemas.openxmlformats.org/markup-compatibility/2006" xmlns:p14="http://schemas.microsoft.com/office/powerpoint/2010/main">
+        <mc:Choice Requires="p14">
+          <p:contentPart p14:bwMode="auto" r:id="rId35">
             <p14:nvContentPartPr>
               <p14:cNvPr id="27" name="Ink 26">
                 <a:extLst>
@@ -5314,7 +5319,7 @@
             </p14:xfrm>
           </p:contentPart>
         </mc:Choice>
-        <mc:Fallback>
+        <mc:Fallback xmlns="">
           <p:pic>
             <p:nvPicPr>
               <p:cNvPr id="27" name="Ink 26">
@@ -5328,7 +5333,7 @@
               <p:nvPr/>
             </p:nvPicPr>
             <p:blipFill>
-              <a:blip r:embed="rId35"/>
+              <a:blip r:embed="rId36"/>
               <a:stretch>
                 <a:fillRect/>
               </a:stretch>
@@ -5345,9 +5350,9 @@
           </p:pic>
         </mc:Fallback>
       </mc:AlternateContent>
-      <mc:AlternateContent xmlns:mc="http://schemas.openxmlformats.org/markup-compatibility/2006">
-        <mc:Choice xmlns:p14="http://schemas.microsoft.com/office/powerpoint/2010/main" Requires="p14">
-          <p:contentPart p14:bwMode="auto" r:id="rId36">
+      <mc:AlternateContent xmlns:mc="http://schemas.openxmlformats.org/markup-compatibility/2006" xmlns:p14="http://schemas.microsoft.com/office/powerpoint/2010/main">
+        <mc:Choice Requires="p14">
+          <p:contentPart p14:bwMode="auto" r:id="rId37">
             <p14:nvContentPartPr>
               <p14:cNvPr id="28" name="Ink 27">
                 <a:extLst>
@@ -5365,7 +5370,7 @@
             </p14:xfrm>
           </p:contentPart>
         </mc:Choice>
-        <mc:Fallback>
+        <mc:Fallback xmlns="">
           <p:pic>
             <p:nvPicPr>
               <p:cNvPr id="28" name="Ink 27">
@@ -5379,7 +5384,7 @@
               <p:nvPr/>
             </p:nvPicPr>
             <p:blipFill>
-              <a:blip r:embed="rId31"/>
+              <a:blip r:embed="rId32"/>
               <a:stretch>
                 <a:fillRect/>
               </a:stretch>
@@ -5396,9 +5401,9 @@
           </p:pic>
         </mc:Fallback>
       </mc:AlternateContent>
-      <mc:AlternateContent xmlns:mc="http://schemas.openxmlformats.org/markup-compatibility/2006">
-        <mc:Choice xmlns:p14="http://schemas.microsoft.com/office/powerpoint/2010/main" Requires="p14">
-          <p:contentPart p14:bwMode="auto" r:id="rId37">
+      <mc:AlternateContent xmlns:mc="http://schemas.openxmlformats.org/markup-compatibility/2006" xmlns:p14="http://schemas.microsoft.com/office/powerpoint/2010/main">
+        <mc:Choice Requires="p14">
+          <p:contentPart p14:bwMode="auto" r:id="rId38">
             <p14:nvContentPartPr>
               <p14:cNvPr id="29" name="Ink 28">
                 <a:extLst>
@@ -5416,7 +5421,7 @@
             </p14:xfrm>
           </p:contentPart>
         </mc:Choice>
-        <mc:Fallback>
+        <mc:Fallback xmlns="">
           <p:pic>
             <p:nvPicPr>
               <p:cNvPr id="29" name="Ink 28">
@@ -5430,7 +5435,7 @@
               <p:nvPr/>
             </p:nvPicPr>
             <p:blipFill>
-              <a:blip r:embed="rId38"/>
+              <a:blip r:embed="rId39"/>
               <a:stretch>
                 <a:fillRect/>
               </a:stretch>
@@ -5447,9 +5452,9 @@
           </p:pic>
         </mc:Fallback>
       </mc:AlternateContent>
-      <mc:AlternateContent xmlns:mc="http://schemas.openxmlformats.org/markup-compatibility/2006">
-        <mc:Choice xmlns:p14="http://schemas.microsoft.com/office/powerpoint/2010/main" Requires="p14">
-          <p:contentPart p14:bwMode="auto" r:id="rId39">
+      <mc:AlternateContent xmlns:mc="http://schemas.openxmlformats.org/markup-compatibility/2006" xmlns:p14="http://schemas.microsoft.com/office/powerpoint/2010/main">
+        <mc:Choice Requires="p14">
+          <p:contentPart p14:bwMode="auto" r:id="rId40">
             <p14:nvContentPartPr>
               <p14:cNvPr id="30" name="Ink 29">
                 <a:extLst>
@@ -5467,7 +5472,7 @@
             </p14:xfrm>
           </p:contentPart>
         </mc:Choice>
-        <mc:Fallback>
+        <mc:Fallback xmlns="">
           <p:pic>
             <p:nvPicPr>
               <p:cNvPr id="30" name="Ink 29">
@@ -5481,7 +5486,7 @@
               <p:nvPr/>
             </p:nvPicPr>
             <p:blipFill>
-              <a:blip r:embed="rId40"/>
+              <a:blip r:embed="rId41"/>
               <a:stretch>
                 <a:fillRect/>
               </a:stretch>
@@ -5498,9 +5503,9 @@
           </p:pic>
         </mc:Fallback>
       </mc:AlternateContent>
-      <mc:AlternateContent xmlns:mc="http://schemas.openxmlformats.org/markup-compatibility/2006">
-        <mc:Choice xmlns:p14="http://schemas.microsoft.com/office/powerpoint/2010/main" Requires="p14">
-          <p:contentPart p14:bwMode="auto" r:id="rId41">
+      <mc:AlternateContent xmlns:mc="http://schemas.openxmlformats.org/markup-compatibility/2006" xmlns:p14="http://schemas.microsoft.com/office/powerpoint/2010/main">
+        <mc:Choice Requires="p14">
+          <p:contentPart p14:bwMode="auto" r:id="rId42">
             <p14:nvContentPartPr>
               <p14:cNvPr id="31" name="Ink 30">
                 <a:extLst>
@@ -5518,7 +5523,7 @@
             </p14:xfrm>
           </p:contentPart>
         </mc:Choice>
-        <mc:Fallback>
+        <mc:Fallback xmlns="">
           <p:pic>
             <p:nvPicPr>
               <p:cNvPr id="31" name="Ink 30">
@@ -5532,7 +5537,7 @@
               <p:nvPr/>
             </p:nvPicPr>
             <p:blipFill>
-              <a:blip r:embed="rId31"/>
+              <a:blip r:embed="rId32"/>
               <a:stretch>
                 <a:fillRect/>
               </a:stretch>
@@ -5549,9 +5554,9 @@
           </p:pic>
         </mc:Fallback>
       </mc:AlternateContent>
-      <mc:AlternateContent xmlns:mc="http://schemas.openxmlformats.org/markup-compatibility/2006">
-        <mc:Choice xmlns:p14="http://schemas.microsoft.com/office/powerpoint/2010/main" Requires="p14">
-          <p:contentPart p14:bwMode="auto" r:id="rId42">
+      <mc:AlternateContent xmlns:mc="http://schemas.openxmlformats.org/markup-compatibility/2006" xmlns:p14="http://schemas.microsoft.com/office/powerpoint/2010/main">
+        <mc:Choice Requires="p14">
+          <p:contentPart p14:bwMode="auto" r:id="rId43">
             <p14:nvContentPartPr>
               <p14:cNvPr id="32" name="Ink 31">
                 <a:extLst>
@@ -5569,7 +5574,7 @@
             </p14:xfrm>
           </p:contentPart>
         </mc:Choice>
-        <mc:Fallback>
+        <mc:Fallback xmlns="">
           <p:pic>
             <p:nvPicPr>
               <p:cNvPr id="32" name="Ink 31">
@@ -5583,7 +5588,7 @@
               <p:nvPr/>
             </p:nvPicPr>
             <p:blipFill>
-              <a:blip r:embed="rId27"/>
+              <a:blip r:embed="rId28"/>
               <a:stretch>
                 <a:fillRect/>
               </a:stretch>
@@ -5622,7 +5627,7 @@
         </p:grpSpPr>
         <mc:AlternateContent xmlns:mc="http://schemas.openxmlformats.org/markup-compatibility/2006">
           <mc:Choice xmlns:p14="http://schemas.microsoft.com/office/powerpoint/2010/main" Requires="p14">
-            <p:contentPart p14:bwMode="auto" r:id="rId43">
+            <p:contentPart p14:bwMode="auto" r:id="rId44">
               <p14:nvContentPartPr>
                 <p14:cNvPr id="33" name="Ink 32">
                   <a:extLst>
@@ -5654,14 +5659,14 @@
                 <p:nvPr/>
               </p:nvPicPr>
               <p:blipFill>
-                <a:blip r:embed="rId44"/>
+                <a:blip r:embed="rId45"/>
                 <a:stretch>
                   <a:fillRect/>
                 </a:stretch>
               </p:blipFill>
               <p:spPr>
                 <a:xfrm>
-                  <a:off x="6662787" y="1576510"/>
+                  <a:off x="6662427" y="1576150"/>
                   <a:ext cx="18000" cy="18000"/>
                 </a:xfrm>
                 <a:prstGeom prst="rect">
@@ -5673,7 +5678,7 @@
         </mc:AlternateContent>
         <mc:AlternateContent xmlns:mc="http://schemas.openxmlformats.org/markup-compatibility/2006">
           <mc:Choice xmlns:p14="http://schemas.microsoft.com/office/powerpoint/2010/main" Requires="p14">
-            <p:contentPart p14:bwMode="auto" r:id="rId45">
+            <p:contentPart p14:bwMode="auto" r:id="rId46">
               <p14:nvContentPartPr>
                 <p14:cNvPr id="34" name="Ink 33">
                   <a:extLst>
@@ -5705,7 +5710,7 @@
                 <p:nvPr/>
               </p:nvPicPr>
               <p:blipFill>
-                <a:blip r:embed="rId44"/>
+                <a:blip r:embed="rId45"/>
                 <a:stretch>
                   <a:fillRect/>
                 </a:stretch>
@@ -5722,9 +5727,9 @@
             </p:pic>
           </mc:Fallback>
         </mc:AlternateContent>
-        <mc:AlternateContent xmlns:mc="http://schemas.openxmlformats.org/markup-compatibility/2006">
-          <mc:Choice xmlns:p14="http://schemas.microsoft.com/office/powerpoint/2010/main" Requires="p14">
-            <p:contentPart p14:bwMode="auto" r:id="rId46">
+        <mc:AlternateContent xmlns:mc="http://schemas.openxmlformats.org/markup-compatibility/2006" xmlns:p14="http://schemas.microsoft.com/office/powerpoint/2010/main">
+          <mc:Choice Requires="p14">
+            <p:contentPart p14:bwMode="auto" r:id="rId47">
               <p14:nvContentPartPr>
                 <p14:cNvPr id="35" name="Ink 34">
                   <a:extLst>
@@ -5742,7 +5747,7 @@
               </p14:xfrm>
             </p:contentPart>
           </mc:Choice>
-          <mc:Fallback>
+          <mc:Fallback xmlns="">
             <p:pic>
               <p:nvPicPr>
                 <p:cNvPr id="35" name="Ink 34">
@@ -5756,7 +5761,7 @@
                 <p:nvPr/>
               </p:nvPicPr>
               <p:blipFill>
-                <a:blip r:embed="rId44"/>
+                <a:blip r:embed="rId48"/>
                 <a:stretch>
                   <a:fillRect/>
                 </a:stretch>
@@ -5773,9 +5778,9 @@
             </p:pic>
           </mc:Fallback>
         </mc:AlternateContent>
-        <mc:AlternateContent xmlns:mc="http://schemas.openxmlformats.org/markup-compatibility/2006">
-          <mc:Choice xmlns:p14="http://schemas.microsoft.com/office/powerpoint/2010/main" Requires="p14">
-            <p:contentPart p14:bwMode="auto" r:id="rId47">
+        <mc:AlternateContent xmlns:mc="http://schemas.openxmlformats.org/markup-compatibility/2006" xmlns:p14="http://schemas.microsoft.com/office/powerpoint/2010/main">
+          <mc:Choice Requires="p14">
+            <p:contentPart p14:bwMode="auto" r:id="rId49">
               <p14:nvContentPartPr>
                 <p14:cNvPr id="36" name="Ink 35">
                   <a:extLst>
@@ -5793,7 +5798,7 @@
               </p14:xfrm>
             </p:contentPart>
           </mc:Choice>
-          <mc:Fallback>
+          <mc:Fallback xmlns="">
             <p:pic>
               <p:nvPicPr>
                 <p:cNvPr id="36" name="Ink 35">
@@ -5807,7 +5812,7 @@
                 <p:nvPr/>
               </p:nvPicPr>
               <p:blipFill>
-                <a:blip r:embed="rId44"/>
+                <a:blip r:embed="rId48"/>
                 <a:stretch>
                   <a:fillRect/>
                 </a:stretch>
@@ -5824,9 +5829,9 @@
             </p:pic>
           </mc:Fallback>
         </mc:AlternateContent>
-        <mc:AlternateContent xmlns:mc="http://schemas.openxmlformats.org/markup-compatibility/2006">
-          <mc:Choice xmlns:p14="http://schemas.microsoft.com/office/powerpoint/2010/main" Requires="p14">
-            <p:contentPart p14:bwMode="auto" r:id="rId48">
+        <mc:AlternateContent xmlns:mc="http://schemas.openxmlformats.org/markup-compatibility/2006" xmlns:p14="http://schemas.microsoft.com/office/powerpoint/2010/main">
+          <mc:Choice Requires="p14">
+            <p:contentPart p14:bwMode="auto" r:id="rId50">
               <p14:nvContentPartPr>
                 <p14:cNvPr id="37" name="Ink 36">
                   <a:extLst>
@@ -5844,7 +5849,7 @@
               </p14:xfrm>
             </p:contentPart>
           </mc:Choice>
-          <mc:Fallback>
+          <mc:Fallback xmlns="">
             <p:pic>
               <p:nvPicPr>
                 <p:cNvPr id="37" name="Ink 36">
@@ -5858,7 +5863,7 @@
                 <p:nvPr/>
               </p:nvPicPr>
               <p:blipFill>
-                <a:blip r:embed="rId44"/>
+                <a:blip r:embed="rId48"/>
                 <a:stretch>
                   <a:fillRect/>
                 </a:stretch>
@@ -5875,9 +5880,9 @@
             </p:pic>
           </mc:Fallback>
         </mc:AlternateContent>
-        <mc:AlternateContent xmlns:mc="http://schemas.openxmlformats.org/markup-compatibility/2006">
-          <mc:Choice xmlns:p14="http://schemas.microsoft.com/office/powerpoint/2010/main" Requires="p14">
-            <p:contentPart p14:bwMode="auto" r:id="rId49">
+        <mc:AlternateContent xmlns:mc="http://schemas.openxmlformats.org/markup-compatibility/2006" xmlns:p14="http://schemas.microsoft.com/office/powerpoint/2010/main">
+          <mc:Choice Requires="p14">
+            <p:contentPart p14:bwMode="auto" r:id="rId51">
               <p14:nvContentPartPr>
                 <p14:cNvPr id="38" name="Ink 37">
                   <a:extLst>
@@ -5895,7 +5900,7 @@
               </p14:xfrm>
             </p:contentPart>
           </mc:Choice>
-          <mc:Fallback>
+          <mc:Fallback xmlns="">
             <p:pic>
               <p:nvPicPr>
                 <p:cNvPr id="38" name="Ink 37">
@@ -5909,7 +5914,7 @@
                 <p:nvPr/>
               </p:nvPicPr>
               <p:blipFill>
-                <a:blip r:embed="rId50"/>
+                <a:blip r:embed="rId52"/>
                 <a:stretch>
                   <a:fillRect/>
                 </a:stretch>
@@ -5926,9 +5931,9 @@
             </p:pic>
           </mc:Fallback>
         </mc:AlternateContent>
-        <mc:AlternateContent xmlns:mc="http://schemas.openxmlformats.org/markup-compatibility/2006">
-          <mc:Choice xmlns:p14="http://schemas.microsoft.com/office/powerpoint/2010/main" Requires="p14">
-            <p:contentPart p14:bwMode="auto" r:id="rId51">
+        <mc:AlternateContent xmlns:mc="http://schemas.openxmlformats.org/markup-compatibility/2006" xmlns:p14="http://schemas.microsoft.com/office/powerpoint/2010/main">
+          <mc:Choice Requires="p14">
+            <p:contentPart p14:bwMode="auto" r:id="rId53">
               <p14:nvContentPartPr>
                 <p14:cNvPr id="39" name="Ink 38">
                   <a:extLst>
@@ -5946,7 +5951,7 @@
               </p14:xfrm>
             </p:contentPart>
           </mc:Choice>
-          <mc:Fallback>
+          <mc:Fallback xmlns="">
             <p:pic>
               <p:nvPicPr>
                 <p:cNvPr id="39" name="Ink 38">
@@ -5960,7 +5965,7 @@
                 <p:nvPr/>
               </p:nvPicPr>
               <p:blipFill>
-                <a:blip r:embed="rId52"/>
+                <a:blip r:embed="rId54"/>
                 <a:stretch>
                   <a:fillRect/>
                 </a:stretch>
@@ -5977,9 +5982,9 @@
             </p:pic>
           </mc:Fallback>
         </mc:AlternateContent>
-        <mc:AlternateContent xmlns:mc="http://schemas.openxmlformats.org/markup-compatibility/2006">
-          <mc:Choice xmlns:p14="http://schemas.microsoft.com/office/powerpoint/2010/main" Requires="p14">
-            <p:contentPart p14:bwMode="auto" r:id="rId53">
+        <mc:AlternateContent xmlns:mc="http://schemas.openxmlformats.org/markup-compatibility/2006" xmlns:p14="http://schemas.microsoft.com/office/powerpoint/2010/main">
+          <mc:Choice Requires="p14">
+            <p:contentPart p14:bwMode="auto" r:id="rId55">
               <p14:nvContentPartPr>
                 <p14:cNvPr id="40" name="Ink 39">
                   <a:extLst>
@@ -5997,7 +6002,7 @@
               </p14:xfrm>
             </p:contentPart>
           </mc:Choice>
-          <mc:Fallback>
+          <mc:Fallback xmlns="">
             <p:pic>
               <p:nvPicPr>
                 <p:cNvPr id="40" name="Ink 39">
@@ -6011,7 +6016,7 @@
                 <p:nvPr/>
               </p:nvPicPr>
               <p:blipFill>
-                <a:blip r:embed="rId54"/>
+                <a:blip r:embed="rId56"/>
                 <a:stretch>
                   <a:fillRect/>
                 </a:stretch>
@@ -6028,9 +6033,9 @@
             </p:pic>
           </mc:Fallback>
         </mc:AlternateContent>
-        <mc:AlternateContent xmlns:mc="http://schemas.openxmlformats.org/markup-compatibility/2006">
-          <mc:Choice xmlns:p14="http://schemas.microsoft.com/office/powerpoint/2010/main" Requires="p14">
-            <p:contentPart p14:bwMode="auto" r:id="rId55">
+        <mc:AlternateContent xmlns:mc="http://schemas.openxmlformats.org/markup-compatibility/2006" xmlns:p14="http://schemas.microsoft.com/office/powerpoint/2010/main">
+          <mc:Choice Requires="p14">
+            <p:contentPart p14:bwMode="auto" r:id="rId57">
               <p14:nvContentPartPr>
                 <p14:cNvPr id="41" name="Ink 40">
                   <a:extLst>
@@ -6048,7 +6053,7 @@
               </p14:xfrm>
             </p:contentPart>
           </mc:Choice>
-          <mc:Fallback>
+          <mc:Fallback xmlns="">
             <p:pic>
               <p:nvPicPr>
                 <p:cNvPr id="41" name="Ink 40">
@@ -6062,7 +6067,7 @@
                 <p:nvPr/>
               </p:nvPicPr>
               <p:blipFill>
-                <a:blip r:embed="rId56"/>
+                <a:blip r:embed="rId58"/>
                 <a:stretch>
                   <a:fillRect/>
                 </a:stretch>
@@ -6079,9 +6084,9 @@
             </p:pic>
           </mc:Fallback>
         </mc:AlternateContent>
-        <mc:AlternateContent xmlns:mc="http://schemas.openxmlformats.org/markup-compatibility/2006">
-          <mc:Choice xmlns:p14="http://schemas.microsoft.com/office/powerpoint/2010/main" Requires="p14">
-            <p:contentPart p14:bwMode="auto" r:id="rId57">
+        <mc:AlternateContent xmlns:mc="http://schemas.openxmlformats.org/markup-compatibility/2006" xmlns:p14="http://schemas.microsoft.com/office/powerpoint/2010/main">
+          <mc:Choice Requires="p14">
+            <p:contentPart p14:bwMode="auto" r:id="rId59">
               <p14:nvContentPartPr>
                 <p14:cNvPr id="42" name="Ink 41">
                   <a:extLst>
@@ -6099,7 +6104,7 @@
               </p14:xfrm>
             </p:contentPart>
           </mc:Choice>
-          <mc:Fallback>
+          <mc:Fallback xmlns="">
             <p:pic>
               <p:nvPicPr>
                 <p:cNvPr id="42" name="Ink 41">
@@ -6113,7 +6118,7 @@
                 <p:nvPr/>
               </p:nvPicPr>
               <p:blipFill>
-                <a:blip r:embed="rId58"/>
+                <a:blip r:embed="rId60"/>
                 <a:stretch>
                   <a:fillRect/>
                 </a:stretch>
@@ -6130,9 +6135,9 @@
             </p:pic>
           </mc:Fallback>
         </mc:AlternateContent>
-        <mc:AlternateContent xmlns:mc="http://schemas.openxmlformats.org/markup-compatibility/2006">
-          <mc:Choice xmlns:p14="http://schemas.microsoft.com/office/powerpoint/2010/main" Requires="p14">
-            <p:contentPart p14:bwMode="auto" r:id="rId59">
+        <mc:AlternateContent xmlns:mc="http://schemas.openxmlformats.org/markup-compatibility/2006" xmlns:p14="http://schemas.microsoft.com/office/powerpoint/2010/main">
+          <mc:Choice Requires="p14">
+            <p:contentPart p14:bwMode="auto" r:id="rId61">
               <p14:nvContentPartPr>
                 <p14:cNvPr id="43" name="Ink 42">
                   <a:extLst>
@@ -6150,7 +6155,7 @@
               </p14:xfrm>
             </p:contentPart>
           </mc:Choice>
-          <mc:Fallback>
+          <mc:Fallback xmlns="">
             <p:pic>
               <p:nvPicPr>
                 <p:cNvPr id="43" name="Ink 42">
@@ -6164,7 +6169,7 @@
                 <p:nvPr/>
               </p:nvPicPr>
               <p:blipFill>
-                <a:blip r:embed="rId44"/>
+                <a:blip r:embed="rId48"/>
                 <a:stretch>
                   <a:fillRect/>
                 </a:stretch>
@@ -6212,6 +6217,1347 @@
           <a:chExt cx="0" cy="0"/>
         </a:xfrm>
       </p:grpSpPr>
+      <p:graphicFrame>
+        <p:nvGraphicFramePr>
+          <p:cNvPr id="2" name="Table 2">
+            <a:extLst>
+              <a:ext uri="{FF2B5EF4-FFF2-40B4-BE49-F238E27FC236}">
+                <a16:creationId xmlns:a16="http://schemas.microsoft.com/office/drawing/2014/main" id="{989BA033-4F80-E70F-3B44-29B8A78A35EE}"/>
+              </a:ext>
+            </a:extLst>
+          </p:cNvPr>
+          <p:cNvGraphicFramePr>
+            <a:graphicFrameLocks noGrp="1"/>
+          </p:cNvGraphicFramePr>
+          <p:nvPr>
+            <p:extLst>
+              <p:ext uri="{D42A27DB-BD31-4B8C-83A1-F6EECF244321}">
+                <p14:modId xmlns:p14="http://schemas.microsoft.com/office/powerpoint/2010/main" val="3211558656"/>
+              </p:ext>
+            </p:extLst>
+          </p:nvPr>
+        </p:nvGraphicFramePr>
+        <p:xfrm>
+          <a:off x="0" y="1388533"/>
+          <a:ext cx="12192004" cy="3418840"/>
+        </p:xfrm>
+        <a:graphic>
+          <a:graphicData uri="http://schemas.openxmlformats.org/drawingml/2006/table">
+            <a:tbl>
+              <a:tblPr firstRow="1" bandRow="1">
+                <a:tableStyleId>{5C22544A-7EE6-4342-B048-85BDC9FD1C3A}</a:tableStyleId>
+              </a:tblPr>
+              <a:tblGrid>
+                <a:gridCol w="897467">
+                  <a:extLst>
+                    <a:ext uri="{9D8B030D-6E8A-4147-A177-3AD203B41FA5}">
+                      <a16:colId xmlns:a16="http://schemas.microsoft.com/office/drawing/2014/main" val="2206697726"/>
+                    </a:ext>
+                  </a:extLst>
+                </a:gridCol>
+                <a:gridCol w="872066">
+                  <a:extLst>
+                    <a:ext uri="{9D8B030D-6E8A-4147-A177-3AD203B41FA5}">
+                      <a16:colId xmlns:a16="http://schemas.microsoft.com/office/drawing/2014/main" val="4145438764"/>
+                    </a:ext>
+                  </a:extLst>
+                </a:gridCol>
+                <a:gridCol w="1397000">
+                  <a:extLst>
+                    <a:ext uri="{9D8B030D-6E8A-4147-A177-3AD203B41FA5}">
+                      <a16:colId xmlns:a16="http://schemas.microsoft.com/office/drawing/2014/main" val="867641991"/>
+                    </a:ext>
+                  </a:extLst>
+                </a:gridCol>
+                <a:gridCol w="1109134">
+                  <a:extLst>
+                    <a:ext uri="{9D8B030D-6E8A-4147-A177-3AD203B41FA5}">
+                      <a16:colId xmlns:a16="http://schemas.microsoft.com/office/drawing/2014/main" val="468753050"/>
+                    </a:ext>
+                  </a:extLst>
+                </a:gridCol>
+                <a:gridCol w="1058333">
+                  <a:extLst>
+                    <a:ext uri="{9D8B030D-6E8A-4147-A177-3AD203B41FA5}">
+                      <a16:colId xmlns:a16="http://schemas.microsoft.com/office/drawing/2014/main" val="1258009846"/>
+                    </a:ext>
+                  </a:extLst>
+                </a:gridCol>
+                <a:gridCol w="1134533">
+                  <a:extLst>
+                    <a:ext uri="{9D8B030D-6E8A-4147-A177-3AD203B41FA5}">
+                      <a16:colId xmlns:a16="http://schemas.microsoft.com/office/drawing/2014/main" val="3496989669"/>
+                    </a:ext>
+                  </a:extLst>
+                </a:gridCol>
+                <a:gridCol w="1126067">
+                  <a:extLst>
+                    <a:ext uri="{9D8B030D-6E8A-4147-A177-3AD203B41FA5}">
+                      <a16:colId xmlns:a16="http://schemas.microsoft.com/office/drawing/2014/main" val="2906866505"/>
+                    </a:ext>
+                  </a:extLst>
+                </a:gridCol>
+                <a:gridCol w="1109133">
+                  <a:extLst>
+                    <a:ext uri="{9D8B030D-6E8A-4147-A177-3AD203B41FA5}">
+                      <a16:colId xmlns:a16="http://schemas.microsoft.com/office/drawing/2014/main" val="2120826267"/>
+                    </a:ext>
+                  </a:extLst>
+                </a:gridCol>
+                <a:gridCol w="1271543">
+                  <a:extLst>
+                    <a:ext uri="{9D8B030D-6E8A-4147-A177-3AD203B41FA5}">
+                      <a16:colId xmlns:a16="http://schemas.microsoft.com/office/drawing/2014/main" val="1970964562"/>
+                    </a:ext>
+                  </a:extLst>
+                </a:gridCol>
+                <a:gridCol w="1108364">
+                  <a:extLst>
+                    <a:ext uri="{9D8B030D-6E8A-4147-A177-3AD203B41FA5}">
+                      <a16:colId xmlns:a16="http://schemas.microsoft.com/office/drawing/2014/main" val="4241872789"/>
+                    </a:ext>
+                  </a:extLst>
+                </a:gridCol>
+                <a:gridCol w="1108364">
+                  <a:extLst>
+                    <a:ext uri="{9D8B030D-6E8A-4147-A177-3AD203B41FA5}">
+                      <a16:colId xmlns:a16="http://schemas.microsoft.com/office/drawing/2014/main" val="655485241"/>
+                    </a:ext>
+                  </a:extLst>
+                </a:gridCol>
+              </a:tblGrid>
+              <a:tr h="370840">
+                <a:tc gridSpan="11">
+                  <a:txBody>
+                    <a:bodyPr/>
+                    <a:lstStyle/>
+                    <a:p>
+                      <a:pPr algn="l"/>
+                      <a:r>
+                        <a:rPr lang="en-SG" sz="1600" dirty="0"/>
+                        <a:t>Viscosity Standard 204 – Best parameters  according to volume pipetted</a:t>
+                      </a:r>
+                    </a:p>
+                  </a:txBody>
+                  <a:tcPr/>
+                </a:tc>
+                <a:tc hMerge="1">
+                  <a:txBody>
+                    <a:bodyPr/>
+                    <a:lstStyle/>
+                    <a:p>
+                      <a:endParaRPr lang="en-SG" dirty="0"/>
+                    </a:p>
+                  </a:txBody>
+                  <a:tcPr/>
+                </a:tc>
+                <a:tc hMerge="1">
+                  <a:txBody>
+                    <a:bodyPr/>
+                    <a:lstStyle/>
+                    <a:p>
+                      <a:endParaRPr lang="en-SG"/>
+                    </a:p>
+                  </a:txBody>
+                  <a:tcPr/>
+                </a:tc>
+                <a:tc hMerge="1">
+                  <a:txBody>
+                    <a:bodyPr/>
+                    <a:lstStyle/>
+                    <a:p>
+                      <a:endParaRPr lang="en-SG"/>
+                    </a:p>
+                  </a:txBody>
+                  <a:tcPr/>
+                </a:tc>
+                <a:tc hMerge="1">
+                  <a:txBody>
+                    <a:bodyPr/>
+                    <a:lstStyle/>
+                    <a:p>
+                      <a:endParaRPr lang="en-SG"/>
+                    </a:p>
+                  </a:txBody>
+                  <a:tcPr/>
+                </a:tc>
+                <a:tc hMerge="1">
+                  <a:txBody>
+                    <a:bodyPr/>
+                    <a:lstStyle/>
+                    <a:p>
+                      <a:endParaRPr lang="en-SG"/>
+                    </a:p>
+                  </a:txBody>
+                  <a:tcPr/>
+                </a:tc>
+                <a:tc hMerge="1">
+                  <a:txBody>
+                    <a:bodyPr/>
+                    <a:lstStyle/>
+                    <a:p>
+                      <a:endParaRPr lang="en-SG" dirty="0"/>
+                    </a:p>
+                  </a:txBody>
+                  <a:tcPr/>
+                </a:tc>
+                <a:tc hMerge="1">
+                  <a:txBody>
+                    <a:bodyPr/>
+                    <a:lstStyle/>
+                    <a:p>
+                      <a:endParaRPr lang="en-SG"/>
+                    </a:p>
+                  </a:txBody>
+                  <a:tcPr/>
+                </a:tc>
+                <a:tc hMerge="1">
+                  <a:txBody>
+                    <a:bodyPr/>
+                    <a:lstStyle/>
+                    <a:p>
+                      <a:endParaRPr lang="en-SG" dirty="0"/>
+                    </a:p>
+                  </a:txBody>
+                  <a:tcPr/>
+                </a:tc>
+                <a:tc hMerge="1">
+                  <a:txBody>
+                    <a:bodyPr/>
+                    <a:lstStyle/>
+                    <a:p>
+                      <a:endParaRPr lang="en-SG" dirty="0"/>
+                    </a:p>
+                  </a:txBody>
+                  <a:tcPr/>
+                </a:tc>
+                <a:tc hMerge="1">
+                  <a:txBody>
+                    <a:bodyPr/>
+                    <a:lstStyle/>
+                    <a:p>
+                      <a:endParaRPr lang="en-SG" dirty="0"/>
+                    </a:p>
+                  </a:txBody>
+                  <a:tcPr/>
+                </a:tc>
+                <a:extLst>
+                  <a:ext uri="{0D108BD9-81ED-4DB2-BD59-A6C34878D82A}">
+                    <a16:rowId xmlns:a16="http://schemas.microsoft.com/office/drawing/2014/main" val="1977855465"/>
+                  </a:ext>
+                </a:extLst>
+              </a:tr>
+              <a:tr h="370840">
+                <a:tc>
+                  <a:txBody>
+                    <a:bodyPr/>
+                    <a:lstStyle/>
+                    <a:p>
+                      <a:pPr algn="l"/>
+                      <a:r>
+                        <a:rPr lang="en-SG" sz="1600" dirty="0"/>
+                        <a:t>Volume</a:t>
+                      </a:r>
+                    </a:p>
+                  </a:txBody>
+                  <a:tcPr/>
+                </a:tc>
+                <a:tc>
+                  <a:txBody>
+                    <a:bodyPr/>
+                    <a:lstStyle/>
+                    <a:p>
+                      <a:pPr algn="l"/>
+                      <a:r>
+                        <a:rPr lang="en-SG" sz="1600" dirty="0"/>
+                        <a:t>ML or Human</a:t>
+                      </a:r>
+                    </a:p>
+                  </a:txBody>
+                  <a:tcPr/>
+                </a:tc>
+                <a:tc>
+                  <a:txBody>
+                    <a:bodyPr/>
+                    <a:lstStyle/>
+                    <a:p>
+                      <a:pPr algn="l"/>
+                      <a:r>
+                        <a:rPr lang="en-SG" sz="1600" dirty="0"/>
+                        <a:t>Aspiration Rate</a:t>
+                      </a:r>
+                    </a:p>
+                  </a:txBody>
+                  <a:tcPr/>
+                </a:tc>
+                <a:tc>
+                  <a:txBody>
+                    <a:bodyPr/>
+                    <a:lstStyle/>
+                    <a:p>
+                      <a:pPr algn="l"/>
+                      <a:r>
+                        <a:rPr lang="en-SG" sz="1600" dirty="0"/>
+                        <a:t>Dispense Rate</a:t>
+                      </a:r>
+                    </a:p>
+                  </a:txBody>
+                  <a:tcPr/>
+                </a:tc>
+                <a:tc>
+                  <a:txBody>
+                    <a:bodyPr/>
+                    <a:lstStyle/>
+                    <a:p>
+                      <a:pPr algn="l"/>
+                      <a:r>
+                        <a:rPr lang="en-SG" sz="1600" dirty="0"/>
+                        <a:t>Blow Out Rate</a:t>
+                      </a:r>
+                    </a:p>
+                  </a:txBody>
+                  <a:tcPr/>
+                </a:tc>
+                <a:tc>
+                  <a:txBody>
+                    <a:bodyPr/>
+                    <a:lstStyle/>
+                    <a:p>
+                      <a:pPr algn="l"/>
+                      <a:r>
+                        <a:rPr lang="en-SG" sz="1600" dirty="0"/>
+                        <a:t>Delay Aspirate</a:t>
+                      </a:r>
+                    </a:p>
+                  </a:txBody>
+                  <a:tcPr/>
+                </a:tc>
+                <a:tc>
+                  <a:txBody>
+                    <a:bodyPr/>
+                    <a:lstStyle/>
+                    <a:p>
+                      <a:pPr algn="l"/>
+                      <a:r>
+                        <a:rPr lang="en-SG" sz="1600" dirty="0"/>
+                        <a:t>Delay Dispense</a:t>
+                      </a:r>
+                    </a:p>
+                  </a:txBody>
+                  <a:tcPr/>
+                </a:tc>
+                <a:tc>
+                  <a:txBody>
+                    <a:bodyPr/>
+                    <a:lstStyle/>
+                    <a:p>
+                      <a:pPr algn="l"/>
+                      <a:r>
+                        <a:rPr lang="en-SG" sz="1600" dirty="0"/>
+                        <a:t>Delay Blow Out</a:t>
+                      </a:r>
+                    </a:p>
+                  </a:txBody>
+                  <a:tcPr/>
+                </a:tc>
+                <a:tc>
+                  <a:txBody>
+                    <a:bodyPr/>
+                    <a:lstStyle/>
+                    <a:p>
+                      <a:pPr algn="l"/>
+                      <a:r>
+                        <a:rPr lang="en-SG" sz="1600" dirty="0"/>
+                        <a:t>%error</a:t>
+                      </a:r>
+                    </a:p>
+                  </a:txBody>
+                  <a:tcPr/>
+                </a:tc>
+                <a:tc>
+                  <a:txBody>
+                    <a:bodyPr/>
+                    <a:lstStyle/>
+                    <a:p>
+                      <a:pPr algn="l"/>
+                      <a:r>
+                        <a:rPr lang="en-SG" sz="1600" dirty="0"/>
+                        <a:t>Total Time for transfer</a:t>
+                      </a:r>
+                    </a:p>
+                  </a:txBody>
+                  <a:tcPr/>
+                </a:tc>
+                <a:tc>
+                  <a:txBody>
+                    <a:bodyPr/>
+                    <a:lstStyle/>
+                    <a:p>
+                      <a:pPr algn="l"/>
+                      <a:r>
+                        <a:rPr lang="en-SG" sz="1600" dirty="0"/>
+                        <a:t>Iteration</a:t>
+                      </a:r>
+                    </a:p>
+                  </a:txBody>
+                  <a:tcPr/>
+                </a:tc>
+                <a:extLst>
+                  <a:ext uri="{0D108BD9-81ED-4DB2-BD59-A6C34878D82A}">
+                    <a16:rowId xmlns:a16="http://schemas.microsoft.com/office/drawing/2014/main" val="360042618"/>
+                  </a:ext>
+                </a:extLst>
+              </a:tr>
+              <a:tr h="370840">
+                <a:tc>
+                  <a:txBody>
+                    <a:bodyPr/>
+                    <a:lstStyle/>
+                    <a:p>
+                      <a:pPr algn="l"/>
+                      <a:r>
+                        <a:rPr lang="en-SG" sz="1600" dirty="0"/>
+                        <a:t>300</a:t>
+                      </a:r>
+                    </a:p>
+                  </a:txBody>
+                  <a:tcPr/>
+                </a:tc>
+                <a:tc>
+                  <a:txBody>
+                    <a:bodyPr/>
+                    <a:lstStyle/>
+                    <a:p>
+                      <a:pPr algn="l"/>
+                      <a:r>
+                        <a:rPr lang="en-SG" sz="1600"/>
+                        <a:t>ML</a:t>
+                      </a:r>
+                      <a:endParaRPr lang="en-SG" sz="1600" dirty="0"/>
+                    </a:p>
+                  </a:txBody>
+                  <a:tcPr/>
+                </a:tc>
+                <a:tc>
+                  <a:txBody>
+                    <a:bodyPr/>
+                    <a:lstStyle/>
+                    <a:p>
+                      <a:pPr algn="l"/>
+                      <a:r>
+                        <a:rPr lang="en-SG" sz="1600" b="0" i="0" kern="1200" dirty="0">
+                          <a:solidFill>
+                            <a:schemeClr val="dk1"/>
+                          </a:solidFill>
+                          <a:effectLst/>
+                          <a:latin typeface="+mn-lt"/>
+                          <a:ea typeface="+mn-ea"/>
+                          <a:cs typeface="+mn-cs"/>
+                        </a:rPr>
+                        <a:t>80.219249</a:t>
+                      </a:r>
+                      <a:endParaRPr lang="en-SG" sz="1600" dirty="0"/>
+                    </a:p>
+                  </a:txBody>
+                  <a:tcPr/>
+                </a:tc>
+                <a:tc>
+                  <a:txBody>
+                    <a:bodyPr/>
+                    <a:lstStyle/>
+                    <a:p>
+                      <a:pPr algn="l" fontAlgn="ctr"/>
+                      <a:r>
+                        <a:rPr lang="en-SG" sz="1600" dirty="0">
+                          <a:effectLst/>
+                        </a:rPr>
+                        <a:t>40.113611</a:t>
+                      </a:r>
+                    </a:p>
+                  </a:txBody>
+                  <a:tcPr anchor="ctr"/>
+                </a:tc>
+                <a:tc>
+                  <a:txBody>
+                    <a:bodyPr/>
+                    <a:lstStyle/>
+                    <a:p>
+                      <a:pPr algn="l"/>
+                      <a:r>
+                        <a:rPr lang="en-SG" sz="1600" dirty="0"/>
+                        <a:t>0</a:t>
+                      </a:r>
+                    </a:p>
+                  </a:txBody>
+                  <a:tcPr/>
+                </a:tc>
+                <a:tc>
+                  <a:txBody>
+                    <a:bodyPr/>
+                    <a:lstStyle/>
+                    <a:p>
+                      <a:pPr algn="l"/>
+                      <a:r>
+                        <a:rPr lang="en-SG" sz="1600" dirty="0"/>
+                        <a:t>5</a:t>
+                      </a:r>
+                    </a:p>
+                  </a:txBody>
+                  <a:tcPr/>
+                </a:tc>
+                <a:tc>
+                  <a:txBody>
+                    <a:bodyPr/>
+                    <a:lstStyle/>
+                    <a:p>
+                      <a:pPr algn="l"/>
+                      <a:r>
+                        <a:rPr lang="en-SG" sz="1600" dirty="0"/>
+                        <a:t>5</a:t>
+                      </a:r>
+                    </a:p>
+                  </a:txBody>
+                  <a:tcPr/>
+                </a:tc>
+                <a:tc>
+                  <a:txBody>
+                    <a:bodyPr/>
+                    <a:lstStyle/>
+                    <a:p>
+                      <a:pPr algn="l" fontAlgn="ctr"/>
+                      <a:r>
+                        <a:rPr lang="en-SG" sz="1600" dirty="0">
+                          <a:effectLst/>
+                        </a:rPr>
+                        <a:t>0</a:t>
+                      </a:r>
+                    </a:p>
+                  </a:txBody>
+                  <a:tcPr anchor="ctr"/>
+                </a:tc>
+                <a:tc>
+                  <a:txBody>
+                    <a:bodyPr/>
+                    <a:lstStyle/>
+                    <a:p>
+                      <a:pPr algn="l" fontAlgn="ctr"/>
+                      <a:r>
+                        <a:rPr lang="en-SG" sz="1600" dirty="0">
+                          <a:effectLst/>
+                        </a:rPr>
+                        <a:t>+0.011575</a:t>
+                      </a:r>
+                    </a:p>
+                  </a:txBody>
+                  <a:tcPr anchor="ctr"/>
+                </a:tc>
+                <a:tc>
+                  <a:txBody>
+                    <a:bodyPr/>
+                    <a:lstStyle/>
+                    <a:p>
+                      <a:pPr algn="l"/>
+                      <a:r>
+                        <a:rPr lang="en-SG" sz="1600" dirty="0"/>
+                        <a:t>47.395030	</a:t>
+                      </a:r>
+                    </a:p>
+                  </a:txBody>
+                  <a:tcPr/>
+                </a:tc>
+                <a:tc>
+                  <a:txBody>
+                    <a:bodyPr/>
+                    <a:lstStyle/>
+                    <a:p>
+                      <a:pPr algn="l"/>
+                      <a:r>
+                        <a:rPr lang="en-SG" sz="1600" dirty="0"/>
+                        <a:t>9</a:t>
+                      </a:r>
+                    </a:p>
+                  </a:txBody>
+                  <a:tcPr/>
+                </a:tc>
+                <a:extLst>
+                  <a:ext uri="{0D108BD9-81ED-4DB2-BD59-A6C34878D82A}">
+                    <a16:rowId xmlns:a16="http://schemas.microsoft.com/office/drawing/2014/main" val="2839940444"/>
+                  </a:ext>
+                </a:extLst>
+              </a:tr>
+              <a:tr h="370840">
+                <a:tc>
+                  <a:txBody>
+                    <a:bodyPr/>
+                    <a:lstStyle/>
+                    <a:p>
+                      <a:pPr algn="l"/>
+                      <a:r>
+                        <a:rPr lang="en-SG" sz="1600" dirty="0"/>
+                        <a:t>300</a:t>
+                      </a:r>
+                    </a:p>
+                  </a:txBody>
+                  <a:tcPr/>
+                </a:tc>
+                <a:tc>
+                  <a:txBody>
+                    <a:bodyPr/>
+                    <a:lstStyle/>
+                    <a:p>
+                      <a:pPr algn="l"/>
+                      <a:r>
+                        <a:rPr lang="en-SG" sz="1600" dirty="0"/>
+                        <a:t>Human</a:t>
+                      </a:r>
+                    </a:p>
+                  </a:txBody>
+                  <a:tcPr/>
+                </a:tc>
+                <a:tc>
+                  <a:txBody>
+                    <a:bodyPr/>
+                    <a:lstStyle/>
+                    <a:p>
+                      <a:pPr algn="l"/>
+                      <a:r>
+                        <a:rPr lang="en-SG" sz="1600" dirty="0"/>
+                        <a:t>70</a:t>
+                      </a:r>
+                    </a:p>
+                  </a:txBody>
+                  <a:tcPr/>
+                </a:tc>
+                <a:tc>
+                  <a:txBody>
+                    <a:bodyPr/>
+                    <a:lstStyle/>
+                    <a:p>
+                      <a:pPr algn="l"/>
+                      <a:r>
+                        <a:rPr lang="en-SG" sz="1600" dirty="0"/>
+                        <a:t>70</a:t>
+                      </a:r>
+                    </a:p>
+                  </a:txBody>
+                  <a:tcPr/>
+                </a:tc>
+                <a:tc>
+                  <a:txBody>
+                    <a:bodyPr/>
+                    <a:lstStyle/>
+                    <a:p>
+                      <a:pPr algn="l"/>
+                      <a:r>
+                        <a:rPr lang="en-SG" sz="1600" dirty="0"/>
+                        <a:t>5</a:t>
+                      </a:r>
+                    </a:p>
+                  </a:txBody>
+                  <a:tcPr/>
+                </a:tc>
+                <a:tc>
+                  <a:txBody>
+                    <a:bodyPr/>
+                    <a:lstStyle/>
+                    <a:p>
+                      <a:pPr algn="l"/>
+                      <a:r>
+                        <a:rPr lang="en-SG" sz="1600" dirty="0"/>
+                        <a:t>0.3</a:t>
+                      </a:r>
+                    </a:p>
+                  </a:txBody>
+                  <a:tcPr/>
+                </a:tc>
+                <a:tc>
+                  <a:txBody>
+                    <a:bodyPr/>
+                    <a:lstStyle/>
+                    <a:p>
+                      <a:pPr algn="l"/>
+                      <a:r>
+                        <a:rPr lang="en-SG" sz="1600" dirty="0"/>
+                        <a:t>0</a:t>
+                      </a:r>
+                    </a:p>
+                  </a:txBody>
+                  <a:tcPr/>
+                </a:tc>
+                <a:tc>
+                  <a:txBody>
+                    <a:bodyPr/>
+                    <a:lstStyle/>
+                    <a:p>
+                      <a:pPr algn="l"/>
+                      <a:r>
+                        <a:rPr lang="en-SG" sz="1600" dirty="0"/>
+                        <a:t>0</a:t>
+                      </a:r>
+                    </a:p>
+                  </a:txBody>
+                  <a:tcPr/>
+                </a:tc>
+                <a:tc>
+                  <a:txBody>
+                    <a:bodyPr/>
+                    <a:lstStyle/>
+                    <a:p>
+                      <a:pPr algn="l"/>
+                      <a:r>
+                        <a:rPr lang="en-SG" sz="1600" b="0" i="0" kern="1200" dirty="0">
+                          <a:solidFill>
+                            <a:schemeClr val="dk1"/>
+                          </a:solidFill>
+                          <a:effectLst/>
+                          <a:latin typeface="+mn-lt"/>
+                          <a:ea typeface="+mn-ea"/>
+                          <a:cs typeface="+mn-cs"/>
+                        </a:rPr>
+                        <a:t>-0.451441</a:t>
+                      </a:r>
+                      <a:endParaRPr lang="en-SG" sz="1600" dirty="0"/>
+                    </a:p>
+                  </a:txBody>
+                  <a:tcPr/>
+                </a:tc>
+                <a:tc>
+                  <a:txBody>
+                    <a:bodyPr/>
+                    <a:lstStyle/>
+                    <a:p>
+                      <a:pPr algn="l"/>
+                      <a:r>
+                        <a:rPr lang="en-SG" sz="1600"/>
+                        <a:t>28.871429</a:t>
+                      </a:r>
+                    </a:p>
+                  </a:txBody>
+                  <a:tcPr/>
+                </a:tc>
+                <a:tc>
+                  <a:txBody>
+                    <a:bodyPr/>
+                    <a:lstStyle/>
+                    <a:p>
+                      <a:pPr algn="l"/>
+                      <a:r>
+                        <a:rPr lang="en-SG" sz="1600" dirty="0"/>
+                        <a:t>3</a:t>
+                      </a:r>
+                    </a:p>
+                  </a:txBody>
+                  <a:tcPr/>
+                </a:tc>
+                <a:extLst>
+                  <a:ext uri="{0D108BD9-81ED-4DB2-BD59-A6C34878D82A}">
+                    <a16:rowId xmlns:a16="http://schemas.microsoft.com/office/drawing/2014/main" val="2296966347"/>
+                  </a:ext>
+                </a:extLst>
+              </a:tr>
+              <a:tr h="370840">
+                <a:tc>
+                  <a:txBody>
+                    <a:bodyPr/>
+                    <a:lstStyle/>
+                    <a:p>
+                      <a:pPr algn="l"/>
+                      <a:r>
+                        <a:rPr lang="en-SG" sz="1600" dirty="0"/>
+                        <a:t>500</a:t>
+                      </a:r>
+                    </a:p>
+                  </a:txBody>
+                  <a:tcPr/>
+                </a:tc>
+                <a:tc>
+                  <a:txBody>
+                    <a:bodyPr/>
+                    <a:lstStyle/>
+                    <a:p>
+                      <a:pPr algn="l"/>
+                      <a:r>
+                        <a:rPr lang="en-SG" sz="1600" dirty="0"/>
+                        <a:t>ML</a:t>
+                      </a:r>
+                    </a:p>
+                  </a:txBody>
+                  <a:tcPr/>
+                </a:tc>
+                <a:tc>
+                  <a:txBody>
+                    <a:bodyPr/>
+                    <a:lstStyle/>
+                    <a:p>
+                      <a:pPr algn="l"/>
+                      <a:r>
+                        <a:rPr lang="en-SG" sz="1600" dirty="0"/>
+                        <a:t>81.334604</a:t>
+                      </a:r>
+                    </a:p>
+                  </a:txBody>
+                  <a:tcPr/>
+                </a:tc>
+                <a:tc>
+                  <a:txBody>
+                    <a:bodyPr/>
+                    <a:lstStyle/>
+                    <a:p>
+                      <a:pPr algn="l"/>
+                      <a:r>
+                        <a:rPr lang="en-SG" sz="1600" dirty="0"/>
+                        <a:t>44.694355</a:t>
+                      </a:r>
+                    </a:p>
+                  </a:txBody>
+                  <a:tcPr/>
+                </a:tc>
+                <a:tc>
+                  <a:txBody>
+                    <a:bodyPr/>
+                    <a:lstStyle/>
+                    <a:p>
+                      <a:pPr algn="l"/>
+                      <a:r>
+                        <a:rPr lang="en-SG" sz="1600" dirty="0"/>
+                        <a:t>0</a:t>
+                      </a:r>
+                    </a:p>
+                  </a:txBody>
+                  <a:tcPr/>
+                </a:tc>
+                <a:tc>
+                  <a:txBody>
+                    <a:bodyPr/>
+                    <a:lstStyle/>
+                    <a:p>
+                      <a:pPr algn="l"/>
+                      <a:r>
+                        <a:rPr lang="en-SG" sz="1600" dirty="0"/>
+                        <a:t>5</a:t>
+                      </a:r>
+                    </a:p>
+                  </a:txBody>
+                  <a:tcPr/>
+                </a:tc>
+                <a:tc>
+                  <a:txBody>
+                    <a:bodyPr/>
+                    <a:lstStyle/>
+                    <a:p>
+                      <a:pPr algn="l"/>
+                      <a:r>
+                        <a:rPr lang="en-SG" sz="1600" dirty="0"/>
+                        <a:t>5</a:t>
+                      </a:r>
+                    </a:p>
+                  </a:txBody>
+                  <a:tcPr/>
+                </a:tc>
+                <a:tc>
+                  <a:txBody>
+                    <a:bodyPr/>
+                    <a:lstStyle/>
+                    <a:p>
+                      <a:pPr algn="l"/>
+                      <a:r>
+                        <a:rPr lang="en-SG" sz="1600" dirty="0"/>
+                        <a:t>0</a:t>
+                      </a:r>
+                    </a:p>
+                  </a:txBody>
+                  <a:tcPr/>
+                </a:tc>
+                <a:tc>
+                  <a:txBody>
+                    <a:bodyPr/>
+                    <a:lstStyle/>
+                    <a:p>
+                      <a:pPr algn="l"/>
+                      <a:r>
+                        <a:rPr lang="en-SG" sz="1600" dirty="0"/>
+                        <a:t>-0.219933	</a:t>
+                      </a:r>
+                    </a:p>
+                  </a:txBody>
+                  <a:tcPr/>
+                </a:tc>
+                <a:tc>
+                  <a:txBody>
+                    <a:bodyPr/>
+                    <a:lstStyle/>
+                    <a:p>
+                      <a:pPr algn="l"/>
+                      <a:r>
+                        <a:rPr lang="en-SG" sz="1600" dirty="0"/>
+                        <a:t>44.669080</a:t>
+                      </a:r>
+                    </a:p>
+                  </a:txBody>
+                  <a:tcPr/>
+                </a:tc>
+                <a:tc>
+                  <a:txBody>
+                    <a:bodyPr/>
+                    <a:lstStyle/>
+                    <a:p>
+                      <a:pPr algn="l"/>
+                      <a:r>
+                        <a:rPr lang="en-SG" sz="1600" dirty="0"/>
+                        <a:t>10</a:t>
+                      </a:r>
+                    </a:p>
+                  </a:txBody>
+                  <a:tcPr/>
+                </a:tc>
+                <a:extLst>
+                  <a:ext uri="{0D108BD9-81ED-4DB2-BD59-A6C34878D82A}">
+                    <a16:rowId xmlns:a16="http://schemas.microsoft.com/office/drawing/2014/main" val="1124578759"/>
+                  </a:ext>
+                </a:extLst>
+              </a:tr>
+              <a:tr h="370840">
+                <a:tc>
+                  <a:txBody>
+                    <a:bodyPr/>
+                    <a:lstStyle/>
+                    <a:p>
+                      <a:pPr algn="l"/>
+                      <a:r>
+                        <a:rPr lang="en-SG" sz="1600" dirty="0"/>
+                        <a:t>500</a:t>
+                      </a:r>
+                    </a:p>
+                  </a:txBody>
+                  <a:tcPr/>
+                </a:tc>
+                <a:tc>
+                  <a:txBody>
+                    <a:bodyPr/>
+                    <a:lstStyle/>
+                    <a:p>
+                      <a:pPr algn="l"/>
+                      <a:r>
+                        <a:rPr lang="en-SG" sz="1600" dirty="0"/>
+                        <a:t>Human</a:t>
+                      </a:r>
+                    </a:p>
+                  </a:txBody>
+                  <a:tcPr/>
+                </a:tc>
+                <a:tc>
+                  <a:txBody>
+                    <a:bodyPr/>
+                    <a:lstStyle/>
+                    <a:p>
+                      <a:pPr algn="l"/>
+                      <a:endParaRPr lang="en-SG" sz="1600" dirty="0"/>
+                    </a:p>
+                  </a:txBody>
+                  <a:tcPr/>
+                </a:tc>
+                <a:tc>
+                  <a:txBody>
+                    <a:bodyPr/>
+                    <a:lstStyle/>
+                    <a:p>
+                      <a:pPr algn="l"/>
+                      <a:endParaRPr lang="en-SG" sz="1600" dirty="0"/>
+                    </a:p>
+                  </a:txBody>
+                  <a:tcPr/>
+                </a:tc>
+                <a:tc>
+                  <a:txBody>
+                    <a:bodyPr/>
+                    <a:lstStyle/>
+                    <a:p>
+                      <a:pPr algn="l"/>
+                      <a:endParaRPr lang="en-SG" sz="1600" dirty="0"/>
+                    </a:p>
+                  </a:txBody>
+                  <a:tcPr/>
+                </a:tc>
+                <a:tc>
+                  <a:txBody>
+                    <a:bodyPr/>
+                    <a:lstStyle/>
+                    <a:p>
+                      <a:pPr algn="l"/>
+                      <a:endParaRPr lang="en-SG" sz="1600" dirty="0"/>
+                    </a:p>
+                  </a:txBody>
+                  <a:tcPr/>
+                </a:tc>
+                <a:tc>
+                  <a:txBody>
+                    <a:bodyPr/>
+                    <a:lstStyle/>
+                    <a:p>
+                      <a:pPr algn="l"/>
+                      <a:endParaRPr lang="en-SG" sz="1600" dirty="0"/>
+                    </a:p>
+                  </a:txBody>
+                  <a:tcPr/>
+                </a:tc>
+                <a:tc>
+                  <a:txBody>
+                    <a:bodyPr/>
+                    <a:lstStyle/>
+                    <a:p>
+                      <a:pPr algn="l"/>
+                      <a:endParaRPr lang="en-SG" sz="1600" dirty="0"/>
+                    </a:p>
+                  </a:txBody>
+                  <a:tcPr/>
+                </a:tc>
+                <a:tc>
+                  <a:txBody>
+                    <a:bodyPr/>
+                    <a:lstStyle/>
+                    <a:p>
+                      <a:pPr algn="l"/>
+                      <a:endParaRPr lang="en-SG" sz="1600" dirty="0"/>
+                    </a:p>
+                  </a:txBody>
+                  <a:tcPr/>
+                </a:tc>
+                <a:tc>
+                  <a:txBody>
+                    <a:bodyPr/>
+                    <a:lstStyle/>
+                    <a:p>
+                      <a:pPr algn="l"/>
+                      <a:endParaRPr lang="en-SG" sz="1600"/>
+                    </a:p>
+                  </a:txBody>
+                  <a:tcPr/>
+                </a:tc>
+                <a:tc>
+                  <a:txBody>
+                    <a:bodyPr/>
+                    <a:lstStyle/>
+                    <a:p>
+                      <a:pPr algn="l"/>
+                      <a:endParaRPr lang="en-SG" sz="1600" dirty="0"/>
+                    </a:p>
+                  </a:txBody>
+                  <a:tcPr/>
+                </a:tc>
+                <a:extLst>
+                  <a:ext uri="{0D108BD9-81ED-4DB2-BD59-A6C34878D82A}">
+                    <a16:rowId xmlns:a16="http://schemas.microsoft.com/office/drawing/2014/main" val="480828811"/>
+                  </a:ext>
+                </a:extLst>
+              </a:tr>
+              <a:tr h="370840">
+                <a:tc>
+                  <a:txBody>
+                    <a:bodyPr/>
+                    <a:lstStyle/>
+                    <a:p>
+                      <a:pPr algn="l"/>
+                      <a:r>
+                        <a:rPr lang="en-SG" sz="1600" dirty="0"/>
+                        <a:t>1000</a:t>
+                      </a:r>
+                    </a:p>
+                  </a:txBody>
+                  <a:tcPr/>
+                </a:tc>
+                <a:tc>
+                  <a:txBody>
+                    <a:bodyPr/>
+                    <a:lstStyle/>
+                    <a:p>
+                      <a:pPr algn="l"/>
+                      <a:r>
+                        <a:rPr lang="en-SG" sz="1600" dirty="0"/>
+                        <a:t>ML</a:t>
+                      </a:r>
+                    </a:p>
+                  </a:txBody>
+                  <a:tcPr/>
+                </a:tc>
+                <a:tc>
+                  <a:txBody>
+                    <a:bodyPr/>
+                    <a:lstStyle/>
+                    <a:p>
+                      <a:pPr algn="l"/>
+                      <a:endParaRPr lang="en-SG" sz="1600" dirty="0"/>
+                    </a:p>
+                  </a:txBody>
+                  <a:tcPr/>
+                </a:tc>
+                <a:tc>
+                  <a:txBody>
+                    <a:bodyPr/>
+                    <a:lstStyle/>
+                    <a:p>
+                      <a:pPr algn="l"/>
+                      <a:endParaRPr lang="en-SG" sz="1600" dirty="0"/>
+                    </a:p>
+                  </a:txBody>
+                  <a:tcPr/>
+                </a:tc>
+                <a:tc>
+                  <a:txBody>
+                    <a:bodyPr/>
+                    <a:lstStyle/>
+                    <a:p>
+                      <a:pPr algn="l"/>
+                      <a:endParaRPr lang="en-SG" sz="1600" dirty="0"/>
+                    </a:p>
+                  </a:txBody>
+                  <a:tcPr/>
+                </a:tc>
+                <a:tc>
+                  <a:txBody>
+                    <a:bodyPr/>
+                    <a:lstStyle/>
+                    <a:p>
+                      <a:pPr algn="l"/>
+                      <a:endParaRPr lang="en-SG" sz="1600" dirty="0"/>
+                    </a:p>
+                  </a:txBody>
+                  <a:tcPr/>
+                </a:tc>
+                <a:tc>
+                  <a:txBody>
+                    <a:bodyPr/>
+                    <a:lstStyle/>
+                    <a:p>
+                      <a:pPr algn="l"/>
+                      <a:endParaRPr lang="en-SG" sz="1600" dirty="0"/>
+                    </a:p>
+                  </a:txBody>
+                  <a:tcPr/>
+                </a:tc>
+                <a:tc>
+                  <a:txBody>
+                    <a:bodyPr/>
+                    <a:lstStyle/>
+                    <a:p>
+                      <a:pPr algn="l"/>
+                      <a:endParaRPr lang="en-SG" sz="1600" dirty="0"/>
+                    </a:p>
+                  </a:txBody>
+                  <a:tcPr/>
+                </a:tc>
+                <a:tc>
+                  <a:txBody>
+                    <a:bodyPr/>
+                    <a:lstStyle/>
+                    <a:p>
+                      <a:pPr algn="l"/>
+                      <a:endParaRPr lang="en-SG" sz="1600" dirty="0"/>
+                    </a:p>
+                  </a:txBody>
+                  <a:tcPr/>
+                </a:tc>
+                <a:tc>
+                  <a:txBody>
+                    <a:bodyPr/>
+                    <a:lstStyle/>
+                    <a:p>
+                      <a:pPr algn="l"/>
+                      <a:endParaRPr lang="en-SG" sz="1600"/>
+                    </a:p>
+                  </a:txBody>
+                  <a:tcPr/>
+                </a:tc>
+                <a:tc>
+                  <a:txBody>
+                    <a:bodyPr/>
+                    <a:lstStyle/>
+                    <a:p>
+                      <a:pPr algn="l"/>
+                      <a:endParaRPr lang="en-SG" sz="1600" dirty="0"/>
+                    </a:p>
+                  </a:txBody>
+                  <a:tcPr/>
+                </a:tc>
+                <a:extLst>
+                  <a:ext uri="{0D108BD9-81ED-4DB2-BD59-A6C34878D82A}">
+                    <a16:rowId xmlns:a16="http://schemas.microsoft.com/office/drawing/2014/main" val="823961516"/>
+                  </a:ext>
+                </a:extLst>
+              </a:tr>
+              <a:tr h="370840">
+                <a:tc>
+                  <a:txBody>
+                    <a:bodyPr/>
+                    <a:lstStyle/>
+                    <a:p>
+                      <a:pPr algn="l"/>
+                      <a:r>
+                        <a:rPr lang="en-SG" sz="1600" dirty="0"/>
+                        <a:t>1000</a:t>
+                      </a:r>
+                    </a:p>
+                  </a:txBody>
+                  <a:tcPr/>
+                </a:tc>
+                <a:tc>
+                  <a:txBody>
+                    <a:bodyPr/>
+                    <a:lstStyle/>
+                    <a:p>
+                      <a:pPr algn="l"/>
+                      <a:r>
+                        <a:rPr lang="en-SG" sz="1600" dirty="0"/>
+                        <a:t>Human</a:t>
+                      </a:r>
+                    </a:p>
+                  </a:txBody>
+                  <a:tcPr/>
+                </a:tc>
+                <a:tc>
+                  <a:txBody>
+                    <a:bodyPr/>
+                    <a:lstStyle/>
+                    <a:p>
+                      <a:pPr algn="l"/>
+                      <a:endParaRPr lang="en-SG" sz="1600" dirty="0"/>
+                    </a:p>
+                  </a:txBody>
+                  <a:tcPr/>
+                </a:tc>
+                <a:tc>
+                  <a:txBody>
+                    <a:bodyPr/>
+                    <a:lstStyle/>
+                    <a:p>
+                      <a:pPr algn="l"/>
+                      <a:endParaRPr lang="en-SG" sz="1600" dirty="0"/>
+                    </a:p>
+                  </a:txBody>
+                  <a:tcPr/>
+                </a:tc>
+                <a:tc>
+                  <a:txBody>
+                    <a:bodyPr/>
+                    <a:lstStyle/>
+                    <a:p>
+                      <a:pPr algn="l"/>
+                      <a:endParaRPr lang="en-SG" sz="1600" dirty="0"/>
+                    </a:p>
+                  </a:txBody>
+                  <a:tcPr/>
+                </a:tc>
+                <a:tc>
+                  <a:txBody>
+                    <a:bodyPr/>
+                    <a:lstStyle/>
+                    <a:p>
+                      <a:pPr algn="l"/>
+                      <a:endParaRPr lang="en-SG" sz="1600" dirty="0"/>
+                    </a:p>
+                  </a:txBody>
+                  <a:tcPr/>
+                </a:tc>
+                <a:tc>
+                  <a:txBody>
+                    <a:bodyPr/>
+                    <a:lstStyle/>
+                    <a:p>
+                      <a:pPr algn="l"/>
+                      <a:endParaRPr lang="en-SG" sz="1600" dirty="0"/>
+                    </a:p>
+                  </a:txBody>
+                  <a:tcPr/>
+                </a:tc>
+                <a:tc>
+                  <a:txBody>
+                    <a:bodyPr/>
+                    <a:lstStyle/>
+                    <a:p>
+                      <a:pPr algn="l"/>
+                      <a:endParaRPr lang="en-SG" sz="1600" dirty="0"/>
+                    </a:p>
+                  </a:txBody>
+                  <a:tcPr/>
+                </a:tc>
+                <a:tc>
+                  <a:txBody>
+                    <a:bodyPr/>
+                    <a:lstStyle/>
+                    <a:p>
+                      <a:pPr algn="l"/>
+                      <a:endParaRPr lang="en-SG" sz="1600" dirty="0"/>
+                    </a:p>
+                  </a:txBody>
+                  <a:tcPr/>
+                </a:tc>
+                <a:tc>
+                  <a:txBody>
+                    <a:bodyPr/>
+                    <a:lstStyle/>
+                    <a:p>
+                      <a:pPr algn="l"/>
+                      <a:endParaRPr lang="en-SG" sz="1600"/>
+                    </a:p>
+                  </a:txBody>
+                  <a:tcPr/>
+                </a:tc>
+                <a:tc>
+                  <a:txBody>
+                    <a:bodyPr/>
+                    <a:lstStyle/>
+                    <a:p>
+                      <a:pPr algn="l"/>
+                      <a:endParaRPr lang="en-SG" sz="1600" dirty="0"/>
+                    </a:p>
+                  </a:txBody>
+                  <a:tcPr/>
+                </a:tc>
+                <a:extLst>
+                  <a:ext uri="{0D108BD9-81ED-4DB2-BD59-A6C34878D82A}">
+                    <a16:rowId xmlns:a16="http://schemas.microsoft.com/office/drawing/2014/main" val="2473693101"/>
+                  </a:ext>
+                </a:extLst>
+              </a:tr>
+            </a:tbl>
+          </a:graphicData>
+        </a:graphic>
+      </p:graphicFrame>
+      <p:sp>
+        <p:nvSpPr>
+          <p:cNvPr id="3" name="TextBox 2">
+            <a:extLst>
+              <a:ext uri="{FF2B5EF4-FFF2-40B4-BE49-F238E27FC236}">
+                <a16:creationId xmlns:a16="http://schemas.microsoft.com/office/drawing/2014/main" id="{1308D0C7-1A45-BA0F-910E-1B76483ABB3D}"/>
+              </a:ext>
+            </a:extLst>
+          </p:cNvPr>
+          <p:cNvSpPr txBox="1"/>
+          <p:nvPr/>
+        </p:nvSpPr>
+        <p:spPr>
+          <a:xfrm>
+            <a:off x="1786466" y="575733"/>
+            <a:ext cx="8619067" cy="369332"/>
+          </a:xfrm>
+          <a:prstGeom prst="rect">
+            <a:avLst/>
+          </a:prstGeom>
+          <a:noFill/>
+        </p:spPr>
+        <p:txBody>
+          <a:bodyPr wrap="square" rtlCol="0">
+            <a:spAutoFit/>
+          </a:bodyPr>
+          <a:lstStyle/>
+          <a:p>
+            <a:pPr algn="ctr"/>
+            <a:r>
+              <a:rPr lang="en-SG" dirty="0"/>
+              <a:t>All experiments we have touch tip for aspiration, no touch tip for dispense</a:t>
+            </a:r>
+          </a:p>
+        </p:txBody>
+      </p:sp>
     </p:spTree>
     <p:extLst>
       <p:ext uri="{BB962C8B-B14F-4D97-AF65-F5344CB8AC3E}">

--- a/Opentrons_experiments/BOTorch_optimization/Shivam_Report/Graphs.pptx
+++ b/Opentrons_experiments/BOTorch_optimization/Shivam_Report/Graphs.pptx
@@ -4311,7 +4311,7 @@
       </p:grpSpPr>
       <p:pic>
         <p:nvPicPr>
-          <p:cNvPr id="5" name="Picture 4" descr="A screenshot of a graph&#10;&#10;Description automatically generated with low confidence">
+          <p:cNvPr id="5" name="Picture 4">
             <a:extLst>
               <a:ext uri="{FF2B5EF4-FFF2-40B4-BE49-F238E27FC236}">
                 <a16:creationId xmlns:a16="http://schemas.microsoft.com/office/drawing/2014/main" id="{E4AEE1A4-545E-B5C5-AFF7-A1F299E9D393}"/>
@@ -4331,14 +4331,13 @@
               </a:ext>
             </a:extLst>
           </a:blip>
-          <a:stretch>
-            <a:fillRect/>
-          </a:stretch>
+          <a:srcRect/>
+          <a:stretch/>
         </p:blipFill>
         <p:spPr>
           <a:xfrm>
             <a:off x="266700" y="0"/>
-            <a:ext cx="11658600" cy="6858000"/>
+            <a:ext cx="11658600" cy="6857999"/>
           </a:xfrm>
           <a:prstGeom prst="rect">
             <a:avLst/>
@@ -4377,7 +4376,7 @@
       </p:grpSpPr>
       <p:pic>
         <p:nvPicPr>
-          <p:cNvPr id="3" name="Picture 2" descr="A picture containing diagram, text, line, plot&#10;&#10;Description automatically generated">
+          <p:cNvPr id="3" name="Picture 2">
             <a:extLst>
               <a:ext uri="{FF2B5EF4-FFF2-40B4-BE49-F238E27FC236}">
                 <a16:creationId xmlns:a16="http://schemas.microsoft.com/office/drawing/2014/main" id="{4D455D8F-3CE0-A86E-2D51-897DBDDF3079}"/>
@@ -4397,14 +4396,13 @@
               </a:ext>
             </a:extLst>
           </a:blip>
-          <a:stretch>
-            <a:fillRect/>
-          </a:stretch>
+          <a:srcRect/>
+          <a:stretch/>
         </p:blipFill>
         <p:spPr>
           <a:xfrm>
             <a:off x="266700" y="0"/>
-            <a:ext cx="11658600" cy="6858000"/>
+            <a:ext cx="11658600" cy="6857999"/>
           </a:xfrm>
           <a:prstGeom prst="rect">
             <a:avLst/>
@@ -4992,8 +4990,8 @@
             </p:pic>
           </mc:Fallback>
         </mc:AlternateContent>
-        <mc:AlternateContent xmlns:mc="http://schemas.openxmlformats.org/markup-compatibility/2006" xmlns:p14="http://schemas.microsoft.com/office/powerpoint/2010/main">
-          <mc:Choice Requires="p14">
+        <mc:AlternateContent xmlns:mc="http://schemas.openxmlformats.org/markup-compatibility/2006">
+          <mc:Choice xmlns:p14="http://schemas.microsoft.com/office/powerpoint/2010/main" Requires="p14">
             <p:contentPart p14:bwMode="auto" r:id="rId24">
               <p14:nvContentPartPr>
                 <p14:cNvPr id="18" name="Ink 17">
@@ -5012,7 +5010,7 @@
               </p14:xfrm>
             </p:contentPart>
           </mc:Choice>
-          <mc:Fallback xmlns="">
+          <mc:Fallback>
             <p:pic>
               <p:nvPicPr>
                 <p:cNvPr id="18" name="Ink 17">
@@ -5026,14 +5024,14 @@
                 <p:nvPr/>
               </p:nvPicPr>
               <p:blipFill>
-                <a:blip r:embed="rId8"/>
+                <a:blip r:embed="rId25"/>
                 <a:stretch>
                   <a:fillRect/>
                 </a:stretch>
               </p:blipFill>
               <p:spPr>
                 <a:xfrm>
-                  <a:off x="2099160" y="1701253"/>
+                  <a:off x="2099160" y="1700893"/>
                   <a:ext cx="18000" cy="18000"/>
                 </a:xfrm>
                 <a:prstGeom prst="rect">
@@ -5046,7 +5044,7 @@
       </p:grpSp>
       <mc:AlternateContent xmlns:mc="http://schemas.openxmlformats.org/markup-compatibility/2006" xmlns:p14="http://schemas.microsoft.com/office/powerpoint/2010/main">
         <mc:Choice Requires="p14">
-          <p:contentPart p14:bwMode="auto" r:id="rId25">
+          <p:contentPart p14:bwMode="auto" r:id="rId26">
             <p14:nvContentPartPr>
               <p14:cNvPr id="21" name="Ink 20">
                 <a:extLst>
@@ -5078,7 +5076,7 @@
               <p:nvPr/>
             </p:nvPicPr>
             <p:blipFill>
-              <a:blip r:embed="rId26"/>
+              <a:blip r:embed="rId27"/>
               <a:stretch>
                 <a:fillRect/>
               </a:stretch>
@@ -5097,7 +5095,7 @@
       </mc:AlternateContent>
       <mc:AlternateContent xmlns:mc="http://schemas.openxmlformats.org/markup-compatibility/2006" xmlns:p14="http://schemas.microsoft.com/office/powerpoint/2010/main">
         <mc:Choice Requires="p14">
-          <p:contentPart p14:bwMode="auto" r:id="rId27">
+          <p:contentPart p14:bwMode="auto" r:id="rId28">
             <p14:nvContentPartPr>
               <p14:cNvPr id="23" name="Ink 22">
                 <a:extLst>
@@ -5129,7 +5127,7 @@
               <p:nvPr/>
             </p:nvPicPr>
             <p:blipFill>
-              <a:blip r:embed="rId28"/>
+              <a:blip r:embed="rId29"/>
               <a:stretch>
                 <a:fillRect/>
               </a:stretch>
@@ -5148,7 +5146,7 @@
       </mc:AlternateContent>
       <mc:AlternateContent xmlns:mc="http://schemas.openxmlformats.org/markup-compatibility/2006" xmlns:p14="http://schemas.microsoft.com/office/powerpoint/2010/main">
         <mc:Choice Requires="p14">
-          <p:contentPart p14:bwMode="auto" r:id="rId29">
+          <p:contentPart p14:bwMode="auto" r:id="rId30">
             <p14:nvContentPartPr>
               <p14:cNvPr id="24" name="Ink 23">
                 <a:extLst>
@@ -5180,7 +5178,7 @@
               <p:nvPr/>
             </p:nvPicPr>
             <p:blipFill>
-              <a:blip r:embed="rId30"/>
+              <a:blip r:embed="rId31"/>
               <a:stretch>
                 <a:fillRect/>
               </a:stretch>
@@ -5199,7 +5197,7 @@
       </mc:AlternateContent>
       <mc:AlternateContent xmlns:mc="http://schemas.openxmlformats.org/markup-compatibility/2006" xmlns:p14="http://schemas.microsoft.com/office/powerpoint/2010/main">
         <mc:Choice Requires="p14">
-          <p:contentPart p14:bwMode="auto" r:id="rId31">
+          <p:contentPart p14:bwMode="auto" r:id="rId32">
             <p14:nvContentPartPr>
               <p14:cNvPr id="25" name="Ink 24">
                 <a:extLst>
@@ -5231,7 +5229,7 @@
               <p:nvPr/>
             </p:nvPicPr>
             <p:blipFill>
-              <a:blip r:embed="rId32"/>
+              <a:blip r:embed="rId33"/>
               <a:stretch>
                 <a:fillRect/>
               </a:stretch>
@@ -5250,7 +5248,7 @@
       </mc:AlternateContent>
       <mc:AlternateContent xmlns:mc="http://schemas.openxmlformats.org/markup-compatibility/2006" xmlns:p14="http://schemas.microsoft.com/office/powerpoint/2010/main">
         <mc:Choice Requires="p14">
-          <p:contentPart p14:bwMode="auto" r:id="rId33">
+          <p:contentPart p14:bwMode="auto" r:id="rId34">
             <p14:nvContentPartPr>
               <p14:cNvPr id="26" name="Ink 25">
                 <a:extLst>
@@ -5282,7 +5280,7 @@
               <p:nvPr/>
             </p:nvPicPr>
             <p:blipFill>
-              <a:blip r:embed="rId34"/>
+              <a:blip r:embed="rId35"/>
               <a:stretch>
                 <a:fillRect/>
               </a:stretch>
@@ -5301,7 +5299,7 @@
       </mc:AlternateContent>
       <mc:AlternateContent xmlns:mc="http://schemas.openxmlformats.org/markup-compatibility/2006" xmlns:p14="http://schemas.microsoft.com/office/powerpoint/2010/main">
         <mc:Choice Requires="p14">
-          <p:contentPart p14:bwMode="auto" r:id="rId35">
+          <p:contentPart p14:bwMode="auto" r:id="rId36">
             <p14:nvContentPartPr>
               <p14:cNvPr id="27" name="Ink 26">
                 <a:extLst>
@@ -5333,7 +5331,7 @@
               <p:nvPr/>
             </p:nvPicPr>
             <p:blipFill>
-              <a:blip r:embed="rId36"/>
+              <a:blip r:embed="rId37"/>
               <a:stretch>
                 <a:fillRect/>
               </a:stretch>
@@ -5352,7 +5350,7 @@
       </mc:AlternateContent>
       <mc:AlternateContent xmlns:mc="http://schemas.openxmlformats.org/markup-compatibility/2006" xmlns:p14="http://schemas.microsoft.com/office/powerpoint/2010/main">
         <mc:Choice Requires="p14">
-          <p:contentPart p14:bwMode="auto" r:id="rId37">
+          <p:contentPart p14:bwMode="auto" r:id="rId38">
             <p14:nvContentPartPr>
               <p14:cNvPr id="28" name="Ink 27">
                 <a:extLst>
@@ -5384,7 +5382,7 @@
               <p:nvPr/>
             </p:nvPicPr>
             <p:blipFill>
-              <a:blip r:embed="rId32"/>
+              <a:blip r:embed="rId33"/>
               <a:stretch>
                 <a:fillRect/>
               </a:stretch>
@@ -5403,7 +5401,7 @@
       </mc:AlternateContent>
       <mc:AlternateContent xmlns:mc="http://schemas.openxmlformats.org/markup-compatibility/2006" xmlns:p14="http://schemas.microsoft.com/office/powerpoint/2010/main">
         <mc:Choice Requires="p14">
-          <p:contentPart p14:bwMode="auto" r:id="rId38">
+          <p:contentPart p14:bwMode="auto" r:id="rId39">
             <p14:nvContentPartPr>
               <p14:cNvPr id="29" name="Ink 28">
                 <a:extLst>
@@ -5435,7 +5433,7 @@
               <p:nvPr/>
             </p:nvPicPr>
             <p:blipFill>
-              <a:blip r:embed="rId39"/>
+              <a:blip r:embed="rId40"/>
               <a:stretch>
                 <a:fillRect/>
               </a:stretch>
@@ -5454,7 +5452,7 @@
       </mc:AlternateContent>
       <mc:AlternateContent xmlns:mc="http://schemas.openxmlformats.org/markup-compatibility/2006" xmlns:p14="http://schemas.microsoft.com/office/powerpoint/2010/main">
         <mc:Choice Requires="p14">
-          <p:contentPart p14:bwMode="auto" r:id="rId40">
+          <p:contentPart p14:bwMode="auto" r:id="rId41">
             <p14:nvContentPartPr>
               <p14:cNvPr id="30" name="Ink 29">
                 <a:extLst>
@@ -5486,7 +5484,7 @@
               <p:nvPr/>
             </p:nvPicPr>
             <p:blipFill>
-              <a:blip r:embed="rId41"/>
+              <a:blip r:embed="rId42"/>
               <a:stretch>
                 <a:fillRect/>
               </a:stretch>
@@ -5505,7 +5503,7 @@
       </mc:AlternateContent>
       <mc:AlternateContent xmlns:mc="http://schemas.openxmlformats.org/markup-compatibility/2006" xmlns:p14="http://schemas.microsoft.com/office/powerpoint/2010/main">
         <mc:Choice Requires="p14">
-          <p:contentPart p14:bwMode="auto" r:id="rId42">
+          <p:contentPart p14:bwMode="auto" r:id="rId43">
             <p14:nvContentPartPr>
               <p14:cNvPr id="31" name="Ink 30">
                 <a:extLst>
@@ -5537,7 +5535,7 @@
               <p:nvPr/>
             </p:nvPicPr>
             <p:blipFill>
-              <a:blip r:embed="rId32"/>
+              <a:blip r:embed="rId33"/>
               <a:stretch>
                 <a:fillRect/>
               </a:stretch>
@@ -5556,7 +5554,7 @@
       </mc:AlternateContent>
       <mc:AlternateContent xmlns:mc="http://schemas.openxmlformats.org/markup-compatibility/2006" xmlns:p14="http://schemas.microsoft.com/office/powerpoint/2010/main">
         <mc:Choice Requires="p14">
-          <p:contentPart p14:bwMode="auto" r:id="rId43">
+          <p:contentPart p14:bwMode="auto" r:id="rId44">
             <p14:nvContentPartPr>
               <p14:cNvPr id="32" name="Ink 31">
                 <a:extLst>
@@ -5588,7 +5586,7 @@
               <p:nvPr/>
             </p:nvPicPr>
             <p:blipFill>
-              <a:blip r:embed="rId28"/>
+              <a:blip r:embed="rId29"/>
               <a:stretch>
                 <a:fillRect/>
               </a:stretch>
@@ -5625,9 +5623,9 @@
             <a:chExt cx="140400" cy="112680"/>
           </a:xfrm>
         </p:grpSpPr>
-        <mc:AlternateContent xmlns:mc="http://schemas.openxmlformats.org/markup-compatibility/2006">
-          <mc:Choice xmlns:p14="http://schemas.microsoft.com/office/powerpoint/2010/main" Requires="p14">
-            <p:contentPart p14:bwMode="auto" r:id="rId44">
+        <mc:AlternateContent xmlns:mc="http://schemas.openxmlformats.org/markup-compatibility/2006" xmlns:p14="http://schemas.microsoft.com/office/powerpoint/2010/main">
+          <mc:Choice Requires="p14">
+            <p:contentPart p14:bwMode="auto" r:id="rId45">
               <p14:nvContentPartPr>
                 <p14:cNvPr id="33" name="Ink 32">
                   <a:extLst>
@@ -5645,7 +5643,7 @@
               </p14:xfrm>
             </p:contentPart>
           </mc:Choice>
-          <mc:Fallback>
+          <mc:Fallback xmlns="">
             <p:pic>
               <p:nvPicPr>
                 <p:cNvPr id="33" name="Ink 32">
@@ -5659,7 +5657,7 @@
                 <p:nvPr/>
               </p:nvPicPr>
               <p:blipFill>
-                <a:blip r:embed="rId45"/>
+                <a:blip r:embed="rId46"/>
                 <a:stretch>
                   <a:fillRect/>
                 </a:stretch>
@@ -5676,9 +5674,9 @@
             </p:pic>
           </mc:Fallback>
         </mc:AlternateContent>
-        <mc:AlternateContent xmlns:mc="http://schemas.openxmlformats.org/markup-compatibility/2006">
-          <mc:Choice xmlns:p14="http://schemas.microsoft.com/office/powerpoint/2010/main" Requires="p14">
-            <p:contentPart p14:bwMode="auto" r:id="rId46">
+        <mc:AlternateContent xmlns:mc="http://schemas.openxmlformats.org/markup-compatibility/2006" xmlns:p14="http://schemas.microsoft.com/office/powerpoint/2010/main">
+          <mc:Choice Requires="p14">
+            <p:contentPart p14:bwMode="auto" r:id="rId47">
               <p14:nvContentPartPr>
                 <p14:cNvPr id="34" name="Ink 33">
                   <a:extLst>
@@ -5696,7 +5694,7 @@
               </p14:xfrm>
             </p:contentPart>
           </mc:Choice>
-          <mc:Fallback>
+          <mc:Fallback xmlns="">
             <p:pic>
               <p:nvPicPr>
                 <p:cNvPr id="34" name="Ink 33">
@@ -5710,7 +5708,7 @@
                 <p:nvPr/>
               </p:nvPicPr>
               <p:blipFill>
-                <a:blip r:embed="rId45"/>
+                <a:blip r:embed="rId46"/>
                 <a:stretch>
                   <a:fillRect/>
                 </a:stretch>
@@ -5729,7 +5727,7 @@
         </mc:AlternateContent>
         <mc:AlternateContent xmlns:mc="http://schemas.openxmlformats.org/markup-compatibility/2006" xmlns:p14="http://schemas.microsoft.com/office/powerpoint/2010/main">
           <mc:Choice Requires="p14">
-            <p:contentPart p14:bwMode="auto" r:id="rId47">
+            <p:contentPart p14:bwMode="auto" r:id="rId48">
               <p14:nvContentPartPr>
                 <p14:cNvPr id="35" name="Ink 34">
                   <a:extLst>
@@ -5761,7 +5759,7 @@
                 <p:nvPr/>
               </p:nvPicPr>
               <p:blipFill>
-                <a:blip r:embed="rId48"/>
+                <a:blip r:embed="rId49"/>
                 <a:stretch>
                   <a:fillRect/>
                 </a:stretch>
@@ -5780,7 +5778,7 @@
         </mc:AlternateContent>
         <mc:AlternateContent xmlns:mc="http://schemas.openxmlformats.org/markup-compatibility/2006" xmlns:p14="http://schemas.microsoft.com/office/powerpoint/2010/main">
           <mc:Choice Requires="p14">
-            <p:contentPart p14:bwMode="auto" r:id="rId49">
+            <p:contentPart p14:bwMode="auto" r:id="rId50">
               <p14:nvContentPartPr>
                 <p14:cNvPr id="36" name="Ink 35">
                   <a:extLst>
@@ -5812,7 +5810,7 @@
                 <p:nvPr/>
               </p:nvPicPr>
               <p:blipFill>
-                <a:blip r:embed="rId48"/>
+                <a:blip r:embed="rId49"/>
                 <a:stretch>
                   <a:fillRect/>
                 </a:stretch>
@@ -5831,7 +5829,7 @@
         </mc:AlternateContent>
         <mc:AlternateContent xmlns:mc="http://schemas.openxmlformats.org/markup-compatibility/2006" xmlns:p14="http://schemas.microsoft.com/office/powerpoint/2010/main">
           <mc:Choice Requires="p14">
-            <p:contentPart p14:bwMode="auto" r:id="rId50">
+            <p:contentPart p14:bwMode="auto" r:id="rId51">
               <p14:nvContentPartPr>
                 <p14:cNvPr id="37" name="Ink 36">
                   <a:extLst>
@@ -5863,7 +5861,7 @@
                 <p:nvPr/>
               </p:nvPicPr>
               <p:blipFill>
-                <a:blip r:embed="rId48"/>
+                <a:blip r:embed="rId49"/>
                 <a:stretch>
                   <a:fillRect/>
                 </a:stretch>
@@ -5882,7 +5880,7 @@
         </mc:AlternateContent>
         <mc:AlternateContent xmlns:mc="http://schemas.openxmlformats.org/markup-compatibility/2006" xmlns:p14="http://schemas.microsoft.com/office/powerpoint/2010/main">
           <mc:Choice Requires="p14">
-            <p:contentPart p14:bwMode="auto" r:id="rId51">
+            <p:contentPart p14:bwMode="auto" r:id="rId52">
               <p14:nvContentPartPr>
                 <p14:cNvPr id="38" name="Ink 37">
                   <a:extLst>
@@ -5914,7 +5912,7 @@
                 <p:nvPr/>
               </p:nvPicPr>
               <p:blipFill>
-                <a:blip r:embed="rId52"/>
+                <a:blip r:embed="rId53"/>
                 <a:stretch>
                   <a:fillRect/>
                 </a:stretch>
@@ -5931,9 +5929,9 @@
             </p:pic>
           </mc:Fallback>
         </mc:AlternateContent>
-        <mc:AlternateContent xmlns:mc="http://schemas.openxmlformats.org/markup-compatibility/2006" xmlns:p14="http://schemas.microsoft.com/office/powerpoint/2010/main">
-          <mc:Choice Requires="p14">
-            <p:contentPart p14:bwMode="auto" r:id="rId53">
+        <mc:AlternateContent xmlns:mc="http://schemas.openxmlformats.org/markup-compatibility/2006">
+          <mc:Choice xmlns:p14="http://schemas.microsoft.com/office/powerpoint/2010/main" Requires="p14">
+            <p:contentPart p14:bwMode="auto" r:id="rId54">
               <p14:nvContentPartPr>
                 <p14:cNvPr id="39" name="Ink 38">
                   <a:extLst>
@@ -5951,7 +5949,7 @@
               </p14:xfrm>
             </p:contentPart>
           </mc:Choice>
-          <mc:Fallback xmlns="">
+          <mc:Fallback>
             <p:pic>
               <p:nvPicPr>
                 <p:cNvPr id="39" name="Ink 38">
@@ -5965,15 +5963,15 @@
                 <p:nvPr/>
               </p:nvPicPr>
               <p:blipFill>
-                <a:blip r:embed="rId54"/>
+                <a:blip r:embed="rId55"/>
                 <a:stretch>
                   <a:fillRect/>
                 </a:stretch>
               </p:blipFill>
               <p:spPr>
                 <a:xfrm>
-                  <a:off x="6690147" y="1680550"/>
-                  <a:ext cx="24120" cy="21600"/>
+                  <a:off x="6690147" y="1681300"/>
+                  <a:ext cx="24120" cy="20130"/>
                 </a:xfrm>
                 <a:prstGeom prst="rect">
                   <a:avLst/>
@@ -5984,7 +5982,7 @@
         </mc:AlternateContent>
         <mc:AlternateContent xmlns:mc="http://schemas.openxmlformats.org/markup-compatibility/2006" xmlns:p14="http://schemas.microsoft.com/office/powerpoint/2010/main">
           <mc:Choice Requires="p14">
-            <p:contentPart p14:bwMode="auto" r:id="rId55">
+            <p:contentPart p14:bwMode="auto" r:id="rId56">
               <p14:nvContentPartPr>
                 <p14:cNvPr id="40" name="Ink 39">
                   <a:extLst>
@@ -6016,7 +6014,7 @@
                 <p:nvPr/>
               </p:nvPicPr>
               <p:blipFill>
-                <a:blip r:embed="rId56"/>
+                <a:blip r:embed="rId57"/>
                 <a:stretch>
                   <a:fillRect/>
                 </a:stretch>
@@ -6035,7 +6033,7 @@
         </mc:AlternateContent>
         <mc:AlternateContent xmlns:mc="http://schemas.openxmlformats.org/markup-compatibility/2006" xmlns:p14="http://schemas.microsoft.com/office/powerpoint/2010/main">
           <mc:Choice Requires="p14">
-            <p:contentPart p14:bwMode="auto" r:id="rId57">
+            <p:contentPart p14:bwMode="auto" r:id="rId58">
               <p14:nvContentPartPr>
                 <p14:cNvPr id="41" name="Ink 40">
                   <a:extLst>
@@ -6067,7 +6065,7 @@
                 <p:nvPr/>
               </p:nvPicPr>
               <p:blipFill>
-                <a:blip r:embed="rId58"/>
+                <a:blip r:embed="rId59"/>
                 <a:stretch>
                   <a:fillRect/>
                 </a:stretch>
@@ -6086,7 +6084,7 @@
         </mc:AlternateContent>
         <mc:AlternateContent xmlns:mc="http://schemas.openxmlformats.org/markup-compatibility/2006" xmlns:p14="http://schemas.microsoft.com/office/powerpoint/2010/main">
           <mc:Choice Requires="p14">
-            <p:contentPart p14:bwMode="auto" r:id="rId59">
+            <p:contentPart p14:bwMode="auto" r:id="rId60">
               <p14:nvContentPartPr>
                 <p14:cNvPr id="42" name="Ink 41">
                   <a:extLst>
@@ -6118,7 +6116,7 @@
                 <p:nvPr/>
               </p:nvPicPr>
               <p:blipFill>
-                <a:blip r:embed="rId60"/>
+                <a:blip r:embed="rId61"/>
                 <a:stretch>
                   <a:fillRect/>
                 </a:stretch>
@@ -6135,9 +6133,9 @@
             </p:pic>
           </mc:Fallback>
         </mc:AlternateContent>
-        <mc:AlternateContent xmlns:mc="http://schemas.openxmlformats.org/markup-compatibility/2006" xmlns:p14="http://schemas.microsoft.com/office/powerpoint/2010/main">
-          <mc:Choice Requires="p14">
-            <p:contentPart p14:bwMode="auto" r:id="rId61">
+        <mc:AlternateContent xmlns:mc="http://schemas.openxmlformats.org/markup-compatibility/2006">
+          <mc:Choice xmlns:p14="http://schemas.microsoft.com/office/powerpoint/2010/main" Requires="p14">
+            <p:contentPart p14:bwMode="auto" r:id="rId62">
               <p14:nvContentPartPr>
                 <p14:cNvPr id="43" name="Ink 42">
                   <a:extLst>
@@ -6155,7 +6153,7 @@
               </p14:xfrm>
             </p:contentPart>
           </mc:Choice>
-          <mc:Fallback xmlns="">
+          <mc:Fallback>
             <p:pic>
               <p:nvPicPr>
                 <p:cNvPr id="43" name="Ink 42">
@@ -6169,14 +6167,14 @@
                 <p:nvPr/>
               </p:nvPicPr>
               <p:blipFill>
-                <a:blip r:embed="rId48"/>
+                <a:blip r:embed="rId63"/>
                 <a:stretch>
                   <a:fillRect/>
                 </a:stretch>
               </p:blipFill>
               <p:spPr>
                 <a:xfrm>
-                  <a:off x="6696627" y="1582630"/>
+                  <a:off x="6696267" y="1582630"/>
                   <a:ext cx="18000" cy="18000"/>
                 </a:xfrm>
                 <a:prstGeom prst="rect">
@@ -6232,7 +6230,7 @@
           <p:nvPr>
             <p:extLst>
               <p:ext uri="{D42A27DB-BD31-4B8C-83A1-F6EECF244321}">
-                <p14:modId xmlns:p14="http://schemas.microsoft.com/office/powerpoint/2010/main" val="3211558656"/>
+                <p14:modId xmlns:p14="http://schemas.microsoft.com/office/powerpoint/2010/main" val="3951261903"/>
               </p:ext>
             </p:extLst>
           </p:nvPr>
@@ -6928,8 +6926,8 @@
                     <a:p>
                       <a:pPr algn="l"/>
                       <a:r>
-                        <a:rPr lang="en-SG" sz="1600"/>
-                        <a:t>28.871429</a:t>
+                        <a:rPr lang="en-SG" sz="1600" dirty="0"/>
+                        <a:t>	</a:t>
                       </a:r>
                     </a:p>
                   </a:txBody>

--- a/Opentrons_experiments/BOTorch_optimization/Shivam_Report/Graphs.pptx
+++ b/Opentrons_experiments/BOTorch_optimization/Shivam_Report/Graphs.pptx
@@ -23,6 +23,12 @@
     <p:sldId id="274" r:id="rId17"/>
     <p:sldId id="275" r:id="rId18"/>
     <p:sldId id="276" r:id="rId19"/>
+    <p:sldId id="277" r:id="rId20"/>
+    <p:sldId id="280" r:id="rId21"/>
+    <p:sldId id="282" r:id="rId22"/>
+    <p:sldId id="281" r:id="rId23"/>
+    <p:sldId id="278" r:id="rId24"/>
+    <p:sldId id="279" r:id="rId25"/>
   </p:sldIdLst>
   <p:sldSz cx="12192000" cy="6858000"/>
   <p:notesSz cx="6858000" cy="9144000"/>
@@ -4470,6 +4476,92 @@
 </inkml:ink>
 </file>
 
+<file path=ppt/ink/ink237.xml><?xml version="1.0" encoding="utf-8"?>
+<inkml:ink xmlns:inkml="http://www.w3.org/2003/InkML">
+  <inkml:definitions>
+    <inkml:context xml:id="ctx0">
+      <inkml:inkSource xml:id="inkSrc0">
+        <inkml:traceFormat>
+          <inkml:channel name="X" type="integer" min="-2.14748E9" max="2.14748E9" units="cm"/>
+          <inkml:channel name="Y" type="integer" min="-2.14748E9" max="2.14748E9" units="cm"/>
+          <inkml:channel name="F" type="integer" max="32767" units="dev"/>
+        </inkml:traceFormat>
+        <inkml:channelProperties>
+          <inkml:channelProperty channel="X" name="resolution" value="1000" units="1/cm"/>
+          <inkml:channelProperty channel="Y" name="resolution" value="1000" units="1/cm"/>
+          <inkml:channelProperty channel="F" name="resolution" value="0" units="1/dev"/>
+        </inkml:channelProperties>
+      </inkml:inkSource>
+      <inkml:timestamp xml:id="ts0" timeString="2023-05-25T05:28:18.206"/>
+    </inkml:context>
+    <inkml:brush xml:id="br0">
+      <inkml:brushProperty name="width" value="0.025" units="cm"/>
+      <inkml:brushProperty name="height" value="0.025" units="cm"/>
+      <inkml:brushProperty name="color" value="#004F8B"/>
+    </inkml:brush>
+  </inkml:definitions>
+  <inkml:trace contextRef="#ctx0" brushRef="#br0">53 1 24575,'-1'1'0,"-1"0"0,-2 1 0,-1 2 0,0 1 0,-1 3 0,0 1 0,0-1 0,1-1 0,1 0 0,1-1 0,0-1 0,0-1 0</inkml:trace>
+</inkml:ink>
+</file>
+
+<file path=ppt/ink/ink238.xml><?xml version="1.0" encoding="utf-8"?>
+<inkml:ink xmlns:inkml="http://www.w3.org/2003/InkML">
+  <inkml:definitions>
+    <inkml:context xml:id="ctx0">
+      <inkml:inkSource xml:id="inkSrc0">
+        <inkml:traceFormat>
+          <inkml:channel name="X" type="integer" min="-2.14748E9" max="2.14748E9" units="cm"/>
+          <inkml:channel name="Y" type="integer" min="-2.14748E9" max="2.14748E9" units="cm"/>
+          <inkml:channel name="F" type="integer" max="32767" units="dev"/>
+        </inkml:traceFormat>
+        <inkml:channelProperties>
+          <inkml:channelProperty channel="X" name="resolution" value="1000" units="1/cm"/>
+          <inkml:channelProperty channel="Y" name="resolution" value="1000" units="1/cm"/>
+          <inkml:channelProperty channel="F" name="resolution" value="0" units="1/dev"/>
+        </inkml:channelProperties>
+      </inkml:inkSource>
+      <inkml:timestamp xml:id="ts0" timeString="2023-05-25T05:28:18.581"/>
+    </inkml:context>
+    <inkml:brush xml:id="br0">
+      <inkml:brushProperty name="width" value="0.025" units="cm"/>
+      <inkml:brushProperty name="height" value="0.025" units="cm"/>
+      <inkml:brushProperty name="color" value="#004F8B"/>
+    </inkml:brush>
+  </inkml:definitions>
+  <inkml:trace contextRef="#ctx0" brushRef="#br0">6 1 24575,'0'1'0,"0"1"0</inkml:trace>
+  <inkml:trace contextRef="#ctx0" brushRef="#br0" timeOffset="1">0 89 24575,'0'2'0,"0"1"0,0 2 0,0 1 0,0-1-8191</inkml:trace>
+</inkml:ink>
+</file>
+
+<file path=ppt/ink/ink239.xml><?xml version="1.0" encoding="utf-8"?>
+<inkml:ink xmlns:inkml="http://www.w3.org/2003/InkML">
+  <inkml:definitions>
+    <inkml:context xml:id="ctx0">
+      <inkml:inkSource xml:id="inkSrc0">
+        <inkml:traceFormat>
+          <inkml:channel name="X" type="integer" min="-2.14748E9" max="2.14748E9" units="cm"/>
+          <inkml:channel name="Y" type="integer" min="-2.14748E9" max="2.14748E9" units="cm"/>
+          <inkml:channel name="F" type="integer" max="32767" units="dev"/>
+        </inkml:traceFormat>
+        <inkml:channelProperties>
+          <inkml:channelProperty channel="X" name="resolution" value="1000" units="1/cm"/>
+          <inkml:channelProperty channel="Y" name="resolution" value="1000" units="1/cm"/>
+          <inkml:channelProperty channel="F" name="resolution" value="0" units="1/dev"/>
+        </inkml:channelProperties>
+      </inkml:inkSource>
+      <inkml:timestamp xml:id="ts0" timeString="2023-05-25T05:28:18.913"/>
+    </inkml:context>
+    <inkml:brush xml:id="br0">
+      <inkml:brushProperty name="width" value="0.025" units="cm"/>
+      <inkml:brushProperty name="height" value="0.025" units="cm"/>
+      <inkml:brushProperty name="color" value="#004F8B"/>
+    </inkml:brush>
+  </inkml:definitions>
+  <inkml:trace contextRef="#ctx0" brushRef="#br0">0 0 24575,'0'1'0,"0"1"0,0 2 0,0 1 0,0 0 0,0 1 0,0 0 0,0 0 0,0 0 0,0-1-8191</inkml:trace>
+  <inkml:trace contextRef="#ctx0" brushRef="#br0" timeOffset="1">18 118 24575,'0'1'0,"0"1"0,0 2 0,1 0 0,1 2 0,1-1 0,0 0 0,1 0 0</inkml:trace>
+</inkml:ink>
+</file>
+
 <file path=ppt/ink/ink24.xml><?xml version="1.0" encoding="utf-8"?>
 <inkml:ink xmlns:inkml="http://www.w3.org/2003/InkML">
   <inkml:definitions>
@@ -4495,6 +4587,292 @@
     </inkml:brush>
   </inkml:definitions>
   <inkml:trace contextRef="#ctx0" brushRef="#br0">1 1 24575,'0'0'-8191</inkml:trace>
+</inkml:ink>
+</file>
+
+<file path=ppt/ink/ink240.xml><?xml version="1.0" encoding="utf-8"?>
+<inkml:ink xmlns:inkml="http://www.w3.org/2003/InkML">
+  <inkml:definitions>
+    <inkml:context xml:id="ctx0">
+      <inkml:inkSource xml:id="inkSrc0">
+        <inkml:traceFormat>
+          <inkml:channel name="X" type="integer" min="-2.14748E9" max="2.14748E9" units="cm"/>
+          <inkml:channel name="Y" type="integer" min="-2.14748E9" max="2.14748E9" units="cm"/>
+          <inkml:channel name="F" type="integer" max="32767" units="dev"/>
+        </inkml:traceFormat>
+        <inkml:channelProperties>
+          <inkml:channelProperty channel="X" name="resolution" value="1000" units="1/cm"/>
+          <inkml:channelProperty channel="Y" name="resolution" value="1000" units="1/cm"/>
+          <inkml:channelProperty channel="F" name="resolution" value="0" units="1/dev"/>
+        </inkml:channelProperties>
+      </inkml:inkSource>
+      <inkml:timestamp xml:id="ts0" timeString="2023-05-25T05:28:19.269"/>
+    </inkml:context>
+    <inkml:brush xml:id="br0">
+      <inkml:brushProperty name="width" value="0.025" units="cm"/>
+      <inkml:brushProperty name="height" value="0.025" units="cm"/>
+      <inkml:brushProperty name="color" value="#004F8B"/>
+    </inkml:brush>
+  </inkml:definitions>
+  <inkml:trace contextRef="#ctx0" brushRef="#br0">0 1 24575,'1'0'0,"2"1"0,-1 1 0,1 2 0,-1-1 0,2 1 0,0 0 0,1-1 0,2-2 0,-1 0-8191</inkml:trace>
+  <inkml:trace contextRef="#ctx0" brushRef="#br0" timeOffset="1">136 54 24575,'1'1'0,"1"0"0,0 1 0,2 1 0,0-1 0,1-1 0,1 0 0,2 0 0,3-1 0,2 0 0,4 0 0,0 0 0,-1 0-8191</inkml:trace>
+</inkml:ink>
+</file>
+
+<file path=ppt/ink/ink241.xml><?xml version="1.0" encoding="utf-8"?>
+<inkml:ink xmlns:inkml="http://www.w3.org/2003/InkML">
+  <inkml:definitions>
+    <inkml:context xml:id="ctx0">
+      <inkml:inkSource xml:id="inkSrc0">
+        <inkml:traceFormat>
+          <inkml:channel name="X" type="integer" min="-2.14748E9" max="2.14748E9" units="cm"/>
+          <inkml:channel name="Y" type="integer" min="-2.14748E9" max="2.14748E9" units="cm"/>
+          <inkml:channel name="F" type="integer" max="32767" units="dev"/>
+        </inkml:traceFormat>
+        <inkml:channelProperties>
+          <inkml:channelProperty channel="X" name="resolution" value="1000" units="1/cm"/>
+          <inkml:channelProperty channel="Y" name="resolution" value="1000" units="1/cm"/>
+          <inkml:channelProperty channel="F" name="resolution" value="0" units="1/dev"/>
+        </inkml:channelProperties>
+      </inkml:inkSource>
+      <inkml:timestamp xml:id="ts0" timeString="2023-05-25T05:28:19.626"/>
+    </inkml:context>
+    <inkml:brush xml:id="br0">
+      <inkml:brushProperty name="width" value="0.025" units="cm"/>
+      <inkml:brushProperty name="height" value="0.025" units="cm"/>
+      <inkml:brushProperty name="color" value="#004F8B"/>
+    </inkml:brush>
+  </inkml:definitions>
+  <inkml:trace contextRef="#ctx0" brushRef="#br0">1 59 24575,'1'0'0,"1"0"0,2 0 0,2 0 0,0-1 0,2-2 0,2 0 0,-2-1-8191</inkml:trace>
+  <inkml:trace contextRef="#ctx0" brushRef="#br0" timeOffset="1">113 29 24575,'1'0'0,"0"-1"0,1 0 0,2-2 0,0-1 0,1-2 0,1-1 0,-1 0-8191</inkml:trace>
+</inkml:ink>
+</file>
+
+<file path=ppt/ink/ink242.xml><?xml version="1.0" encoding="utf-8"?>
+<inkml:ink xmlns:inkml="http://www.w3.org/2003/InkML">
+  <inkml:definitions>
+    <inkml:context xml:id="ctx0">
+      <inkml:inkSource xml:id="inkSrc0">
+        <inkml:traceFormat>
+          <inkml:channel name="X" type="integer" min="-2.14748E9" max="2.14748E9" units="cm"/>
+          <inkml:channel name="Y" type="integer" min="-2.14748E9" max="2.14748E9" units="cm"/>
+          <inkml:channel name="F" type="integer" max="32767" units="dev"/>
+        </inkml:traceFormat>
+        <inkml:channelProperties>
+          <inkml:channelProperty channel="X" name="resolution" value="1000" units="1/cm"/>
+          <inkml:channelProperty channel="Y" name="resolution" value="1000" units="1/cm"/>
+          <inkml:channelProperty channel="F" name="resolution" value="0" units="1/dev"/>
+        </inkml:channelProperties>
+      </inkml:inkSource>
+      <inkml:timestamp xml:id="ts0" timeString="2023-05-25T05:28:20.001"/>
+    </inkml:context>
+    <inkml:brush xml:id="br0">
+      <inkml:brushProperty name="width" value="0.025" units="cm"/>
+      <inkml:brushProperty name="height" value="0.025" units="cm"/>
+      <inkml:brushProperty name="color" value="#004F8B"/>
+    </inkml:brush>
+  </inkml:definitions>
+  <inkml:trace contextRef="#ctx0" brushRef="#br0">1 158 24575,'0'-1'0,"1"0"0,0-2 0,0-1 0,1-5 0,0-2 0,0-2 0,0-1 0,0 1-8191</inkml:trace>
+  <inkml:trace contextRef="#ctx0" brushRef="#br0" timeOffset="1">18 52 24575,'0'-1'0,"0"-1"0,0-2 0,0-1 0,0-1 0,0-4 0,0-2 0,0 0-8191</inkml:trace>
+</inkml:ink>
+</file>
+
+<file path=ppt/ink/ink243.xml><?xml version="1.0" encoding="utf-8"?>
+<inkml:ink xmlns:inkml="http://www.w3.org/2003/InkML">
+  <inkml:definitions>
+    <inkml:context xml:id="ctx0">
+      <inkml:inkSource xml:id="inkSrc0">
+        <inkml:traceFormat>
+          <inkml:channel name="X" type="integer" min="-2.14748E9" max="2.14748E9" units="cm"/>
+          <inkml:channel name="Y" type="integer" min="-2.14748E9" max="2.14748E9" units="cm"/>
+          <inkml:channel name="F" type="integer" max="32767" units="dev"/>
+        </inkml:traceFormat>
+        <inkml:channelProperties>
+          <inkml:channelProperty channel="X" name="resolution" value="1000" units="1/cm"/>
+          <inkml:channelProperty channel="Y" name="resolution" value="1000" units="1/cm"/>
+          <inkml:channelProperty channel="F" name="resolution" value="0" units="1/dev"/>
+        </inkml:channelProperties>
+      </inkml:inkSource>
+      <inkml:timestamp xml:id="ts0" timeString="2023-05-25T05:28:20.389"/>
+    </inkml:context>
+    <inkml:brush xml:id="br0">
+      <inkml:brushProperty name="width" value="0.025" units="cm"/>
+      <inkml:brushProperty name="height" value="0.025" units="cm"/>
+      <inkml:brushProperty name="color" value="#004F8B"/>
+    </inkml:brush>
+  </inkml:definitions>
+  <inkml:trace contextRef="#ctx0" brushRef="#br0">21 92 24575,'0'-1'0,"0"-1"0,0-2 0,0-1 0</inkml:trace>
+  <inkml:trace contextRef="#ctx0" brushRef="#br0" timeOffset="1">4 4 24575,'-1'-1'0,"-2"-2"0</inkml:trace>
+</inkml:ink>
+</file>
+
+<file path=ppt/ink/ink244.xml><?xml version="1.0" encoding="utf-8"?>
+<inkml:ink xmlns:inkml="http://www.w3.org/2003/InkML">
+  <inkml:definitions>
+    <inkml:context xml:id="ctx0">
+      <inkml:inkSource xml:id="inkSrc0">
+        <inkml:traceFormat>
+          <inkml:channel name="X" type="integer" min="-2.14748E9" max="2.14748E9" units="cm"/>
+          <inkml:channel name="Y" type="integer" min="-2.14748E9" max="2.14748E9" units="cm"/>
+          <inkml:channel name="F" type="integer" max="32767" units="dev"/>
+        </inkml:traceFormat>
+        <inkml:channelProperties>
+          <inkml:channelProperty channel="X" name="resolution" value="1000" units="1/cm"/>
+          <inkml:channelProperty channel="Y" name="resolution" value="1000" units="1/cm"/>
+          <inkml:channelProperty channel="F" name="resolution" value="0" units="1/dev"/>
+        </inkml:channelProperties>
+      </inkml:inkSource>
+      <inkml:timestamp xml:id="ts0" timeString="2023-05-25T05:28:20.736"/>
+    </inkml:context>
+    <inkml:brush xml:id="br0">
+      <inkml:brushProperty name="width" value="0.025" units="cm"/>
+      <inkml:brushProperty name="height" value="0.025" units="cm"/>
+      <inkml:brushProperty name="color" value="#004F8B"/>
+    </inkml:brush>
+  </inkml:definitions>
+  <inkml:trace contextRef="#ctx0" brushRef="#br0">157 60 24575,'-1'0'0,"-1"0"0,-1-1 0,0 0 0,-2-1 0,-1 0 0,-2-2 0,-1-2 0,1-1-8191</inkml:trace>
+  <inkml:trace contextRef="#ctx0" brushRef="#br0" timeOffset="1">4 1 24575,'-1'0'0,"-1"-1"0</inkml:trace>
+</inkml:ink>
+</file>
+
+<file path=ppt/ink/ink245.xml><?xml version="1.0" encoding="utf-8"?>
+<inkml:ink xmlns:inkml="http://www.w3.org/2003/InkML">
+  <inkml:definitions>
+    <inkml:context xml:id="ctx0">
+      <inkml:inkSource xml:id="inkSrc0">
+        <inkml:traceFormat>
+          <inkml:channel name="X" type="integer" min="-2.14748E9" max="2.14748E9" units="cm"/>
+          <inkml:channel name="Y" type="integer" min="-2.14748E9" max="2.14748E9" units="cm"/>
+          <inkml:channel name="F" type="integer" max="32767" units="dev"/>
+        </inkml:traceFormat>
+        <inkml:channelProperties>
+          <inkml:channelProperty channel="X" name="resolution" value="1000" units="1/cm"/>
+          <inkml:channelProperty channel="Y" name="resolution" value="1000" units="1/cm"/>
+          <inkml:channelProperty channel="F" name="resolution" value="0" units="1/dev"/>
+        </inkml:channelProperties>
+      </inkml:inkSource>
+      <inkml:timestamp xml:id="ts0" timeString="2023-05-25T05:28:17.830"/>
+    </inkml:context>
+    <inkml:brush xml:id="br0">
+      <inkml:brushProperty name="width" value="0.025" units="cm"/>
+      <inkml:brushProperty name="height" value="0.025" units="cm"/>
+      <inkml:brushProperty name="color" value="#004F8B"/>
+    </inkml:brush>
+  </inkml:definitions>
+  <inkml:trace contextRef="#ctx0" brushRef="#br0">3 0 24575,'-2'0'0</inkml:trace>
+</inkml:ink>
+</file>
+
+<file path=ppt/ink/ink246.xml><?xml version="1.0" encoding="utf-8"?>
+<inkml:ink xmlns:inkml="http://www.w3.org/2003/InkML">
+  <inkml:definitions>
+    <inkml:context xml:id="ctx0">
+      <inkml:inkSource xml:id="inkSrc0">
+        <inkml:traceFormat>
+          <inkml:channel name="X" type="integer" min="-2.14748E9" max="2.14748E9" units="cm"/>
+          <inkml:channel name="Y" type="integer" min="-2.14748E9" max="2.14748E9" units="cm"/>
+          <inkml:channel name="F" type="integer" max="32767" units="dev"/>
+        </inkml:traceFormat>
+        <inkml:channelProperties>
+          <inkml:channelProperty channel="X" name="resolution" value="1000" units="1/cm"/>
+          <inkml:channelProperty channel="Y" name="resolution" value="1000" units="1/cm"/>
+          <inkml:channelProperty channel="F" name="resolution" value="0" units="1/dev"/>
+        </inkml:channelProperties>
+      </inkml:inkSource>
+      <inkml:timestamp xml:id="ts0" timeString="2023-05-25T05:28:21.082"/>
+    </inkml:context>
+    <inkml:brush xml:id="br0">
+      <inkml:brushProperty name="width" value="0.025" units="cm"/>
+      <inkml:brushProperty name="height" value="0.025" units="cm"/>
+      <inkml:brushProperty name="color" value="#004F8B"/>
+    </inkml:brush>
+  </inkml:definitions>
+  <inkml:trace contextRef="#ctx0" brushRef="#br0">59 13 24575,'-2'0'0,"-1"0"0,-2 0 0,-1 0 0,0-1 0,0-1 0,1 1-8191</inkml:trace>
+  <inkml:trace contextRef="#ctx0" brushRef="#br0" timeOffset="1">1 1 24575,'0'0'-8191</inkml:trace>
+</inkml:ink>
+</file>
+
+<file path=ppt/ink/ink247.xml><?xml version="1.0" encoding="utf-8"?>
+<inkml:ink xmlns:inkml="http://www.w3.org/2003/InkML">
+  <inkml:definitions>
+    <inkml:context xml:id="ctx0">
+      <inkml:inkSource xml:id="inkSrc0">
+        <inkml:traceFormat>
+          <inkml:channel name="X" type="integer" min="-2.14748E9" max="2.14748E9" units="cm"/>
+          <inkml:channel name="Y" type="integer" min="-2.14748E9" max="2.14748E9" units="cm"/>
+          <inkml:channel name="F" type="integer" max="32767" units="dev"/>
+        </inkml:traceFormat>
+        <inkml:channelProperties>
+          <inkml:channelProperty channel="X" name="resolution" value="1000" units="1/cm"/>
+          <inkml:channelProperty channel="Y" name="resolution" value="1000" units="1/cm"/>
+          <inkml:channelProperty channel="F" name="resolution" value="0" units="1/dev"/>
+        </inkml:channelProperties>
+      </inkml:inkSource>
+      <inkml:timestamp xml:id="ts0" timeString="2023-05-25T05:30:12.940"/>
+    </inkml:context>
+    <inkml:brush xml:id="br0">
+      <inkml:brushProperty name="width" value="0.025" units="cm"/>
+      <inkml:brushProperty name="height" value="0.025" units="cm"/>
+      <inkml:brushProperty name="color" value="#004F8B"/>
+    </inkml:brush>
+  </inkml:definitions>
+  <inkml:trace contextRef="#ctx0" brushRef="#br0">198 4 24575,'-12'-1'0,"0"1"0,0 1 0,0 1 0,-21 4 0,29-5 0,-1 1 0,1-1 0,0 1 0,1 0 0,-1 1 0,0-1 0,0 0 0,1 1 0,0 0 0,-1 0 0,1 0 0,0 0 0,0 1 0,1-1 0,-1 1 0,-2 5 0,-10 17 0,10-19 0,1 0 0,-1 1 0,2-1 0,-1 1 0,1 0 0,0 0 0,0 0 0,1 1 0,0-1 0,1 0 0,-1 16 0,1 8 0,0-24 0,0 1 0,0-1 0,2 1 0,-1 0 0,1-1 0,0 1 0,0-1 0,1 0 0,4 11 0,46 59 0,-44-65 0,1-1 0,1-1 0,0 0 0,0 0 0,1-1 0,0-1 0,1 0 0,0 0 0,24 12 0,-28-16 0,0 0 0,1-1 0,0 1 0,0-2 0,0 0 0,0 0 0,12 2 0,0-1 0,-1-1 0,39 0 0,-21-2 0,-23 0 0,-1 0 0,1-1 0,-1-1 0,1 0 0,0-1 0,-1-1 0,23-7 0,-36 10 0,0-1 0,0 0 0,1 0 0,-1 0 0,0 0 0,0 0 0,-1 0 0,1-1 0,0 1 0,0 0 0,-1 0 0,1-1 0,0 1 0,-1 0 0,1-1 0,-1 1 0,1-3 0,4-31 0,-3 19 0,17-53 0,-14 54 0,-1 0 0,0 0 0,0 0 0,-2 0 0,0-1 0,0-30 0,-4 41 0,1 1 0,-1-1 0,0 1 0,0 0 0,-1 0 0,1 0 0,-1 0 0,0 0 0,0 1 0,0-1 0,0 1 0,-1 0 0,1 0 0,-5-3 0,-21-23 0,23 20 0,0 1 0,-1 1 0,0 0 0,-1 0 0,1 0 0,-1 1 0,-1 0 0,1 0 0,-12-5 0,3 1 0,6 4 0,-1-1 0,0 2 0,-15-6 0,-159-48 0,153 53-1365</inkml:trace>
+</inkml:ink>
+</file>
+
+<file path=ppt/ink/ink248.xml><?xml version="1.0" encoding="utf-8"?>
+<inkml:ink xmlns:inkml="http://www.w3.org/2003/InkML">
+  <inkml:definitions>
+    <inkml:context xml:id="ctx0">
+      <inkml:inkSource xml:id="inkSrc0">
+        <inkml:traceFormat>
+          <inkml:channel name="X" type="integer" min="-2.14748E9" max="2.14748E9" units="cm"/>
+          <inkml:channel name="Y" type="integer" min="-2.14748E9" max="2.14748E9" units="cm"/>
+          <inkml:channel name="F" type="integer" max="32767" units="dev"/>
+        </inkml:traceFormat>
+        <inkml:channelProperties>
+          <inkml:channelProperty channel="X" name="resolution" value="1000" units="1/cm"/>
+          <inkml:channelProperty channel="Y" name="resolution" value="1000" units="1/cm"/>
+          <inkml:channelProperty channel="F" name="resolution" value="0" units="1/dev"/>
+        </inkml:channelProperties>
+      </inkml:inkSource>
+      <inkml:timestamp xml:id="ts0" timeString="2023-05-25T05:34:56.773"/>
+    </inkml:context>
+    <inkml:brush xml:id="br0">
+      <inkml:brushProperty name="width" value="0.025" units="cm"/>
+      <inkml:brushProperty name="height" value="0.025" units="cm"/>
+      <inkml:brushProperty name="color" value="#008C3A"/>
+    </inkml:brush>
+  </inkml:definitions>
+  <inkml:trace contextRef="#ctx0" brushRef="#br0">737 151 24575,'-3'-1'0,"0"0"0,0 0 0,0-1 0,1 1 0,-1-1 0,0 0 0,1 0 0,-1 0 0,-3-4 0,-3-1 0,-15-11 0,-1 1 0,-1 2 0,0 0 0,-1 2 0,0 1 0,-32-9 0,43 17 0,1 1 0,-1 1 0,0 0 0,0 1 0,-1 1 0,1 0 0,0 1 0,-22 5 0,-13 5 0,-61 20 0,-7 9 0,116-39 0,1 0 0,0 0 0,0 0 0,0 0 0,1 1 0,-1-1 0,0 1 0,0 0 0,1-1 0,-1 1 0,1 0 0,-1 0 0,1 0 0,0 0 0,0 0 0,0 0 0,0 0 0,0 0 0,1 1 0,-1-1 0,0 0 0,1 1 0,0 1 0,-2 8 0,2 0 0,0 1 0,2 16 0,0-2 0,1 22 0,2 0 0,19 76 0,-12-66 0,6 67 0,-15-107 0,1 1 0,0-1 0,1 0 0,1 0 0,1-1 0,15 29 0,-18-40 0,0 0 0,0 0 0,1-1 0,0 1 0,0-1 0,0 0 0,1-1 0,0 1 0,0-1 0,1 0 0,-1-1 0,1 1 0,0-1 0,0-1 0,0 1 0,1-1 0,9 2 0,7 1 0,1-2 0,0 0 0,0-2 0,28-1 0,-12 0 0,49 8 0,25 0 0,-49-9 0,205-9 0,-250 8 0,-16 1 0,0 0 0,0 0 0,0-1 0,0 0 0,0 0 0,0 0 0,0 0 0,0-1 0,0 0 0,0 0 0,-1 0 0,7-5 0,83-65 0,-89 67 0,0 0 0,0-1 0,0 1 0,-1-1 0,0 0 0,0-1 0,-1 1 0,1-1 0,-1 1 0,-1-1 0,1 0 0,-1 0 0,0 0 0,-1 0 0,0-1 0,0 1 0,-1 0 0,1-1 0,-1 1 0,-1 0 0,-1-10 0,0 3 0,-1-1 0,0 1 0,-1 0 0,-1 0 0,0 1 0,-1-1 0,0 1 0,-1 0 0,-15-21 0,3 11 0,11 15 0,1-2 0,0 1 0,-6-11 0,-4-7 0,-1 1 0,-2 1 0,-1 0 0,0 2 0,-31-25 0,38 37 0,0 0 0,0 2 0,-23-12 0,-19-13 0,-48-32 0,87 58-1365,9 6-5461</inkml:trace>
+</inkml:ink>
+</file>
+
+<file path=ppt/ink/ink249.xml><?xml version="1.0" encoding="utf-8"?>
+<inkml:ink xmlns:inkml="http://www.w3.org/2003/InkML">
+  <inkml:definitions>
+    <inkml:context xml:id="ctx0">
+      <inkml:inkSource xml:id="inkSrc0">
+        <inkml:traceFormat>
+          <inkml:channel name="X" type="integer" min="-2.14748E9" max="2.14748E9" units="cm"/>
+          <inkml:channel name="Y" type="integer" min="-2.14748E9" max="2.14748E9" units="cm"/>
+          <inkml:channel name="F" type="integer" max="32767" units="dev"/>
+        </inkml:traceFormat>
+        <inkml:channelProperties>
+          <inkml:channelProperty channel="X" name="resolution" value="1000" units="1/cm"/>
+          <inkml:channelProperty channel="Y" name="resolution" value="1000" units="1/cm"/>
+          <inkml:channelProperty channel="F" name="resolution" value="0" units="1/dev"/>
+        </inkml:channelProperties>
+      </inkml:inkSource>
+      <inkml:timestamp xml:id="ts0" timeString="2023-05-25T05:35:06.694"/>
+    </inkml:context>
+    <inkml:brush xml:id="br0">
+      <inkml:brushProperty name="width" value="0.025" units="cm"/>
+      <inkml:brushProperty name="height" value="0.025" units="cm"/>
+      <inkml:brushProperty name="color" value="#008C3A"/>
+    </inkml:brush>
+  </inkml:definitions>
+  <inkml:trace contextRef="#ctx0" brushRef="#br0">236 29 24575,'-3'-3'0,"0"0"0,-1 0 0,1 1 0,-1 0 0,0-1 0,0 1 0,0 0 0,0 1 0,0-1 0,0 1 0,0 0 0,-1 0 0,-7-1 0,9 2 0,-1 0 0,1 0 0,0 0 0,0 1 0,0-1 0,0 1 0,0 0 0,0 0 0,0 0 0,1 0 0,-1 0 0,0 0 0,0 1 0,1-1 0,-1 1 0,1 0 0,0 0 0,-1 0 0,1 0 0,-2 3 0,-7 7 0,1 0 0,1 1 0,0 1 0,1-1 0,1 1 0,0 0 0,-7 21 0,2-1 0,6-20 0,2 0 0,-7 29 0,11-39 0,-3 9 0,2 1 0,0 0 0,1 22 0,0-32 0,1 0 0,-1-1 0,1 1 0,0 0 0,0 0 0,1-1 0,-1 1 0,0-1 0,1 1 0,0-1 0,0 0 0,0 0 0,0 0 0,1 0 0,-1 0 0,1 0 0,0-1 0,4 4 0,14 11 0,-15-12 0,0-1 0,0 1 0,13 6 0,-10-6 0,7 3 0,0-1 0,0 0 0,1-1 0,0 0 0,25 4 0,-37-9 0,11 1 0,0 0 0,26-1 0,-36-1 0,1-1 0,-1 0 0,0-1 0,0 1 0,0-1 0,0 0 0,0-1 0,0 1 0,9-7 0,-7 4 0,-2 1 0,1-1 0,0 0 0,-1 0 0,0-1 0,0 0 0,0 0 0,-1-1 0,0 1 0,0-1 0,-1 0 0,0 0 0,0-1 0,-1 1 0,0-1 0,0 0 0,0 0 0,-1 0 0,0 0 0,-1 0 0,0 0 0,0-16 0,-2-70 0,0 82 0,0 0 0,-1-1 0,-1 1 0,0 0 0,-6-17 0,5 21 0,-1 1 0,0-1 0,0 1 0,0 0 0,-1 1 0,0-1 0,0 1 0,-1 0 0,0 1 0,0 0 0,0 0 0,0 0 0,-1 1 0,0 0 0,0 1 0,-13-5 0,-71-10 0,85 16-1365,1 1-5461</inkml:trace>
 </inkml:ink>
 </file>
 
@@ -4526,6 +4904,286 @@
 </inkml:ink>
 </file>
 
+<file path=ppt/ink/ink250.xml><?xml version="1.0" encoding="utf-8"?>
+<inkml:ink xmlns:inkml="http://www.w3.org/2003/InkML">
+  <inkml:definitions>
+    <inkml:context xml:id="ctx0">
+      <inkml:inkSource xml:id="inkSrc0">
+        <inkml:traceFormat>
+          <inkml:channel name="X" type="integer" min="-2.14748E9" max="2.14748E9" units="cm"/>
+          <inkml:channel name="Y" type="integer" min="-2.14748E9" max="2.14748E9" units="cm"/>
+          <inkml:channel name="F" type="integer" max="32767" units="dev"/>
+        </inkml:traceFormat>
+        <inkml:channelProperties>
+          <inkml:channelProperty channel="X" name="resolution" value="1000" units="1/cm"/>
+          <inkml:channelProperty channel="Y" name="resolution" value="1000" units="1/cm"/>
+          <inkml:channelProperty channel="F" name="resolution" value="0" units="1/dev"/>
+        </inkml:channelProperties>
+      </inkml:inkSource>
+      <inkml:timestamp xml:id="ts0" timeString="2023-05-25T05:37:17.380"/>
+    </inkml:context>
+    <inkml:brush xml:id="br0">
+      <inkml:brushProperty name="width" value="0.05" units="cm"/>
+      <inkml:brushProperty name="height" value="0.05" units="cm"/>
+      <inkml:brushProperty name="color" value="#008C3A"/>
+    </inkml:brush>
+  </inkml:definitions>
+  <inkml:trace contextRef="#ctx0" brushRef="#br0">0 1 24575,'0'1'0,"0"1"0,0 2 0,1 0 0,1 1 0,-1 1 0,0 0 0,0 0 0,-1 1 0,0-1 0,2-1 0,-1-1 0,0 1 0,0 0 0,1-1 0,-1 0 0</inkml:trace>
+</inkml:ink>
+</file>
+
+<file path=ppt/ink/ink251.xml><?xml version="1.0" encoding="utf-8"?>
+<inkml:ink xmlns:inkml="http://www.w3.org/2003/InkML">
+  <inkml:definitions>
+    <inkml:context xml:id="ctx0">
+      <inkml:inkSource xml:id="inkSrc0">
+        <inkml:traceFormat>
+          <inkml:channel name="X" type="integer" min="-2.14748E9" max="2.14748E9" units="cm"/>
+          <inkml:channel name="Y" type="integer" min="-2.14748E9" max="2.14748E9" units="cm"/>
+          <inkml:channel name="F" type="integer" max="32767" units="dev"/>
+        </inkml:traceFormat>
+        <inkml:channelProperties>
+          <inkml:channelProperty channel="X" name="resolution" value="1000" units="1/cm"/>
+          <inkml:channelProperty channel="Y" name="resolution" value="1000" units="1/cm"/>
+          <inkml:channelProperty channel="F" name="resolution" value="0" units="1/dev"/>
+        </inkml:channelProperties>
+      </inkml:inkSource>
+      <inkml:timestamp xml:id="ts0" timeString="2023-05-25T05:37:17.933"/>
+    </inkml:context>
+    <inkml:brush xml:id="br0">
+      <inkml:brushProperty name="width" value="0.05" units="cm"/>
+      <inkml:brushProperty name="height" value="0.05" units="cm"/>
+      <inkml:brushProperty name="color" value="#008C3A"/>
+    </inkml:brush>
+  </inkml:definitions>
+  <inkml:trace contextRef="#ctx0" brushRef="#br0">1 0 24575,'1'0'0,"0"1"0,2 0 0,0 2 0,1 0 0,1 1 0,1 1 0,0 0 0,0 0 0,0-1 0,0 0 0,0-1 0,0-1 0,-1 1 0,0-2 0</inkml:trace>
+</inkml:ink>
+</file>
+
+<file path=ppt/ink/ink252.xml><?xml version="1.0" encoding="utf-8"?>
+<inkml:ink xmlns:inkml="http://www.w3.org/2003/InkML">
+  <inkml:definitions>
+    <inkml:context xml:id="ctx0">
+      <inkml:inkSource xml:id="inkSrc0">
+        <inkml:traceFormat>
+          <inkml:channel name="X" type="integer" min="-2.14748E9" max="2.14748E9" units="cm"/>
+          <inkml:channel name="Y" type="integer" min="-2.14748E9" max="2.14748E9" units="cm"/>
+          <inkml:channel name="F" type="integer" max="32767" units="dev"/>
+        </inkml:traceFormat>
+        <inkml:channelProperties>
+          <inkml:channelProperty channel="X" name="resolution" value="1000" units="1/cm"/>
+          <inkml:channelProperty channel="Y" name="resolution" value="1000" units="1/cm"/>
+          <inkml:channelProperty channel="F" name="resolution" value="0" units="1/dev"/>
+        </inkml:channelProperties>
+      </inkml:inkSource>
+      <inkml:timestamp xml:id="ts0" timeString="2023-05-25T05:37:18.449"/>
+    </inkml:context>
+    <inkml:brush xml:id="br0">
+      <inkml:brushProperty name="width" value="0.05" units="cm"/>
+      <inkml:brushProperty name="height" value="0.05" units="cm"/>
+      <inkml:brushProperty name="color" value="#008C3A"/>
+    </inkml:brush>
+  </inkml:definitions>
+  <inkml:trace contextRef="#ctx0" brushRef="#br0">0 5 24575,'38'1'0,"-25"1"0,0-2 0,0 0 0,0 0 0,21-4 0,-25 0-1365</inkml:trace>
+</inkml:ink>
+</file>
+
+<file path=ppt/ink/ink253.xml><?xml version="1.0" encoding="utf-8"?>
+<inkml:ink xmlns:inkml="http://www.w3.org/2003/InkML">
+  <inkml:definitions>
+    <inkml:context xml:id="ctx0">
+      <inkml:inkSource xml:id="inkSrc0">
+        <inkml:traceFormat>
+          <inkml:channel name="X" type="integer" min="-2.14748E9" max="2.14748E9" units="cm"/>
+          <inkml:channel name="Y" type="integer" min="-2.14748E9" max="2.14748E9" units="cm"/>
+          <inkml:channel name="F" type="integer" max="32767" units="dev"/>
+        </inkml:traceFormat>
+        <inkml:channelProperties>
+          <inkml:channelProperty channel="X" name="resolution" value="1000" units="1/cm"/>
+          <inkml:channelProperty channel="Y" name="resolution" value="1000" units="1/cm"/>
+          <inkml:channelProperty channel="F" name="resolution" value="0" units="1/dev"/>
+        </inkml:channelProperties>
+      </inkml:inkSource>
+      <inkml:timestamp xml:id="ts0" timeString="2023-05-25T05:37:18.954"/>
+    </inkml:context>
+    <inkml:brush xml:id="br0">
+      <inkml:brushProperty name="width" value="0.05" units="cm"/>
+      <inkml:brushProperty name="height" value="0.05" units="cm"/>
+      <inkml:brushProperty name="color" value="#008C3A"/>
+    </inkml:brush>
+  </inkml:definitions>
+  <inkml:trace contextRef="#ctx0" brushRef="#br0">0 103 24575,'2'-1'0,"-1"1"0,0-1 0,1 0 0,-1 1 0,0-1 0,1 0 0,-1 0 0,0 1 0,0-1 0,0 0 0,0 0 0,0 0 0,0-1 0,0 1 0,0 0 0,1-2 0,12-22 0,-6 6 238,-5 11-639,1 0 0,-1 0 1,8-10-1</inkml:trace>
+</inkml:ink>
+</file>
+
+<file path=ppt/ink/ink254.xml><?xml version="1.0" encoding="utf-8"?>
+<inkml:ink xmlns:inkml="http://www.w3.org/2003/InkML">
+  <inkml:definitions>
+    <inkml:context xml:id="ctx0">
+      <inkml:inkSource xml:id="inkSrc0">
+        <inkml:traceFormat>
+          <inkml:channel name="X" type="integer" min="-2.14748E9" max="2.14748E9" units="cm"/>
+          <inkml:channel name="Y" type="integer" min="-2.14748E9" max="2.14748E9" units="cm"/>
+          <inkml:channel name="F" type="integer" max="32767" units="dev"/>
+        </inkml:traceFormat>
+        <inkml:channelProperties>
+          <inkml:channelProperty channel="X" name="resolution" value="1000" units="1/cm"/>
+          <inkml:channelProperty channel="Y" name="resolution" value="1000" units="1/cm"/>
+          <inkml:channelProperty channel="F" name="resolution" value="0" units="1/dev"/>
+        </inkml:channelProperties>
+      </inkml:inkSource>
+      <inkml:timestamp xml:id="ts0" timeString="2023-05-25T05:37:16.211"/>
+    </inkml:context>
+    <inkml:brush xml:id="br0">
+      <inkml:brushProperty name="width" value="0.05" units="cm"/>
+      <inkml:brushProperty name="height" value="0.05" units="cm"/>
+      <inkml:brushProperty name="color" value="#008C3A"/>
+    </inkml:brush>
+  </inkml:definitions>
+  <inkml:trace contextRef="#ctx0" brushRef="#br0">50 4 24575,'-1'0'0,"-2"0"0,-2 0 0,-1 0 0,0 0 0,-1 0 0,1 0 0,0-1 0,2 0 0,-1-1 0</inkml:trace>
+</inkml:ink>
+</file>
+
+<file path=ppt/ink/ink255.xml><?xml version="1.0" encoding="utf-8"?>
+<inkml:ink xmlns:inkml="http://www.w3.org/2003/InkML">
+  <inkml:definitions>
+    <inkml:context xml:id="ctx0">
+      <inkml:inkSource xml:id="inkSrc0">
+        <inkml:traceFormat>
+          <inkml:channel name="X" type="integer" min="-2.14748E9" max="2.14748E9" units="cm"/>
+          <inkml:channel name="Y" type="integer" min="-2.14748E9" max="2.14748E9" units="cm"/>
+          <inkml:channel name="F" type="integer" max="32767" units="dev"/>
+        </inkml:traceFormat>
+        <inkml:channelProperties>
+          <inkml:channelProperty channel="X" name="resolution" value="1000" units="1/cm"/>
+          <inkml:channelProperty channel="Y" name="resolution" value="1000" units="1/cm"/>
+          <inkml:channelProperty channel="F" name="resolution" value="0" units="1/dev"/>
+        </inkml:channelProperties>
+      </inkml:inkSource>
+      <inkml:timestamp xml:id="ts0" timeString="2023-05-25T05:37:16.841"/>
+    </inkml:context>
+    <inkml:brush xml:id="br0">
+      <inkml:brushProperty name="width" value="0.05" units="cm"/>
+      <inkml:brushProperty name="height" value="0.05" units="cm"/>
+      <inkml:brushProperty name="color" value="#008C3A"/>
+    </inkml:brush>
+  </inkml:definitions>
+  <inkml:trace contextRef="#ctx0" brushRef="#br0">12 1 24575,'0'1'0,"-1"1"0,0 2 0,0 1 0,0 0 0,0 1 0,1 0 0,-1 0 0,0 0 0,0 0 0,0 0 0,0 0 0,0 0 0,1 0 0,-1 0 0,1 0 0</inkml:trace>
+</inkml:ink>
+</file>
+
+<file path=ppt/ink/ink256.xml><?xml version="1.0" encoding="utf-8"?>
+<inkml:ink xmlns:inkml="http://www.w3.org/2003/InkML">
+  <inkml:definitions>
+    <inkml:context xml:id="ctx0">
+      <inkml:inkSource xml:id="inkSrc0">
+        <inkml:traceFormat>
+          <inkml:channel name="X" type="integer" min="-2.14748E9" max="2.14748E9" units="cm"/>
+          <inkml:channel name="Y" type="integer" min="-2.14748E9" max="2.14748E9" units="cm"/>
+          <inkml:channel name="F" type="integer" max="32767" units="dev"/>
+        </inkml:traceFormat>
+        <inkml:channelProperties>
+          <inkml:channelProperty channel="X" name="resolution" value="1000" units="1/cm"/>
+          <inkml:channelProperty channel="Y" name="resolution" value="1000" units="1/cm"/>
+          <inkml:channelProperty channel="F" name="resolution" value="0" units="1/dev"/>
+        </inkml:channelProperties>
+      </inkml:inkSource>
+      <inkml:timestamp xml:id="ts0" timeString="2023-05-25T05:37:19.554"/>
+    </inkml:context>
+    <inkml:brush xml:id="br0">
+      <inkml:brushProperty name="width" value="0.05" units="cm"/>
+      <inkml:brushProperty name="height" value="0.05" units="cm"/>
+      <inkml:brushProperty name="color" value="#008C3A"/>
+    </inkml:brush>
+  </inkml:definitions>
+  <inkml:trace contextRef="#ctx0" brushRef="#br0">12 107 24575,'-12'-107'-1365</inkml:trace>
+</inkml:ink>
+</file>
+
+<file path=ppt/ink/ink257.xml><?xml version="1.0" encoding="utf-8"?>
+<inkml:ink xmlns:inkml="http://www.w3.org/2003/InkML">
+  <inkml:definitions>
+    <inkml:context xml:id="ctx0">
+      <inkml:inkSource xml:id="inkSrc0">
+        <inkml:traceFormat>
+          <inkml:channel name="X" type="integer" min="-2.14748E9" max="2.14748E9" units="cm"/>
+          <inkml:channel name="Y" type="integer" min="-2.14748E9" max="2.14748E9" units="cm"/>
+          <inkml:channel name="F" type="integer" max="32767" units="dev"/>
+        </inkml:traceFormat>
+        <inkml:channelProperties>
+          <inkml:channelProperty channel="X" name="resolution" value="1000" units="1/cm"/>
+          <inkml:channelProperty channel="Y" name="resolution" value="1000" units="1/cm"/>
+          <inkml:channelProperty channel="F" name="resolution" value="0" units="1/dev"/>
+        </inkml:channelProperties>
+      </inkml:inkSource>
+      <inkml:timestamp xml:id="ts0" timeString="2023-05-25T05:37:20.453"/>
+    </inkml:context>
+    <inkml:brush xml:id="br0">
+      <inkml:brushProperty name="width" value="0.05" units="cm"/>
+      <inkml:brushProperty name="height" value="0.05" units="cm"/>
+      <inkml:brushProperty name="color" value="#008C3A"/>
+    </inkml:brush>
+  </inkml:definitions>
+  <inkml:trace contextRef="#ctx0" brushRef="#br0">136 7 24575,'-65'-6'0,"-5"6"-1365</inkml:trace>
+</inkml:ink>
+</file>
+
+<file path=ppt/ink/ink258.xml><?xml version="1.0" encoding="utf-8"?>
+<inkml:ink xmlns:inkml="http://www.w3.org/2003/InkML">
+  <inkml:definitions>
+    <inkml:context xml:id="ctx0">
+      <inkml:inkSource xml:id="inkSrc0">
+        <inkml:traceFormat>
+          <inkml:channel name="X" type="integer" min="-2.14748E9" max="2.14748E9" units="cm"/>
+          <inkml:channel name="Y" type="integer" min="-2.14748E9" max="2.14748E9" units="cm"/>
+          <inkml:channel name="F" type="integer" max="32767" units="dev"/>
+        </inkml:traceFormat>
+        <inkml:channelProperties>
+          <inkml:channelProperty channel="X" name="resolution" value="1000" units="1/cm"/>
+          <inkml:channelProperty channel="Y" name="resolution" value="1000" units="1/cm"/>
+          <inkml:channelProperty channel="F" name="resolution" value="0" units="1/dev"/>
+        </inkml:channelProperties>
+      </inkml:inkSource>
+      <inkml:timestamp xml:id="ts0" timeString="2023-05-25T05:37:43.064"/>
+    </inkml:context>
+    <inkml:brush xml:id="br0">
+      <inkml:brushProperty name="width" value="0.05" units="cm"/>
+      <inkml:brushProperty name="height" value="0.05" units="cm"/>
+      <inkml:brushProperty name="color" value="#E71224"/>
+    </inkml:brush>
+  </inkml:definitions>
+  <inkml:trace contextRef="#ctx0" brushRef="#br0">102 1 24575,'-13'1'0,"0"1"0,1 1 0,-1 0 0,1 1 0,-17 6 0,19-6-1365</inkml:trace>
+</inkml:ink>
+</file>
+
+<file path=ppt/ink/ink259.xml><?xml version="1.0" encoding="utf-8"?>
+<inkml:ink xmlns:inkml="http://www.w3.org/2003/InkML">
+  <inkml:definitions>
+    <inkml:context xml:id="ctx0">
+      <inkml:inkSource xml:id="inkSrc0">
+        <inkml:traceFormat>
+          <inkml:channel name="X" type="integer" min="-2.14748E9" max="2.14748E9" units="cm"/>
+          <inkml:channel name="Y" type="integer" min="-2.14748E9" max="2.14748E9" units="cm"/>
+          <inkml:channel name="F" type="integer" max="32767" units="dev"/>
+        </inkml:traceFormat>
+        <inkml:channelProperties>
+          <inkml:channelProperty channel="X" name="resolution" value="1000" units="1/cm"/>
+          <inkml:channelProperty channel="Y" name="resolution" value="1000" units="1/cm"/>
+          <inkml:channelProperty channel="F" name="resolution" value="0" units="1/dev"/>
+        </inkml:channelProperties>
+      </inkml:inkSource>
+      <inkml:timestamp xml:id="ts0" timeString="2023-05-25T05:37:43.613"/>
+    </inkml:context>
+    <inkml:brush xml:id="br0">
+      <inkml:brushProperty name="width" value="0.05" units="cm"/>
+      <inkml:brushProperty name="height" value="0.05" units="cm"/>
+      <inkml:brushProperty name="color" value="#E71224"/>
+    </inkml:brush>
+  </inkml:definitions>
+  <inkml:trace contextRef="#ctx0" brushRef="#br0">0 1 24575,'0'141'-1365</inkml:trace>
+</inkml:ink>
+</file>
+
 <file path=ppt/ink/ink26.xml><?xml version="1.0" encoding="utf-8"?>
 <inkml:ink xmlns:inkml="http://www.w3.org/2003/InkML">
   <inkml:definitions>
@@ -4551,6 +5209,230 @@
     </inkml:brush>
   </inkml:definitions>
   <inkml:trace contextRef="#ctx0" brushRef="#br0">1 0 24575,'0'0'-8191</inkml:trace>
+</inkml:ink>
+</file>
+
+<file path=ppt/ink/ink260.xml><?xml version="1.0" encoding="utf-8"?>
+<inkml:ink xmlns:inkml="http://www.w3.org/2003/InkML">
+  <inkml:definitions>
+    <inkml:context xml:id="ctx0">
+      <inkml:inkSource xml:id="inkSrc0">
+        <inkml:traceFormat>
+          <inkml:channel name="X" type="integer" min="-2.14748E9" max="2.14748E9" units="cm"/>
+          <inkml:channel name="Y" type="integer" min="-2.14748E9" max="2.14748E9" units="cm"/>
+          <inkml:channel name="F" type="integer" max="32767" units="dev"/>
+        </inkml:traceFormat>
+        <inkml:channelProperties>
+          <inkml:channelProperty channel="X" name="resolution" value="1000" units="1/cm"/>
+          <inkml:channelProperty channel="Y" name="resolution" value="1000" units="1/cm"/>
+          <inkml:channelProperty channel="F" name="resolution" value="0" units="1/dev"/>
+        </inkml:channelProperties>
+      </inkml:inkSource>
+      <inkml:timestamp xml:id="ts0" timeString="2023-05-25T05:37:44.173"/>
+    </inkml:context>
+    <inkml:brush xml:id="br0">
+      <inkml:brushProperty name="width" value="0.05" units="cm"/>
+      <inkml:brushProperty name="height" value="0.05" units="cm"/>
+      <inkml:brushProperty name="color" value="#E71224"/>
+    </inkml:brush>
+  </inkml:definitions>
+  <inkml:trace contextRef="#ctx0" brushRef="#br0">1 0 24575,'1'4'0,"1"0"0,-1-1 0,1 1 0,0 0 0,0-1 0,0 1 0,0-1 0,1 0 0,4 4 0,3 6 0,3 10 125,-10-19-213,-1 1 1,1-1-1,-1 1 1,1-1-1,0 0 0,1 0 1,-1 0-1,1 0 0,0-1 1,0 1-1,0-1 0,0 0 1,1 0-1,-1-1 0,1 1 1,5 1-1</inkml:trace>
+</inkml:ink>
+</file>
+
+<file path=ppt/ink/ink261.xml><?xml version="1.0" encoding="utf-8"?>
+<inkml:ink xmlns:inkml="http://www.w3.org/2003/InkML">
+  <inkml:definitions>
+    <inkml:context xml:id="ctx0">
+      <inkml:inkSource xml:id="inkSrc0">
+        <inkml:traceFormat>
+          <inkml:channel name="X" type="integer" min="-2.14748E9" max="2.14748E9" units="cm"/>
+          <inkml:channel name="Y" type="integer" min="-2.14748E9" max="2.14748E9" units="cm"/>
+          <inkml:channel name="F" type="integer" max="32767" units="dev"/>
+        </inkml:traceFormat>
+        <inkml:channelProperties>
+          <inkml:channelProperty channel="X" name="resolution" value="1000" units="1/cm"/>
+          <inkml:channelProperty channel="Y" name="resolution" value="1000" units="1/cm"/>
+          <inkml:channelProperty channel="F" name="resolution" value="0" units="1/dev"/>
+        </inkml:channelProperties>
+      </inkml:inkSource>
+      <inkml:timestamp xml:id="ts0" timeString="2023-05-25T05:37:44.735"/>
+    </inkml:context>
+    <inkml:brush xml:id="br0">
+      <inkml:brushProperty name="width" value="0.05" units="cm"/>
+      <inkml:brushProperty name="height" value="0.05" units="cm"/>
+      <inkml:brushProperty name="color" value="#E71224"/>
+    </inkml:brush>
+  </inkml:definitions>
+  <inkml:trace contextRef="#ctx0" brushRef="#br0">0 0 24575,'6'1'0,"-1"-1"0,0 1 0,1 0 0,-1 1 0,7 2 0,-7-2 0,1 0 0,-1-1 0,1 1 0,10 0 0,53 2-1365</inkml:trace>
+</inkml:ink>
+</file>
+
+<file path=ppt/ink/ink262.xml><?xml version="1.0" encoding="utf-8"?>
+<inkml:ink xmlns:inkml="http://www.w3.org/2003/InkML">
+  <inkml:definitions>
+    <inkml:context xml:id="ctx0">
+      <inkml:inkSource xml:id="inkSrc0">
+        <inkml:traceFormat>
+          <inkml:channel name="X" type="integer" min="-2.14748E9" max="2.14748E9" units="cm"/>
+          <inkml:channel name="Y" type="integer" min="-2.14748E9" max="2.14748E9" units="cm"/>
+          <inkml:channel name="F" type="integer" max="32767" units="dev"/>
+        </inkml:traceFormat>
+        <inkml:channelProperties>
+          <inkml:channelProperty channel="X" name="resolution" value="1000" units="1/cm"/>
+          <inkml:channelProperty channel="Y" name="resolution" value="1000" units="1/cm"/>
+          <inkml:channelProperty channel="F" name="resolution" value="0" units="1/dev"/>
+        </inkml:channelProperties>
+      </inkml:inkSource>
+      <inkml:timestamp xml:id="ts0" timeString="2023-05-25T05:37:45.272"/>
+    </inkml:context>
+    <inkml:brush xml:id="br0">
+      <inkml:brushProperty name="width" value="0.05" units="cm"/>
+      <inkml:brushProperty name="height" value="0.05" units="cm"/>
+      <inkml:brushProperty name="color" value="#E71224"/>
+    </inkml:brush>
+  </inkml:definitions>
+  <inkml:trace contextRef="#ctx0" brushRef="#br0">0 11 24575,'129'-5'0,"-109"-1"-1365</inkml:trace>
+</inkml:ink>
+</file>
+
+<file path=ppt/ink/ink263.xml><?xml version="1.0" encoding="utf-8"?>
+<inkml:ink xmlns:inkml="http://www.w3.org/2003/InkML">
+  <inkml:definitions>
+    <inkml:context xml:id="ctx0">
+      <inkml:inkSource xml:id="inkSrc0">
+        <inkml:traceFormat>
+          <inkml:channel name="X" type="integer" min="-2.14748E9" max="2.14748E9" units="cm"/>
+          <inkml:channel name="Y" type="integer" min="-2.14748E9" max="2.14748E9" units="cm"/>
+          <inkml:channel name="F" type="integer" max="32767" units="dev"/>
+        </inkml:traceFormat>
+        <inkml:channelProperties>
+          <inkml:channelProperty channel="X" name="resolution" value="1000" units="1/cm"/>
+          <inkml:channelProperty channel="Y" name="resolution" value="1000" units="1/cm"/>
+          <inkml:channelProperty channel="F" name="resolution" value="0" units="1/dev"/>
+        </inkml:channelProperties>
+      </inkml:inkSource>
+      <inkml:timestamp xml:id="ts0" timeString="2023-05-25T05:37:45.762"/>
+    </inkml:context>
+    <inkml:brush xml:id="br0">
+      <inkml:brushProperty name="width" value="0.05" units="cm"/>
+      <inkml:brushProperty name="height" value="0.05" units="cm"/>
+      <inkml:brushProperty name="color" value="#E71224"/>
+    </inkml:brush>
+  </inkml:definitions>
+  <inkml:trace contextRef="#ctx0" brushRef="#br0">0 76 24575,'2'0'0,"0"-1"0,0 1 0,1-1 0,-1 0 0,0 0 0,0 0 0,-1 0 0,1 0 0,0 0 0,0 0 0,0-1 0,-1 1 0,1-1 0,-1 1 0,1-1 0,1-2 0,21-30 0,-22 32 0,10-16-1365</inkml:trace>
+</inkml:ink>
+</file>
+
+<file path=ppt/ink/ink264.xml><?xml version="1.0" encoding="utf-8"?>
+<inkml:ink xmlns:inkml="http://www.w3.org/2003/InkML">
+  <inkml:definitions>
+    <inkml:context xml:id="ctx0">
+      <inkml:inkSource xml:id="inkSrc0">
+        <inkml:traceFormat>
+          <inkml:channel name="X" type="integer" min="-2.14748E9" max="2.14748E9" units="cm"/>
+          <inkml:channel name="Y" type="integer" min="-2.14748E9" max="2.14748E9" units="cm"/>
+          <inkml:channel name="F" type="integer" max="32767" units="dev"/>
+        </inkml:traceFormat>
+        <inkml:channelProperties>
+          <inkml:channelProperty channel="X" name="resolution" value="1000" units="1/cm"/>
+          <inkml:channelProperty channel="Y" name="resolution" value="1000" units="1/cm"/>
+          <inkml:channelProperty channel="F" name="resolution" value="0" units="1/dev"/>
+        </inkml:channelProperties>
+      </inkml:inkSource>
+      <inkml:timestamp xml:id="ts0" timeString="2023-05-25T05:37:46.266"/>
+    </inkml:context>
+    <inkml:brush xml:id="br0">
+      <inkml:brushProperty name="width" value="0.05" units="cm"/>
+      <inkml:brushProperty name="height" value="0.05" units="cm"/>
+      <inkml:brushProperty name="color" value="#E71224"/>
+    </inkml:brush>
+  </inkml:definitions>
+  <inkml:trace contextRef="#ctx0" brushRef="#br0">48 148 24575,'0'-14'0,"-1"0"0,-1 0 0,-4-17 0,5 24 0,-1 0 0,-1 0 0,1 0 0,-1 1 0,0-1 0,-1 1 0,-7-12 0,2 8-1365</inkml:trace>
+</inkml:ink>
+</file>
+
+<file path=ppt/ink/ink265.xml><?xml version="1.0" encoding="utf-8"?>
+<inkml:ink xmlns:inkml="http://www.w3.org/2003/InkML">
+  <inkml:definitions>
+    <inkml:context xml:id="ctx0">
+      <inkml:inkSource xml:id="inkSrc0">
+        <inkml:traceFormat>
+          <inkml:channel name="X" type="integer" min="-2.14748E9" max="2.14748E9" units="cm"/>
+          <inkml:channel name="Y" type="integer" min="-2.14748E9" max="2.14748E9" units="cm"/>
+          <inkml:channel name="F" type="integer" max="32767" units="dev"/>
+        </inkml:traceFormat>
+        <inkml:channelProperties>
+          <inkml:channelProperty channel="X" name="resolution" value="1000" units="1/cm"/>
+          <inkml:channelProperty channel="Y" name="resolution" value="1000" units="1/cm"/>
+          <inkml:channelProperty channel="F" name="resolution" value="0" units="1/dev"/>
+        </inkml:channelProperties>
+      </inkml:inkSource>
+      <inkml:timestamp xml:id="ts0" timeString="2023-05-25T05:37:46.819"/>
+    </inkml:context>
+    <inkml:brush xml:id="br0">
+      <inkml:brushProperty name="width" value="0.05" units="cm"/>
+      <inkml:brushProperty name="height" value="0.05" units="cm"/>
+      <inkml:brushProperty name="color" value="#E71224"/>
+    </inkml:brush>
+  </inkml:definitions>
+  <inkml:trace contextRef="#ctx0" brushRef="#br0">295 25 24575,'-129'-9'0,"48"2"0,6 0-1365,65 5-5461</inkml:trace>
+</inkml:ink>
+</file>
+
+<file path=ppt/ink/ink266.xml><?xml version="1.0" encoding="utf-8"?>
+<inkml:ink xmlns:inkml="http://www.w3.org/2003/InkML">
+  <inkml:definitions>
+    <inkml:context xml:id="ctx0">
+      <inkml:inkSource xml:id="inkSrc0">
+        <inkml:traceFormat>
+          <inkml:channel name="X" type="integer" min="-2.14748E9" max="2.14748E9" units="cm"/>
+          <inkml:channel name="Y" type="integer" min="-2.14748E9" max="2.14748E9" units="cm"/>
+          <inkml:channel name="F" type="integer" max="32767" units="dev"/>
+        </inkml:traceFormat>
+        <inkml:channelProperties>
+          <inkml:channelProperty channel="X" name="resolution" value="1000" units="1/cm"/>
+          <inkml:channelProperty channel="Y" name="resolution" value="1000" units="1/cm"/>
+          <inkml:channelProperty channel="F" name="resolution" value="0" units="1/dev"/>
+        </inkml:channelProperties>
+      </inkml:inkSource>
+      <inkml:timestamp xml:id="ts0" timeString="2023-05-25T05:40:48.597"/>
+    </inkml:context>
+    <inkml:brush xml:id="br0">
+      <inkml:brushProperty name="width" value="0.025" units="cm"/>
+      <inkml:brushProperty name="height" value="0.025" units="cm"/>
+      <inkml:brushProperty name="color" value="#E71224"/>
+    </inkml:brush>
+  </inkml:definitions>
+  <inkml:trace contextRef="#ctx0" brushRef="#br0">919 1 24575,'-206'7'0,"173"-4"0,-1 3 0,1 0 0,0 2 0,-33 13 0,50-16 0,0-1 0,-1 0 0,1-1 0,-33 1 0,25-2 0,13-1 0,0 0 0,1 1 0,-1 1 0,0 0 0,1 0 0,0 1 0,-1 0 0,1 1 0,1 0 0,-1 1 0,1 0 0,0 0 0,0 1 0,1 0 0,-13 15 0,-5 2 0,-50 38 0,68-55 0,0 0 0,0 1 0,1 0 0,0 1 0,1-1 0,0 1 0,0 1 0,1-1 0,0 1 0,1-1 0,0 1 0,1 1 0,-3 10 0,-1 7 0,2 0 0,1 0 0,0 50 0,5 205 0,-1-273 0,1 0 0,0 0 0,0 0 0,2 0 0,-1-1 0,1 1 0,0-1 0,1 1 0,0-1 0,7 10 0,5 7 0,1-1 0,22 23 0,-22-29 0,0 1 0,-2 1 0,20 36 0,-23-36 0,0-2 0,1 0 0,2-1 0,0 0 0,0-1 0,37 30 0,-31-27 0,18 16 0,67 47 0,-90-72 0,1-1 0,1 0 0,-1-1 0,2-1 0,-1-1 0,1 0 0,28 5 0,36 8 0,-57-12 0,1-2 0,-1 0 0,48 2 0,294-8 0,-145-1 0,-217 1 0,-1 0 0,0-1 0,1 1 0,-1-1 0,0 0 0,0 0 0,0-1 0,7-2 0,-9 3 0,-1-1 0,1 0 0,-1 1 0,1-1 0,-1 0 0,0 0 0,0 0 0,0-1 0,0 1 0,0 0 0,-1-1 0,1 1 0,-1-1 0,1 0 0,1-5 0,3-10 0,-1 0 0,0 0 0,-2 0 0,3-37 0,-6-77 0,-2 57 0,2 38 0,-2-73 0,1 93 0,-1 1 0,-1 0 0,-1 0 0,-8-26 0,-52-94 0,31 68 0,22 50 0,1 1 0,-2 0 0,-1 1 0,0 0 0,-21-20 0,11 13 0,-19-28 0,-86-128 0,107 154 0,-1 2 0,-1 1 0,0 1 0,-36-24 0,36 27 0,-17-12 0,21 17 0,1 0 0,1-2 0,0 0 0,-18-22 0,-9-19-1365,32 41-5461</inkml:trace>
+</inkml:ink>
+</file>
+
+<file path=ppt/ink/ink267.xml><?xml version="1.0" encoding="utf-8"?>
+<inkml:ink xmlns:inkml="http://www.w3.org/2003/InkML">
+  <inkml:definitions>
+    <inkml:context xml:id="ctx0">
+      <inkml:inkSource xml:id="inkSrc0">
+        <inkml:traceFormat>
+          <inkml:channel name="X" type="integer" min="-2.14748E9" max="2.14748E9" units="cm"/>
+          <inkml:channel name="Y" type="integer" min="-2.14748E9" max="2.14748E9" units="cm"/>
+          <inkml:channel name="F" type="integer" max="32767" units="dev"/>
+        </inkml:traceFormat>
+        <inkml:channelProperties>
+          <inkml:channelProperty channel="X" name="resolution" value="1000" units="1/cm"/>
+          <inkml:channelProperty channel="Y" name="resolution" value="1000" units="1/cm"/>
+          <inkml:channelProperty channel="F" name="resolution" value="0" units="1/dev"/>
+        </inkml:channelProperties>
+      </inkml:inkSource>
+      <inkml:timestamp xml:id="ts0" timeString="2023-05-22T07:49:33.056"/>
+    </inkml:context>
+    <inkml:brush xml:id="br0">
+      <inkml:brushProperty name="width" value="0.025" units="cm"/>
+      <inkml:brushProperty name="height" value="0.025" units="cm"/>
+      <inkml:brushProperty name="color" value="#FFC114"/>
+    </inkml:brush>
+  </inkml:definitions>
+  <inkml:trace contextRef="#ctx0" brushRef="#br0">0 0 24575,'0'0'-8191</inkml:trace>
 </inkml:ink>
 </file>
 
@@ -6961,7 +7843,7 @@
           <a:p>
             <a:fld id="{E562C55A-646D-49D0-A2F0-B5B5B12C5BD3}" type="datetimeFigureOut">
               <a:rPr lang="en-SG" smtClean="0"/>
-              <a:t>22/5/2023</a:t>
+              <a:t>25/5/2023</a:t>
             </a:fld>
             <a:endParaRPr lang="en-SG"/>
           </a:p>
@@ -7161,7 +8043,7 @@
           <a:p>
             <a:fld id="{E562C55A-646D-49D0-A2F0-B5B5B12C5BD3}" type="datetimeFigureOut">
               <a:rPr lang="en-SG" smtClean="0"/>
-              <a:t>22/5/2023</a:t>
+              <a:t>25/5/2023</a:t>
             </a:fld>
             <a:endParaRPr lang="en-SG"/>
           </a:p>
@@ -7371,7 +8253,7 @@
           <a:p>
             <a:fld id="{E562C55A-646D-49D0-A2F0-B5B5B12C5BD3}" type="datetimeFigureOut">
               <a:rPr lang="en-SG" smtClean="0"/>
-              <a:t>22/5/2023</a:t>
+              <a:t>25/5/2023</a:t>
             </a:fld>
             <a:endParaRPr lang="en-SG"/>
           </a:p>
@@ -7571,7 +8453,7 @@
           <a:p>
             <a:fld id="{E562C55A-646D-49D0-A2F0-B5B5B12C5BD3}" type="datetimeFigureOut">
               <a:rPr lang="en-SG" smtClean="0"/>
-              <a:t>22/5/2023</a:t>
+              <a:t>25/5/2023</a:t>
             </a:fld>
             <a:endParaRPr lang="en-SG"/>
           </a:p>
@@ -7847,7 +8729,7 @@
           <a:p>
             <a:fld id="{E562C55A-646D-49D0-A2F0-B5B5B12C5BD3}" type="datetimeFigureOut">
               <a:rPr lang="en-SG" smtClean="0"/>
-              <a:t>22/5/2023</a:t>
+              <a:t>25/5/2023</a:t>
             </a:fld>
             <a:endParaRPr lang="en-SG"/>
           </a:p>
@@ -8115,7 +8997,7 @@
           <a:p>
             <a:fld id="{E562C55A-646D-49D0-A2F0-B5B5B12C5BD3}" type="datetimeFigureOut">
               <a:rPr lang="en-SG" smtClean="0"/>
-              <a:t>22/5/2023</a:t>
+              <a:t>25/5/2023</a:t>
             </a:fld>
             <a:endParaRPr lang="en-SG"/>
           </a:p>
@@ -8530,7 +9412,7 @@
           <a:p>
             <a:fld id="{E562C55A-646D-49D0-A2F0-B5B5B12C5BD3}" type="datetimeFigureOut">
               <a:rPr lang="en-SG" smtClean="0"/>
-              <a:t>22/5/2023</a:t>
+              <a:t>25/5/2023</a:t>
             </a:fld>
             <a:endParaRPr lang="en-SG"/>
           </a:p>
@@ -8672,7 +9554,7 @@
           <a:p>
             <a:fld id="{E562C55A-646D-49D0-A2F0-B5B5B12C5BD3}" type="datetimeFigureOut">
               <a:rPr lang="en-SG" smtClean="0"/>
-              <a:t>22/5/2023</a:t>
+              <a:t>25/5/2023</a:t>
             </a:fld>
             <a:endParaRPr lang="en-SG"/>
           </a:p>
@@ -8785,7 +9667,7 @@
           <a:p>
             <a:fld id="{E562C55A-646D-49D0-A2F0-B5B5B12C5BD3}" type="datetimeFigureOut">
               <a:rPr lang="en-SG" smtClean="0"/>
-              <a:t>22/5/2023</a:t>
+              <a:t>25/5/2023</a:t>
             </a:fld>
             <a:endParaRPr lang="en-SG"/>
           </a:p>
@@ -9098,7 +9980,7 @@
           <a:p>
             <a:fld id="{E562C55A-646D-49D0-A2F0-B5B5B12C5BD3}" type="datetimeFigureOut">
               <a:rPr lang="en-SG" smtClean="0"/>
-              <a:t>22/5/2023</a:t>
+              <a:t>25/5/2023</a:t>
             </a:fld>
             <a:endParaRPr lang="en-SG"/>
           </a:p>
@@ -9387,7 +10269,7 @@
           <a:p>
             <a:fld id="{E562C55A-646D-49D0-A2F0-B5B5B12C5BD3}" type="datetimeFigureOut">
               <a:rPr lang="en-SG" smtClean="0"/>
-              <a:t>22/5/2023</a:t>
+              <a:t>25/5/2023</a:t>
             </a:fld>
             <a:endParaRPr lang="en-SG"/>
           </a:p>
@@ -9630,7 +10512,7 @@
           <a:p>
             <a:fld id="{E562C55A-646D-49D0-A2F0-B5B5B12C5BD3}" type="datetimeFigureOut">
               <a:rPr lang="en-SG" smtClean="0"/>
-              <a:t>22/5/2023</a:t>
+              <a:t>25/5/2023</a:t>
             </a:fld>
             <a:endParaRPr lang="en-SG"/>
           </a:p>
@@ -10031,7 +10913,7 @@
 </file>
 
 <file path=ppt/slides/slide1.xml><?xml version="1.0" encoding="utf-8"?>
-<p:sld xmlns:a="http://schemas.openxmlformats.org/drawingml/2006/main" xmlns:r="http://schemas.openxmlformats.org/officeDocument/2006/relationships" xmlns:p="http://schemas.openxmlformats.org/presentationml/2006/main">
+<p:sld xmlns:a="http://schemas.openxmlformats.org/drawingml/2006/main" xmlns:r="http://schemas.openxmlformats.org/officeDocument/2006/relationships" xmlns:p="http://schemas.openxmlformats.org/presentationml/2006/main" show="0">
   <p:cSld>
     <p:spTree>
       <p:nvGrpSpPr>
@@ -10096,7 +10978,7 @@
 </file>
 
 <file path=ppt/slides/slide10.xml><?xml version="1.0" encoding="utf-8"?>
-<p:sld xmlns:a="http://schemas.openxmlformats.org/drawingml/2006/main" xmlns:r="http://schemas.openxmlformats.org/officeDocument/2006/relationships" xmlns:p="http://schemas.openxmlformats.org/presentationml/2006/main">
+<p:sld xmlns:a="http://schemas.openxmlformats.org/drawingml/2006/main" xmlns:r="http://schemas.openxmlformats.org/officeDocument/2006/relationships" xmlns:p="http://schemas.openxmlformats.org/presentationml/2006/main" show="0">
   <p:cSld>
     <p:spTree>
       <p:nvGrpSpPr>
@@ -10161,7 +11043,7 @@
 </file>
 
 <file path=ppt/slides/slide11.xml><?xml version="1.0" encoding="utf-8"?>
-<p:sld xmlns:a="http://schemas.openxmlformats.org/drawingml/2006/main" xmlns:r="http://schemas.openxmlformats.org/officeDocument/2006/relationships" xmlns:p="http://schemas.openxmlformats.org/presentationml/2006/main">
+<p:sld xmlns:a="http://schemas.openxmlformats.org/drawingml/2006/main" xmlns:r="http://schemas.openxmlformats.org/officeDocument/2006/relationships" xmlns:p="http://schemas.openxmlformats.org/presentationml/2006/main" show="0">
   <p:cSld>
     <p:spTree>
       <p:nvGrpSpPr>
@@ -10212,8 +11094,8 @@
           </a:prstGeom>
         </p:spPr>
       </p:pic>
-      <mc:AlternateContent xmlns:mc="http://schemas.openxmlformats.org/markup-compatibility/2006">
-        <mc:Choice xmlns:p14="http://schemas.microsoft.com/office/powerpoint/2010/main" Requires="p14">
+      <mc:AlternateContent xmlns:mc="http://schemas.openxmlformats.org/markup-compatibility/2006" xmlns:p14="http://schemas.microsoft.com/office/powerpoint/2010/main">
+        <mc:Choice Requires="p14">
           <p:contentPart p14:bwMode="auto" r:id="rId3">
             <p14:nvContentPartPr>
               <p14:cNvPr id="46" name="Ink 45">
@@ -10232,7 +11114,7 @@
             </p14:xfrm>
           </p:contentPart>
         </mc:Choice>
-        <mc:Fallback>
+        <mc:Fallback xmlns="">
           <p:pic>
             <p:nvPicPr>
               <p:cNvPr id="46" name="Ink 45">
@@ -10263,8 +11145,8 @@
           </p:pic>
         </mc:Fallback>
       </mc:AlternateContent>
-      <mc:AlternateContent xmlns:mc="http://schemas.openxmlformats.org/markup-compatibility/2006">
-        <mc:Choice xmlns:p14="http://schemas.microsoft.com/office/powerpoint/2010/main" Requires="p14">
+      <mc:AlternateContent xmlns:mc="http://schemas.openxmlformats.org/markup-compatibility/2006" xmlns:p14="http://schemas.microsoft.com/office/powerpoint/2010/main">
+        <mc:Choice Requires="p14">
           <p:contentPart p14:bwMode="auto" r:id="rId5">
             <p14:nvContentPartPr>
               <p14:cNvPr id="47" name="Ink 46">
@@ -10283,7 +11165,7 @@
             </p14:xfrm>
           </p:contentPart>
         </mc:Choice>
-        <mc:Fallback>
+        <mc:Fallback xmlns="">
           <p:pic>
             <p:nvPicPr>
               <p:cNvPr id="47" name="Ink 46">
@@ -10334,8 +11216,8 @@
             <a:chExt cx="360" cy="360"/>
           </a:xfrm>
         </p:grpSpPr>
-        <mc:AlternateContent xmlns:mc="http://schemas.openxmlformats.org/markup-compatibility/2006">
-          <mc:Choice xmlns:p14="http://schemas.microsoft.com/office/powerpoint/2010/main" Requires="p14">
+        <mc:AlternateContent xmlns:mc="http://schemas.openxmlformats.org/markup-compatibility/2006" xmlns:p14="http://schemas.microsoft.com/office/powerpoint/2010/main">
+          <mc:Choice Requires="p14">
             <p:contentPart p14:bwMode="auto" r:id="rId7">
               <p14:nvContentPartPr>
                 <p14:cNvPr id="48" name="Ink 47">
@@ -10354,7 +11236,7 @@
               </p14:xfrm>
             </p:contentPart>
           </mc:Choice>
-          <mc:Fallback>
+          <mc:Fallback xmlns="">
             <p:pic>
               <p:nvPicPr>
                 <p:cNvPr id="48" name="Ink 47">
@@ -10385,8 +11267,8 @@
             </p:pic>
           </mc:Fallback>
         </mc:AlternateContent>
-        <mc:AlternateContent xmlns:mc="http://schemas.openxmlformats.org/markup-compatibility/2006">
-          <mc:Choice xmlns:p14="http://schemas.microsoft.com/office/powerpoint/2010/main" Requires="p14">
+        <mc:AlternateContent xmlns:mc="http://schemas.openxmlformats.org/markup-compatibility/2006" xmlns:p14="http://schemas.microsoft.com/office/powerpoint/2010/main">
+          <mc:Choice Requires="p14">
             <p:contentPart p14:bwMode="auto" r:id="rId8">
               <p14:nvContentPartPr>
                 <p14:cNvPr id="49" name="Ink 48">
@@ -10405,7 +11287,7 @@
               </p14:xfrm>
             </p:contentPart>
           </mc:Choice>
-          <mc:Fallback>
+          <mc:Fallback xmlns="">
             <p:pic>
               <p:nvPicPr>
                 <p:cNvPr id="49" name="Ink 48">
@@ -10437,8 +11319,8 @@
           </mc:Fallback>
         </mc:AlternateContent>
       </p:grpSp>
-      <mc:AlternateContent xmlns:mc="http://schemas.openxmlformats.org/markup-compatibility/2006">
-        <mc:Choice xmlns:p14="http://schemas.microsoft.com/office/powerpoint/2010/main" Requires="p14">
+      <mc:AlternateContent xmlns:mc="http://schemas.openxmlformats.org/markup-compatibility/2006" xmlns:p14="http://schemas.microsoft.com/office/powerpoint/2010/main">
+        <mc:Choice Requires="p14">
           <p:contentPart p14:bwMode="auto" r:id="rId9">
             <p14:nvContentPartPr>
               <p14:cNvPr id="50" name="Ink 49">
@@ -10457,7 +11339,7 @@
             </p14:xfrm>
           </p:contentPart>
         </mc:Choice>
-        <mc:Fallback>
+        <mc:Fallback xmlns="">
           <p:pic>
             <p:nvPicPr>
               <p:cNvPr id="50" name="Ink 49">
@@ -10488,8 +11370,8 @@
           </p:pic>
         </mc:Fallback>
       </mc:AlternateContent>
-      <mc:AlternateContent xmlns:mc="http://schemas.openxmlformats.org/markup-compatibility/2006">
-        <mc:Choice xmlns:p14="http://schemas.microsoft.com/office/powerpoint/2010/main" Requires="p14">
+      <mc:AlternateContent xmlns:mc="http://schemas.openxmlformats.org/markup-compatibility/2006" xmlns:p14="http://schemas.microsoft.com/office/powerpoint/2010/main">
+        <mc:Choice Requires="p14">
           <p:contentPart p14:bwMode="auto" r:id="rId10">
             <p14:nvContentPartPr>
               <p14:cNvPr id="51" name="Ink 50">
@@ -10508,7 +11390,7 @@
             </p14:xfrm>
           </p:contentPart>
         </mc:Choice>
-        <mc:Fallback>
+        <mc:Fallback xmlns="">
           <p:pic>
             <p:nvPicPr>
               <p:cNvPr id="51" name="Ink 50">
@@ -10539,8 +11421,8 @@
           </p:pic>
         </mc:Fallback>
       </mc:AlternateContent>
-      <mc:AlternateContent xmlns:mc="http://schemas.openxmlformats.org/markup-compatibility/2006">
-        <mc:Choice xmlns:p14="http://schemas.microsoft.com/office/powerpoint/2010/main" Requires="p14">
+      <mc:AlternateContent xmlns:mc="http://schemas.openxmlformats.org/markup-compatibility/2006" xmlns:p14="http://schemas.microsoft.com/office/powerpoint/2010/main">
+        <mc:Choice Requires="p14">
           <p:contentPart p14:bwMode="auto" r:id="rId12">
             <p14:nvContentPartPr>
               <p14:cNvPr id="52" name="Ink 51">
@@ -10559,7 +11441,7 @@
             </p14:xfrm>
           </p:contentPart>
         </mc:Choice>
-        <mc:Fallback>
+        <mc:Fallback xmlns="">
           <p:pic>
             <p:nvPicPr>
               <p:cNvPr id="52" name="Ink 51">
@@ -10590,8 +11472,8 @@
           </p:pic>
         </mc:Fallback>
       </mc:AlternateContent>
-      <mc:AlternateContent xmlns:mc="http://schemas.openxmlformats.org/markup-compatibility/2006">
-        <mc:Choice xmlns:p14="http://schemas.microsoft.com/office/powerpoint/2010/main" Requires="p14">
+      <mc:AlternateContent xmlns:mc="http://schemas.openxmlformats.org/markup-compatibility/2006" xmlns:p14="http://schemas.microsoft.com/office/powerpoint/2010/main">
+        <mc:Choice Requires="p14">
           <p:contentPart p14:bwMode="auto" r:id="rId14">
             <p14:nvContentPartPr>
               <p14:cNvPr id="53" name="Ink 52">
@@ -10610,7 +11492,7 @@
             </p14:xfrm>
           </p:contentPart>
         </mc:Choice>
-        <mc:Fallback>
+        <mc:Fallback xmlns="">
           <p:pic>
             <p:nvPicPr>
               <p:cNvPr id="53" name="Ink 52">
@@ -10661,8 +11543,8 @@
             <a:chExt cx="101880" cy="169200"/>
           </a:xfrm>
         </p:grpSpPr>
-        <mc:AlternateContent xmlns:mc="http://schemas.openxmlformats.org/markup-compatibility/2006">
-          <mc:Choice xmlns:p14="http://schemas.microsoft.com/office/powerpoint/2010/main" Requires="p14">
+        <mc:AlternateContent xmlns:mc="http://schemas.openxmlformats.org/markup-compatibility/2006" xmlns:p14="http://schemas.microsoft.com/office/powerpoint/2010/main">
+          <mc:Choice Requires="p14">
             <p:contentPart p14:bwMode="auto" r:id="rId16">
               <p14:nvContentPartPr>
                 <p14:cNvPr id="8" name="Ink 7">
@@ -10681,7 +11563,7 @@
               </p14:xfrm>
             </p:contentPart>
           </mc:Choice>
-          <mc:Fallback>
+          <mc:Fallback xmlns="">
             <p:pic>
               <p:nvPicPr>
                 <p:cNvPr id="8" name="Ink 7">
@@ -10712,8 +11594,8 @@
             </p:pic>
           </mc:Fallback>
         </mc:AlternateContent>
-        <mc:AlternateContent xmlns:mc="http://schemas.openxmlformats.org/markup-compatibility/2006">
-          <mc:Choice xmlns:p14="http://schemas.microsoft.com/office/powerpoint/2010/main" Requires="p14">
+        <mc:AlternateContent xmlns:mc="http://schemas.openxmlformats.org/markup-compatibility/2006" xmlns:p14="http://schemas.microsoft.com/office/powerpoint/2010/main">
+          <mc:Choice Requires="p14">
             <p:contentPart p14:bwMode="auto" r:id="rId17">
               <p14:nvContentPartPr>
                 <p14:cNvPr id="20" name="Ink 19">
@@ -10732,7 +11614,7 @@
               </p14:xfrm>
             </p:contentPart>
           </mc:Choice>
-          <mc:Fallback>
+          <mc:Fallback xmlns="">
             <p:pic>
               <p:nvPicPr>
                 <p:cNvPr id="20" name="Ink 19">
@@ -10763,8 +11645,8 @@
             </p:pic>
           </mc:Fallback>
         </mc:AlternateContent>
-        <mc:AlternateContent xmlns:mc="http://schemas.openxmlformats.org/markup-compatibility/2006">
-          <mc:Choice xmlns:p14="http://schemas.microsoft.com/office/powerpoint/2010/main" Requires="p14">
+        <mc:AlternateContent xmlns:mc="http://schemas.openxmlformats.org/markup-compatibility/2006" xmlns:p14="http://schemas.microsoft.com/office/powerpoint/2010/main">
+          <mc:Choice Requires="p14">
             <p:contentPart p14:bwMode="auto" r:id="rId19">
               <p14:nvContentPartPr>
                 <p14:cNvPr id="22" name="Ink 21">
@@ -10783,7 +11665,7 @@
               </p14:xfrm>
             </p:contentPart>
           </mc:Choice>
-          <mc:Fallback>
+          <mc:Fallback xmlns="">
             <p:pic>
               <p:nvPicPr>
                 <p:cNvPr id="22" name="Ink 21">
@@ -10814,8 +11696,8 @@
             </p:pic>
           </mc:Fallback>
         </mc:AlternateContent>
-        <mc:AlternateContent xmlns:mc="http://schemas.openxmlformats.org/markup-compatibility/2006">
-          <mc:Choice xmlns:p14="http://schemas.microsoft.com/office/powerpoint/2010/main" Requires="p14">
+        <mc:AlternateContent xmlns:mc="http://schemas.openxmlformats.org/markup-compatibility/2006" xmlns:p14="http://schemas.microsoft.com/office/powerpoint/2010/main">
+          <mc:Choice Requires="p14">
             <p:contentPart p14:bwMode="auto" r:id="rId20">
               <p14:nvContentPartPr>
                 <p14:cNvPr id="45" name="Ink 44">
@@ -10834,7 +11716,7 @@
               </p14:xfrm>
             </p:contentPart>
           </mc:Choice>
-          <mc:Fallback>
+          <mc:Fallback xmlns="">
             <p:pic>
               <p:nvPicPr>
                 <p:cNvPr id="45" name="Ink 44">
@@ -10865,8 +11747,8 @@
             </p:pic>
           </mc:Fallback>
         </mc:AlternateContent>
-        <mc:AlternateContent xmlns:mc="http://schemas.openxmlformats.org/markup-compatibility/2006">
-          <mc:Choice xmlns:p14="http://schemas.microsoft.com/office/powerpoint/2010/main" Requires="p14">
+        <mc:AlternateContent xmlns:mc="http://schemas.openxmlformats.org/markup-compatibility/2006" xmlns:p14="http://schemas.microsoft.com/office/powerpoint/2010/main">
+          <mc:Choice Requires="p14">
             <p:contentPart p14:bwMode="auto" r:id="rId21">
               <p14:nvContentPartPr>
                 <p14:cNvPr id="54" name="Ink 53">
@@ -10885,7 +11767,7 @@
               </p14:xfrm>
             </p:contentPart>
           </mc:Choice>
-          <mc:Fallback>
+          <mc:Fallback xmlns="">
             <p:pic>
               <p:nvPicPr>
                 <p:cNvPr id="54" name="Ink 53">
@@ -10916,8 +11798,8 @@
             </p:pic>
           </mc:Fallback>
         </mc:AlternateContent>
-        <mc:AlternateContent xmlns:mc="http://schemas.openxmlformats.org/markup-compatibility/2006">
-          <mc:Choice xmlns:p14="http://schemas.microsoft.com/office/powerpoint/2010/main" Requires="p14">
+        <mc:AlternateContent xmlns:mc="http://schemas.openxmlformats.org/markup-compatibility/2006" xmlns:p14="http://schemas.microsoft.com/office/powerpoint/2010/main">
+          <mc:Choice Requires="p14">
             <p:contentPart p14:bwMode="auto" r:id="rId23">
               <p14:nvContentPartPr>
                 <p14:cNvPr id="55" name="Ink 54">
@@ -10936,7 +11818,7 @@
               </p14:xfrm>
             </p:contentPart>
           </mc:Choice>
-          <mc:Fallback>
+          <mc:Fallback xmlns="">
             <p:pic>
               <p:nvPicPr>
                 <p:cNvPr id="55" name="Ink 54">
@@ -10967,8 +11849,8 @@
             </p:pic>
           </mc:Fallback>
         </mc:AlternateContent>
-        <mc:AlternateContent xmlns:mc="http://schemas.openxmlformats.org/markup-compatibility/2006">
-          <mc:Choice xmlns:p14="http://schemas.microsoft.com/office/powerpoint/2010/main" Requires="p14">
+        <mc:AlternateContent xmlns:mc="http://schemas.openxmlformats.org/markup-compatibility/2006" xmlns:p14="http://schemas.microsoft.com/office/powerpoint/2010/main">
+          <mc:Choice Requires="p14">
             <p:contentPart p14:bwMode="auto" r:id="rId25">
               <p14:nvContentPartPr>
                 <p14:cNvPr id="56" name="Ink 55">
@@ -10987,7 +11869,7 @@
               </p14:xfrm>
             </p:contentPart>
           </mc:Choice>
-          <mc:Fallback>
+          <mc:Fallback xmlns="">
             <p:pic>
               <p:nvPicPr>
                 <p:cNvPr id="56" name="Ink 55">
@@ -11019,8 +11901,8 @@
           </mc:Fallback>
         </mc:AlternateContent>
       </p:grpSp>
-      <mc:AlternateContent xmlns:mc="http://schemas.openxmlformats.org/markup-compatibility/2006">
-        <mc:Choice xmlns:p14="http://schemas.microsoft.com/office/powerpoint/2010/main" Requires="p14">
+      <mc:AlternateContent xmlns:mc="http://schemas.openxmlformats.org/markup-compatibility/2006" xmlns:p14="http://schemas.microsoft.com/office/powerpoint/2010/main">
+        <mc:Choice Requires="p14">
           <p:contentPart p14:bwMode="auto" r:id="rId27">
             <p14:nvContentPartPr>
               <p14:cNvPr id="57" name="Ink 56">
@@ -11039,7 +11921,7 @@
             </p14:xfrm>
           </p:contentPart>
         </mc:Choice>
-        <mc:Fallback>
+        <mc:Fallback xmlns="">
           <p:pic>
             <p:nvPicPr>
               <p:cNvPr id="57" name="Ink 56">
@@ -11070,8 +11952,8 @@
           </p:pic>
         </mc:Fallback>
       </mc:AlternateContent>
-      <mc:AlternateContent xmlns:mc="http://schemas.openxmlformats.org/markup-compatibility/2006">
-        <mc:Choice xmlns:p14="http://schemas.microsoft.com/office/powerpoint/2010/main" Requires="p14">
+      <mc:AlternateContent xmlns:mc="http://schemas.openxmlformats.org/markup-compatibility/2006" xmlns:p14="http://schemas.microsoft.com/office/powerpoint/2010/main">
+        <mc:Choice Requires="p14">
           <p:contentPart p14:bwMode="auto" r:id="rId29">
             <p14:nvContentPartPr>
               <p14:cNvPr id="62" name="Ink 61">
@@ -11090,7 +11972,7 @@
             </p14:xfrm>
           </p:contentPart>
         </mc:Choice>
-        <mc:Fallback>
+        <mc:Fallback xmlns="">
           <p:pic>
             <p:nvPicPr>
               <p:cNvPr id="62" name="Ink 61">
@@ -11121,8 +12003,8 @@
           </p:pic>
         </mc:Fallback>
       </mc:AlternateContent>
-      <mc:AlternateContent xmlns:mc="http://schemas.openxmlformats.org/markup-compatibility/2006">
-        <mc:Choice xmlns:p14="http://schemas.microsoft.com/office/powerpoint/2010/main" Requires="p14">
+      <mc:AlternateContent xmlns:mc="http://schemas.openxmlformats.org/markup-compatibility/2006" xmlns:p14="http://schemas.microsoft.com/office/powerpoint/2010/main">
+        <mc:Choice Requires="p14">
           <p:contentPart p14:bwMode="auto" r:id="rId31">
             <p14:nvContentPartPr>
               <p14:cNvPr id="63" name="Ink 62">
@@ -11141,7 +12023,7 @@
             </p14:xfrm>
           </p:contentPart>
         </mc:Choice>
-        <mc:Fallback>
+        <mc:Fallback xmlns="">
           <p:pic>
             <p:nvPicPr>
               <p:cNvPr id="63" name="Ink 62">
@@ -11172,8 +12054,8 @@
           </p:pic>
         </mc:Fallback>
       </mc:AlternateContent>
-      <mc:AlternateContent xmlns:mc="http://schemas.openxmlformats.org/markup-compatibility/2006">
-        <mc:Choice xmlns:p14="http://schemas.microsoft.com/office/powerpoint/2010/main" Requires="p14">
+      <mc:AlternateContent xmlns:mc="http://schemas.openxmlformats.org/markup-compatibility/2006" xmlns:p14="http://schemas.microsoft.com/office/powerpoint/2010/main">
+        <mc:Choice Requires="p14">
           <p:contentPart p14:bwMode="auto" r:id="rId33">
             <p14:nvContentPartPr>
               <p14:cNvPr id="64" name="Ink 63">
@@ -11192,7 +12074,7 @@
             </p14:xfrm>
           </p:contentPart>
         </mc:Choice>
-        <mc:Fallback>
+        <mc:Fallback xmlns="">
           <p:pic>
             <p:nvPicPr>
               <p:cNvPr id="64" name="Ink 63">
@@ -11223,8 +12105,8 @@
           </p:pic>
         </mc:Fallback>
       </mc:AlternateContent>
-      <mc:AlternateContent xmlns:mc="http://schemas.openxmlformats.org/markup-compatibility/2006">
-        <mc:Choice xmlns:p14="http://schemas.microsoft.com/office/powerpoint/2010/main" Requires="p14">
+      <mc:AlternateContent xmlns:mc="http://schemas.openxmlformats.org/markup-compatibility/2006" xmlns:p14="http://schemas.microsoft.com/office/powerpoint/2010/main">
+        <mc:Choice Requires="p14">
           <p:contentPart p14:bwMode="auto" r:id="rId35">
             <p14:nvContentPartPr>
               <p14:cNvPr id="65" name="Ink 64">
@@ -11243,7 +12125,7 @@
             </p14:xfrm>
           </p:contentPart>
         </mc:Choice>
-        <mc:Fallback>
+        <mc:Fallback xmlns="">
           <p:pic>
             <p:nvPicPr>
               <p:cNvPr id="65" name="Ink 64">
@@ -11294,8 +12176,8 @@
             <a:chExt cx="134640" cy="35640"/>
           </a:xfrm>
         </p:grpSpPr>
-        <mc:AlternateContent xmlns:mc="http://schemas.openxmlformats.org/markup-compatibility/2006">
-          <mc:Choice xmlns:p14="http://schemas.microsoft.com/office/powerpoint/2010/main" Requires="p14">
+        <mc:AlternateContent xmlns:mc="http://schemas.openxmlformats.org/markup-compatibility/2006" xmlns:p14="http://schemas.microsoft.com/office/powerpoint/2010/main">
+          <mc:Choice Requires="p14">
             <p:contentPart p14:bwMode="auto" r:id="rId37">
               <p14:nvContentPartPr>
                 <p14:cNvPr id="66" name="Ink 65">
@@ -11314,7 +12196,7 @@
               </p14:xfrm>
             </p:contentPart>
           </mc:Choice>
-          <mc:Fallback>
+          <mc:Fallback xmlns="">
             <p:pic>
               <p:nvPicPr>
                 <p:cNvPr id="66" name="Ink 65">
@@ -11345,8 +12227,8 @@
             </p:pic>
           </mc:Fallback>
         </mc:AlternateContent>
-        <mc:AlternateContent xmlns:mc="http://schemas.openxmlformats.org/markup-compatibility/2006">
-          <mc:Choice xmlns:p14="http://schemas.microsoft.com/office/powerpoint/2010/main" Requires="p14">
+        <mc:AlternateContent xmlns:mc="http://schemas.openxmlformats.org/markup-compatibility/2006" xmlns:p14="http://schemas.microsoft.com/office/powerpoint/2010/main">
+          <mc:Choice Requires="p14">
             <p:contentPart p14:bwMode="auto" r:id="rId39">
               <p14:nvContentPartPr>
                 <p14:cNvPr id="67" name="Ink 66">
@@ -11365,7 +12247,7 @@
               </p14:xfrm>
             </p:contentPart>
           </mc:Choice>
-          <mc:Fallback>
+          <mc:Fallback xmlns="">
             <p:pic>
               <p:nvPicPr>
                 <p:cNvPr id="67" name="Ink 66">
@@ -11397,8 +12279,8 @@
           </mc:Fallback>
         </mc:AlternateContent>
       </p:grpSp>
-      <mc:AlternateContent xmlns:mc="http://schemas.openxmlformats.org/markup-compatibility/2006">
-        <mc:Choice xmlns:p14="http://schemas.microsoft.com/office/powerpoint/2010/main" Requires="p14">
+      <mc:AlternateContent xmlns:mc="http://schemas.openxmlformats.org/markup-compatibility/2006" xmlns:p14="http://schemas.microsoft.com/office/powerpoint/2010/main">
+        <mc:Choice Requires="p14">
           <p:contentPart p14:bwMode="auto" r:id="rId41">
             <p14:nvContentPartPr>
               <p14:cNvPr id="68" name="Ink 67">
@@ -11417,7 +12299,7 @@
             </p14:xfrm>
           </p:contentPart>
         </mc:Choice>
-        <mc:Fallback>
+        <mc:Fallback xmlns="">
           <p:pic>
             <p:nvPicPr>
               <p:cNvPr id="68" name="Ink 67">
@@ -11448,8 +12330,8 @@
           </p:pic>
         </mc:Fallback>
       </mc:AlternateContent>
-      <mc:AlternateContent xmlns:mc="http://schemas.openxmlformats.org/markup-compatibility/2006">
-        <mc:Choice xmlns:p14="http://schemas.microsoft.com/office/powerpoint/2010/main" Requires="p14">
+      <mc:AlternateContent xmlns:mc="http://schemas.openxmlformats.org/markup-compatibility/2006" xmlns:p14="http://schemas.microsoft.com/office/powerpoint/2010/main">
+        <mc:Choice Requires="p14">
           <p:contentPart p14:bwMode="auto" r:id="rId43">
             <p14:nvContentPartPr>
               <p14:cNvPr id="69" name="Ink 68">
@@ -11468,7 +12350,7 @@
             </p14:xfrm>
           </p:contentPart>
         </mc:Choice>
-        <mc:Fallback>
+        <mc:Fallback xmlns="">
           <p:pic>
             <p:nvPicPr>
               <p:cNvPr id="69" name="Ink 68">
@@ -11499,8 +12381,8 @@
           </p:pic>
         </mc:Fallback>
       </mc:AlternateContent>
-      <mc:AlternateContent xmlns:mc="http://schemas.openxmlformats.org/markup-compatibility/2006">
-        <mc:Choice xmlns:p14="http://schemas.microsoft.com/office/powerpoint/2010/main" Requires="p14">
+      <mc:AlternateContent xmlns:mc="http://schemas.openxmlformats.org/markup-compatibility/2006" xmlns:p14="http://schemas.microsoft.com/office/powerpoint/2010/main">
+        <mc:Choice Requires="p14">
           <p:contentPart p14:bwMode="auto" r:id="rId45">
             <p14:nvContentPartPr>
               <p14:cNvPr id="70" name="Ink 69">
@@ -11519,7 +12401,7 @@
             </p14:xfrm>
           </p:contentPart>
         </mc:Choice>
-        <mc:Fallback>
+        <mc:Fallback xmlns="">
           <p:pic>
             <p:nvPicPr>
               <p:cNvPr id="70" name="Ink 69">
@@ -11550,8 +12432,8 @@
           </p:pic>
         </mc:Fallback>
       </mc:AlternateContent>
-      <mc:AlternateContent xmlns:mc="http://schemas.openxmlformats.org/markup-compatibility/2006">
-        <mc:Choice xmlns:p14="http://schemas.microsoft.com/office/powerpoint/2010/main" Requires="p14">
+      <mc:AlternateContent xmlns:mc="http://schemas.openxmlformats.org/markup-compatibility/2006" xmlns:p14="http://schemas.microsoft.com/office/powerpoint/2010/main">
+        <mc:Choice Requires="p14">
           <p:contentPart p14:bwMode="auto" r:id="rId47">
             <p14:nvContentPartPr>
               <p14:cNvPr id="75" name="Ink 74">
@@ -11570,7 +12452,7 @@
             </p14:xfrm>
           </p:contentPart>
         </mc:Choice>
-        <mc:Fallback>
+        <mc:Fallback xmlns="">
           <p:pic>
             <p:nvPicPr>
               <p:cNvPr id="75" name="Ink 74">
@@ -11601,8 +12483,8 @@
           </p:pic>
         </mc:Fallback>
       </mc:AlternateContent>
-      <mc:AlternateContent xmlns:mc="http://schemas.openxmlformats.org/markup-compatibility/2006">
-        <mc:Choice xmlns:p14="http://schemas.microsoft.com/office/powerpoint/2010/main" Requires="p14">
+      <mc:AlternateContent xmlns:mc="http://schemas.openxmlformats.org/markup-compatibility/2006" xmlns:p14="http://schemas.microsoft.com/office/powerpoint/2010/main">
+        <mc:Choice Requires="p14">
           <p:contentPart p14:bwMode="auto" r:id="rId49">
             <p14:nvContentPartPr>
               <p14:cNvPr id="76" name="Ink 75">
@@ -11621,7 +12503,7 @@
             </p14:xfrm>
           </p:contentPart>
         </mc:Choice>
-        <mc:Fallback>
+        <mc:Fallback xmlns="">
           <p:pic>
             <p:nvPicPr>
               <p:cNvPr id="76" name="Ink 75">
@@ -11652,8 +12534,8 @@
           </p:pic>
         </mc:Fallback>
       </mc:AlternateContent>
-      <mc:AlternateContent xmlns:mc="http://schemas.openxmlformats.org/markup-compatibility/2006">
-        <mc:Choice xmlns:p14="http://schemas.microsoft.com/office/powerpoint/2010/main" Requires="p14">
+      <mc:AlternateContent xmlns:mc="http://schemas.openxmlformats.org/markup-compatibility/2006" xmlns:p14="http://schemas.microsoft.com/office/powerpoint/2010/main">
+        <mc:Choice Requires="p14">
           <p:contentPart p14:bwMode="auto" r:id="rId50">
             <p14:nvContentPartPr>
               <p14:cNvPr id="77" name="Ink 76">
@@ -11672,7 +12554,7 @@
             </p14:xfrm>
           </p:contentPart>
         </mc:Choice>
-        <mc:Fallback>
+        <mc:Fallback xmlns="">
           <p:pic>
             <p:nvPicPr>
               <p:cNvPr id="77" name="Ink 76">
@@ -11703,8 +12585,8 @@
           </p:pic>
         </mc:Fallback>
       </mc:AlternateContent>
-      <mc:AlternateContent xmlns:mc="http://schemas.openxmlformats.org/markup-compatibility/2006">
-        <mc:Choice xmlns:p14="http://schemas.microsoft.com/office/powerpoint/2010/main" Requires="p14">
+      <mc:AlternateContent xmlns:mc="http://schemas.openxmlformats.org/markup-compatibility/2006" xmlns:p14="http://schemas.microsoft.com/office/powerpoint/2010/main">
+        <mc:Choice Requires="p14">
           <p:contentPart p14:bwMode="auto" r:id="rId51">
             <p14:nvContentPartPr>
               <p14:cNvPr id="78" name="Ink 77">
@@ -11723,7 +12605,7 @@
             </p14:xfrm>
           </p:contentPart>
         </mc:Choice>
-        <mc:Fallback>
+        <mc:Fallback xmlns="">
           <p:pic>
             <p:nvPicPr>
               <p:cNvPr id="78" name="Ink 77">
@@ -11754,8 +12636,8 @@
           </p:pic>
         </mc:Fallback>
       </mc:AlternateContent>
-      <mc:AlternateContent xmlns:mc="http://schemas.openxmlformats.org/markup-compatibility/2006">
-        <mc:Choice xmlns:p14="http://schemas.microsoft.com/office/powerpoint/2010/main" Requires="p14">
+      <mc:AlternateContent xmlns:mc="http://schemas.openxmlformats.org/markup-compatibility/2006" xmlns:p14="http://schemas.microsoft.com/office/powerpoint/2010/main">
+        <mc:Choice Requires="p14">
           <p:contentPart p14:bwMode="auto" r:id="rId52">
             <p14:nvContentPartPr>
               <p14:cNvPr id="82" name="Ink 81">
@@ -11774,7 +12656,7 @@
             </p14:xfrm>
           </p:contentPart>
         </mc:Choice>
-        <mc:Fallback>
+        <mc:Fallback xmlns="">
           <p:pic>
             <p:nvPicPr>
               <p:cNvPr id="82" name="Ink 81">
@@ -11825,8 +12707,8 @@
             <a:chExt cx="84960" cy="51120"/>
           </a:xfrm>
         </p:grpSpPr>
-        <mc:AlternateContent xmlns:mc="http://schemas.openxmlformats.org/markup-compatibility/2006">
-          <mc:Choice xmlns:p14="http://schemas.microsoft.com/office/powerpoint/2010/main" Requires="p14">
+        <mc:AlternateContent xmlns:mc="http://schemas.openxmlformats.org/markup-compatibility/2006" xmlns:p14="http://schemas.microsoft.com/office/powerpoint/2010/main">
+          <mc:Choice Requires="p14">
             <p:contentPart p14:bwMode="auto" r:id="rId53">
               <p14:nvContentPartPr>
                 <p14:cNvPr id="79" name="Ink 78">
@@ -11845,7 +12727,7 @@
               </p14:xfrm>
             </p:contentPart>
           </mc:Choice>
-          <mc:Fallback>
+          <mc:Fallback xmlns="">
             <p:pic>
               <p:nvPicPr>
                 <p:cNvPr id="79" name="Ink 78">
@@ -11876,8 +12758,8 @@
             </p:pic>
           </mc:Fallback>
         </mc:AlternateContent>
-        <mc:AlternateContent xmlns:mc="http://schemas.openxmlformats.org/markup-compatibility/2006">
-          <mc:Choice xmlns:p14="http://schemas.microsoft.com/office/powerpoint/2010/main" Requires="p14">
+        <mc:AlternateContent xmlns:mc="http://schemas.openxmlformats.org/markup-compatibility/2006" xmlns:p14="http://schemas.microsoft.com/office/powerpoint/2010/main">
+          <mc:Choice Requires="p14">
             <p:contentPart p14:bwMode="auto" r:id="rId54">
               <p14:nvContentPartPr>
                 <p14:cNvPr id="80" name="Ink 79">
@@ -11896,7 +12778,7 @@
               </p14:xfrm>
             </p:contentPart>
           </mc:Choice>
-          <mc:Fallback>
+          <mc:Fallback xmlns="">
             <p:pic>
               <p:nvPicPr>
                 <p:cNvPr id="80" name="Ink 79">
@@ -11927,8 +12809,8 @@
             </p:pic>
           </mc:Fallback>
         </mc:AlternateContent>
-        <mc:AlternateContent xmlns:mc="http://schemas.openxmlformats.org/markup-compatibility/2006">
-          <mc:Choice xmlns:p14="http://schemas.microsoft.com/office/powerpoint/2010/main" Requires="p14">
+        <mc:AlternateContent xmlns:mc="http://schemas.openxmlformats.org/markup-compatibility/2006" xmlns:p14="http://schemas.microsoft.com/office/powerpoint/2010/main">
+          <mc:Choice Requires="p14">
             <p:contentPart p14:bwMode="auto" r:id="rId55">
               <p14:nvContentPartPr>
                 <p14:cNvPr id="81" name="Ink 80">
@@ -11947,7 +12829,7 @@
               </p14:xfrm>
             </p:contentPart>
           </mc:Choice>
-          <mc:Fallback>
+          <mc:Fallback xmlns="">
             <p:pic>
               <p:nvPicPr>
                 <p:cNvPr id="81" name="Ink 80">
@@ -11978,8 +12860,8 @@
             </p:pic>
           </mc:Fallback>
         </mc:AlternateContent>
-        <mc:AlternateContent xmlns:mc="http://schemas.openxmlformats.org/markup-compatibility/2006">
-          <mc:Choice xmlns:p14="http://schemas.microsoft.com/office/powerpoint/2010/main" Requires="p14">
+        <mc:AlternateContent xmlns:mc="http://schemas.openxmlformats.org/markup-compatibility/2006" xmlns:p14="http://schemas.microsoft.com/office/powerpoint/2010/main">
+          <mc:Choice Requires="p14">
             <p:contentPart p14:bwMode="auto" r:id="rId56">
               <p14:nvContentPartPr>
                 <p14:cNvPr id="83" name="Ink 82">
@@ -11998,7 +12880,7 @@
               </p14:xfrm>
             </p:contentPart>
           </mc:Choice>
-          <mc:Fallback>
+          <mc:Fallback xmlns="">
             <p:pic>
               <p:nvPicPr>
                 <p:cNvPr id="83" name="Ink 82">
@@ -12029,8 +12911,8 @@
             </p:pic>
           </mc:Fallback>
         </mc:AlternateContent>
-        <mc:AlternateContent xmlns:mc="http://schemas.openxmlformats.org/markup-compatibility/2006">
-          <mc:Choice xmlns:p14="http://schemas.microsoft.com/office/powerpoint/2010/main" Requires="p14">
+        <mc:AlternateContent xmlns:mc="http://schemas.openxmlformats.org/markup-compatibility/2006" xmlns:p14="http://schemas.microsoft.com/office/powerpoint/2010/main">
+          <mc:Choice Requires="p14">
             <p:contentPart p14:bwMode="auto" r:id="rId58">
               <p14:nvContentPartPr>
                 <p14:cNvPr id="84" name="Ink 83">
@@ -12049,7 +12931,7 @@
               </p14:xfrm>
             </p:contentPart>
           </mc:Choice>
-          <mc:Fallback>
+          <mc:Fallback xmlns="">
             <p:pic>
               <p:nvPicPr>
                 <p:cNvPr id="84" name="Ink 83">
@@ -12081,8 +12963,8 @@
           </mc:Fallback>
         </mc:AlternateContent>
       </p:grpSp>
-      <mc:AlternateContent xmlns:mc="http://schemas.openxmlformats.org/markup-compatibility/2006">
-        <mc:Choice xmlns:p14="http://schemas.microsoft.com/office/powerpoint/2010/main" Requires="p14">
+      <mc:AlternateContent xmlns:mc="http://schemas.openxmlformats.org/markup-compatibility/2006" xmlns:p14="http://schemas.microsoft.com/office/powerpoint/2010/main">
+        <mc:Choice Requires="p14">
           <p:contentPart p14:bwMode="auto" r:id="rId60">
             <p14:nvContentPartPr>
               <p14:cNvPr id="85" name="Ink 84">
@@ -12101,7 +12983,7 @@
             </p14:xfrm>
           </p:contentPart>
         </mc:Choice>
-        <mc:Fallback>
+        <mc:Fallback xmlns="">
           <p:pic>
             <p:nvPicPr>
               <p:cNvPr id="85" name="Ink 84">
@@ -12132,8 +13014,8 @@
           </p:pic>
         </mc:Fallback>
       </mc:AlternateContent>
-      <mc:AlternateContent xmlns:mc="http://schemas.openxmlformats.org/markup-compatibility/2006">
-        <mc:Choice xmlns:p14="http://schemas.microsoft.com/office/powerpoint/2010/main" Requires="p14">
+      <mc:AlternateContent xmlns:mc="http://schemas.openxmlformats.org/markup-compatibility/2006" xmlns:p14="http://schemas.microsoft.com/office/powerpoint/2010/main">
+        <mc:Choice Requires="p14">
           <p:contentPart p14:bwMode="auto" r:id="rId61">
             <p14:nvContentPartPr>
               <p14:cNvPr id="88" name="Ink 87">
@@ -12152,7 +13034,7 @@
             </p14:xfrm>
           </p:contentPart>
         </mc:Choice>
-        <mc:Fallback>
+        <mc:Fallback xmlns="">
           <p:pic>
             <p:nvPicPr>
               <p:cNvPr id="88" name="Ink 87">
@@ -12203,8 +13085,8 @@
             <a:chExt cx="51480" cy="135720"/>
           </a:xfrm>
         </p:grpSpPr>
-        <mc:AlternateContent xmlns:mc="http://schemas.openxmlformats.org/markup-compatibility/2006">
-          <mc:Choice xmlns:p14="http://schemas.microsoft.com/office/powerpoint/2010/main" Requires="p14">
+        <mc:AlternateContent xmlns:mc="http://schemas.openxmlformats.org/markup-compatibility/2006" xmlns:p14="http://schemas.microsoft.com/office/powerpoint/2010/main">
+          <mc:Choice Requires="p14">
             <p:contentPart p14:bwMode="auto" r:id="rId63">
               <p14:nvContentPartPr>
                 <p14:cNvPr id="86" name="Ink 85">
@@ -12223,7 +13105,7 @@
               </p14:xfrm>
             </p:contentPart>
           </mc:Choice>
-          <mc:Fallback>
+          <mc:Fallback xmlns="">
             <p:pic>
               <p:nvPicPr>
                 <p:cNvPr id="86" name="Ink 85">
@@ -12254,8 +13136,8 @@
             </p:pic>
           </mc:Fallback>
         </mc:AlternateContent>
-        <mc:AlternateContent xmlns:mc="http://schemas.openxmlformats.org/markup-compatibility/2006">
-          <mc:Choice xmlns:p14="http://schemas.microsoft.com/office/powerpoint/2010/main" Requires="p14">
+        <mc:AlternateContent xmlns:mc="http://schemas.openxmlformats.org/markup-compatibility/2006" xmlns:p14="http://schemas.microsoft.com/office/powerpoint/2010/main">
+          <mc:Choice Requires="p14">
             <p:contentPart p14:bwMode="auto" r:id="rId64">
               <p14:nvContentPartPr>
                 <p14:cNvPr id="87" name="Ink 86">
@@ -12274,7 +13156,7 @@
               </p14:xfrm>
             </p:contentPart>
           </mc:Choice>
-          <mc:Fallback>
+          <mc:Fallback xmlns="">
             <p:pic>
               <p:nvPicPr>
                 <p:cNvPr id="87" name="Ink 86">
@@ -12305,8 +13187,8 @@
             </p:pic>
           </mc:Fallback>
         </mc:AlternateContent>
-        <mc:AlternateContent xmlns:mc="http://schemas.openxmlformats.org/markup-compatibility/2006">
-          <mc:Choice xmlns:p14="http://schemas.microsoft.com/office/powerpoint/2010/main" Requires="p14">
+        <mc:AlternateContent xmlns:mc="http://schemas.openxmlformats.org/markup-compatibility/2006" xmlns:p14="http://schemas.microsoft.com/office/powerpoint/2010/main">
+          <mc:Choice Requires="p14">
             <p:contentPart p14:bwMode="auto" r:id="rId65">
               <p14:nvContentPartPr>
                 <p14:cNvPr id="89" name="Ink 88">
@@ -12325,7 +13207,7 @@
               </p14:xfrm>
             </p:contentPart>
           </mc:Choice>
-          <mc:Fallback>
+          <mc:Fallback xmlns="">
             <p:pic>
               <p:nvPicPr>
                 <p:cNvPr id="89" name="Ink 88">
@@ -12377,8 +13259,8 @@
             <a:chExt cx="3600" cy="12240"/>
           </a:xfrm>
         </p:grpSpPr>
-        <mc:AlternateContent xmlns:mc="http://schemas.openxmlformats.org/markup-compatibility/2006">
-          <mc:Choice xmlns:p14="http://schemas.microsoft.com/office/powerpoint/2010/main" Requires="p14">
+        <mc:AlternateContent xmlns:mc="http://schemas.openxmlformats.org/markup-compatibility/2006" xmlns:p14="http://schemas.microsoft.com/office/powerpoint/2010/main">
+          <mc:Choice Requires="p14">
             <p:contentPart p14:bwMode="auto" r:id="rId67">
               <p14:nvContentPartPr>
                 <p14:cNvPr id="90" name="Ink 89">
@@ -12397,7 +13279,7 @@
               </p14:xfrm>
             </p:contentPart>
           </mc:Choice>
-          <mc:Fallback>
+          <mc:Fallback xmlns="">
             <p:pic>
               <p:nvPicPr>
                 <p:cNvPr id="90" name="Ink 89">
@@ -12428,8 +13310,8 @@
             </p:pic>
           </mc:Fallback>
         </mc:AlternateContent>
-        <mc:AlternateContent xmlns:mc="http://schemas.openxmlformats.org/markup-compatibility/2006">
-          <mc:Choice xmlns:p14="http://schemas.microsoft.com/office/powerpoint/2010/main" Requires="p14">
+        <mc:AlternateContent xmlns:mc="http://schemas.openxmlformats.org/markup-compatibility/2006" xmlns:p14="http://schemas.microsoft.com/office/powerpoint/2010/main">
+          <mc:Choice Requires="p14">
             <p:contentPart p14:bwMode="auto" r:id="rId69">
               <p14:nvContentPartPr>
                 <p14:cNvPr id="91" name="Ink 90">
@@ -12448,7 +13330,7 @@
               </p14:xfrm>
             </p:contentPart>
           </mc:Choice>
-          <mc:Fallback>
+          <mc:Fallback xmlns="">
             <p:pic>
               <p:nvPicPr>
                 <p:cNvPr id="91" name="Ink 90">
@@ -12480,8 +13362,8 @@
           </mc:Fallback>
         </mc:AlternateContent>
       </p:grpSp>
-      <mc:AlternateContent xmlns:mc="http://schemas.openxmlformats.org/markup-compatibility/2006">
-        <mc:Choice xmlns:p14="http://schemas.microsoft.com/office/powerpoint/2010/main" Requires="p14">
+      <mc:AlternateContent xmlns:mc="http://schemas.openxmlformats.org/markup-compatibility/2006" xmlns:p14="http://schemas.microsoft.com/office/powerpoint/2010/main">
+        <mc:Choice Requires="p14">
           <p:contentPart p14:bwMode="auto" r:id="rId71">
             <p14:nvContentPartPr>
               <p14:cNvPr id="2" name="Ink 1">
@@ -12500,7 +13382,7 @@
             </p14:xfrm>
           </p:contentPart>
         </mc:Choice>
-        <mc:Fallback>
+        <mc:Fallback xmlns="">
           <p:pic>
             <p:nvPicPr>
               <p:cNvPr id="2" name="Ink 1">
@@ -12531,8 +13413,8 @@
           </p:pic>
         </mc:Fallback>
       </mc:AlternateContent>
-      <mc:AlternateContent xmlns:mc="http://schemas.openxmlformats.org/markup-compatibility/2006">
-        <mc:Choice xmlns:p14="http://schemas.microsoft.com/office/powerpoint/2010/main" Requires="p14">
+      <mc:AlternateContent xmlns:mc="http://schemas.openxmlformats.org/markup-compatibility/2006" xmlns:p14="http://schemas.microsoft.com/office/powerpoint/2010/main">
+        <mc:Choice Requires="p14">
           <p:contentPart p14:bwMode="auto" r:id="rId73">
             <p14:nvContentPartPr>
               <p14:cNvPr id="4" name="Ink 3">
@@ -12551,7 +13433,7 @@
             </p14:xfrm>
           </p:contentPart>
         </mc:Choice>
-        <mc:Fallback>
+        <mc:Fallback xmlns="">
           <p:pic>
             <p:nvPicPr>
               <p:cNvPr id="4" name="Ink 3">
@@ -12582,8 +13464,8 @@
           </p:pic>
         </mc:Fallback>
       </mc:AlternateContent>
-      <mc:AlternateContent xmlns:mc="http://schemas.openxmlformats.org/markup-compatibility/2006">
-        <mc:Choice xmlns:p14="http://schemas.microsoft.com/office/powerpoint/2010/main" Requires="p14">
+      <mc:AlternateContent xmlns:mc="http://schemas.openxmlformats.org/markup-compatibility/2006" xmlns:p14="http://schemas.microsoft.com/office/powerpoint/2010/main">
+        <mc:Choice Requires="p14">
           <p:contentPart p14:bwMode="auto" r:id="rId75">
             <p14:nvContentPartPr>
               <p14:cNvPr id="6" name="Ink 5">
@@ -12602,7 +13484,7 @@
             </p14:xfrm>
           </p:contentPart>
         </mc:Choice>
-        <mc:Fallback>
+        <mc:Fallback xmlns="">
           <p:pic>
             <p:nvPicPr>
               <p:cNvPr id="6" name="Ink 5">
@@ -12633,8 +13515,8 @@
           </p:pic>
         </mc:Fallback>
       </mc:AlternateContent>
-      <mc:AlternateContent xmlns:mc="http://schemas.openxmlformats.org/markup-compatibility/2006">
-        <mc:Choice xmlns:p14="http://schemas.microsoft.com/office/powerpoint/2010/main" Requires="p14">
+      <mc:AlternateContent xmlns:mc="http://schemas.openxmlformats.org/markup-compatibility/2006" xmlns:p14="http://schemas.microsoft.com/office/powerpoint/2010/main">
+        <mc:Choice Requires="p14">
           <p:contentPart p14:bwMode="auto" r:id="rId77">
             <p14:nvContentPartPr>
               <p14:cNvPr id="9" name="Ink 8">
@@ -12653,7 +13535,7 @@
             </p14:xfrm>
           </p:contentPart>
         </mc:Choice>
-        <mc:Fallback>
+        <mc:Fallback xmlns="">
           <p:pic>
             <p:nvPicPr>
               <p:cNvPr id="9" name="Ink 8">
@@ -12698,7 +13580,7 @@
 </file>
 
 <file path=ppt/slides/slide12.xml><?xml version="1.0" encoding="utf-8"?>
-<p:sld xmlns:a="http://schemas.openxmlformats.org/drawingml/2006/main" xmlns:r="http://schemas.openxmlformats.org/officeDocument/2006/relationships" xmlns:p="http://schemas.openxmlformats.org/presentationml/2006/main">
+<p:sld xmlns:a="http://schemas.openxmlformats.org/drawingml/2006/main" xmlns:r="http://schemas.openxmlformats.org/officeDocument/2006/relationships" xmlns:p="http://schemas.openxmlformats.org/presentationml/2006/main" show="0">
   <p:cSld>
     <p:spTree>
       <p:nvGrpSpPr>
@@ -14848,7 +15730,7 @@
 </file>
 
 <file path=ppt/slides/slide13.xml><?xml version="1.0" encoding="utf-8"?>
-<p:sld xmlns:a="http://schemas.openxmlformats.org/drawingml/2006/main" xmlns:r="http://schemas.openxmlformats.org/officeDocument/2006/relationships" xmlns:p="http://schemas.openxmlformats.org/presentationml/2006/main">
+<p:sld xmlns:a="http://schemas.openxmlformats.org/drawingml/2006/main" xmlns:r="http://schemas.openxmlformats.org/officeDocument/2006/relationships" xmlns:p="http://schemas.openxmlformats.org/presentationml/2006/main" show="0">
   <p:cSld>
     <p:spTree>
       <p:nvGrpSpPr>
@@ -14913,7 +15795,7 @@
 </file>
 
 <file path=ppt/slides/slide14.xml><?xml version="1.0" encoding="utf-8"?>
-<p:sld xmlns:a="http://schemas.openxmlformats.org/drawingml/2006/main" xmlns:r="http://schemas.openxmlformats.org/officeDocument/2006/relationships" xmlns:p="http://schemas.openxmlformats.org/presentationml/2006/main">
+<p:sld xmlns:a="http://schemas.openxmlformats.org/drawingml/2006/main" xmlns:r="http://schemas.openxmlformats.org/officeDocument/2006/relationships" xmlns:p="http://schemas.openxmlformats.org/presentationml/2006/main" show="0">
   <p:cSld>
     <p:spTree>
       <p:nvGrpSpPr>
@@ -14964,8 +15846,8 @@
           </a:prstGeom>
         </p:spPr>
       </p:pic>
-      <mc:AlternateContent xmlns:mc="http://schemas.openxmlformats.org/markup-compatibility/2006">
-        <mc:Choice xmlns:p14="http://schemas.microsoft.com/office/powerpoint/2010/main" Requires="p14">
+      <mc:AlternateContent xmlns:mc="http://schemas.openxmlformats.org/markup-compatibility/2006" xmlns:p14="http://schemas.microsoft.com/office/powerpoint/2010/main">
+        <mc:Choice Requires="p14">
           <p:contentPart p14:bwMode="auto" r:id="rId3">
             <p14:nvContentPartPr>
               <p14:cNvPr id="4" name="Ink 3">
@@ -14984,7 +15866,7 @@
             </p14:xfrm>
           </p:contentPart>
         </mc:Choice>
-        <mc:Fallback>
+        <mc:Fallback xmlns="">
           <p:pic>
             <p:nvPicPr>
               <p:cNvPr id="4" name="Ink 3">
@@ -15035,8 +15917,8 @@
             <a:chExt cx="228960" cy="153000"/>
           </a:xfrm>
         </p:grpSpPr>
-        <mc:AlternateContent xmlns:mc="http://schemas.openxmlformats.org/markup-compatibility/2006">
-          <mc:Choice xmlns:p14="http://schemas.microsoft.com/office/powerpoint/2010/main" Requires="p14">
+        <mc:AlternateContent xmlns:mc="http://schemas.openxmlformats.org/markup-compatibility/2006" xmlns:p14="http://schemas.microsoft.com/office/powerpoint/2010/main">
+          <mc:Choice Requires="p14">
             <p:contentPart p14:bwMode="auto" r:id="rId5">
               <p14:nvContentPartPr>
                 <p14:cNvPr id="6" name="Ink 5">
@@ -15055,7 +15937,7 @@
               </p14:xfrm>
             </p:contentPart>
           </mc:Choice>
-          <mc:Fallback>
+          <mc:Fallback xmlns="">
             <p:pic>
               <p:nvPicPr>
                 <p:cNvPr id="6" name="Ink 5">
@@ -15086,8 +15968,8 @@
             </p:pic>
           </mc:Fallback>
         </mc:AlternateContent>
-        <mc:AlternateContent xmlns:mc="http://schemas.openxmlformats.org/markup-compatibility/2006">
-          <mc:Choice xmlns:p14="http://schemas.microsoft.com/office/powerpoint/2010/main" Requires="p14">
+        <mc:AlternateContent xmlns:mc="http://schemas.openxmlformats.org/markup-compatibility/2006" xmlns:p14="http://schemas.microsoft.com/office/powerpoint/2010/main">
+          <mc:Choice Requires="p14">
             <p:contentPart p14:bwMode="auto" r:id="rId7">
               <p14:nvContentPartPr>
                 <p14:cNvPr id="9" name="Ink 8">
@@ -15106,7 +15988,7 @@
               </p14:xfrm>
             </p:contentPart>
           </mc:Choice>
-          <mc:Fallback>
+          <mc:Fallback xmlns="">
             <p:pic>
               <p:nvPicPr>
                 <p:cNvPr id="9" name="Ink 8">
@@ -15137,8 +16019,8 @@
             </p:pic>
           </mc:Fallback>
         </mc:AlternateContent>
-        <mc:AlternateContent xmlns:mc="http://schemas.openxmlformats.org/markup-compatibility/2006">
-          <mc:Choice xmlns:p14="http://schemas.microsoft.com/office/powerpoint/2010/main" Requires="p14">
+        <mc:AlternateContent xmlns:mc="http://schemas.openxmlformats.org/markup-compatibility/2006" xmlns:p14="http://schemas.microsoft.com/office/powerpoint/2010/main">
+          <mc:Choice Requires="p14">
             <p:contentPart p14:bwMode="auto" r:id="rId9">
               <p14:nvContentPartPr>
                 <p14:cNvPr id="10" name="Ink 9">
@@ -15157,7 +16039,7 @@
               </p14:xfrm>
             </p:contentPart>
           </mc:Choice>
-          <mc:Fallback>
+          <mc:Fallback xmlns="">
             <p:pic>
               <p:nvPicPr>
                 <p:cNvPr id="10" name="Ink 9">
@@ -15188,8 +16070,8 @@
             </p:pic>
           </mc:Fallback>
         </mc:AlternateContent>
-        <mc:AlternateContent xmlns:mc="http://schemas.openxmlformats.org/markup-compatibility/2006">
-          <mc:Choice xmlns:p14="http://schemas.microsoft.com/office/powerpoint/2010/main" Requires="p14">
+        <mc:AlternateContent xmlns:mc="http://schemas.openxmlformats.org/markup-compatibility/2006" xmlns:p14="http://schemas.microsoft.com/office/powerpoint/2010/main">
+          <mc:Choice Requires="p14">
             <p:contentPart p14:bwMode="auto" r:id="rId11">
               <p14:nvContentPartPr>
                 <p14:cNvPr id="11" name="Ink 10">
@@ -15208,7 +16090,7 @@
               </p14:xfrm>
             </p:contentPart>
           </mc:Choice>
-          <mc:Fallback>
+          <mc:Fallback xmlns="">
             <p:pic>
               <p:nvPicPr>
                 <p:cNvPr id="11" name="Ink 10">
@@ -15239,8 +16121,8 @@
             </p:pic>
           </mc:Fallback>
         </mc:AlternateContent>
-        <mc:AlternateContent xmlns:mc="http://schemas.openxmlformats.org/markup-compatibility/2006">
-          <mc:Choice xmlns:p14="http://schemas.microsoft.com/office/powerpoint/2010/main" Requires="p14">
+        <mc:AlternateContent xmlns:mc="http://schemas.openxmlformats.org/markup-compatibility/2006" xmlns:p14="http://schemas.microsoft.com/office/powerpoint/2010/main">
+          <mc:Choice Requires="p14">
             <p:contentPart p14:bwMode="auto" r:id="rId13">
               <p14:nvContentPartPr>
                 <p14:cNvPr id="12" name="Ink 11">
@@ -15259,7 +16141,7 @@
               </p14:xfrm>
             </p:contentPart>
           </mc:Choice>
-          <mc:Fallback>
+          <mc:Fallback xmlns="">
             <p:pic>
               <p:nvPicPr>
                 <p:cNvPr id="12" name="Ink 11">
@@ -15290,8 +16172,8 @@
             </p:pic>
           </mc:Fallback>
         </mc:AlternateContent>
-        <mc:AlternateContent xmlns:mc="http://schemas.openxmlformats.org/markup-compatibility/2006">
-          <mc:Choice xmlns:p14="http://schemas.microsoft.com/office/powerpoint/2010/main" Requires="p14">
+        <mc:AlternateContent xmlns:mc="http://schemas.openxmlformats.org/markup-compatibility/2006" xmlns:p14="http://schemas.microsoft.com/office/powerpoint/2010/main">
+          <mc:Choice Requires="p14">
             <p:contentPart p14:bwMode="auto" r:id="rId15">
               <p14:nvContentPartPr>
                 <p14:cNvPr id="13" name="Ink 12">
@@ -15310,7 +16192,7 @@
               </p14:xfrm>
             </p:contentPart>
           </mc:Choice>
-          <mc:Fallback>
+          <mc:Fallback xmlns="">
             <p:pic>
               <p:nvPicPr>
                 <p:cNvPr id="13" name="Ink 12">
@@ -15342,8 +16224,8 @@
           </mc:Fallback>
         </mc:AlternateContent>
       </p:grpSp>
-      <mc:AlternateContent xmlns:mc="http://schemas.openxmlformats.org/markup-compatibility/2006">
-        <mc:Choice xmlns:p14="http://schemas.microsoft.com/office/powerpoint/2010/main" Requires="p14">
+      <mc:AlternateContent xmlns:mc="http://schemas.openxmlformats.org/markup-compatibility/2006" xmlns:p14="http://schemas.microsoft.com/office/powerpoint/2010/main">
+        <mc:Choice Requires="p14">
           <p:contentPart p14:bwMode="auto" r:id="rId17">
             <p14:nvContentPartPr>
               <p14:cNvPr id="16" name="Ink 15">
@@ -15362,7 +16244,7 @@
             </p14:xfrm>
           </p:contentPart>
         </mc:Choice>
-        <mc:Fallback>
+        <mc:Fallback xmlns="">
           <p:pic>
             <p:nvPicPr>
               <p:cNvPr id="16" name="Ink 15">
@@ -15393,8 +16275,8 @@
           </p:pic>
         </mc:Fallback>
       </mc:AlternateContent>
-      <mc:AlternateContent xmlns:mc="http://schemas.openxmlformats.org/markup-compatibility/2006">
-        <mc:Choice xmlns:p14="http://schemas.microsoft.com/office/powerpoint/2010/main" Requires="p14">
+      <mc:AlternateContent xmlns:mc="http://schemas.openxmlformats.org/markup-compatibility/2006" xmlns:p14="http://schemas.microsoft.com/office/powerpoint/2010/main">
+        <mc:Choice Requires="p14">
           <p:contentPart p14:bwMode="auto" r:id="rId19">
             <p14:nvContentPartPr>
               <p14:cNvPr id="17" name="Ink 16">
@@ -15413,7 +16295,7 @@
             </p14:xfrm>
           </p:contentPart>
         </mc:Choice>
-        <mc:Fallback>
+        <mc:Fallback xmlns="">
           <p:pic>
             <p:nvPicPr>
               <p:cNvPr id="17" name="Ink 16">
@@ -15464,8 +16346,8 @@
             <a:chExt cx="178560" cy="152640"/>
           </a:xfrm>
         </p:grpSpPr>
-        <mc:AlternateContent xmlns:mc="http://schemas.openxmlformats.org/markup-compatibility/2006">
-          <mc:Choice xmlns:p14="http://schemas.microsoft.com/office/powerpoint/2010/main" Requires="p14">
+        <mc:AlternateContent xmlns:mc="http://schemas.openxmlformats.org/markup-compatibility/2006" xmlns:p14="http://schemas.microsoft.com/office/powerpoint/2010/main">
+          <mc:Choice Requires="p14">
             <p:contentPart p14:bwMode="auto" r:id="rId21">
               <p14:nvContentPartPr>
                 <p14:cNvPr id="18" name="Ink 17">
@@ -15484,7 +16366,7 @@
               </p14:xfrm>
             </p:contentPart>
           </mc:Choice>
-          <mc:Fallback>
+          <mc:Fallback xmlns="">
             <p:pic>
               <p:nvPicPr>
                 <p:cNvPr id="18" name="Ink 17">
@@ -15515,8 +16397,8 @@
             </p:pic>
           </mc:Fallback>
         </mc:AlternateContent>
-        <mc:AlternateContent xmlns:mc="http://schemas.openxmlformats.org/markup-compatibility/2006">
-          <mc:Choice xmlns:p14="http://schemas.microsoft.com/office/powerpoint/2010/main" Requires="p14">
+        <mc:AlternateContent xmlns:mc="http://schemas.openxmlformats.org/markup-compatibility/2006" xmlns:p14="http://schemas.microsoft.com/office/powerpoint/2010/main">
+          <mc:Choice Requires="p14">
             <p:contentPart p14:bwMode="auto" r:id="rId23">
               <p14:nvContentPartPr>
                 <p14:cNvPr id="19" name="Ink 18">
@@ -15535,7 +16417,7 @@
               </p14:xfrm>
             </p:contentPart>
           </mc:Choice>
-          <mc:Fallback>
+          <mc:Fallback xmlns="">
             <p:pic>
               <p:nvPicPr>
                 <p:cNvPr id="19" name="Ink 18">
@@ -15566,8 +16448,8 @@
             </p:pic>
           </mc:Fallback>
         </mc:AlternateContent>
-        <mc:AlternateContent xmlns:mc="http://schemas.openxmlformats.org/markup-compatibility/2006">
-          <mc:Choice xmlns:p14="http://schemas.microsoft.com/office/powerpoint/2010/main" Requires="p14">
+        <mc:AlternateContent xmlns:mc="http://schemas.openxmlformats.org/markup-compatibility/2006" xmlns:p14="http://schemas.microsoft.com/office/powerpoint/2010/main">
+          <mc:Choice Requires="p14">
             <p:contentPart p14:bwMode="auto" r:id="rId25">
               <p14:nvContentPartPr>
                 <p14:cNvPr id="21" name="Ink 20">
@@ -15586,7 +16468,7 @@
               </p14:xfrm>
             </p:contentPart>
           </mc:Choice>
-          <mc:Fallback>
+          <mc:Fallback xmlns="">
             <p:pic>
               <p:nvPicPr>
                 <p:cNvPr id="21" name="Ink 20">
@@ -15617,8 +16499,8 @@
             </p:pic>
           </mc:Fallback>
         </mc:AlternateContent>
-        <mc:AlternateContent xmlns:mc="http://schemas.openxmlformats.org/markup-compatibility/2006">
-          <mc:Choice xmlns:p14="http://schemas.microsoft.com/office/powerpoint/2010/main" Requires="p14">
+        <mc:AlternateContent xmlns:mc="http://schemas.openxmlformats.org/markup-compatibility/2006" xmlns:p14="http://schemas.microsoft.com/office/powerpoint/2010/main">
+          <mc:Choice Requires="p14">
             <p:contentPart p14:bwMode="auto" r:id="rId27">
               <p14:nvContentPartPr>
                 <p14:cNvPr id="23" name="Ink 22">
@@ -15637,7 +16519,7 @@
               </p14:xfrm>
             </p:contentPart>
           </mc:Choice>
-          <mc:Fallback>
+          <mc:Fallback xmlns="">
             <p:pic>
               <p:nvPicPr>
                 <p:cNvPr id="23" name="Ink 22">
@@ -15668,8 +16550,8 @@
             </p:pic>
           </mc:Fallback>
         </mc:AlternateContent>
-        <mc:AlternateContent xmlns:mc="http://schemas.openxmlformats.org/markup-compatibility/2006">
-          <mc:Choice xmlns:p14="http://schemas.microsoft.com/office/powerpoint/2010/main" Requires="p14">
+        <mc:AlternateContent xmlns:mc="http://schemas.openxmlformats.org/markup-compatibility/2006" xmlns:p14="http://schemas.microsoft.com/office/powerpoint/2010/main">
+          <mc:Choice Requires="p14">
             <p:contentPart p14:bwMode="auto" r:id="rId29">
               <p14:nvContentPartPr>
                 <p14:cNvPr id="24" name="Ink 23">
@@ -15688,7 +16570,7 @@
               </p14:xfrm>
             </p:contentPart>
           </mc:Choice>
-          <mc:Fallback>
+          <mc:Fallback xmlns="">
             <p:pic>
               <p:nvPicPr>
                 <p:cNvPr id="24" name="Ink 23">
@@ -15719,8 +16601,8 @@
             </p:pic>
           </mc:Fallback>
         </mc:AlternateContent>
-        <mc:AlternateContent xmlns:mc="http://schemas.openxmlformats.org/markup-compatibility/2006">
-          <mc:Choice xmlns:p14="http://schemas.microsoft.com/office/powerpoint/2010/main" Requires="p14">
+        <mc:AlternateContent xmlns:mc="http://schemas.openxmlformats.org/markup-compatibility/2006" xmlns:p14="http://schemas.microsoft.com/office/powerpoint/2010/main">
+          <mc:Choice Requires="p14">
             <p:contentPart p14:bwMode="auto" r:id="rId31">
               <p14:nvContentPartPr>
                 <p14:cNvPr id="25" name="Ink 24">
@@ -15739,7 +16621,7 @@
               </p14:xfrm>
             </p:contentPart>
           </mc:Choice>
-          <mc:Fallback>
+          <mc:Fallback xmlns="">
             <p:pic>
               <p:nvPicPr>
                 <p:cNvPr id="25" name="Ink 24">
@@ -15770,8 +16652,8 @@
             </p:pic>
           </mc:Fallback>
         </mc:AlternateContent>
-        <mc:AlternateContent xmlns:mc="http://schemas.openxmlformats.org/markup-compatibility/2006">
-          <mc:Choice xmlns:p14="http://schemas.microsoft.com/office/powerpoint/2010/main" Requires="p14">
+        <mc:AlternateContent xmlns:mc="http://schemas.openxmlformats.org/markup-compatibility/2006" xmlns:p14="http://schemas.microsoft.com/office/powerpoint/2010/main">
+          <mc:Choice Requires="p14">
             <p:contentPart p14:bwMode="auto" r:id="rId33">
               <p14:nvContentPartPr>
                 <p14:cNvPr id="26" name="Ink 25">
@@ -15790,7 +16672,7 @@
               </p14:xfrm>
             </p:contentPart>
           </mc:Choice>
-          <mc:Fallback>
+          <mc:Fallback xmlns="">
             <p:pic>
               <p:nvPicPr>
                 <p:cNvPr id="26" name="Ink 25">
@@ -15821,8 +16703,8 @@
             </p:pic>
           </mc:Fallback>
         </mc:AlternateContent>
-        <mc:AlternateContent xmlns:mc="http://schemas.openxmlformats.org/markup-compatibility/2006">
-          <mc:Choice xmlns:p14="http://schemas.microsoft.com/office/powerpoint/2010/main" Requires="p14">
+        <mc:AlternateContent xmlns:mc="http://schemas.openxmlformats.org/markup-compatibility/2006" xmlns:p14="http://schemas.microsoft.com/office/powerpoint/2010/main">
+          <mc:Choice Requires="p14">
             <p:contentPart p14:bwMode="auto" r:id="rId35">
               <p14:nvContentPartPr>
                 <p14:cNvPr id="27" name="Ink 26">
@@ -15841,7 +16723,7 @@
               </p14:xfrm>
             </p:contentPart>
           </mc:Choice>
-          <mc:Fallback>
+          <mc:Fallback xmlns="">
             <p:pic>
               <p:nvPicPr>
                 <p:cNvPr id="27" name="Ink 26">
@@ -15872,8 +16754,8 @@
             </p:pic>
           </mc:Fallback>
         </mc:AlternateContent>
-        <mc:AlternateContent xmlns:mc="http://schemas.openxmlformats.org/markup-compatibility/2006">
-          <mc:Choice xmlns:p14="http://schemas.microsoft.com/office/powerpoint/2010/main" Requires="p14">
+        <mc:AlternateContent xmlns:mc="http://schemas.openxmlformats.org/markup-compatibility/2006" xmlns:p14="http://schemas.microsoft.com/office/powerpoint/2010/main">
+          <mc:Choice Requires="p14">
             <p:contentPart p14:bwMode="auto" r:id="rId37">
               <p14:nvContentPartPr>
                 <p14:cNvPr id="28" name="Ink 27">
@@ -15892,7 +16774,7 @@
               </p14:xfrm>
             </p:contentPart>
           </mc:Choice>
-          <mc:Fallback>
+          <mc:Fallback xmlns="">
             <p:pic>
               <p:nvPicPr>
                 <p:cNvPr id="28" name="Ink 27">
@@ -15924,8 +16806,8 @@
           </mc:Fallback>
         </mc:AlternateContent>
       </p:grpSp>
-      <mc:AlternateContent xmlns:mc="http://schemas.openxmlformats.org/markup-compatibility/2006">
-        <mc:Choice xmlns:p14="http://schemas.microsoft.com/office/powerpoint/2010/main" Requires="p14">
+      <mc:AlternateContent xmlns:mc="http://schemas.openxmlformats.org/markup-compatibility/2006" xmlns:p14="http://schemas.microsoft.com/office/powerpoint/2010/main">
+        <mc:Choice Requires="p14">
           <p:contentPart p14:bwMode="auto" r:id="rId39">
             <p14:nvContentPartPr>
               <p14:cNvPr id="30" name="Ink 29">
@@ -15944,7 +16826,7 @@
             </p14:xfrm>
           </p:contentPart>
         </mc:Choice>
-        <mc:Fallback>
+        <mc:Fallback xmlns="">
           <p:pic>
             <p:nvPicPr>
               <p:cNvPr id="30" name="Ink 29">
@@ -15975,8 +16857,8 @@
           </p:pic>
         </mc:Fallback>
       </mc:AlternateContent>
-      <mc:AlternateContent xmlns:mc="http://schemas.openxmlformats.org/markup-compatibility/2006">
-        <mc:Choice xmlns:p14="http://schemas.microsoft.com/office/powerpoint/2010/main" Requires="p14">
+      <mc:AlternateContent xmlns:mc="http://schemas.openxmlformats.org/markup-compatibility/2006" xmlns:p14="http://schemas.microsoft.com/office/powerpoint/2010/main">
+        <mc:Choice Requires="p14">
           <p:contentPart p14:bwMode="auto" r:id="rId41">
             <p14:nvContentPartPr>
               <p14:cNvPr id="31" name="Ink 30">
@@ -15995,7 +16877,7 @@
             </p14:xfrm>
           </p:contentPart>
         </mc:Choice>
-        <mc:Fallback>
+        <mc:Fallback xmlns="">
           <p:pic>
             <p:nvPicPr>
               <p:cNvPr id="31" name="Ink 30">
@@ -16046,8 +16928,8 @@
             <a:chExt cx="185040" cy="149760"/>
           </a:xfrm>
         </p:grpSpPr>
-        <mc:AlternateContent xmlns:mc="http://schemas.openxmlformats.org/markup-compatibility/2006">
-          <mc:Choice xmlns:p14="http://schemas.microsoft.com/office/powerpoint/2010/main" Requires="p14">
+        <mc:AlternateContent xmlns:mc="http://schemas.openxmlformats.org/markup-compatibility/2006" xmlns:p14="http://schemas.microsoft.com/office/powerpoint/2010/main">
+          <mc:Choice Requires="p14">
             <p:contentPart p14:bwMode="auto" r:id="rId43">
               <p14:nvContentPartPr>
                 <p14:cNvPr id="39" name="Ink 38">
@@ -16066,7 +16948,7 @@
               </p14:xfrm>
             </p:contentPart>
           </mc:Choice>
-          <mc:Fallback>
+          <mc:Fallback xmlns="">
             <p:pic>
               <p:nvPicPr>
                 <p:cNvPr id="39" name="Ink 38">
@@ -16097,8 +16979,8 @@
             </p:pic>
           </mc:Fallback>
         </mc:AlternateContent>
-        <mc:AlternateContent xmlns:mc="http://schemas.openxmlformats.org/markup-compatibility/2006">
-          <mc:Choice xmlns:p14="http://schemas.microsoft.com/office/powerpoint/2010/main" Requires="p14">
+        <mc:AlternateContent xmlns:mc="http://schemas.openxmlformats.org/markup-compatibility/2006" xmlns:p14="http://schemas.microsoft.com/office/powerpoint/2010/main">
+          <mc:Choice Requires="p14">
             <p:contentPart p14:bwMode="auto" r:id="rId45">
               <p14:nvContentPartPr>
                 <p14:cNvPr id="40" name="Ink 39">
@@ -16117,7 +16999,7 @@
               </p14:xfrm>
             </p:contentPart>
           </mc:Choice>
-          <mc:Fallback>
+          <mc:Fallback xmlns="">
             <p:pic>
               <p:nvPicPr>
                 <p:cNvPr id="40" name="Ink 39">
@@ -16148,8 +17030,8 @@
             </p:pic>
           </mc:Fallback>
         </mc:AlternateContent>
-        <mc:AlternateContent xmlns:mc="http://schemas.openxmlformats.org/markup-compatibility/2006">
-          <mc:Choice xmlns:p14="http://schemas.microsoft.com/office/powerpoint/2010/main" Requires="p14">
+        <mc:AlternateContent xmlns:mc="http://schemas.openxmlformats.org/markup-compatibility/2006" xmlns:p14="http://schemas.microsoft.com/office/powerpoint/2010/main">
+          <mc:Choice Requires="p14">
             <p:contentPart p14:bwMode="auto" r:id="rId47">
               <p14:nvContentPartPr>
                 <p14:cNvPr id="43" name="Ink 42">
@@ -16168,7 +17050,7 @@
               </p14:xfrm>
             </p:contentPart>
           </mc:Choice>
-          <mc:Fallback>
+          <mc:Fallback xmlns="">
             <p:pic>
               <p:nvPicPr>
                 <p:cNvPr id="43" name="Ink 42">
@@ -16199,8 +17081,8 @@
             </p:pic>
           </mc:Fallback>
         </mc:AlternateContent>
-        <mc:AlternateContent xmlns:mc="http://schemas.openxmlformats.org/markup-compatibility/2006">
-          <mc:Choice xmlns:p14="http://schemas.microsoft.com/office/powerpoint/2010/main" Requires="p14">
+        <mc:AlternateContent xmlns:mc="http://schemas.openxmlformats.org/markup-compatibility/2006" xmlns:p14="http://schemas.microsoft.com/office/powerpoint/2010/main">
+          <mc:Choice Requires="p14">
             <p:contentPart p14:bwMode="auto" r:id="rId49">
               <p14:nvContentPartPr>
                 <p14:cNvPr id="44" name="Ink 43">
@@ -16219,7 +17101,7 @@
               </p14:xfrm>
             </p:contentPart>
           </mc:Choice>
-          <mc:Fallback>
+          <mc:Fallback xmlns="">
             <p:pic>
               <p:nvPicPr>
                 <p:cNvPr id="44" name="Ink 43">
@@ -16250,8 +17132,8 @@
             </p:pic>
           </mc:Fallback>
         </mc:AlternateContent>
-        <mc:AlternateContent xmlns:mc="http://schemas.openxmlformats.org/markup-compatibility/2006">
-          <mc:Choice xmlns:p14="http://schemas.microsoft.com/office/powerpoint/2010/main" Requires="p14">
+        <mc:AlternateContent xmlns:mc="http://schemas.openxmlformats.org/markup-compatibility/2006" xmlns:p14="http://schemas.microsoft.com/office/powerpoint/2010/main">
+          <mc:Choice Requires="p14">
             <p:contentPart p14:bwMode="auto" r:id="rId51">
               <p14:nvContentPartPr>
                 <p14:cNvPr id="60" name="Ink 59">
@@ -16270,7 +17152,7 @@
               </p14:xfrm>
             </p:contentPart>
           </mc:Choice>
-          <mc:Fallback>
+          <mc:Fallback xmlns="">
             <p:pic>
               <p:nvPicPr>
                 <p:cNvPr id="60" name="Ink 59">
@@ -16301,8 +17183,8 @@
             </p:pic>
           </mc:Fallback>
         </mc:AlternateContent>
-        <mc:AlternateContent xmlns:mc="http://schemas.openxmlformats.org/markup-compatibility/2006">
-          <mc:Choice xmlns:p14="http://schemas.microsoft.com/office/powerpoint/2010/main" Requires="p14">
+        <mc:AlternateContent xmlns:mc="http://schemas.openxmlformats.org/markup-compatibility/2006" xmlns:p14="http://schemas.microsoft.com/office/powerpoint/2010/main">
+          <mc:Choice Requires="p14">
             <p:contentPart p14:bwMode="auto" r:id="rId53">
               <p14:nvContentPartPr>
                 <p14:cNvPr id="72" name="Ink 71">
@@ -16321,7 +17203,7 @@
               </p14:xfrm>
             </p:contentPart>
           </mc:Choice>
-          <mc:Fallback>
+          <mc:Fallback xmlns="">
             <p:pic>
               <p:nvPicPr>
                 <p:cNvPr id="72" name="Ink 71">
@@ -16352,8 +17234,8 @@
             </p:pic>
           </mc:Fallback>
         </mc:AlternateContent>
-        <mc:AlternateContent xmlns:mc="http://schemas.openxmlformats.org/markup-compatibility/2006">
-          <mc:Choice xmlns:p14="http://schemas.microsoft.com/office/powerpoint/2010/main" Requires="p14">
+        <mc:AlternateContent xmlns:mc="http://schemas.openxmlformats.org/markup-compatibility/2006" xmlns:p14="http://schemas.microsoft.com/office/powerpoint/2010/main">
+          <mc:Choice Requires="p14">
             <p:contentPart p14:bwMode="auto" r:id="rId55">
               <p14:nvContentPartPr>
                 <p14:cNvPr id="96" name="Ink 95">
@@ -16372,7 +17254,7 @@
               </p14:xfrm>
             </p:contentPart>
           </mc:Choice>
-          <mc:Fallback>
+          <mc:Fallback xmlns="">
             <p:pic>
               <p:nvPicPr>
                 <p:cNvPr id="96" name="Ink 95">
@@ -16403,8 +17285,8 @@
             </p:pic>
           </mc:Fallback>
         </mc:AlternateContent>
-        <mc:AlternateContent xmlns:mc="http://schemas.openxmlformats.org/markup-compatibility/2006">
-          <mc:Choice xmlns:p14="http://schemas.microsoft.com/office/powerpoint/2010/main" Requires="p14">
+        <mc:AlternateContent xmlns:mc="http://schemas.openxmlformats.org/markup-compatibility/2006" xmlns:p14="http://schemas.microsoft.com/office/powerpoint/2010/main">
+          <mc:Choice Requires="p14">
             <p:contentPart p14:bwMode="auto" r:id="rId57">
               <p14:nvContentPartPr>
                 <p14:cNvPr id="97" name="Ink 96">
@@ -16423,7 +17305,7 @@
               </p14:xfrm>
             </p:contentPart>
           </mc:Choice>
-          <mc:Fallback>
+          <mc:Fallback xmlns="">
             <p:pic>
               <p:nvPicPr>
                 <p:cNvPr id="97" name="Ink 96">
@@ -16475,8 +17357,8 @@
             <a:chExt cx="245843" cy="190800"/>
           </a:xfrm>
         </p:grpSpPr>
-        <mc:AlternateContent xmlns:mc="http://schemas.openxmlformats.org/markup-compatibility/2006">
-          <mc:Choice xmlns:p14="http://schemas.microsoft.com/office/powerpoint/2010/main" Requires="p14">
+        <mc:AlternateContent xmlns:mc="http://schemas.openxmlformats.org/markup-compatibility/2006" xmlns:p14="http://schemas.microsoft.com/office/powerpoint/2010/main">
+          <mc:Choice Requires="p14">
             <p:contentPart p14:bwMode="auto" r:id="rId59">
               <p14:nvContentPartPr>
                 <p14:cNvPr id="34" name="Ink 33">
@@ -16495,7 +17377,7 @@
               </p14:xfrm>
             </p:contentPart>
           </mc:Choice>
-          <mc:Fallback>
+          <mc:Fallback xmlns="">
             <p:pic>
               <p:nvPicPr>
                 <p:cNvPr id="34" name="Ink 33">
@@ -16526,8 +17408,8 @@
             </p:pic>
           </mc:Fallback>
         </mc:AlternateContent>
-        <mc:AlternateContent xmlns:mc="http://schemas.openxmlformats.org/markup-compatibility/2006">
-          <mc:Choice xmlns:p14="http://schemas.microsoft.com/office/powerpoint/2010/main" Requires="p14">
+        <mc:AlternateContent xmlns:mc="http://schemas.openxmlformats.org/markup-compatibility/2006" xmlns:p14="http://schemas.microsoft.com/office/powerpoint/2010/main">
+          <mc:Choice Requires="p14">
             <p:contentPart p14:bwMode="auto" r:id="rId61">
               <p14:nvContentPartPr>
                 <p14:cNvPr id="35" name="Ink 34">
@@ -16546,7 +17428,7 @@
               </p14:xfrm>
             </p:contentPart>
           </mc:Choice>
-          <mc:Fallback>
+          <mc:Fallback xmlns="">
             <p:pic>
               <p:nvPicPr>
                 <p:cNvPr id="35" name="Ink 34">
@@ -16577,8 +17459,8 @@
             </p:pic>
           </mc:Fallback>
         </mc:AlternateContent>
-        <mc:AlternateContent xmlns:mc="http://schemas.openxmlformats.org/markup-compatibility/2006">
-          <mc:Choice xmlns:p14="http://schemas.microsoft.com/office/powerpoint/2010/main" Requires="p14">
+        <mc:AlternateContent xmlns:mc="http://schemas.openxmlformats.org/markup-compatibility/2006" xmlns:p14="http://schemas.microsoft.com/office/powerpoint/2010/main">
+          <mc:Choice Requires="p14">
             <p:contentPart p14:bwMode="auto" r:id="rId63">
               <p14:nvContentPartPr>
                 <p14:cNvPr id="36" name="Ink 35">
@@ -16597,7 +17479,7 @@
               </p14:xfrm>
             </p:contentPart>
           </mc:Choice>
-          <mc:Fallback>
+          <mc:Fallback xmlns="">
             <p:pic>
               <p:nvPicPr>
                 <p:cNvPr id="36" name="Ink 35">
@@ -16628,8 +17510,8 @@
             </p:pic>
           </mc:Fallback>
         </mc:AlternateContent>
-        <mc:AlternateContent xmlns:mc="http://schemas.openxmlformats.org/markup-compatibility/2006">
-          <mc:Choice xmlns:p14="http://schemas.microsoft.com/office/powerpoint/2010/main" Requires="p14">
+        <mc:AlternateContent xmlns:mc="http://schemas.openxmlformats.org/markup-compatibility/2006" xmlns:p14="http://schemas.microsoft.com/office/powerpoint/2010/main">
+          <mc:Choice Requires="p14">
             <p:contentPart p14:bwMode="auto" r:id="rId65">
               <p14:nvContentPartPr>
                 <p14:cNvPr id="101" name="Ink 100">
@@ -16648,7 +17530,7 @@
               </p14:xfrm>
             </p:contentPart>
           </mc:Choice>
-          <mc:Fallback>
+          <mc:Fallback xmlns="">
             <p:pic>
               <p:nvPicPr>
                 <p:cNvPr id="101" name="Ink 100">
@@ -16679,8 +17561,8 @@
             </p:pic>
           </mc:Fallback>
         </mc:AlternateContent>
-        <mc:AlternateContent xmlns:mc="http://schemas.openxmlformats.org/markup-compatibility/2006">
-          <mc:Choice xmlns:p14="http://schemas.microsoft.com/office/powerpoint/2010/main" Requires="p14">
+        <mc:AlternateContent xmlns:mc="http://schemas.openxmlformats.org/markup-compatibility/2006" xmlns:p14="http://schemas.microsoft.com/office/powerpoint/2010/main">
+          <mc:Choice Requires="p14">
             <p:contentPart p14:bwMode="auto" r:id="rId66">
               <p14:nvContentPartPr>
                 <p14:cNvPr id="102" name="Ink 101">
@@ -16699,7 +17581,7 @@
               </p14:xfrm>
             </p:contentPart>
           </mc:Choice>
-          <mc:Fallback>
+          <mc:Fallback xmlns="">
             <p:pic>
               <p:nvPicPr>
                 <p:cNvPr id="102" name="Ink 101">
@@ -16730,8 +17612,8 @@
             </p:pic>
           </mc:Fallback>
         </mc:AlternateContent>
-        <mc:AlternateContent xmlns:mc="http://schemas.openxmlformats.org/markup-compatibility/2006">
-          <mc:Choice xmlns:p14="http://schemas.microsoft.com/office/powerpoint/2010/main" Requires="p14">
+        <mc:AlternateContent xmlns:mc="http://schemas.openxmlformats.org/markup-compatibility/2006" xmlns:p14="http://schemas.microsoft.com/office/powerpoint/2010/main">
+          <mc:Choice Requires="p14">
             <p:contentPart p14:bwMode="auto" r:id="rId68">
               <p14:nvContentPartPr>
                 <p14:cNvPr id="103" name="Ink 102">
@@ -16750,7 +17632,7 @@
               </p14:xfrm>
             </p:contentPart>
           </mc:Choice>
-          <mc:Fallback>
+          <mc:Fallback xmlns="">
             <p:pic>
               <p:nvPicPr>
                 <p:cNvPr id="103" name="Ink 102">
@@ -16781,8 +17663,8 @@
             </p:pic>
           </mc:Fallback>
         </mc:AlternateContent>
-        <mc:AlternateContent xmlns:mc="http://schemas.openxmlformats.org/markup-compatibility/2006">
-          <mc:Choice xmlns:p14="http://schemas.microsoft.com/office/powerpoint/2010/main" Requires="p14">
+        <mc:AlternateContent xmlns:mc="http://schemas.openxmlformats.org/markup-compatibility/2006" xmlns:p14="http://schemas.microsoft.com/office/powerpoint/2010/main">
+          <mc:Choice Requires="p14">
             <p:contentPart p14:bwMode="auto" r:id="rId70">
               <p14:nvContentPartPr>
                 <p14:cNvPr id="104" name="Ink 103">
@@ -16801,7 +17683,7 @@
               </p14:xfrm>
             </p:contentPart>
           </mc:Choice>
-          <mc:Fallback>
+          <mc:Fallback xmlns="">
             <p:pic>
               <p:nvPicPr>
                 <p:cNvPr id="104" name="Ink 103">
@@ -16832,8 +17714,8 @@
             </p:pic>
           </mc:Fallback>
         </mc:AlternateContent>
-        <mc:AlternateContent xmlns:mc="http://schemas.openxmlformats.org/markup-compatibility/2006">
-          <mc:Choice xmlns:p14="http://schemas.microsoft.com/office/powerpoint/2010/main" Requires="p14">
+        <mc:AlternateContent xmlns:mc="http://schemas.openxmlformats.org/markup-compatibility/2006" xmlns:p14="http://schemas.microsoft.com/office/powerpoint/2010/main">
+          <mc:Choice Requires="p14">
             <p:contentPart p14:bwMode="auto" r:id="rId72">
               <p14:nvContentPartPr>
                 <p14:cNvPr id="105" name="Ink 104">
@@ -16852,7 +17734,7 @@
               </p14:xfrm>
             </p:contentPart>
           </mc:Choice>
-          <mc:Fallback>
+          <mc:Fallback xmlns="">
             <p:pic>
               <p:nvPicPr>
                 <p:cNvPr id="105" name="Ink 104">
@@ -16898,7 +17780,7 @@
 </file>
 
 <file path=ppt/slides/slide15.xml><?xml version="1.0" encoding="utf-8"?>
-<p:sld xmlns:a="http://schemas.openxmlformats.org/drawingml/2006/main" xmlns:r="http://schemas.openxmlformats.org/officeDocument/2006/relationships" xmlns:p="http://schemas.openxmlformats.org/presentationml/2006/main">
+<p:sld xmlns:a="http://schemas.openxmlformats.org/drawingml/2006/main" xmlns:r="http://schemas.openxmlformats.org/officeDocument/2006/relationships" xmlns:p="http://schemas.openxmlformats.org/presentationml/2006/main" show="0">
   <p:cSld>
     <p:spTree>
       <p:nvGrpSpPr>
@@ -19182,8 +20064,8 @@
           </a:p>
         </p:txBody>
       </p:sp>
-      <mc:AlternateContent xmlns:mc="http://schemas.openxmlformats.org/markup-compatibility/2006">
-        <mc:Choice xmlns:p14="http://schemas.microsoft.com/office/powerpoint/2010/main" Requires="p14">
+      <mc:AlternateContent xmlns:mc="http://schemas.openxmlformats.org/markup-compatibility/2006" xmlns:p14="http://schemas.microsoft.com/office/powerpoint/2010/main">
+        <mc:Choice Requires="p14">
           <p:contentPart p14:bwMode="auto" r:id="rId2">
             <p14:nvContentPartPr>
               <p14:cNvPr id="4" name="Ink 3">
@@ -19202,7 +20084,7 @@
             </p14:xfrm>
           </p:contentPart>
         </mc:Choice>
-        <mc:Fallback>
+        <mc:Fallback xmlns="">
           <p:pic>
             <p:nvPicPr>
               <p:cNvPr id="4" name="Ink 3">
@@ -19247,7 +20129,7 @@
 </file>
 
 <file path=ppt/slides/slide16.xml><?xml version="1.0" encoding="utf-8"?>
-<p:sld xmlns:a="http://schemas.openxmlformats.org/drawingml/2006/main" xmlns:r="http://schemas.openxmlformats.org/officeDocument/2006/relationships" xmlns:p="http://schemas.openxmlformats.org/presentationml/2006/main">
+<p:sld xmlns:a="http://schemas.openxmlformats.org/drawingml/2006/main" xmlns:r="http://schemas.openxmlformats.org/officeDocument/2006/relationships" xmlns:p="http://schemas.openxmlformats.org/presentationml/2006/main" show="0">
   <p:cSld>
     <p:spTree>
       <p:nvGrpSpPr>
@@ -19312,7 +20194,7 @@
 </file>
 
 <file path=ppt/slides/slide17.xml><?xml version="1.0" encoding="utf-8"?>
-<p:sld xmlns:a="http://schemas.openxmlformats.org/drawingml/2006/main" xmlns:r="http://schemas.openxmlformats.org/officeDocument/2006/relationships" xmlns:p="http://schemas.openxmlformats.org/presentationml/2006/main">
+<p:sld xmlns:a="http://schemas.openxmlformats.org/drawingml/2006/main" xmlns:r="http://schemas.openxmlformats.org/officeDocument/2006/relationships" xmlns:p="http://schemas.openxmlformats.org/presentationml/2006/main" show="0">
   <p:cSld>
     <p:spTree>
       <p:nvGrpSpPr>
@@ -19383,8 +20265,8 @@
             <a:chExt cx="228960" cy="153000"/>
           </a:xfrm>
         </p:grpSpPr>
-        <mc:AlternateContent xmlns:mc="http://schemas.openxmlformats.org/markup-compatibility/2006">
-          <mc:Choice xmlns:p14="http://schemas.microsoft.com/office/powerpoint/2010/main" Requires="p14">
+        <mc:AlternateContent xmlns:mc="http://schemas.openxmlformats.org/markup-compatibility/2006" xmlns:p14="http://schemas.microsoft.com/office/powerpoint/2010/main">
+          <mc:Choice Requires="p14">
             <p:contentPart p14:bwMode="auto" r:id="rId3">
               <p14:nvContentPartPr>
                 <p14:cNvPr id="6" name="Ink 5">
@@ -19403,7 +20285,7 @@
               </p14:xfrm>
             </p:contentPart>
           </mc:Choice>
-          <mc:Fallback>
+          <mc:Fallback xmlns="">
             <p:pic>
               <p:nvPicPr>
                 <p:cNvPr id="6" name="Ink 5">
@@ -19434,8 +20316,8 @@
             </p:pic>
           </mc:Fallback>
         </mc:AlternateContent>
-        <mc:AlternateContent xmlns:mc="http://schemas.openxmlformats.org/markup-compatibility/2006">
-          <mc:Choice xmlns:p14="http://schemas.microsoft.com/office/powerpoint/2010/main" Requires="p14">
+        <mc:AlternateContent xmlns:mc="http://schemas.openxmlformats.org/markup-compatibility/2006" xmlns:p14="http://schemas.microsoft.com/office/powerpoint/2010/main">
+          <mc:Choice Requires="p14">
             <p:contentPart p14:bwMode="auto" r:id="rId5">
               <p14:nvContentPartPr>
                 <p14:cNvPr id="9" name="Ink 8">
@@ -19454,7 +20336,7 @@
               </p14:xfrm>
             </p:contentPart>
           </mc:Choice>
-          <mc:Fallback>
+          <mc:Fallback xmlns="">
             <p:pic>
               <p:nvPicPr>
                 <p:cNvPr id="9" name="Ink 8">
@@ -19485,8 +20367,8 @@
             </p:pic>
           </mc:Fallback>
         </mc:AlternateContent>
-        <mc:AlternateContent xmlns:mc="http://schemas.openxmlformats.org/markup-compatibility/2006">
-          <mc:Choice xmlns:p14="http://schemas.microsoft.com/office/powerpoint/2010/main" Requires="p14">
+        <mc:AlternateContent xmlns:mc="http://schemas.openxmlformats.org/markup-compatibility/2006" xmlns:p14="http://schemas.microsoft.com/office/powerpoint/2010/main">
+          <mc:Choice Requires="p14">
             <p:contentPart p14:bwMode="auto" r:id="rId7">
               <p14:nvContentPartPr>
                 <p14:cNvPr id="10" name="Ink 9">
@@ -19505,7 +20387,7 @@
               </p14:xfrm>
             </p:contentPart>
           </mc:Choice>
-          <mc:Fallback>
+          <mc:Fallback xmlns="">
             <p:pic>
               <p:nvPicPr>
                 <p:cNvPr id="10" name="Ink 9">
@@ -19536,8 +20418,8 @@
             </p:pic>
           </mc:Fallback>
         </mc:AlternateContent>
-        <mc:AlternateContent xmlns:mc="http://schemas.openxmlformats.org/markup-compatibility/2006">
-          <mc:Choice xmlns:p14="http://schemas.microsoft.com/office/powerpoint/2010/main" Requires="p14">
+        <mc:AlternateContent xmlns:mc="http://schemas.openxmlformats.org/markup-compatibility/2006" xmlns:p14="http://schemas.microsoft.com/office/powerpoint/2010/main">
+          <mc:Choice Requires="p14">
             <p:contentPart p14:bwMode="auto" r:id="rId9">
               <p14:nvContentPartPr>
                 <p14:cNvPr id="11" name="Ink 10">
@@ -19556,7 +20438,7 @@
               </p14:xfrm>
             </p:contentPart>
           </mc:Choice>
-          <mc:Fallback>
+          <mc:Fallback xmlns="">
             <p:pic>
               <p:nvPicPr>
                 <p:cNvPr id="11" name="Ink 10">
@@ -19587,8 +20469,8 @@
             </p:pic>
           </mc:Fallback>
         </mc:AlternateContent>
-        <mc:AlternateContent xmlns:mc="http://schemas.openxmlformats.org/markup-compatibility/2006">
-          <mc:Choice xmlns:p14="http://schemas.microsoft.com/office/powerpoint/2010/main" Requires="p14">
+        <mc:AlternateContent xmlns:mc="http://schemas.openxmlformats.org/markup-compatibility/2006" xmlns:p14="http://schemas.microsoft.com/office/powerpoint/2010/main">
+          <mc:Choice Requires="p14">
             <p:contentPart p14:bwMode="auto" r:id="rId11">
               <p14:nvContentPartPr>
                 <p14:cNvPr id="12" name="Ink 11">
@@ -19607,7 +20489,7 @@
               </p14:xfrm>
             </p:contentPart>
           </mc:Choice>
-          <mc:Fallback>
+          <mc:Fallback xmlns="">
             <p:pic>
               <p:nvPicPr>
                 <p:cNvPr id="12" name="Ink 11">
@@ -19638,8 +20520,8 @@
             </p:pic>
           </mc:Fallback>
         </mc:AlternateContent>
-        <mc:AlternateContent xmlns:mc="http://schemas.openxmlformats.org/markup-compatibility/2006">
-          <mc:Choice xmlns:p14="http://schemas.microsoft.com/office/powerpoint/2010/main" Requires="p14">
+        <mc:AlternateContent xmlns:mc="http://schemas.openxmlformats.org/markup-compatibility/2006" xmlns:p14="http://schemas.microsoft.com/office/powerpoint/2010/main">
+          <mc:Choice Requires="p14">
             <p:contentPart p14:bwMode="auto" r:id="rId13">
               <p14:nvContentPartPr>
                 <p14:cNvPr id="13" name="Ink 12">
@@ -19658,7 +20540,7 @@
               </p14:xfrm>
             </p:contentPart>
           </mc:Choice>
-          <mc:Fallback>
+          <mc:Fallback xmlns="">
             <p:pic>
               <p:nvPicPr>
                 <p:cNvPr id="13" name="Ink 12">
@@ -19710,8 +20592,8 @@
             <a:chExt cx="178560" cy="152640"/>
           </a:xfrm>
         </p:grpSpPr>
-        <mc:AlternateContent xmlns:mc="http://schemas.openxmlformats.org/markup-compatibility/2006">
-          <mc:Choice xmlns:p14="http://schemas.microsoft.com/office/powerpoint/2010/main" Requires="p14">
+        <mc:AlternateContent xmlns:mc="http://schemas.openxmlformats.org/markup-compatibility/2006" xmlns:p14="http://schemas.microsoft.com/office/powerpoint/2010/main">
+          <mc:Choice Requires="p14">
             <p:contentPart p14:bwMode="auto" r:id="rId15">
               <p14:nvContentPartPr>
                 <p14:cNvPr id="18" name="Ink 17">
@@ -19730,7 +20612,7 @@
               </p14:xfrm>
             </p:contentPart>
           </mc:Choice>
-          <mc:Fallback>
+          <mc:Fallback xmlns="">
             <p:pic>
               <p:nvPicPr>
                 <p:cNvPr id="18" name="Ink 17">
@@ -19761,8 +20643,8 @@
             </p:pic>
           </mc:Fallback>
         </mc:AlternateContent>
-        <mc:AlternateContent xmlns:mc="http://schemas.openxmlformats.org/markup-compatibility/2006">
-          <mc:Choice xmlns:p14="http://schemas.microsoft.com/office/powerpoint/2010/main" Requires="p14">
+        <mc:AlternateContent xmlns:mc="http://schemas.openxmlformats.org/markup-compatibility/2006" xmlns:p14="http://schemas.microsoft.com/office/powerpoint/2010/main">
+          <mc:Choice Requires="p14">
             <p:contentPart p14:bwMode="auto" r:id="rId17">
               <p14:nvContentPartPr>
                 <p14:cNvPr id="19" name="Ink 18">
@@ -19781,7 +20663,7 @@
               </p14:xfrm>
             </p:contentPart>
           </mc:Choice>
-          <mc:Fallback>
+          <mc:Fallback xmlns="">
             <p:pic>
               <p:nvPicPr>
                 <p:cNvPr id="19" name="Ink 18">
@@ -19812,8 +20694,8 @@
             </p:pic>
           </mc:Fallback>
         </mc:AlternateContent>
-        <mc:AlternateContent xmlns:mc="http://schemas.openxmlformats.org/markup-compatibility/2006">
-          <mc:Choice xmlns:p14="http://schemas.microsoft.com/office/powerpoint/2010/main" Requires="p14">
+        <mc:AlternateContent xmlns:mc="http://schemas.openxmlformats.org/markup-compatibility/2006" xmlns:p14="http://schemas.microsoft.com/office/powerpoint/2010/main">
+          <mc:Choice Requires="p14">
             <p:contentPart p14:bwMode="auto" r:id="rId19">
               <p14:nvContentPartPr>
                 <p14:cNvPr id="21" name="Ink 20">
@@ -19832,7 +20714,7 @@
               </p14:xfrm>
             </p:contentPart>
           </mc:Choice>
-          <mc:Fallback>
+          <mc:Fallback xmlns="">
             <p:pic>
               <p:nvPicPr>
                 <p:cNvPr id="21" name="Ink 20">
@@ -19863,8 +20745,8 @@
             </p:pic>
           </mc:Fallback>
         </mc:AlternateContent>
-        <mc:AlternateContent xmlns:mc="http://schemas.openxmlformats.org/markup-compatibility/2006">
-          <mc:Choice xmlns:p14="http://schemas.microsoft.com/office/powerpoint/2010/main" Requires="p14">
+        <mc:AlternateContent xmlns:mc="http://schemas.openxmlformats.org/markup-compatibility/2006" xmlns:p14="http://schemas.microsoft.com/office/powerpoint/2010/main">
+          <mc:Choice Requires="p14">
             <p:contentPart p14:bwMode="auto" r:id="rId21">
               <p14:nvContentPartPr>
                 <p14:cNvPr id="23" name="Ink 22">
@@ -19883,7 +20765,7 @@
               </p14:xfrm>
             </p:contentPart>
           </mc:Choice>
-          <mc:Fallback>
+          <mc:Fallback xmlns="">
             <p:pic>
               <p:nvPicPr>
                 <p:cNvPr id="23" name="Ink 22">
@@ -19914,8 +20796,8 @@
             </p:pic>
           </mc:Fallback>
         </mc:AlternateContent>
-        <mc:AlternateContent xmlns:mc="http://schemas.openxmlformats.org/markup-compatibility/2006">
-          <mc:Choice xmlns:p14="http://schemas.microsoft.com/office/powerpoint/2010/main" Requires="p14">
+        <mc:AlternateContent xmlns:mc="http://schemas.openxmlformats.org/markup-compatibility/2006" xmlns:p14="http://schemas.microsoft.com/office/powerpoint/2010/main">
+          <mc:Choice Requires="p14">
             <p:contentPart p14:bwMode="auto" r:id="rId23">
               <p14:nvContentPartPr>
                 <p14:cNvPr id="24" name="Ink 23">
@@ -19934,7 +20816,7 @@
               </p14:xfrm>
             </p:contentPart>
           </mc:Choice>
-          <mc:Fallback>
+          <mc:Fallback xmlns="">
             <p:pic>
               <p:nvPicPr>
                 <p:cNvPr id="24" name="Ink 23">
@@ -19965,8 +20847,8 @@
             </p:pic>
           </mc:Fallback>
         </mc:AlternateContent>
-        <mc:AlternateContent xmlns:mc="http://schemas.openxmlformats.org/markup-compatibility/2006">
-          <mc:Choice xmlns:p14="http://schemas.microsoft.com/office/powerpoint/2010/main" Requires="p14">
+        <mc:AlternateContent xmlns:mc="http://schemas.openxmlformats.org/markup-compatibility/2006" xmlns:p14="http://schemas.microsoft.com/office/powerpoint/2010/main">
+          <mc:Choice Requires="p14">
             <p:contentPart p14:bwMode="auto" r:id="rId25">
               <p14:nvContentPartPr>
                 <p14:cNvPr id="25" name="Ink 24">
@@ -19985,7 +20867,7 @@
               </p14:xfrm>
             </p:contentPart>
           </mc:Choice>
-          <mc:Fallback>
+          <mc:Fallback xmlns="">
             <p:pic>
               <p:nvPicPr>
                 <p:cNvPr id="25" name="Ink 24">
@@ -20016,8 +20898,8 @@
             </p:pic>
           </mc:Fallback>
         </mc:AlternateContent>
-        <mc:AlternateContent xmlns:mc="http://schemas.openxmlformats.org/markup-compatibility/2006">
-          <mc:Choice xmlns:p14="http://schemas.microsoft.com/office/powerpoint/2010/main" Requires="p14">
+        <mc:AlternateContent xmlns:mc="http://schemas.openxmlformats.org/markup-compatibility/2006" xmlns:p14="http://schemas.microsoft.com/office/powerpoint/2010/main">
+          <mc:Choice Requires="p14">
             <p:contentPart p14:bwMode="auto" r:id="rId27">
               <p14:nvContentPartPr>
                 <p14:cNvPr id="26" name="Ink 25">
@@ -20036,7 +20918,7 @@
               </p14:xfrm>
             </p:contentPart>
           </mc:Choice>
-          <mc:Fallback>
+          <mc:Fallback xmlns="">
             <p:pic>
               <p:nvPicPr>
                 <p:cNvPr id="26" name="Ink 25">
@@ -20067,8 +20949,8 @@
             </p:pic>
           </mc:Fallback>
         </mc:AlternateContent>
-        <mc:AlternateContent xmlns:mc="http://schemas.openxmlformats.org/markup-compatibility/2006">
-          <mc:Choice xmlns:p14="http://schemas.microsoft.com/office/powerpoint/2010/main" Requires="p14">
+        <mc:AlternateContent xmlns:mc="http://schemas.openxmlformats.org/markup-compatibility/2006" xmlns:p14="http://schemas.microsoft.com/office/powerpoint/2010/main">
+          <mc:Choice Requires="p14">
             <p:contentPart p14:bwMode="auto" r:id="rId29">
               <p14:nvContentPartPr>
                 <p14:cNvPr id="27" name="Ink 26">
@@ -20087,7 +20969,7 @@
               </p14:xfrm>
             </p:contentPart>
           </mc:Choice>
-          <mc:Fallback>
+          <mc:Fallback xmlns="">
             <p:pic>
               <p:nvPicPr>
                 <p:cNvPr id="27" name="Ink 26">
@@ -20118,8 +21000,8 @@
             </p:pic>
           </mc:Fallback>
         </mc:AlternateContent>
-        <mc:AlternateContent xmlns:mc="http://schemas.openxmlformats.org/markup-compatibility/2006">
-          <mc:Choice xmlns:p14="http://schemas.microsoft.com/office/powerpoint/2010/main" Requires="p14">
+        <mc:AlternateContent xmlns:mc="http://schemas.openxmlformats.org/markup-compatibility/2006" xmlns:p14="http://schemas.microsoft.com/office/powerpoint/2010/main">
+          <mc:Choice Requires="p14">
             <p:contentPart p14:bwMode="auto" r:id="rId31">
               <p14:nvContentPartPr>
                 <p14:cNvPr id="28" name="Ink 27">
@@ -20138,7 +21020,7 @@
               </p14:xfrm>
             </p:contentPart>
           </mc:Choice>
-          <mc:Fallback>
+          <mc:Fallback xmlns="">
             <p:pic>
               <p:nvPicPr>
                 <p:cNvPr id="28" name="Ink 27">
@@ -20190,8 +21072,8 @@
             <a:chExt cx="185040" cy="149760"/>
           </a:xfrm>
         </p:grpSpPr>
-        <mc:AlternateContent xmlns:mc="http://schemas.openxmlformats.org/markup-compatibility/2006">
-          <mc:Choice xmlns:p14="http://schemas.microsoft.com/office/powerpoint/2010/main" Requires="p14">
+        <mc:AlternateContent xmlns:mc="http://schemas.openxmlformats.org/markup-compatibility/2006" xmlns:p14="http://schemas.microsoft.com/office/powerpoint/2010/main">
+          <mc:Choice Requires="p14">
             <p:contentPart p14:bwMode="auto" r:id="rId33">
               <p14:nvContentPartPr>
                 <p14:cNvPr id="39" name="Ink 38">
@@ -20210,7 +21092,7 @@
               </p14:xfrm>
             </p:contentPart>
           </mc:Choice>
-          <mc:Fallback>
+          <mc:Fallback xmlns="">
             <p:pic>
               <p:nvPicPr>
                 <p:cNvPr id="39" name="Ink 38">
@@ -20241,8 +21123,8 @@
             </p:pic>
           </mc:Fallback>
         </mc:AlternateContent>
-        <mc:AlternateContent xmlns:mc="http://schemas.openxmlformats.org/markup-compatibility/2006">
-          <mc:Choice xmlns:p14="http://schemas.microsoft.com/office/powerpoint/2010/main" Requires="p14">
+        <mc:AlternateContent xmlns:mc="http://schemas.openxmlformats.org/markup-compatibility/2006" xmlns:p14="http://schemas.microsoft.com/office/powerpoint/2010/main">
+          <mc:Choice Requires="p14">
             <p:contentPart p14:bwMode="auto" r:id="rId35">
               <p14:nvContentPartPr>
                 <p14:cNvPr id="40" name="Ink 39">
@@ -20261,7 +21143,7 @@
               </p14:xfrm>
             </p:contentPart>
           </mc:Choice>
-          <mc:Fallback>
+          <mc:Fallback xmlns="">
             <p:pic>
               <p:nvPicPr>
                 <p:cNvPr id="40" name="Ink 39">
@@ -20292,8 +21174,8 @@
             </p:pic>
           </mc:Fallback>
         </mc:AlternateContent>
-        <mc:AlternateContent xmlns:mc="http://schemas.openxmlformats.org/markup-compatibility/2006">
-          <mc:Choice xmlns:p14="http://schemas.microsoft.com/office/powerpoint/2010/main" Requires="p14">
+        <mc:AlternateContent xmlns:mc="http://schemas.openxmlformats.org/markup-compatibility/2006" xmlns:p14="http://schemas.microsoft.com/office/powerpoint/2010/main">
+          <mc:Choice Requires="p14">
             <p:contentPart p14:bwMode="auto" r:id="rId37">
               <p14:nvContentPartPr>
                 <p14:cNvPr id="43" name="Ink 42">
@@ -20312,7 +21194,7 @@
               </p14:xfrm>
             </p:contentPart>
           </mc:Choice>
-          <mc:Fallback>
+          <mc:Fallback xmlns="">
             <p:pic>
               <p:nvPicPr>
                 <p:cNvPr id="43" name="Ink 42">
@@ -20343,8 +21225,8 @@
             </p:pic>
           </mc:Fallback>
         </mc:AlternateContent>
-        <mc:AlternateContent xmlns:mc="http://schemas.openxmlformats.org/markup-compatibility/2006">
-          <mc:Choice xmlns:p14="http://schemas.microsoft.com/office/powerpoint/2010/main" Requires="p14">
+        <mc:AlternateContent xmlns:mc="http://schemas.openxmlformats.org/markup-compatibility/2006" xmlns:p14="http://schemas.microsoft.com/office/powerpoint/2010/main">
+          <mc:Choice Requires="p14">
             <p:contentPart p14:bwMode="auto" r:id="rId39">
               <p14:nvContentPartPr>
                 <p14:cNvPr id="44" name="Ink 43">
@@ -20363,7 +21245,7 @@
               </p14:xfrm>
             </p:contentPart>
           </mc:Choice>
-          <mc:Fallback>
+          <mc:Fallback xmlns="">
             <p:pic>
               <p:nvPicPr>
                 <p:cNvPr id="44" name="Ink 43">
@@ -20394,8 +21276,8 @@
             </p:pic>
           </mc:Fallback>
         </mc:AlternateContent>
-        <mc:AlternateContent xmlns:mc="http://schemas.openxmlformats.org/markup-compatibility/2006">
-          <mc:Choice xmlns:p14="http://schemas.microsoft.com/office/powerpoint/2010/main" Requires="p14">
+        <mc:AlternateContent xmlns:mc="http://schemas.openxmlformats.org/markup-compatibility/2006" xmlns:p14="http://schemas.microsoft.com/office/powerpoint/2010/main">
+          <mc:Choice Requires="p14">
             <p:contentPart p14:bwMode="auto" r:id="rId41">
               <p14:nvContentPartPr>
                 <p14:cNvPr id="60" name="Ink 59">
@@ -20414,7 +21296,7 @@
               </p14:xfrm>
             </p:contentPart>
           </mc:Choice>
-          <mc:Fallback>
+          <mc:Fallback xmlns="">
             <p:pic>
               <p:nvPicPr>
                 <p:cNvPr id="60" name="Ink 59">
@@ -20445,8 +21327,8 @@
             </p:pic>
           </mc:Fallback>
         </mc:AlternateContent>
-        <mc:AlternateContent xmlns:mc="http://schemas.openxmlformats.org/markup-compatibility/2006">
-          <mc:Choice xmlns:p14="http://schemas.microsoft.com/office/powerpoint/2010/main" Requires="p14">
+        <mc:AlternateContent xmlns:mc="http://schemas.openxmlformats.org/markup-compatibility/2006" xmlns:p14="http://schemas.microsoft.com/office/powerpoint/2010/main">
+          <mc:Choice Requires="p14">
             <p:contentPart p14:bwMode="auto" r:id="rId43">
               <p14:nvContentPartPr>
                 <p14:cNvPr id="72" name="Ink 71">
@@ -20465,7 +21347,7 @@
               </p14:xfrm>
             </p:contentPart>
           </mc:Choice>
-          <mc:Fallback>
+          <mc:Fallback xmlns="">
             <p:pic>
               <p:nvPicPr>
                 <p:cNvPr id="72" name="Ink 71">
@@ -20496,8 +21378,8 @@
             </p:pic>
           </mc:Fallback>
         </mc:AlternateContent>
-        <mc:AlternateContent xmlns:mc="http://schemas.openxmlformats.org/markup-compatibility/2006">
-          <mc:Choice xmlns:p14="http://schemas.microsoft.com/office/powerpoint/2010/main" Requires="p14">
+        <mc:AlternateContent xmlns:mc="http://schemas.openxmlformats.org/markup-compatibility/2006" xmlns:p14="http://schemas.microsoft.com/office/powerpoint/2010/main">
+          <mc:Choice Requires="p14">
             <p:contentPart p14:bwMode="auto" r:id="rId45">
               <p14:nvContentPartPr>
                 <p14:cNvPr id="96" name="Ink 95">
@@ -20516,7 +21398,7 @@
               </p14:xfrm>
             </p:contentPart>
           </mc:Choice>
-          <mc:Fallback>
+          <mc:Fallback xmlns="">
             <p:pic>
               <p:nvPicPr>
                 <p:cNvPr id="96" name="Ink 95">
@@ -20547,8 +21429,8 @@
             </p:pic>
           </mc:Fallback>
         </mc:AlternateContent>
-        <mc:AlternateContent xmlns:mc="http://schemas.openxmlformats.org/markup-compatibility/2006">
-          <mc:Choice xmlns:p14="http://schemas.microsoft.com/office/powerpoint/2010/main" Requires="p14">
+        <mc:AlternateContent xmlns:mc="http://schemas.openxmlformats.org/markup-compatibility/2006" xmlns:p14="http://schemas.microsoft.com/office/powerpoint/2010/main">
+          <mc:Choice Requires="p14">
             <p:contentPart p14:bwMode="auto" r:id="rId47">
               <p14:nvContentPartPr>
                 <p14:cNvPr id="97" name="Ink 96">
@@ -20567,7 +21449,7 @@
               </p14:xfrm>
             </p:contentPart>
           </mc:Choice>
-          <mc:Fallback>
+          <mc:Fallback xmlns="">
             <p:pic>
               <p:nvPicPr>
                 <p:cNvPr id="97" name="Ink 96">
@@ -20619,8 +21501,8 @@
             <a:chExt cx="245843" cy="190800"/>
           </a:xfrm>
         </p:grpSpPr>
-        <mc:AlternateContent xmlns:mc="http://schemas.openxmlformats.org/markup-compatibility/2006">
-          <mc:Choice xmlns:p14="http://schemas.microsoft.com/office/powerpoint/2010/main" Requires="p14">
+        <mc:AlternateContent xmlns:mc="http://schemas.openxmlformats.org/markup-compatibility/2006" xmlns:p14="http://schemas.microsoft.com/office/powerpoint/2010/main">
+          <mc:Choice Requires="p14">
             <p:contentPart p14:bwMode="auto" r:id="rId49">
               <p14:nvContentPartPr>
                 <p14:cNvPr id="34" name="Ink 33">
@@ -20639,7 +21521,7 @@
               </p14:xfrm>
             </p:contentPart>
           </mc:Choice>
-          <mc:Fallback>
+          <mc:Fallback xmlns="">
             <p:pic>
               <p:nvPicPr>
                 <p:cNvPr id="34" name="Ink 33">
@@ -20670,8 +21552,8 @@
             </p:pic>
           </mc:Fallback>
         </mc:AlternateContent>
-        <mc:AlternateContent xmlns:mc="http://schemas.openxmlformats.org/markup-compatibility/2006">
-          <mc:Choice xmlns:p14="http://schemas.microsoft.com/office/powerpoint/2010/main" Requires="p14">
+        <mc:AlternateContent xmlns:mc="http://schemas.openxmlformats.org/markup-compatibility/2006" xmlns:p14="http://schemas.microsoft.com/office/powerpoint/2010/main">
+          <mc:Choice Requires="p14">
             <p:contentPart p14:bwMode="auto" r:id="rId51">
               <p14:nvContentPartPr>
                 <p14:cNvPr id="35" name="Ink 34">
@@ -20690,7 +21572,7 @@
               </p14:xfrm>
             </p:contentPart>
           </mc:Choice>
-          <mc:Fallback>
+          <mc:Fallback xmlns="">
             <p:pic>
               <p:nvPicPr>
                 <p:cNvPr id="35" name="Ink 34">
@@ -20721,8 +21603,8 @@
             </p:pic>
           </mc:Fallback>
         </mc:AlternateContent>
-        <mc:AlternateContent xmlns:mc="http://schemas.openxmlformats.org/markup-compatibility/2006">
-          <mc:Choice xmlns:p14="http://schemas.microsoft.com/office/powerpoint/2010/main" Requires="p14">
+        <mc:AlternateContent xmlns:mc="http://schemas.openxmlformats.org/markup-compatibility/2006" xmlns:p14="http://schemas.microsoft.com/office/powerpoint/2010/main">
+          <mc:Choice Requires="p14">
             <p:contentPart p14:bwMode="auto" r:id="rId53">
               <p14:nvContentPartPr>
                 <p14:cNvPr id="36" name="Ink 35">
@@ -20741,7 +21623,7 @@
               </p14:xfrm>
             </p:contentPart>
           </mc:Choice>
-          <mc:Fallback>
+          <mc:Fallback xmlns="">
             <p:pic>
               <p:nvPicPr>
                 <p:cNvPr id="36" name="Ink 35">
@@ -20772,8 +21654,8 @@
             </p:pic>
           </mc:Fallback>
         </mc:AlternateContent>
-        <mc:AlternateContent xmlns:mc="http://schemas.openxmlformats.org/markup-compatibility/2006">
-          <mc:Choice xmlns:p14="http://schemas.microsoft.com/office/powerpoint/2010/main" Requires="p14">
+        <mc:AlternateContent xmlns:mc="http://schemas.openxmlformats.org/markup-compatibility/2006" xmlns:p14="http://schemas.microsoft.com/office/powerpoint/2010/main">
+          <mc:Choice Requires="p14">
             <p:contentPart p14:bwMode="auto" r:id="rId55">
               <p14:nvContentPartPr>
                 <p14:cNvPr id="101" name="Ink 100">
@@ -20792,7 +21674,7 @@
               </p14:xfrm>
             </p:contentPart>
           </mc:Choice>
-          <mc:Fallback>
+          <mc:Fallback xmlns="">
             <p:pic>
               <p:nvPicPr>
                 <p:cNvPr id="101" name="Ink 100">
@@ -20823,8 +21705,8 @@
             </p:pic>
           </mc:Fallback>
         </mc:AlternateContent>
-        <mc:AlternateContent xmlns:mc="http://schemas.openxmlformats.org/markup-compatibility/2006">
-          <mc:Choice xmlns:p14="http://schemas.microsoft.com/office/powerpoint/2010/main" Requires="p14">
+        <mc:AlternateContent xmlns:mc="http://schemas.openxmlformats.org/markup-compatibility/2006" xmlns:p14="http://schemas.microsoft.com/office/powerpoint/2010/main">
+          <mc:Choice Requires="p14">
             <p:contentPart p14:bwMode="auto" r:id="rId56">
               <p14:nvContentPartPr>
                 <p14:cNvPr id="102" name="Ink 101">
@@ -20843,7 +21725,7 @@
               </p14:xfrm>
             </p:contentPart>
           </mc:Choice>
-          <mc:Fallback>
+          <mc:Fallback xmlns="">
             <p:pic>
               <p:nvPicPr>
                 <p:cNvPr id="102" name="Ink 101">
@@ -20874,8 +21756,8 @@
             </p:pic>
           </mc:Fallback>
         </mc:AlternateContent>
-        <mc:AlternateContent xmlns:mc="http://schemas.openxmlformats.org/markup-compatibility/2006">
-          <mc:Choice xmlns:p14="http://schemas.microsoft.com/office/powerpoint/2010/main" Requires="p14">
+        <mc:AlternateContent xmlns:mc="http://schemas.openxmlformats.org/markup-compatibility/2006" xmlns:p14="http://schemas.microsoft.com/office/powerpoint/2010/main">
+          <mc:Choice Requires="p14">
             <p:contentPart p14:bwMode="auto" r:id="rId58">
               <p14:nvContentPartPr>
                 <p14:cNvPr id="103" name="Ink 102">
@@ -20894,7 +21776,7 @@
               </p14:xfrm>
             </p:contentPart>
           </mc:Choice>
-          <mc:Fallback>
+          <mc:Fallback xmlns="">
             <p:pic>
               <p:nvPicPr>
                 <p:cNvPr id="103" name="Ink 102">
@@ -20925,8 +21807,8 @@
             </p:pic>
           </mc:Fallback>
         </mc:AlternateContent>
-        <mc:AlternateContent xmlns:mc="http://schemas.openxmlformats.org/markup-compatibility/2006">
-          <mc:Choice xmlns:p14="http://schemas.microsoft.com/office/powerpoint/2010/main" Requires="p14">
+        <mc:AlternateContent xmlns:mc="http://schemas.openxmlformats.org/markup-compatibility/2006" xmlns:p14="http://schemas.microsoft.com/office/powerpoint/2010/main">
+          <mc:Choice Requires="p14">
             <p:contentPart p14:bwMode="auto" r:id="rId60">
               <p14:nvContentPartPr>
                 <p14:cNvPr id="104" name="Ink 103">
@@ -20945,7 +21827,7 @@
               </p14:xfrm>
             </p:contentPart>
           </mc:Choice>
-          <mc:Fallback>
+          <mc:Fallback xmlns="">
             <p:pic>
               <p:nvPicPr>
                 <p:cNvPr id="104" name="Ink 103">
@@ -20976,8 +21858,8 @@
             </p:pic>
           </mc:Fallback>
         </mc:AlternateContent>
-        <mc:AlternateContent xmlns:mc="http://schemas.openxmlformats.org/markup-compatibility/2006">
-          <mc:Choice xmlns:p14="http://schemas.microsoft.com/office/powerpoint/2010/main" Requires="p14">
+        <mc:AlternateContent xmlns:mc="http://schemas.openxmlformats.org/markup-compatibility/2006" xmlns:p14="http://schemas.microsoft.com/office/powerpoint/2010/main">
+          <mc:Choice Requires="p14">
             <p:contentPart p14:bwMode="auto" r:id="rId62">
               <p14:nvContentPartPr>
                 <p14:cNvPr id="105" name="Ink 104">
@@ -20996,7 +21878,7 @@
               </p14:xfrm>
             </p:contentPart>
           </mc:Choice>
-          <mc:Fallback>
+          <mc:Fallback xmlns="">
             <p:pic>
               <p:nvPicPr>
                 <p:cNvPr id="105" name="Ink 104">
@@ -21028,8 +21910,8 @@
           </mc:Fallback>
         </mc:AlternateContent>
       </p:grpSp>
-      <mc:AlternateContent xmlns:mc="http://schemas.openxmlformats.org/markup-compatibility/2006">
-        <mc:Choice xmlns:p14="http://schemas.microsoft.com/office/powerpoint/2010/main" Requires="p14">
+      <mc:AlternateContent xmlns:mc="http://schemas.openxmlformats.org/markup-compatibility/2006" xmlns:p14="http://schemas.microsoft.com/office/powerpoint/2010/main">
+        <mc:Choice Requires="p14">
           <p:contentPart p14:bwMode="auto" r:id="rId63">
             <p14:nvContentPartPr>
               <p14:cNvPr id="2" name="Ink 1">
@@ -21048,7 +21930,7 @@
             </p14:xfrm>
           </p:contentPart>
         </mc:Choice>
-        <mc:Fallback>
+        <mc:Fallback xmlns="">
           <p:pic>
             <p:nvPicPr>
               <p:cNvPr id="2" name="Ink 1">
@@ -21079,8 +21961,8 @@
           </p:pic>
         </mc:Fallback>
       </mc:AlternateContent>
-      <mc:AlternateContent xmlns:mc="http://schemas.openxmlformats.org/markup-compatibility/2006">
-        <mc:Choice xmlns:p14="http://schemas.microsoft.com/office/powerpoint/2010/main" Requires="p14">
+      <mc:AlternateContent xmlns:mc="http://schemas.openxmlformats.org/markup-compatibility/2006" xmlns:p14="http://schemas.microsoft.com/office/powerpoint/2010/main">
+        <mc:Choice Requires="p14">
           <p:contentPart p14:bwMode="auto" r:id="rId65">
             <p14:nvContentPartPr>
               <p14:cNvPr id="5" name="Ink 4">
@@ -21099,7 +21981,7 @@
             </p14:xfrm>
           </p:contentPart>
         </mc:Choice>
-        <mc:Fallback>
+        <mc:Fallback xmlns="">
           <p:pic>
             <p:nvPicPr>
               <p:cNvPr id="5" name="Ink 4">
@@ -21130,8 +22012,8 @@
           </p:pic>
         </mc:Fallback>
       </mc:AlternateContent>
-      <mc:AlternateContent xmlns:mc="http://schemas.openxmlformats.org/markup-compatibility/2006">
-        <mc:Choice xmlns:p14="http://schemas.microsoft.com/office/powerpoint/2010/main" Requires="p14">
+      <mc:AlternateContent xmlns:mc="http://schemas.openxmlformats.org/markup-compatibility/2006" xmlns:p14="http://schemas.microsoft.com/office/powerpoint/2010/main">
+        <mc:Choice Requires="p14">
           <p:contentPart p14:bwMode="auto" r:id="rId67">
             <p14:nvContentPartPr>
               <p14:cNvPr id="7" name="Ink 6">
@@ -21150,7 +22032,7 @@
             </p14:xfrm>
           </p:contentPart>
         </mc:Choice>
-        <mc:Fallback>
+        <mc:Fallback xmlns="">
           <p:pic>
             <p:nvPicPr>
               <p:cNvPr id="7" name="Ink 6">
@@ -21181,8 +22063,8 @@
           </p:pic>
         </mc:Fallback>
       </mc:AlternateContent>
-      <mc:AlternateContent xmlns:mc="http://schemas.openxmlformats.org/markup-compatibility/2006">
-        <mc:Choice xmlns:p14="http://schemas.microsoft.com/office/powerpoint/2010/main" Requires="p14">
+      <mc:AlternateContent xmlns:mc="http://schemas.openxmlformats.org/markup-compatibility/2006" xmlns:p14="http://schemas.microsoft.com/office/powerpoint/2010/main">
+        <mc:Choice Requires="p14">
           <p:contentPart p14:bwMode="auto" r:id="rId69">
             <p14:nvContentPartPr>
               <p14:cNvPr id="8" name="Ink 7">
@@ -21201,7 +22083,7 @@
             </p14:xfrm>
           </p:contentPart>
         </mc:Choice>
-        <mc:Fallback>
+        <mc:Fallback xmlns="">
           <p:pic>
             <p:nvPicPr>
               <p:cNvPr id="8" name="Ink 7">
@@ -21232,8 +22114,8 @@
           </p:pic>
         </mc:Fallback>
       </mc:AlternateContent>
-      <mc:AlternateContent xmlns:mc="http://schemas.openxmlformats.org/markup-compatibility/2006">
-        <mc:Choice xmlns:p14="http://schemas.microsoft.com/office/powerpoint/2010/main" Requires="p14">
+      <mc:AlternateContent xmlns:mc="http://schemas.openxmlformats.org/markup-compatibility/2006" xmlns:p14="http://schemas.microsoft.com/office/powerpoint/2010/main">
+        <mc:Choice Requires="p14">
           <p:contentPart p14:bwMode="auto" r:id="rId71">
             <p14:nvContentPartPr>
               <p14:cNvPr id="15" name="Ink 14">
@@ -21252,7 +22134,7 @@
             </p14:xfrm>
           </p:contentPart>
         </mc:Choice>
-        <mc:Fallback>
+        <mc:Fallback xmlns="">
           <p:pic>
             <p:nvPicPr>
               <p:cNvPr id="15" name="Ink 14">
@@ -21297,7 +22179,7 @@
 </file>
 
 <file path=ppt/slides/slide18.xml><?xml version="1.0" encoding="utf-8"?>
-<p:sld xmlns:a="http://schemas.openxmlformats.org/drawingml/2006/main" xmlns:r="http://schemas.openxmlformats.org/officeDocument/2006/relationships" xmlns:p="http://schemas.openxmlformats.org/presentationml/2006/main">
+<p:sld xmlns:a="http://schemas.openxmlformats.org/drawingml/2006/main" xmlns:r="http://schemas.openxmlformats.org/officeDocument/2006/relationships" xmlns:p="http://schemas.openxmlformats.org/presentationml/2006/main" show="0">
   <p:cSld>
     <p:spTree>
       <p:nvGrpSpPr>
@@ -23594,8 +24476,74 @@
 </p:sld>
 </file>
 
+<file path=ppt/slides/slide19.xml><?xml version="1.0" encoding="utf-8"?>
+<p:sld xmlns:a="http://schemas.openxmlformats.org/drawingml/2006/main" xmlns:r="http://schemas.openxmlformats.org/officeDocument/2006/relationships" xmlns:p="http://schemas.openxmlformats.org/presentationml/2006/main">
+  <p:cSld>
+    <p:spTree>
+      <p:nvGrpSpPr>
+        <p:cNvPr id="1" name=""/>
+        <p:cNvGrpSpPr/>
+        <p:nvPr/>
+      </p:nvGrpSpPr>
+      <p:grpSpPr>
+        <a:xfrm>
+          <a:off x="0" y="0"/>
+          <a:ext cx="0" cy="0"/>
+          <a:chOff x="0" y="0"/>
+          <a:chExt cx="0" cy="0"/>
+        </a:xfrm>
+      </p:grpSpPr>
+      <p:pic>
+        <p:nvPicPr>
+          <p:cNvPr id="3" name="Picture 2" descr="A screenshot of a computer&#10;&#10;Description automatically generated with low confidence">
+            <a:extLst>
+              <a:ext uri="{FF2B5EF4-FFF2-40B4-BE49-F238E27FC236}">
+                <a16:creationId xmlns:a16="http://schemas.microsoft.com/office/drawing/2014/main" id="{1675D8AA-62ED-C39F-CBC3-E25DD1B91125}"/>
+              </a:ext>
+            </a:extLst>
+          </p:cNvPr>
+          <p:cNvPicPr>
+            <a:picLocks noChangeAspect="1"/>
+          </p:cNvPicPr>
+          <p:nvPr/>
+        </p:nvPicPr>
+        <p:blipFill>
+          <a:blip r:embed="rId2">
+            <a:extLst>
+              <a:ext uri="{28A0092B-C50C-407E-A947-70E740481C1C}">
+                <a14:useLocalDpi xmlns:a14="http://schemas.microsoft.com/office/drawing/2010/main" val="0"/>
+              </a:ext>
+            </a:extLst>
+          </a:blip>
+          <a:stretch>
+            <a:fillRect/>
+          </a:stretch>
+        </p:blipFill>
+        <p:spPr>
+          <a:xfrm>
+            <a:off x="266700" y="0"/>
+            <a:ext cx="11658600" cy="6858000"/>
+          </a:xfrm>
+          <a:prstGeom prst="rect">
+            <a:avLst/>
+          </a:prstGeom>
+        </p:spPr>
+      </p:pic>
+    </p:spTree>
+    <p:extLst>
+      <p:ext uri="{BB962C8B-B14F-4D97-AF65-F5344CB8AC3E}">
+        <p14:creationId xmlns:p14="http://schemas.microsoft.com/office/powerpoint/2010/main" val="2391994410"/>
+      </p:ext>
+    </p:extLst>
+  </p:cSld>
+  <p:clrMapOvr>
+    <a:masterClrMapping/>
+  </p:clrMapOvr>
+</p:sld>
+</file>
+
 <file path=ppt/slides/slide2.xml><?xml version="1.0" encoding="utf-8"?>
-<p:sld xmlns:a="http://schemas.openxmlformats.org/drawingml/2006/main" xmlns:r="http://schemas.openxmlformats.org/officeDocument/2006/relationships" xmlns:p="http://schemas.openxmlformats.org/presentationml/2006/main">
+<p:sld xmlns:a="http://schemas.openxmlformats.org/drawingml/2006/main" xmlns:r="http://schemas.openxmlformats.org/officeDocument/2006/relationships" xmlns:p="http://schemas.openxmlformats.org/presentationml/2006/main" show="0">
   <p:cSld>
     <p:spTree>
       <p:nvGrpSpPr>
@@ -25422,8 +26370,8 @@
           </mc:Fallback>
         </mc:AlternateContent>
       </p:grpSp>
-      <mc:AlternateContent xmlns:mc="http://schemas.openxmlformats.org/markup-compatibility/2006">
-        <mc:Choice xmlns:p14="http://schemas.microsoft.com/office/powerpoint/2010/main" Requires="p14">
+      <mc:AlternateContent xmlns:mc="http://schemas.openxmlformats.org/markup-compatibility/2006" xmlns:p14="http://schemas.microsoft.com/office/powerpoint/2010/main">
+        <mc:Choice Requires="p14">
           <p:contentPart p14:bwMode="auto" r:id="rId64">
             <p14:nvContentPartPr>
               <p14:cNvPr id="2" name="Ink 1">
@@ -25442,7 +26390,7 @@
             </p14:xfrm>
           </p:contentPart>
         </mc:Choice>
-        <mc:Fallback>
+        <mc:Fallback xmlns="">
           <p:pic>
             <p:nvPicPr>
               <p:cNvPr id="2" name="Ink 1">
@@ -25486,8 +26434,3701 @@
 </p:sld>
 </file>
 
+<file path=ppt/slides/slide20.xml><?xml version="1.0" encoding="utf-8"?>
+<p:sld xmlns:a="http://schemas.openxmlformats.org/drawingml/2006/main" xmlns:r="http://schemas.openxmlformats.org/officeDocument/2006/relationships" xmlns:p="http://schemas.openxmlformats.org/presentationml/2006/main">
+  <p:cSld>
+    <p:spTree>
+      <p:nvGrpSpPr>
+        <p:cNvPr id="1" name=""/>
+        <p:cNvGrpSpPr/>
+        <p:nvPr/>
+      </p:nvGrpSpPr>
+      <p:grpSpPr>
+        <a:xfrm>
+          <a:off x="0" y="0"/>
+          <a:ext cx="0" cy="0"/>
+          <a:chOff x="0" y="0"/>
+          <a:chExt cx="0" cy="0"/>
+        </a:xfrm>
+      </p:grpSpPr>
+      <p:pic>
+        <p:nvPicPr>
+          <p:cNvPr id="3" name="Picture 2" descr="A picture containing diagram, line, text, plot&#10;&#10;Description automatically generated">
+            <a:extLst>
+              <a:ext uri="{FF2B5EF4-FFF2-40B4-BE49-F238E27FC236}">
+                <a16:creationId xmlns:a16="http://schemas.microsoft.com/office/drawing/2014/main" id="{77A2B690-E628-DF1B-A6E9-EBD05D597FC5}"/>
+              </a:ext>
+            </a:extLst>
+          </p:cNvPr>
+          <p:cNvPicPr>
+            <a:picLocks noChangeAspect="1"/>
+          </p:cNvPicPr>
+          <p:nvPr/>
+        </p:nvPicPr>
+        <p:blipFill>
+          <a:blip r:embed="rId2">
+            <a:extLst>
+              <a:ext uri="{28A0092B-C50C-407E-A947-70E740481C1C}">
+                <a14:useLocalDpi xmlns:a14="http://schemas.microsoft.com/office/drawing/2010/main" val="0"/>
+              </a:ext>
+            </a:extLst>
+          </a:blip>
+          <a:stretch>
+            <a:fillRect/>
+          </a:stretch>
+        </p:blipFill>
+        <p:spPr>
+          <a:xfrm>
+            <a:off x="266700" y="0"/>
+            <a:ext cx="11658600" cy="6858000"/>
+          </a:xfrm>
+          <a:prstGeom prst="rect">
+            <a:avLst/>
+          </a:prstGeom>
+        </p:spPr>
+      </p:pic>
+      <p:grpSp>
+        <p:nvGrpSpPr>
+          <p:cNvPr id="32" name="Group 31">
+            <a:extLst>
+              <a:ext uri="{FF2B5EF4-FFF2-40B4-BE49-F238E27FC236}">
+                <a16:creationId xmlns:a16="http://schemas.microsoft.com/office/drawing/2014/main" id="{CFE13CDF-AA00-0DE1-C24F-9DE889ACBF42}"/>
+              </a:ext>
+            </a:extLst>
+          </p:cNvPr>
+          <p:cNvGrpSpPr/>
+          <p:nvPr/>
+        </p:nvGrpSpPr>
+        <p:grpSpPr>
+          <a:xfrm>
+            <a:off x="1164063" y="1705800"/>
+            <a:ext cx="25920" cy="77760"/>
+            <a:chOff x="1164063" y="1705800"/>
+            <a:chExt cx="25920" cy="77760"/>
+          </a:xfrm>
+        </p:grpSpPr>
+        <mc:AlternateContent xmlns:mc="http://schemas.openxmlformats.org/markup-compatibility/2006">
+          <mc:Choice xmlns:p14="http://schemas.microsoft.com/office/powerpoint/2010/main" Requires="p14">
+            <p:contentPart p14:bwMode="auto" r:id="rId3">
+              <p14:nvContentPartPr>
+                <p14:cNvPr id="23" name="Ink 22">
+                  <a:extLst>
+                    <a:ext uri="{FF2B5EF4-FFF2-40B4-BE49-F238E27FC236}">
+                      <a16:creationId xmlns:a16="http://schemas.microsoft.com/office/drawing/2014/main" id="{B8BBE7F9-44DE-E33E-6829-000C5B4BC38A}"/>
+                    </a:ext>
+                  </a:extLst>
+                </p14:cNvPr>
+                <p14:cNvContentPartPr/>
+                <p14:nvPr/>
+              </p14:nvContentPartPr>
+              <p14:xfrm>
+                <a:off x="1170543" y="1705800"/>
+                <a:ext cx="19440" cy="24840"/>
+              </p14:xfrm>
+            </p:contentPart>
+          </mc:Choice>
+          <mc:Fallback>
+            <p:pic>
+              <p:nvPicPr>
+                <p:cNvPr id="23" name="Ink 22">
+                  <a:extLst>
+                    <a:ext uri="{FF2B5EF4-FFF2-40B4-BE49-F238E27FC236}">
+                      <a16:creationId xmlns:a16="http://schemas.microsoft.com/office/drawing/2014/main" id="{B8BBE7F9-44DE-E33E-6829-000C5B4BC38A}"/>
+                    </a:ext>
+                  </a:extLst>
+                </p:cNvPr>
+                <p:cNvPicPr/>
+                <p:nvPr/>
+              </p:nvPicPr>
+              <p:blipFill>
+                <a:blip r:embed="rId4"/>
+                <a:stretch>
+                  <a:fillRect/>
+                </a:stretch>
+              </p:blipFill>
+              <p:spPr>
+                <a:xfrm>
+                  <a:off x="1166223" y="1701480"/>
+                  <a:ext cx="28080" cy="33480"/>
+                </a:xfrm>
+                <a:prstGeom prst="rect">
+                  <a:avLst/>
+                </a:prstGeom>
+              </p:spPr>
+            </p:pic>
+          </mc:Fallback>
+        </mc:AlternateContent>
+        <mc:AlternateContent xmlns:mc="http://schemas.openxmlformats.org/markup-compatibility/2006">
+          <mc:Choice xmlns:p14="http://schemas.microsoft.com/office/powerpoint/2010/main" Requires="p14">
+            <p:contentPart p14:bwMode="auto" r:id="rId5">
+              <p14:nvContentPartPr>
+                <p14:cNvPr id="24" name="Ink 23">
+                  <a:extLst>
+                    <a:ext uri="{FF2B5EF4-FFF2-40B4-BE49-F238E27FC236}">
+                      <a16:creationId xmlns:a16="http://schemas.microsoft.com/office/drawing/2014/main" id="{1CE7B82E-8C6E-F68A-4907-D0D1E514AF64}"/>
+                    </a:ext>
+                  </a:extLst>
+                </p14:cNvPr>
+                <p14:cNvContentPartPr/>
+                <p14:nvPr/>
+              </p14:nvContentPartPr>
+              <p14:xfrm>
+                <a:off x="1164063" y="1743960"/>
+                <a:ext cx="2520" cy="39600"/>
+              </p14:xfrm>
+            </p:contentPart>
+          </mc:Choice>
+          <mc:Fallback>
+            <p:pic>
+              <p:nvPicPr>
+                <p:cNvPr id="24" name="Ink 23">
+                  <a:extLst>
+                    <a:ext uri="{FF2B5EF4-FFF2-40B4-BE49-F238E27FC236}">
+                      <a16:creationId xmlns:a16="http://schemas.microsoft.com/office/drawing/2014/main" id="{1CE7B82E-8C6E-F68A-4907-D0D1E514AF64}"/>
+                    </a:ext>
+                  </a:extLst>
+                </p:cNvPr>
+                <p:cNvPicPr/>
+                <p:nvPr/>
+              </p:nvPicPr>
+              <p:blipFill>
+                <a:blip r:embed="rId6"/>
+                <a:stretch>
+                  <a:fillRect/>
+                </a:stretch>
+              </p:blipFill>
+              <p:spPr>
+                <a:xfrm>
+                  <a:off x="1159743" y="1739640"/>
+                  <a:ext cx="11160" cy="48240"/>
+                </a:xfrm>
+                <a:prstGeom prst="rect">
+                  <a:avLst/>
+                </a:prstGeom>
+              </p:spPr>
+            </p:pic>
+          </mc:Fallback>
+        </mc:AlternateContent>
+      </p:grpSp>
+      <mc:AlternateContent xmlns:mc="http://schemas.openxmlformats.org/markup-compatibility/2006">
+        <mc:Choice xmlns:p14="http://schemas.microsoft.com/office/powerpoint/2010/main" Requires="p14">
+          <p:contentPart p14:bwMode="auto" r:id="rId7">
+            <p14:nvContentPartPr>
+              <p14:cNvPr id="25" name="Ink 24">
+                <a:extLst>
+                  <a:ext uri="{FF2B5EF4-FFF2-40B4-BE49-F238E27FC236}">
+                    <a16:creationId xmlns:a16="http://schemas.microsoft.com/office/drawing/2014/main" id="{AF01FBC4-69BA-296B-B1A0-A4FB542C1511}"/>
+                  </a:ext>
+                </a:extLst>
+              </p14:cNvPr>
+              <p14:cNvContentPartPr/>
+              <p14:nvPr/>
+            </p14:nvContentPartPr>
+            <p14:xfrm>
+              <a:off x="1164063" y="1803360"/>
+              <a:ext cx="11520" cy="54360"/>
+            </p14:xfrm>
+          </p:contentPart>
+        </mc:Choice>
+        <mc:Fallback>
+          <p:pic>
+            <p:nvPicPr>
+              <p:cNvPr id="25" name="Ink 24">
+                <a:extLst>
+                  <a:ext uri="{FF2B5EF4-FFF2-40B4-BE49-F238E27FC236}">
+                    <a16:creationId xmlns:a16="http://schemas.microsoft.com/office/drawing/2014/main" id="{AF01FBC4-69BA-296B-B1A0-A4FB542C1511}"/>
+                  </a:ext>
+                </a:extLst>
+              </p:cNvPr>
+              <p:cNvPicPr/>
+              <p:nvPr/>
+            </p:nvPicPr>
+            <p:blipFill>
+              <a:blip r:embed="rId8"/>
+              <a:stretch>
+                <a:fillRect/>
+              </a:stretch>
+            </p:blipFill>
+            <p:spPr>
+              <a:xfrm>
+                <a:off x="1159743" y="1799040"/>
+                <a:ext cx="20160" cy="63000"/>
+              </a:xfrm>
+              <a:prstGeom prst="rect">
+                <a:avLst/>
+              </a:prstGeom>
+            </p:spPr>
+          </p:pic>
+        </mc:Fallback>
+      </mc:AlternateContent>
+      <mc:AlternateContent xmlns:mc="http://schemas.openxmlformats.org/markup-compatibility/2006">
+        <mc:Choice xmlns:p14="http://schemas.microsoft.com/office/powerpoint/2010/main" Requires="p14">
+          <p:contentPart p14:bwMode="auto" r:id="rId9">
+            <p14:nvContentPartPr>
+              <p14:cNvPr id="26" name="Ink 25">
+                <a:extLst>
+                  <a:ext uri="{FF2B5EF4-FFF2-40B4-BE49-F238E27FC236}">
+                    <a16:creationId xmlns:a16="http://schemas.microsoft.com/office/drawing/2014/main" id="{AC925322-F902-2244-7460-B4C39938A6C1}"/>
+                  </a:ext>
+                </a:extLst>
+              </p14:cNvPr>
+              <p14:cNvContentPartPr/>
+              <p14:nvPr/>
+            </p14:nvContentPartPr>
+            <p14:xfrm>
+              <a:off x="1197903" y="1879320"/>
+              <a:ext cx="87480" cy="23760"/>
+            </p14:xfrm>
+          </p:contentPart>
+        </mc:Choice>
+        <mc:Fallback>
+          <p:pic>
+            <p:nvPicPr>
+              <p:cNvPr id="26" name="Ink 25">
+                <a:extLst>
+                  <a:ext uri="{FF2B5EF4-FFF2-40B4-BE49-F238E27FC236}">
+                    <a16:creationId xmlns:a16="http://schemas.microsoft.com/office/drawing/2014/main" id="{AC925322-F902-2244-7460-B4C39938A6C1}"/>
+                  </a:ext>
+                </a:extLst>
+              </p:cNvPr>
+              <p:cNvPicPr/>
+              <p:nvPr/>
+            </p:nvPicPr>
+            <p:blipFill>
+              <a:blip r:embed="rId10"/>
+              <a:stretch>
+                <a:fillRect/>
+              </a:stretch>
+            </p:blipFill>
+            <p:spPr>
+              <a:xfrm>
+                <a:off x="1193583" y="1875000"/>
+                <a:ext cx="96120" cy="32400"/>
+              </a:xfrm>
+              <a:prstGeom prst="rect">
+                <a:avLst/>
+              </a:prstGeom>
+            </p:spPr>
+          </p:pic>
+        </mc:Fallback>
+      </mc:AlternateContent>
+      <mc:AlternateContent xmlns:mc="http://schemas.openxmlformats.org/markup-compatibility/2006">
+        <mc:Choice xmlns:p14="http://schemas.microsoft.com/office/powerpoint/2010/main" Requires="p14">
+          <p:contentPart p14:bwMode="auto" r:id="rId11">
+            <p14:nvContentPartPr>
+              <p14:cNvPr id="27" name="Ink 26">
+                <a:extLst>
+                  <a:ext uri="{FF2B5EF4-FFF2-40B4-BE49-F238E27FC236}">
+                    <a16:creationId xmlns:a16="http://schemas.microsoft.com/office/drawing/2014/main" id="{26B080B1-4603-AA1E-588A-F23E982B8EBC}"/>
+                  </a:ext>
+                </a:extLst>
+              </p14:cNvPr>
+              <p14:cNvContentPartPr/>
+              <p14:nvPr/>
+            </p14:nvContentPartPr>
+            <p14:xfrm>
+              <a:off x="1326783" y="1881840"/>
+              <a:ext cx="50760" cy="21240"/>
+            </p14:xfrm>
+          </p:contentPart>
+        </mc:Choice>
+        <mc:Fallback>
+          <p:pic>
+            <p:nvPicPr>
+              <p:cNvPr id="27" name="Ink 26">
+                <a:extLst>
+                  <a:ext uri="{FF2B5EF4-FFF2-40B4-BE49-F238E27FC236}">
+                    <a16:creationId xmlns:a16="http://schemas.microsoft.com/office/drawing/2014/main" id="{26B080B1-4603-AA1E-588A-F23E982B8EBC}"/>
+                  </a:ext>
+                </a:extLst>
+              </p:cNvPr>
+              <p:cNvPicPr/>
+              <p:nvPr/>
+            </p:nvPicPr>
+            <p:blipFill>
+              <a:blip r:embed="rId12"/>
+              <a:stretch>
+                <a:fillRect/>
+              </a:stretch>
+            </p:blipFill>
+            <p:spPr>
+              <a:xfrm>
+                <a:off x="1322463" y="1877520"/>
+                <a:ext cx="59400" cy="29880"/>
+              </a:xfrm>
+              <a:prstGeom prst="rect">
+                <a:avLst/>
+              </a:prstGeom>
+            </p:spPr>
+          </p:pic>
+        </mc:Fallback>
+      </mc:AlternateContent>
+      <mc:AlternateContent xmlns:mc="http://schemas.openxmlformats.org/markup-compatibility/2006">
+        <mc:Choice xmlns:p14="http://schemas.microsoft.com/office/powerpoint/2010/main" Requires="p14">
+          <p:contentPart p14:bwMode="auto" r:id="rId13">
+            <p14:nvContentPartPr>
+              <p14:cNvPr id="28" name="Ink 27">
+                <a:extLst>
+                  <a:ext uri="{FF2B5EF4-FFF2-40B4-BE49-F238E27FC236}">
+                    <a16:creationId xmlns:a16="http://schemas.microsoft.com/office/drawing/2014/main" id="{C17144CB-258A-1D47-E57E-9FA18725B8FB}"/>
+                  </a:ext>
+                </a:extLst>
+              </p14:cNvPr>
+              <p14:cNvContentPartPr/>
+              <p14:nvPr/>
+            </p14:nvContentPartPr>
+            <p14:xfrm>
+              <a:off x="1388343" y="1805880"/>
+              <a:ext cx="6840" cy="57240"/>
+            </p14:xfrm>
+          </p:contentPart>
+        </mc:Choice>
+        <mc:Fallback>
+          <p:pic>
+            <p:nvPicPr>
+              <p:cNvPr id="28" name="Ink 27">
+                <a:extLst>
+                  <a:ext uri="{FF2B5EF4-FFF2-40B4-BE49-F238E27FC236}">
+                    <a16:creationId xmlns:a16="http://schemas.microsoft.com/office/drawing/2014/main" id="{C17144CB-258A-1D47-E57E-9FA18725B8FB}"/>
+                  </a:ext>
+                </a:extLst>
+              </p:cNvPr>
+              <p:cNvPicPr/>
+              <p:nvPr/>
+            </p:nvPicPr>
+            <p:blipFill>
+              <a:blip r:embed="rId14"/>
+              <a:stretch>
+                <a:fillRect/>
+              </a:stretch>
+            </p:blipFill>
+            <p:spPr>
+              <a:xfrm>
+                <a:off x="1384023" y="1801560"/>
+                <a:ext cx="15480" cy="65880"/>
+              </a:xfrm>
+              <a:prstGeom prst="rect">
+                <a:avLst/>
+              </a:prstGeom>
+            </p:spPr>
+          </p:pic>
+        </mc:Fallback>
+      </mc:AlternateContent>
+      <mc:AlternateContent xmlns:mc="http://schemas.openxmlformats.org/markup-compatibility/2006">
+        <mc:Choice xmlns:p14="http://schemas.microsoft.com/office/powerpoint/2010/main" Requires="p14">
+          <p:contentPart p14:bwMode="auto" r:id="rId15">
+            <p14:nvContentPartPr>
+              <p14:cNvPr id="29" name="Ink 28">
+                <a:extLst>
+                  <a:ext uri="{FF2B5EF4-FFF2-40B4-BE49-F238E27FC236}">
+                    <a16:creationId xmlns:a16="http://schemas.microsoft.com/office/drawing/2014/main" id="{57B85153-6524-C689-C4E2-A9C3925E2384}"/>
+                  </a:ext>
+                </a:extLst>
+              </p14:cNvPr>
+              <p14:cNvContentPartPr/>
+              <p14:nvPr/>
+            </p14:nvContentPartPr>
+            <p14:xfrm>
+              <a:off x="1387263" y="1738560"/>
+              <a:ext cx="7920" cy="33480"/>
+            </p14:xfrm>
+          </p:contentPart>
+        </mc:Choice>
+        <mc:Fallback>
+          <p:pic>
+            <p:nvPicPr>
+              <p:cNvPr id="29" name="Ink 28">
+                <a:extLst>
+                  <a:ext uri="{FF2B5EF4-FFF2-40B4-BE49-F238E27FC236}">
+                    <a16:creationId xmlns:a16="http://schemas.microsoft.com/office/drawing/2014/main" id="{57B85153-6524-C689-C4E2-A9C3925E2384}"/>
+                  </a:ext>
+                </a:extLst>
+              </p:cNvPr>
+              <p:cNvPicPr/>
+              <p:nvPr/>
+            </p:nvPicPr>
+            <p:blipFill>
+              <a:blip r:embed="rId16"/>
+              <a:stretch>
+                <a:fillRect/>
+              </a:stretch>
+            </p:blipFill>
+            <p:spPr>
+              <a:xfrm>
+                <a:off x="1382943" y="1734240"/>
+                <a:ext cx="16560" cy="42120"/>
+              </a:xfrm>
+              <a:prstGeom prst="rect">
+                <a:avLst/>
+              </a:prstGeom>
+            </p:spPr>
+          </p:pic>
+        </mc:Fallback>
+      </mc:AlternateContent>
+      <mc:AlternateContent xmlns:mc="http://schemas.openxmlformats.org/markup-compatibility/2006">
+        <mc:Choice xmlns:p14="http://schemas.microsoft.com/office/powerpoint/2010/main" Requires="p14">
+          <p:contentPart p14:bwMode="auto" r:id="rId17">
+            <p14:nvContentPartPr>
+              <p14:cNvPr id="30" name="Ink 29">
+                <a:extLst>
+                  <a:ext uri="{FF2B5EF4-FFF2-40B4-BE49-F238E27FC236}">
+                    <a16:creationId xmlns:a16="http://schemas.microsoft.com/office/drawing/2014/main" id="{290BAC2C-04BA-ED9A-B4DE-DDF7E35486CE}"/>
+                  </a:ext>
+                </a:extLst>
+              </p14:cNvPr>
+              <p14:cNvContentPartPr/>
+              <p14:nvPr/>
+            </p14:nvContentPartPr>
+            <p14:xfrm>
+              <a:off x="1306623" y="1697160"/>
+              <a:ext cx="56520" cy="21960"/>
+            </p14:xfrm>
+          </p:contentPart>
+        </mc:Choice>
+        <mc:Fallback>
+          <p:pic>
+            <p:nvPicPr>
+              <p:cNvPr id="30" name="Ink 29">
+                <a:extLst>
+                  <a:ext uri="{FF2B5EF4-FFF2-40B4-BE49-F238E27FC236}">
+                    <a16:creationId xmlns:a16="http://schemas.microsoft.com/office/drawing/2014/main" id="{290BAC2C-04BA-ED9A-B4DE-DDF7E35486CE}"/>
+                  </a:ext>
+                </a:extLst>
+              </p:cNvPr>
+              <p:cNvPicPr/>
+              <p:nvPr/>
+            </p:nvPicPr>
+            <p:blipFill>
+              <a:blip r:embed="rId18"/>
+              <a:stretch>
+                <a:fillRect/>
+              </a:stretch>
+            </p:blipFill>
+            <p:spPr>
+              <a:xfrm>
+                <a:off x="1302303" y="1692840"/>
+                <a:ext cx="65160" cy="30600"/>
+              </a:xfrm>
+              <a:prstGeom prst="rect">
+                <a:avLst/>
+              </a:prstGeom>
+            </p:spPr>
+          </p:pic>
+        </mc:Fallback>
+      </mc:AlternateContent>
+      <p:grpSp>
+        <p:nvGrpSpPr>
+          <p:cNvPr id="33" name="Group 32">
+            <a:extLst>
+              <a:ext uri="{FF2B5EF4-FFF2-40B4-BE49-F238E27FC236}">
+                <a16:creationId xmlns:a16="http://schemas.microsoft.com/office/drawing/2014/main" id="{1F9359D5-49C6-D571-8BFF-F001CFBCD0BF}"/>
+              </a:ext>
+            </a:extLst>
+          </p:cNvPr>
+          <p:cNvGrpSpPr/>
+          <p:nvPr/>
+        </p:nvGrpSpPr>
+        <p:grpSpPr>
+          <a:xfrm>
+            <a:off x="1228863" y="1680600"/>
+            <a:ext cx="41400" cy="10800"/>
+            <a:chOff x="1228863" y="1680600"/>
+            <a:chExt cx="41400" cy="10800"/>
+          </a:xfrm>
+        </p:grpSpPr>
+        <mc:AlternateContent xmlns:mc="http://schemas.openxmlformats.org/markup-compatibility/2006">
+          <mc:Choice xmlns:p14="http://schemas.microsoft.com/office/powerpoint/2010/main" Requires="p14">
+            <p:contentPart p14:bwMode="auto" r:id="rId19">
+              <p14:nvContentPartPr>
+                <p14:cNvPr id="22" name="Ink 21">
+                  <a:extLst>
+                    <a:ext uri="{FF2B5EF4-FFF2-40B4-BE49-F238E27FC236}">
+                      <a16:creationId xmlns:a16="http://schemas.microsoft.com/office/drawing/2014/main" id="{8EDDE133-A016-BD42-58CF-77B2DB40DA0C}"/>
+                    </a:ext>
+                  </a:extLst>
+                </p14:cNvPr>
+                <p14:cNvContentPartPr/>
+                <p14:nvPr/>
+              </p14:nvContentPartPr>
+              <p14:xfrm>
+                <a:off x="1228863" y="1680600"/>
+                <a:ext cx="1080" cy="360"/>
+              </p14:xfrm>
+            </p:contentPart>
+          </mc:Choice>
+          <mc:Fallback>
+            <p:pic>
+              <p:nvPicPr>
+                <p:cNvPr id="22" name="Ink 21">
+                  <a:extLst>
+                    <a:ext uri="{FF2B5EF4-FFF2-40B4-BE49-F238E27FC236}">
+                      <a16:creationId xmlns:a16="http://schemas.microsoft.com/office/drawing/2014/main" id="{8EDDE133-A016-BD42-58CF-77B2DB40DA0C}"/>
+                    </a:ext>
+                  </a:extLst>
+                </p:cNvPr>
+                <p:cNvPicPr/>
+                <p:nvPr/>
+              </p:nvPicPr>
+              <p:blipFill>
+                <a:blip r:embed="rId20"/>
+                <a:stretch>
+                  <a:fillRect/>
+                </a:stretch>
+              </p:blipFill>
+              <p:spPr>
+                <a:xfrm>
+                  <a:off x="1224543" y="1676280"/>
+                  <a:ext cx="9720" cy="9000"/>
+                </a:xfrm>
+                <a:prstGeom prst="rect">
+                  <a:avLst/>
+                </a:prstGeom>
+              </p:spPr>
+            </p:pic>
+          </mc:Fallback>
+        </mc:AlternateContent>
+        <mc:AlternateContent xmlns:mc="http://schemas.openxmlformats.org/markup-compatibility/2006">
+          <mc:Choice xmlns:p14="http://schemas.microsoft.com/office/powerpoint/2010/main" Requires="p14">
+            <p:contentPart p14:bwMode="auto" r:id="rId21">
+              <p14:nvContentPartPr>
+                <p14:cNvPr id="31" name="Ink 30">
+                  <a:extLst>
+                    <a:ext uri="{FF2B5EF4-FFF2-40B4-BE49-F238E27FC236}">
+                      <a16:creationId xmlns:a16="http://schemas.microsoft.com/office/drawing/2014/main" id="{9D50AA5C-2704-8048-0068-E91A073358C3}"/>
+                    </a:ext>
+                  </a:extLst>
+                </p14:cNvPr>
+                <p14:cNvContentPartPr/>
+                <p14:nvPr/>
+              </p14:nvContentPartPr>
+              <p14:xfrm>
+                <a:off x="1248663" y="1686720"/>
+                <a:ext cx="21600" cy="4680"/>
+              </p14:xfrm>
+            </p:contentPart>
+          </mc:Choice>
+          <mc:Fallback>
+            <p:pic>
+              <p:nvPicPr>
+                <p:cNvPr id="31" name="Ink 30">
+                  <a:extLst>
+                    <a:ext uri="{FF2B5EF4-FFF2-40B4-BE49-F238E27FC236}">
+                      <a16:creationId xmlns:a16="http://schemas.microsoft.com/office/drawing/2014/main" id="{9D50AA5C-2704-8048-0068-E91A073358C3}"/>
+                    </a:ext>
+                  </a:extLst>
+                </p:cNvPr>
+                <p:cNvPicPr/>
+                <p:nvPr/>
+              </p:nvPicPr>
+              <p:blipFill>
+                <a:blip r:embed="rId22"/>
+                <a:stretch>
+                  <a:fillRect/>
+                </a:stretch>
+              </p:blipFill>
+              <p:spPr>
+                <a:xfrm>
+                  <a:off x="1244343" y="1682400"/>
+                  <a:ext cx="30240" cy="13320"/>
+                </a:xfrm>
+                <a:prstGeom prst="rect">
+                  <a:avLst/>
+                </a:prstGeom>
+              </p:spPr>
+            </p:pic>
+          </mc:Fallback>
+        </mc:AlternateContent>
+      </p:grpSp>
+      <mc:AlternateContent xmlns:mc="http://schemas.openxmlformats.org/markup-compatibility/2006">
+        <mc:Choice xmlns:p14="http://schemas.microsoft.com/office/powerpoint/2010/main" Requires="p14">
+          <p:contentPart p14:bwMode="auto" r:id="rId23">
+            <p14:nvContentPartPr>
+              <p14:cNvPr id="35" name="Ink 34">
+                <a:extLst>
+                  <a:ext uri="{FF2B5EF4-FFF2-40B4-BE49-F238E27FC236}">
+                    <a16:creationId xmlns:a16="http://schemas.microsoft.com/office/drawing/2014/main" id="{ECE21DFB-2106-A674-1294-220490580D14}"/>
+                  </a:ext>
+                </a:extLst>
+              </p14:cNvPr>
+              <p14:cNvContentPartPr/>
+              <p14:nvPr/>
+            </p14:nvContentPartPr>
+            <p14:xfrm>
+              <a:off x="8276777" y="1611570"/>
+              <a:ext cx="221760" cy="203400"/>
+            </p14:xfrm>
+          </p:contentPart>
+        </mc:Choice>
+        <mc:Fallback>
+          <p:pic>
+            <p:nvPicPr>
+              <p:cNvPr id="35" name="Ink 34">
+                <a:extLst>
+                  <a:ext uri="{FF2B5EF4-FFF2-40B4-BE49-F238E27FC236}">
+                    <a16:creationId xmlns:a16="http://schemas.microsoft.com/office/drawing/2014/main" id="{ECE21DFB-2106-A674-1294-220490580D14}"/>
+                  </a:ext>
+                </a:extLst>
+              </p:cNvPr>
+              <p:cNvPicPr/>
+              <p:nvPr/>
+            </p:nvPicPr>
+            <p:blipFill>
+              <a:blip r:embed="rId24"/>
+              <a:stretch>
+                <a:fillRect/>
+              </a:stretch>
+            </p:blipFill>
+            <p:spPr>
+              <a:xfrm>
+                <a:off x="8272457" y="1607250"/>
+                <a:ext cx="230400" cy="212040"/>
+              </a:xfrm>
+              <a:prstGeom prst="rect">
+                <a:avLst/>
+              </a:prstGeom>
+            </p:spPr>
+          </p:pic>
+        </mc:Fallback>
+      </mc:AlternateContent>
+      <mc:AlternateContent xmlns:mc="http://schemas.openxmlformats.org/markup-compatibility/2006">
+        <mc:Choice xmlns:p14="http://schemas.microsoft.com/office/powerpoint/2010/main" Requires="p14">
+          <p:contentPart p14:bwMode="auto" r:id="rId25">
+            <p14:nvContentPartPr>
+              <p14:cNvPr id="53" name="Ink 52">
+                <a:extLst>
+                  <a:ext uri="{FF2B5EF4-FFF2-40B4-BE49-F238E27FC236}">
+                    <a16:creationId xmlns:a16="http://schemas.microsoft.com/office/drawing/2014/main" id="{EA0A0F18-A766-BFC5-8E63-F2398DBA617C}"/>
+                  </a:ext>
+                </a:extLst>
+              </p14:cNvPr>
+              <p14:cNvContentPartPr/>
+              <p14:nvPr/>
+            </p14:nvContentPartPr>
+            <p14:xfrm>
+              <a:off x="8189825" y="1536245"/>
+              <a:ext cx="435240" cy="334080"/>
+            </p14:xfrm>
+          </p:contentPart>
+        </mc:Choice>
+        <mc:Fallback>
+          <p:pic>
+            <p:nvPicPr>
+              <p:cNvPr id="53" name="Ink 52">
+                <a:extLst>
+                  <a:ext uri="{FF2B5EF4-FFF2-40B4-BE49-F238E27FC236}">
+                    <a16:creationId xmlns:a16="http://schemas.microsoft.com/office/drawing/2014/main" id="{EA0A0F18-A766-BFC5-8E63-F2398DBA617C}"/>
+                  </a:ext>
+                </a:extLst>
+              </p:cNvPr>
+              <p:cNvPicPr/>
+              <p:nvPr/>
+            </p:nvPicPr>
+            <p:blipFill>
+              <a:blip r:embed="rId26"/>
+              <a:stretch>
+                <a:fillRect/>
+              </a:stretch>
+            </p:blipFill>
+            <p:spPr>
+              <a:xfrm>
+                <a:off x="8185505" y="1531925"/>
+                <a:ext cx="443880" cy="342720"/>
+              </a:xfrm>
+              <a:prstGeom prst="rect">
+                <a:avLst/>
+              </a:prstGeom>
+            </p:spPr>
+          </p:pic>
+        </mc:Fallback>
+      </mc:AlternateContent>
+      <mc:AlternateContent xmlns:mc="http://schemas.openxmlformats.org/markup-compatibility/2006">
+        <mc:Choice xmlns:p14="http://schemas.microsoft.com/office/powerpoint/2010/main" Requires="p14">
+          <p:contentPart p14:bwMode="auto" r:id="rId27">
+            <p14:nvContentPartPr>
+              <p14:cNvPr id="54" name="Ink 53">
+                <a:extLst>
+                  <a:ext uri="{FF2B5EF4-FFF2-40B4-BE49-F238E27FC236}">
+                    <a16:creationId xmlns:a16="http://schemas.microsoft.com/office/drawing/2014/main" id="{102B681D-0665-3CAC-8F5B-BD479E7365EB}"/>
+                  </a:ext>
+                </a:extLst>
+              </p14:cNvPr>
+              <p14:cNvContentPartPr/>
+              <p14:nvPr/>
+            </p14:nvContentPartPr>
+            <p14:xfrm>
+              <a:off x="7280915" y="1656450"/>
+              <a:ext cx="171000" cy="181080"/>
+            </p14:xfrm>
+          </p:contentPart>
+        </mc:Choice>
+        <mc:Fallback>
+          <p:pic>
+            <p:nvPicPr>
+              <p:cNvPr id="54" name="Ink 53">
+                <a:extLst>
+                  <a:ext uri="{FF2B5EF4-FFF2-40B4-BE49-F238E27FC236}">
+                    <a16:creationId xmlns:a16="http://schemas.microsoft.com/office/drawing/2014/main" id="{102B681D-0665-3CAC-8F5B-BD479E7365EB}"/>
+                  </a:ext>
+                </a:extLst>
+              </p:cNvPr>
+              <p:cNvPicPr/>
+              <p:nvPr/>
+            </p:nvPicPr>
+            <p:blipFill>
+              <a:blip r:embed="rId28"/>
+              <a:stretch>
+                <a:fillRect/>
+              </a:stretch>
+            </p:blipFill>
+            <p:spPr>
+              <a:xfrm>
+                <a:off x="7276595" y="1652130"/>
+                <a:ext cx="179640" cy="189720"/>
+              </a:xfrm>
+              <a:prstGeom prst="rect">
+                <a:avLst/>
+              </a:prstGeom>
+            </p:spPr>
+          </p:pic>
+        </mc:Fallback>
+      </mc:AlternateContent>
+      <p:grpSp>
+        <p:nvGrpSpPr>
+          <p:cNvPr id="64" name="Group 63">
+            <a:extLst>
+              <a:ext uri="{FF2B5EF4-FFF2-40B4-BE49-F238E27FC236}">
+                <a16:creationId xmlns:a16="http://schemas.microsoft.com/office/drawing/2014/main" id="{2818CCC0-C0F6-2BBE-5606-0E0137E37668}"/>
+              </a:ext>
+            </a:extLst>
+          </p:cNvPr>
+          <p:cNvGrpSpPr/>
+          <p:nvPr/>
+        </p:nvGrpSpPr>
+        <p:grpSpPr>
+          <a:xfrm>
+            <a:off x="4222643" y="1839180"/>
+            <a:ext cx="181800" cy="84240"/>
+            <a:chOff x="4222643" y="1839180"/>
+            <a:chExt cx="181800" cy="84240"/>
+          </a:xfrm>
+        </p:grpSpPr>
+        <mc:AlternateContent xmlns:mc="http://schemas.openxmlformats.org/markup-compatibility/2006">
+          <mc:Choice xmlns:p14="http://schemas.microsoft.com/office/powerpoint/2010/main" Requires="p14">
+            <p:contentPart p14:bwMode="auto" r:id="rId29">
+              <p14:nvContentPartPr>
+                <p14:cNvPr id="57" name="Ink 56">
+                  <a:extLst>
+                    <a:ext uri="{FF2B5EF4-FFF2-40B4-BE49-F238E27FC236}">
+                      <a16:creationId xmlns:a16="http://schemas.microsoft.com/office/drawing/2014/main" id="{52A0AF37-77F8-0DE6-C7B3-4CFE13A515CF}"/>
+                    </a:ext>
+                  </a:extLst>
+                </p14:cNvPr>
+                <p14:cNvContentPartPr/>
+                <p14:nvPr/>
+              </p14:nvContentPartPr>
+              <p14:xfrm>
+                <a:off x="4222643" y="1839180"/>
+                <a:ext cx="5400" cy="27360"/>
+              </p14:xfrm>
+            </p:contentPart>
+          </mc:Choice>
+          <mc:Fallback>
+            <p:pic>
+              <p:nvPicPr>
+                <p:cNvPr id="57" name="Ink 56">
+                  <a:extLst>
+                    <a:ext uri="{FF2B5EF4-FFF2-40B4-BE49-F238E27FC236}">
+                      <a16:creationId xmlns:a16="http://schemas.microsoft.com/office/drawing/2014/main" id="{52A0AF37-77F8-0DE6-C7B3-4CFE13A515CF}"/>
+                    </a:ext>
+                  </a:extLst>
+                </p:cNvPr>
+                <p:cNvPicPr/>
+                <p:nvPr/>
+              </p:nvPicPr>
+              <p:blipFill>
+                <a:blip r:embed="rId30"/>
+                <a:stretch>
+                  <a:fillRect/>
+                </a:stretch>
+              </p:blipFill>
+              <p:spPr>
+                <a:xfrm>
+                  <a:off x="4213643" y="1830540"/>
+                  <a:ext cx="23040" cy="45000"/>
+                </a:xfrm>
+                <a:prstGeom prst="rect">
+                  <a:avLst/>
+                </a:prstGeom>
+              </p:spPr>
+            </p:pic>
+          </mc:Fallback>
+        </mc:AlternateContent>
+        <mc:AlternateContent xmlns:mc="http://schemas.openxmlformats.org/markup-compatibility/2006">
+          <mc:Choice xmlns:p14="http://schemas.microsoft.com/office/powerpoint/2010/main" Requires="p14">
+            <p:contentPart p14:bwMode="auto" r:id="rId31">
+              <p14:nvContentPartPr>
+                <p14:cNvPr id="58" name="Ink 57">
+                  <a:extLst>
+                    <a:ext uri="{FF2B5EF4-FFF2-40B4-BE49-F238E27FC236}">
+                      <a16:creationId xmlns:a16="http://schemas.microsoft.com/office/drawing/2014/main" id="{B596B4C9-99B7-B9CA-26DE-3CB6831BE295}"/>
+                    </a:ext>
+                  </a:extLst>
+                </p14:cNvPr>
+                <p14:cNvContentPartPr/>
+                <p14:nvPr/>
+              </p14:nvContentPartPr>
+              <p14:xfrm>
+                <a:off x="4243523" y="1900740"/>
+                <a:ext cx="25200" cy="16200"/>
+              </p14:xfrm>
+            </p:contentPart>
+          </mc:Choice>
+          <mc:Fallback>
+            <p:pic>
+              <p:nvPicPr>
+                <p:cNvPr id="58" name="Ink 57">
+                  <a:extLst>
+                    <a:ext uri="{FF2B5EF4-FFF2-40B4-BE49-F238E27FC236}">
+                      <a16:creationId xmlns:a16="http://schemas.microsoft.com/office/drawing/2014/main" id="{B596B4C9-99B7-B9CA-26DE-3CB6831BE295}"/>
+                    </a:ext>
+                  </a:extLst>
+                </p:cNvPr>
+                <p:cNvPicPr/>
+                <p:nvPr/>
+              </p:nvPicPr>
+              <p:blipFill>
+                <a:blip r:embed="rId32"/>
+                <a:stretch>
+                  <a:fillRect/>
+                </a:stretch>
+              </p:blipFill>
+              <p:spPr>
+                <a:xfrm>
+                  <a:off x="4234883" y="1891740"/>
+                  <a:ext cx="42840" cy="33840"/>
+                </a:xfrm>
+                <a:prstGeom prst="rect">
+                  <a:avLst/>
+                </a:prstGeom>
+              </p:spPr>
+            </p:pic>
+          </mc:Fallback>
+        </mc:AlternateContent>
+        <mc:AlternateContent xmlns:mc="http://schemas.openxmlformats.org/markup-compatibility/2006">
+          <mc:Choice xmlns:p14="http://schemas.microsoft.com/office/powerpoint/2010/main" Requires="p14">
+            <p:contentPart p14:bwMode="auto" r:id="rId33">
+              <p14:nvContentPartPr>
+                <p14:cNvPr id="59" name="Ink 58">
+                  <a:extLst>
+                    <a:ext uri="{FF2B5EF4-FFF2-40B4-BE49-F238E27FC236}">
+                      <a16:creationId xmlns:a16="http://schemas.microsoft.com/office/drawing/2014/main" id="{E5D02E3B-DFCD-79E9-8E1D-000BF0D7A01E}"/>
+                    </a:ext>
+                  </a:extLst>
+                </p14:cNvPr>
+                <p14:cNvContentPartPr/>
+                <p14:nvPr/>
+              </p14:nvContentPartPr>
+              <p14:xfrm>
+                <a:off x="4309403" y="1920180"/>
+                <a:ext cx="48240" cy="3240"/>
+              </p14:xfrm>
+            </p:contentPart>
+          </mc:Choice>
+          <mc:Fallback>
+            <p:pic>
+              <p:nvPicPr>
+                <p:cNvPr id="59" name="Ink 58">
+                  <a:extLst>
+                    <a:ext uri="{FF2B5EF4-FFF2-40B4-BE49-F238E27FC236}">
+                      <a16:creationId xmlns:a16="http://schemas.microsoft.com/office/drawing/2014/main" id="{E5D02E3B-DFCD-79E9-8E1D-000BF0D7A01E}"/>
+                    </a:ext>
+                  </a:extLst>
+                </p:cNvPr>
+                <p:cNvPicPr/>
+                <p:nvPr/>
+              </p:nvPicPr>
+              <p:blipFill>
+                <a:blip r:embed="rId34"/>
+                <a:stretch>
+                  <a:fillRect/>
+                </a:stretch>
+              </p:blipFill>
+              <p:spPr>
+                <a:xfrm>
+                  <a:off x="4300403" y="1911180"/>
+                  <a:ext cx="65880" cy="20880"/>
+                </a:xfrm>
+                <a:prstGeom prst="rect">
+                  <a:avLst/>
+                </a:prstGeom>
+              </p:spPr>
+            </p:pic>
+          </mc:Fallback>
+        </mc:AlternateContent>
+        <mc:AlternateContent xmlns:mc="http://schemas.openxmlformats.org/markup-compatibility/2006">
+          <mc:Choice xmlns:p14="http://schemas.microsoft.com/office/powerpoint/2010/main" Requires="p14">
+            <p:contentPart p14:bwMode="auto" r:id="rId35">
+              <p14:nvContentPartPr>
+                <p14:cNvPr id="60" name="Ink 59">
+                  <a:extLst>
+                    <a:ext uri="{FF2B5EF4-FFF2-40B4-BE49-F238E27FC236}">
+                      <a16:creationId xmlns:a16="http://schemas.microsoft.com/office/drawing/2014/main" id="{B7BF7432-CB96-61E6-D5C2-C304513C062F}"/>
+                    </a:ext>
+                  </a:extLst>
+                </p14:cNvPr>
+                <p14:cNvContentPartPr/>
+                <p14:nvPr/>
+              </p14:nvContentPartPr>
+              <p14:xfrm>
+                <a:off x="4381403" y="1855380"/>
+                <a:ext cx="23040" cy="37080"/>
+              </p14:xfrm>
+            </p:contentPart>
+          </mc:Choice>
+          <mc:Fallback>
+            <p:pic>
+              <p:nvPicPr>
+                <p:cNvPr id="60" name="Ink 59">
+                  <a:extLst>
+                    <a:ext uri="{FF2B5EF4-FFF2-40B4-BE49-F238E27FC236}">
+                      <a16:creationId xmlns:a16="http://schemas.microsoft.com/office/drawing/2014/main" id="{B7BF7432-CB96-61E6-D5C2-C304513C062F}"/>
+                    </a:ext>
+                  </a:extLst>
+                </p:cNvPr>
+                <p:cNvPicPr/>
+                <p:nvPr/>
+              </p:nvPicPr>
+              <p:blipFill>
+                <a:blip r:embed="rId36"/>
+                <a:stretch>
+                  <a:fillRect/>
+                </a:stretch>
+              </p:blipFill>
+              <p:spPr>
+                <a:xfrm>
+                  <a:off x="4372403" y="1846380"/>
+                  <a:ext cx="40680" cy="54720"/>
+                </a:xfrm>
+                <a:prstGeom prst="rect">
+                  <a:avLst/>
+                </a:prstGeom>
+              </p:spPr>
+            </p:pic>
+          </mc:Fallback>
+        </mc:AlternateContent>
+      </p:grpSp>
+      <p:grpSp>
+        <p:nvGrpSpPr>
+          <p:cNvPr id="65" name="Group 64">
+            <a:extLst>
+              <a:ext uri="{FF2B5EF4-FFF2-40B4-BE49-F238E27FC236}">
+                <a16:creationId xmlns:a16="http://schemas.microsoft.com/office/drawing/2014/main" id="{39474D9E-A7CE-28EC-27C6-DF9CAEFB1023}"/>
+              </a:ext>
+            </a:extLst>
+          </p:cNvPr>
+          <p:cNvGrpSpPr/>
+          <p:nvPr/>
+        </p:nvGrpSpPr>
+        <p:grpSpPr>
+          <a:xfrm>
+            <a:off x="4233083" y="1748100"/>
+            <a:ext cx="165600" cy="59760"/>
+            <a:chOff x="4233083" y="1748100"/>
+            <a:chExt cx="165600" cy="59760"/>
+          </a:xfrm>
+        </p:grpSpPr>
+        <mc:AlternateContent xmlns:mc="http://schemas.openxmlformats.org/markup-compatibility/2006">
+          <mc:Choice xmlns:p14="http://schemas.microsoft.com/office/powerpoint/2010/main" Requires="p14">
+            <p:contentPart p14:bwMode="auto" r:id="rId37">
+              <p14:nvContentPartPr>
+                <p14:cNvPr id="55" name="Ink 54">
+                  <a:extLst>
+                    <a:ext uri="{FF2B5EF4-FFF2-40B4-BE49-F238E27FC236}">
+                      <a16:creationId xmlns:a16="http://schemas.microsoft.com/office/drawing/2014/main" id="{9E691A98-7309-D7E9-A8DA-E41F708D31C0}"/>
+                    </a:ext>
+                  </a:extLst>
+                </p14:cNvPr>
+                <p14:cNvContentPartPr/>
+                <p14:nvPr/>
+              </p14:nvContentPartPr>
+              <p14:xfrm>
+                <a:off x="4255403" y="1761780"/>
+                <a:ext cx="18360" cy="1800"/>
+              </p14:xfrm>
+            </p:contentPart>
+          </mc:Choice>
+          <mc:Fallback>
+            <p:pic>
+              <p:nvPicPr>
+                <p:cNvPr id="55" name="Ink 54">
+                  <a:extLst>
+                    <a:ext uri="{FF2B5EF4-FFF2-40B4-BE49-F238E27FC236}">
+                      <a16:creationId xmlns:a16="http://schemas.microsoft.com/office/drawing/2014/main" id="{9E691A98-7309-D7E9-A8DA-E41F708D31C0}"/>
+                    </a:ext>
+                  </a:extLst>
+                </p:cNvPr>
+                <p:cNvPicPr/>
+                <p:nvPr/>
+              </p:nvPicPr>
+              <p:blipFill>
+                <a:blip r:embed="rId38"/>
+                <a:stretch>
+                  <a:fillRect/>
+                </a:stretch>
+              </p:blipFill>
+              <p:spPr>
+                <a:xfrm>
+                  <a:off x="4246763" y="1752780"/>
+                  <a:ext cx="36000" cy="19440"/>
+                </a:xfrm>
+                <a:prstGeom prst="rect">
+                  <a:avLst/>
+                </a:prstGeom>
+              </p:spPr>
+            </p:pic>
+          </mc:Fallback>
+        </mc:AlternateContent>
+        <mc:AlternateContent xmlns:mc="http://schemas.openxmlformats.org/markup-compatibility/2006">
+          <mc:Choice xmlns:p14="http://schemas.microsoft.com/office/powerpoint/2010/main" Requires="p14">
+            <p:contentPart p14:bwMode="auto" r:id="rId39">
+              <p14:nvContentPartPr>
+                <p14:cNvPr id="56" name="Ink 55">
+                  <a:extLst>
+                    <a:ext uri="{FF2B5EF4-FFF2-40B4-BE49-F238E27FC236}">
+                      <a16:creationId xmlns:a16="http://schemas.microsoft.com/office/drawing/2014/main" id="{2AD647B6-70A1-8D0D-EDD3-FEC793D2216B}"/>
+                    </a:ext>
+                  </a:extLst>
+                </p14:cNvPr>
+                <p14:cNvContentPartPr/>
+                <p14:nvPr/>
+              </p14:nvContentPartPr>
+              <p14:xfrm>
+                <a:off x="4233083" y="1777620"/>
+                <a:ext cx="4680" cy="30240"/>
+              </p14:xfrm>
+            </p:contentPart>
+          </mc:Choice>
+          <mc:Fallback>
+            <p:pic>
+              <p:nvPicPr>
+                <p:cNvPr id="56" name="Ink 55">
+                  <a:extLst>
+                    <a:ext uri="{FF2B5EF4-FFF2-40B4-BE49-F238E27FC236}">
+                      <a16:creationId xmlns:a16="http://schemas.microsoft.com/office/drawing/2014/main" id="{2AD647B6-70A1-8D0D-EDD3-FEC793D2216B}"/>
+                    </a:ext>
+                  </a:extLst>
+                </p:cNvPr>
+                <p:cNvPicPr/>
+                <p:nvPr/>
+              </p:nvPicPr>
+              <p:blipFill>
+                <a:blip r:embed="rId40"/>
+                <a:stretch>
+                  <a:fillRect/>
+                </a:stretch>
+              </p:blipFill>
+              <p:spPr>
+                <a:xfrm>
+                  <a:off x="4224083" y="1768980"/>
+                  <a:ext cx="22320" cy="47880"/>
+                </a:xfrm>
+                <a:prstGeom prst="rect">
+                  <a:avLst/>
+                </a:prstGeom>
+              </p:spPr>
+            </p:pic>
+          </mc:Fallback>
+        </mc:AlternateContent>
+        <mc:AlternateContent xmlns:mc="http://schemas.openxmlformats.org/markup-compatibility/2006">
+          <mc:Choice xmlns:p14="http://schemas.microsoft.com/office/powerpoint/2010/main" Requires="p14">
+            <p:contentPart p14:bwMode="auto" r:id="rId41">
+              <p14:nvContentPartPr>
+                <p14:cNvPr id="61" name="Ink 60">
+                  <a:extLst>
+                    <a:ext uri="{FF2B5EF4-FFF2-40B4-BE49-F238E27FC236}">
+                      <a16:creationId xmlns:a16="http://schemas.microsoft.com/office/drawing/2014/main" id="{75CB3C65-6C4C-3D16-5018-29AA95403AC9}"/>
+                    </a:ext>
+                  </a:extLst>
+                </p14:cNvPr>
+                <p14:cNvContentPartPr/>
+                <p14:nvPr/>
+              </p14:nvContentPartPr>
+              <p14:xfrm>
+                <a:off x="4394003" y="1767180"/>
+                <a:ext cx="4680" cy="38520"/>
+              </p14:xfrm>
+            </p:contentPart>
+          </mc:Choice>
+          <mc:Fallback>
+            <p:pic>
+              <p:nvPicPr>
+                <p:cNvPr id="61" name="Ink 60">
+                  <a:extLst>
+                    <a:ext uri="{FF2B5EF4-FFF2-40B4-BE49-F238E27FC236}">
+                      <a16:creationId xmlns:a16="http://schemas.microsoft.com/office/drawing/2014/main" id="{75CB3C65-6C4C-3D16-5018-29AA95403AC9}"/>
+                    </a:ext>
+                  </a:extLst>
+                </p:cNvPr>
+                <p:cNvPicPr/>
+                <p:nvPr/>
+              </p:nvPicPr>
+              <p:blipFill>
+                <a:blip r:embed="rId42"/>
+                <a:stretch>
+                  <a:fillRect/>
+                </a:stretch>
+              </p:blipFill>
+              <p:spPr>
+                <a:xfrm>
+                  <a:off x="4385003" y="1758180"/>
+                  <a:ext cx="22320" cy="56160"/>
+                </a:xfrm>
+                <a:prstGeom prst="rect">
+                  <a:avLst/>
+                </a:prstGeom>
+              </p:spPr>
+            </p:pic>
+          </mc:Fallback>
+        </mc:AlternateContent>
+        <mc:AlternateContent xmlns:mc="http://schemas.openxmlformats.org/markup-compatibility/2006">
+          <mc:Choice xmlns:p14="http://schemas.microsoft.com/office/powerpoint/2010/main" Requires="p14">
+            <p:contentPart p14:bwMode="auto" r:id="rId43">
+              <p14:nvContentPartPr>
+                <p14:cNvPr id="62" name="Ink 61">
+                  <a:extLst>
+                    <a:ext uri="{FF2B5EF4-FFF2-40B4-BE49-F238E27FC236}">
+                      <a16:creationId xmlns:a16="http://schemas.microsoft.com/office/drawing/2014/main" id="{F94846CB-B035-87DA-375C-3C38F21AA462}"/>
+                    </a:ext>
+                  </a:extLst>
+                </p14:cNvPr>
+                <p14:cNvContentPartPr/>
+                <p14:nvPr/>
+              </p14:nvContentPartPr>
+              <p14:xfrm>
+                <a:off x="4315523" y="1748100"/>
+                <a:ext cx="49320" cy="2520"/>
+              </p14:xfrm>
+            </p:contentPart>
+          </mc:Choice>
+          <mc:Fallback>
+            <p:pic>
+              <p:nvPicPr>
+                <p:cNvPr id="62" name="Ink 61">
+                  <a:extLst>
+                    <a:ext uri="{FF2B5EF4-FFF2-40B4-BE49-F238E27FC236}">
+                      <a16:creationId xmlns:a16="http://schemas.microsoft.com/office/drawing/2014/main" id="{F94846CB-B035-87DA-375C-3C38F21AA462}"/>
+                    </a:ext>
+                  </a:extLst>
+                </p:cNvPr>
+                <p:cNvPicPr/>
+                <p:nvPr/>
+              </p:nvPicPr>
+              <p:blipFill>
+                <a:blip r:embed="rId44"/>
+                <a:stretch>
+                  <a:fillRect/>
+                </a:stretch>
+              </p:blipFill>
+              <p:spPr>
+                <a:xfrm>
+                  <a:off x="4306883" y="1739460"/>
+                  <a:ext cx="66960" cy="20160"/>
+                </a:xfrm>
+                <a:prstGeom prst="rect">
+                  <a:avLst/>
+                </a:prstGeom>
+              </p:spPr>
+            </p:pic>
+          </mc:Fallback>
+        </mc:AlternateContent>
+      </p:grpSp>
+      <mc:AlternateContent xmlns:mc="http://schemas.openxmlformats.org/markup-compatibility/2006">
+        <mc:Choice xmlns:p14="http://schemas.microsoft.com/office/powerpoint/2010/main" Requires="p14">
+          <p:contentPart p14:bwMode="auto" r:id="rId45">
+            <p14:nvContentPartPr>
+              <p14:cNvPr id="66" name="Ink 65">
+                <a:extLst>
+                  <a:ext uri="{FF2B5EF4-FFF2-40B4-BE49-F238E27FC236}">
+                    <a16:creationId xmlns:a16="http://schemas.microsoft.com/office/drawing/2014/main" id="{E85FDAF4-6BBB-DE53-77ED-898079999231}"/>
+                  </a:ext>
+                </a:extLst>
+              </p14:cNvPr>
+              <p14:cNvContentPartPr/>
+              <p14:nvPr/>
+            </p14:nvContentPartPr>
+            <p14:xfrm>
+              <a:off x="4233685" y="1652238"/>
+              <a:ext cx="37080" cy="10440"/>
+            </p14:xfrm>
+          </p:contentPart>
+        </mc:Choice>
+        <mc:Fallback>
+          <p:pic>
+            <p:nvPicPr>
+              <p:cNvPr id="66" name="Ink 65">
+                <a:extLst>
+                  <a:ext uri="{FF2B5EF4-FFF2-40B4-BE49-F238E27FC236}">
+                    <a16:creationId xmlns:a16="http://schemas.microsoft.com/office/drawing/2014/main" id="{E85FDAF4-6BBB-DE53-77ED-898079999231}"/>
+                  </a:ext>
+                </a:extLst>
+              </p:cNvPr>
+              <p:cNvPicPr/>
+              <p:nvPr/>
+            </p:nvPicPr>
+            <p:blipFill>
+              <a:blip r:embed="rId46"/>
+              <a:stretch>
+                <a:fillRect/>
+              </a:stretch>
+            </p:blipFill>
+            <p:spPr>
+              <a:xfrm>
+                <a:off x="4224685" y="1643598"/>
+                <a:ext cx="54720" cy="28080"/>
+              </a:xfrm>
+              <a:prstGeom prst="rect">
+                <a:avLst/>
+              </a:prstGeom>
+            </p:spPr>
+          </p:pic>
+        </mc:Fallback>
+      </mc:AlternateContent>
+      <mc:AlternateContent xmlns:mc="http://schemas.openxmlformats.org/markup-compatibility/2006">
+        <mc:Choice xmlns:p14="http://schemas.microsoft.com/office/powerpoint/2010/main" Requires="p14">
+          <p:contentPart p14:bwMode="auto" r:id="rId47">
+            <p14:nvContentPartPr>
+              <p14:cNvPr id="67" name="Ink 66">
+                <a:extLst>
+                  <a:ext uri="{FF2B5EF4-FFF2-40B4-BE49-F238E27FC236}">
+                    <a16:creationId xmlns:a16="http://schemas.microsoft.com/office/drawing/2014/main" id="{0BE041A6-502C-086E-940F-C7974B996664}"/>
+                  </a:ext>
+                </a:extLst>
+              </p14:cNvPr>
+              <p14:cNvContentPartPr/>
+              <p14:nvPr/>
+            </p14:nvContentPartPr>
+            <p14:xfrm>
+              <a:off x="4206685" y="1693638"/>
+              <a:ext cx="360" cy="51120"/>
+            </p14:xfrm>
+          </p:contentPart>
+        </mc:Choice>
+        <mc:Fallback>
+          <p:pic>
+            <p:nvPicPr>
+              <p:cNvPr id="67" name="Ink 66">
+                <a:extLst>
+                  <a:ext uri="{FF2B5EF4-FFF2-40B4-BE49-F238E27FC236}">
+                    <a16:creationId xmlns:a16="http://schemas.microsoft.com/office/drawing/2014/main" id="{0BE041A6-502C-086E-940F-C7974B996664}"/>
+                  </a:ext>
+                </a:extLst>
+              </p:cNvPr>
+              <p:cNvPicPr/>
+              <p:nvPr/>
+            </p:nvPicPr>
+            <p:blipFill>
+              <a:blip r:embed="rId48"/>
+              <a:stretch>
+                <a:fillRect/>
+              </a:stretch>
+            </p:blipFill>
+            <p:spPr>
+              <a:xfrm>
+                <a:off x="4197685" y="1684998"/>
+                <a:ext cx="18000" cy="68760"/>
+              </a:xfrm>
+              <a:prstGeom prst="rect">
+                <a:avLst/>
+              </a:prstGeom>
+            </p:spPr>
+          </p:pic>
+        </mc:Fallback>
+      </mc:AlternateContent>
+      <p:grpSp>
+        <p:nvGrpSpPr>
+          <p:cNvPr id="75" name="Group 74">
+            <a:extLst>
+              <a:ext uri="{FF2B5EF4-FFF2-40B4-BE49-F238E27FC236}">
+                <a16:creationId xmlns:a16="http://schemas.microsoft.com/office/drawing/2014/main" id="{114E593B-4906-1BE2-6306-C929D6082695}"/>
+              </a:ext>
+            </a:extLst>
+          </p:cNvPr>
+          <p:cNvGrpSpPr/>
+          <p:nvPr/>
+        </p:nvGrpSpPr>
+        <p:grpSpPr>
+          <a:xfrm>
+            <a:off x="4196965" y="1781118"/>
+            <a:ext cx="273960" cy="62280"/>
+            <a:chOff x="4196965" y="1781118"/>
+            <a:chExt cx="273960" cy="62280"/>
+          </a:xfrm>
+        </p:grpSpPr>
+        <mc:AlternateContent xmlns:mc="http://schemas.openxmlformats.org/markup-compatibility/2006">
+          <mc:Choice xmlns:p14="http://schemas.microsoft.com/office/powerpoint/2010/main" Requires="p14">
+            <p:contentPart p14:bwMode="auto" r:id="rId49">
+              <p14:nvContentPartPr>
+                <p14:cNvPr id="68" name="Ink 67">
+                  <a:extLst>
+                    <a:ext uri="{FF2B5EF4-FFF2-40B4-BE49-F238E27FC236}">
+                      <a16:creationId xmlns:a16="http://schemas.microsoft.com/office/drawing/2014/main" id="{1037761B-7EAD-C017-56AB-C72E9F905ABF}"/>
+                    </a:ext>
+                  </a:extLst>
+                </p14:cNvPr>
+                <p14:cNvContentPartPr/>
+                <p14:nvPr/>
+              </p14:nvContentPartPr>
+              <p14:xfrm>
+                <a:off x="4196965" y="1781118"/>
+                <a:ext cx="41400" cy="50040"/>
+              </p14:xfrm>
+            </p:contentPart>
+          </mc:Choice>
+          <mc:Fallback>
+            <p:pic>
+              <p:nvPicPr>
+                <p:cNvPr id="68" name="Ink 67">
+                  <a:extLst>
+                    <a:ext uri="{FF2B5EF4-FFF2-40B4-BE49-F238E27FC236}">
+                      <a16:creationId xmlns:a16="http://schemas.microsoft.com/office/drawing/2014/main" id="{1037761B-7EAD-C017-56AB-C72E9F905ABF}"/>
+                    </a:ext>
+                  </a:extLst>
+                </p:cNvPr>
+                <p:cNvPicPr/>
+                <p:nvPr/>
+              </p:nvPicPr>
+              <p:blipFill>
+                <a:blip r:embed="rId50"/>
+                <a:stretch>
+                  <a:fillRect/>
+                </a:stretch>
+              </p:blipFill>
+              <p:spPr>
+                <a:xfrm>
+                  <a:off x="4188325" y="1772118"/>
+                  <a:ext cx="59040" cy="67680"/>
+                </a:xfrm>
+                <a:prstGeom prst="rect">
+                  <a:avLst/>
+                </a:prstGeom>
+              </p:spPr>
+            </p:pic>
+          </mc:Fallback>
+        </mc:AlternateContent>
+        <mc:AlternateContent xmlns:mc="http://schemas.openxmlformats.org/markup-compatibility/2006">
+          <mc:Choice xmlns:p14="http://schemas.microsoft.com/office/powerpoint/2010/main" Requires="p14">
+            <p:contentPart p14:bwMode="auto" r:id="rId51">
+              <p14:nvContentPartPr>
+                <p14:cNvPr id="69" name="Ink 68">
+                  <a:extLst>
+                    <a:ext uri="{FF2B5EF4-FFF2-40B4-BE49-F238E27FC236}">
+                      <a16:creationId xmlns:a16="http://schemas.microsoft.com/office/drawing/2014/main" id="{FB8CB601-4029-1BF3-7744-B84554C3BA42}"/>
+                    </a:ext>
+                  </a:extLst>
+                </p14:cNvPr>
+                <p14:cNvContentPartPr/>
+                <p14:nvPr/>
+              </p14:nvContentPartPr>
+              <p14:xfrm>
+                <a:off x="4260685" y="1835118"/>
+                <a:ext cx="52560" cy="8280"/>
+              </p14:xfrm>
+            </p:contentPart>
+          </mc:Choice>
+          <mc:Fallback>
+            <p:pic>
+              <p:nvPicPr>
+                <p:cNvPr id="69" name="Ink 68">
+                  <a:extLst>
+                    <a:ext uri="{FF2B5EF4-FFF2-40B4-BE49-F238E27FC236}">
+                      <a16:creationId xmlns:a16="http://schemas.microsoft.com/office/drawing/2014/main" id="{FB8CB601-4029-1BF3-7744-B84554C3BA42}"/>
+                    </a:ext>
+                  </a:extLst>
+                </p:cNvPr>
+                <p:cNvPicPr/>
+                <p:nvPr/>
+              </p:nvPicPr>
+              <p:blipFill>
+                <a:blip r:embed="rId52"/>
+                <a:stretch>
+                  <a:fillRect/>
+                </a:stretch>
+              </p:blipFill>
+              <p:spPr>
+                <a:xfrm>
+                  <a:off x="4251685" y="1826118"/>
+                  <a:ext cx="70200" cy="25920"/>
+                </a:xfrm>
+                <a:prstGeom prst="rect">
+                  <a:avLst/>
+                </a:prstGeom>
+              </p:spPr>
+            </p:pic>
+          </mc:Fallback>
+        </mc:AlternateContent>
+        <mc:AlternateContent xmlns:mc="http://schemas.openxmlformats.org/markup-compatibility/2006">
+          <mc:Choice xmlns:p14="http://schemas.microsoft.com/office/powerpoint/2010/main" Requires="p14">
+            <p:contentPart p14:bwMode="auto" r:id="rId53">
+              <p14:nvContentPartPr>
+                <p14:cNvPr id="70" name="Ink 69">
+                  <a:extLst>
+                    <a:ext uri="{FF2B5EF4-FFF2-40B4-BE49-F238E27FC236}">
+                      <a16:creationId xmlns:a16="http://schemas.microsoft.com/office/drawing/2014/main" id="{11FB3E5C-428E-A30F-24A6-2BE20C54D6DD}"/>
+                    </a:ext>
+                  </a:extLst>
+                </p14:cNvPr>
+                <p14:cNvContentPartPr/>
+                <p14:nvPr/>
+              </p14:nvContentPartPr>
+              <p14:xfrm>
+                <a:off x="4357525" y="1834398"/>
+                <a:ext cx="54000" cy="3960"/>
+              </p14:xfrm>
+            </p:contentPart>
+          </mc:Choice>
+          <mc:Fallback>
+            <p:pic>
+              <p:nvPicPr>
+                <p:cNvPr id="70" name="Ink 69">
+                  <a:extLst>
+                    <a:ext uri="{FF2B5EF4-FFF2-40B4-BE49-F238E27FC236}">
+                      <a16:creationId xmlns:a16="http://schemas.microsoft.com/office/drawing/2014/main" id="{11FB3E5C-428E-A30F-24A6-2BE20C54D6DD}"/>
+                    </a:ext>
+                  </a:extLst>
+                </p:cNvPr>
+                <p:cNvPicPr/>
+                <p:nvPr/>
+              </p:nvPicPr>
+              <p:blipFill>
+                <a:blip r:embed="rId54"/>
+                <a:stretch>
+                  <a:fillRect/>
+                </a:stretch>
+              </p:blipFill>
+              <p:spPr>
+                <a:xfrm>
+                  <a:off x="4348525" y="1825398"/>
+                  <a:ext cx="71640" cy="21600"/>
+                </a:xfrm>
+                <a:prstGeom prst="rect">
+                  <a:avLst/>
+                </a:prstGeom>
+              </p:spPr>
+            </p:pic>
+          </mc:Fallback>
+        </mc:AlternateContent>
+        <mc:AlternateContent xmlns:mc="http://schemas.openxmlformats.org/markup-compatibility/2006">
+          <mc:Choice xmlns:p14="http://schemas.microsoft.com/office/powerpoint/2010/main" Requires="p14">
+            <p:contentPart p14:bwMode="auto" r:id="rId55">
+              <p14:nvContentPartPr>
+                <p14:cNvPr id="71" name="Ink 70">
+                  <a:extLst>
+                    <a:ext uri="{FF2B5EF4-FFF2-40B4-BE49-F238E27FC236}">
+                      <a16:creationId xmlns:a16="http://schemas.microsoft.com/office/drawing/2014/main" id="{BA12E224-FE36-996E-D635-ACAFE2A75771}"/>
+                    </a:ext>
+                  </a:extLst>
+                </p14:cNvPr>
+                <p14:cNvContentPartPr/>
+                <p14:nvPr/>
+              </p14:nvContentPartPr>
+              <p14:xfrm>
+                <a:off x="4445005" y="1793358"/>
+                <a:ext cx="25920" cy="27720"/>
+              </p14:xfrm>
+            </p:contentPart>
+          </mc:Choice>
+          <mc:Fallback>
+            <p:pic>
+              <p:nvPicPr>
+                <p:cNvPr id="71" name="Ink 70">
+                  <a:extLst>
+                    <a:ext uri="{FF2B5EF4-FFF2-40B4-BE49-F238E27FC236}">
+                      <a16:creationId xmlns:a16="http://schemas.microsoft.com/office/drawing/2014/main" id="{BA12E224-FE36-996E-D635-ACAFE2A75771}"/>
+                    </a:ext>
+                  </a:extLst>
+                </p:cNvPr>
+                <p:cNvPicPr/>
+                <p:nvPr/>
+              </p:nvPicPr>
+              <p:blipFill>
+                <a:blip r:embed="rId56"/>
+                <a:stretch>
+                  <a:fillRect/>
+                </a:stretch>
+              </p:blipFill>
+              <p:spPr>
+                <a:xfrm>
+                  <a:off x="4436005" y="1784718"/>
+                  <a:ext cx="43560" cy="45360"/>
+                </a:xfrm>
+                <a:prstGeom prst="rect">
+                  <a:avLst/>
+                </a:prstGeom>
+              </p:spPr>
+            </p:pic>
+          </mc:Fallback>
+        </mc:AlternateContent>
+      </p:grpSp>
+      <p:grpSp>
+        <p:nvGrpSpPr>
+          <p:cNvPr id="74" name="Group 73">
+            <a:extLst>
+              <a:ext uri="{FF2B5EF4-FFF2-40B4-BE49-F238E27FC236}">
+                <a16:creationId xmlns:a16="http://schemas.microsoft.com/office/drawing/2014/main" id="{4EA407B1-07C8-29DC-ED87-53787D4E2B67}"/>
+              </a:ext>
+            </a:extLst>
+          </p:cNvPr>
+          <p:cNvGrpSpPr/>
+          <p:nvPr/>
+        </p:nvGrpSpPr>
+        <p:grpSpPr>
+          <a:xfrm>
+            <a:off x="4327645" y="1667358"/>
+            <a:ext cx="146160" cy="80640"/>
+            <a:chOff x="4327645" y="1667358"/>
+            <a:chExt cx="146160" cy="80640"/>
+          </a:xfrm>
+        </p:grpSpPr>
+        <mc:AlternateContent xmlns:mc="http://schemas.openxmlformats.org/markup-compatibility/2006">
+          <mc:Choice xmlns:p14="http://schemas.microsoft.com/office/powerpoint/2010/main" Requires="p14">
+            <p:contentPart p14:bwMode="auto" r:id="rId57">
+              <p14:nvContentPartPr>
+                <p14:cNvPr id="72" name="Ink 71">
+                  <a:extLst>
+                    <a:ext uri="{FF2B5EF4-FFF2-40B4-BE49-F238E27FC236}">
+                      <a16:creationId xmlns:a16="http://schemas.microsoft.com/office/drawing/2014/main" id="{2B5F4DA1-2D21-FFCE-5353-2D4A00A111BA}"/>
+                    </a:ext>
+                  </a:extLst>
+                </p14:cNvPr>
+                <p14:cNvContentPartPr/>
+                <p14:nvPr/>
+              </p14:nvContentPartPr>
+              <p14:xfrm>
+                <a:off x="4456165" y="1694718"/>
+                <a:ext cx="17640" cy="53280"/>
+              </p14:xfrm>
+            </p:contentPart>
+          </mc:Choice>
+          <mc:Fallback>
+            <p:pic>
+              <p:nvPicPr>
+                <p:cNvPr id="72" name="Ink 71">
+                  <a:extLst>
+                    <a:ext uri="{FF2B5EF4-FFF2-40B4-BE49-F238E27FC236}">
+                      <a16:creationId xmlns:a16="http://schemas.microsoft.com/office/drawing/2014/main" id="{2B5F4DA1-2D21-FFCE-5353-2D4A00A111BA}"/>
+                    </a:ext>
+                  </a:extLst>
+                </p:cNvPr>
+                <p:cNvPicPr/>
+                <p:nvPr/>
+              </p:nvPicPr>
+              <p:blipFill>
+                <a:blip r:embed="rId58"/>
+                <a:stretch>
+                  <a:fillRect/>
+                </a:stretch>
+              </p:blipFill>
+              <p:spPr>
+                <a:xfrm>
+                  <a:off x="4447525" y="1685718"/>
+                  <a:ext cx="35280" cy="70920"/>
+                </a:xfrm>
+                <a:prstGeom prst="rect">
+                  <a:avLst/>
+                </a:prstGeom>
+              </p:spPr>
+            </p:pic>
+          </mc:Fallback>
+        </mc:AlternateContent>
+        <mc:AlternateContent xmlns:mc="http://schemas.openxmlformats.org/markup-compatibility/2006">
+          <mc:Choice xmlns:p14="http://schemas.microsoft.com/office/powerpoint/2010/main" Requires="p14">
+            <p:contentPart p14:bwMode="auto" r:id="rId59">
+              <p14:nvContentPartPr>
+                <p14:cNvPr id="73" name="Ink 72">
+                  <a:extLst>
+                    <a:ext uri="{FF2B5EF4-FFF2-40B4-BE49-F238E27FC236}">
+                      <a16:creationId xmlns:a16="http://schemas.microsoft.com/office/drawing/2014/main" id="{26C3B329-59BA-F711-381A-F21643D4A388}"/>
+                    </a:ext>
+                  </a:extLst>
+                </p14:cNvPr>
+                <p14:cNvContentPartPr/>
+                <p14:nvPr/>
+              </p14:nvContentPartPr>
+              <p14:xfrm>
+                <a:off x="4327645" y="1667358"/>
+                <a:ext cx="106560" cy="9360"/>
+              </p14:xfrm>
+            </p:contentPart>
+          </mc:Choice>
+          <mc:Fallback>
+            <p:pic>
+              <p:nvPicPr>
+                <p:cNvPr id="73" name="Ink 72">
+                  <a:extLst>
+                    <a:ext uri="{FF2B5EF4-FFF2-40B4-BE49-F238E27FC236}">
+                      <a16:creationId xmlns:a16="http://schemas.microsoft.com/office/drawing/2014/main" id="{26C3B329-59BA-F711-381A-F21643D4A388}"/>
+                    </a:ext>
+                  </a:extLst>
+                </p:cNvPr>
+                <p:cNvPicPr/>
+                <p:nvPr/>
+              </p:nvPicPr>
+              <p:blipFill>
+                <a:blip r:embed="rId60"/>
+                <a:stretch>
+                  <a:fillRect/>
+                </a:stretch>
+              </p:blipFill>
+              <p:spPr>
+                <a:xfrm>
+                  <a:off x="4318645" y="1658358"/>
+                  <a:ext cx="124200" cy="27000"/>
+                </a:xfrm>
+                <a:prstGeom prst="rect">
+                  <a:avLst/>
+                </a:prstGeom>
+              </p:spPr>
+            </p:pic>
+          </mc:Fallback>
+        </mc:AlternateContent>
+      </p:grpSp>
+      <mc:AlternateContent xmlns:mc="http://schemas.openxmlformats.org/markup-compatibility/2006">
+        <mc:Choice xmlns:p14="http://schemas.microsoft.com/office/powerpoint/2010/main" Requires="p14">
+          <p:contentPart p14:bwMode="auto" r:id="rId61">
+            <p14:nvContentPartPr>
+              <p14:cNvPr id="76" name="Ink 75">
+                <a:extLst>
+                  <a:ext uri="{FF2B5EF4-FFF2-40B4-BE49-F238E27FC236}">
+                    <a16:creationId xmlns:a16="http://schemas.microsoft.com/office/drawing/2014/main" id="{220AAE1B-1E2D-FD29-A81B-0E85B7F4AF15}"/>
+                  </a:ext>
+                </a:extLst>
+              </p14:cNvPr>
+              <p14:cNvContentPartPr/>
+              <p14:nvPr/>
+            </p14:nvContentPartPr>
+            <p14:xfrm>
+              <a:off x="8152880" y="1447640"/>
+              <a:ext cx="577080" cy="568440"/>
+            </p14:xfrm>
+          </p:contentPart>
+        </mc:Choice>
+        <mc:Fallback>
+          <p:pic>
+            <p:nvPicPr>
+              <p:cNvPr id="76" name="Ink 75">
+                <a:extLst>
+                  <a:ext uri="{FF2B5EF4-FFF2-40B4-BE49-F238E27FC236}">
+                    <a16:creationId xmlns:a16="http://schemas.microsoft.com/office/drawing/2014/main" id="{220AAE1B-1E2D-FD29-A81B-0E85B7F4AF15}"/>
+                  </a:ext>
+                </a:extLst>
+              </p:cNvPr>
+              <p:cNvPicPr/>
+              <p:nvPr/>
+            </p:nvPicPr>
+            <p:blipFill>
+              <a:blip r:embed="rId62"/>
+              <a:stretch>
+                <a:fillRect/>
+              </a:stretch>
+            </p:blipFill>
+            <p:spPr>
+              <a:xfrm>
+                <a:off x="8148560" y="1443320"/>
+                <a:ext cx="585720" cy="577080"/>
+              </a:xfrm>
+              <a:prstGeom prst="rect">
+                <a:avLst/>
+              </a:prstGeom>
+            </p:spPr>
+          </p:pic>
+        </mc:Fallback>
+      </mc:AlternateContent>
+    </p:spTree>
+    <p:extLst>
+      <p:ext uri="{BB962C8B-B14F-4D97-AF65-F5344CB8AC3E}">
+        <p14:creationId xmlns:p14="http://schemas.microsoft.com/office/powerpoint/2010/main" val="3329248787"/>
+      </p:ext>
+    </p:extLst>
+  </p:cSld>
+  <p:clrMapOvr>
+    <a:masterClrMapping/>
+  </p:clrMapOvr>
+</p:sld>
+</file>
+
+<file path=ppt/slides/slide21.xml><?xml version="1.0" encoding="utf-8"?>
+<p:sld xmlns:a="http://schemas.openxmlformats.org/drawingml/2006/main" xmlns:r="http://schemas.openxmlformats.org/officeDocument/2006/relationships" xmlns:p="http://schemas.openxmlformats.org/presentationml/2006/main">
+  <p:cSld>
+    <p:spTree>
+      <p:nvGrpSpPr>
+        <p:cNvPr id="1" name=""/>
+        <p:cNvGrpSpPr/>
+        <p:nvPr/>
+      </p:nvGrpSpPr>
+      <p:grpSpPr>
+        <a:xfrm>
+          <a:off x="0" y="0"/>
+          <a:ext cx="0" cy="0"/>
+          <a:chOff x="0" y="0"/>
+          <a:chExt cx="0" cy="0"/>
+        </a:xfrm>
+      </p:grpSpPr>
+      <p:graphicFrame>
+        <p:nvGraphicFramePr>
+          <p:cNvPr id="2" name="Table 2">
+            <a:extLst>
+              <a:ext uri="{FF2B5EF4-FFF2-40B4-BE49-F238E27FC236}">
+                <a16:creationId xmlns:a16="http://schemas.microsoft.com/office/drawing/2014/main" id="{989BA033-4F80-E70F-3B44-29B8A78A35EE}"/>
+              </a:ext>
+            </a:extLst>
+          </p:cNvPr>
+          <p:cNvGraphicFramePr>
+            <a:graphicFrameLocks noGrp="1"/>
+          </p:cNvGraphicFramePr>
+          <p:nvPr>
+            <p:extLst>
+              <p:ext uri="{D42A27DB-BD31-4B8C-83A1-F6EECF244321}">
+                <p14:modId xmlns:p14="http://schemas.microsoft.com/office/powerpoint/2010/main" val="1979009692"/>
+              </p:ext>
+            </p:extLst>
+          </p:nvPr>
+        </p:nvGraphicFramePr>
+        <p:xfrm>
+          <a:off x="0" y="1431063"/>
+          <a:ext cx="12192004" cy="3789680"/>
+        </p:xfrm>
+        <a:graphic>
+          <a:graphicData uri="http://schemas.openxmlformats.org/drawingml/2006/table">
+            <a:tbl>
+              <a:tblPr firstRow="1" bandRow="1">
+                <a:tableStyleId>{5C22544A-7EE6-4342-B048-85BDC9FD1C3A}</a:tableStyleId>
+              </a:tblPr>
+              <a:tblGrid>
+                <a:gridCol w="897467">
+                  <a:extLst>
+                    <a:ext uri="{9D8B030D-6E8A-4147-A177-3AD203B41FA5}">
+                      <a16:colId xmlns:a16="http://schemas.microsoft.com/office/drawing/2014/main" val="2206697726"/>
+                    </a:ext>
+                  </a:extLst>
+                </a:gridCol>
+                <a:gridCol w="872066">
+                  <a:extLst>
+                    <a:ext uri="{9D8B030D-6E8A-4147-A177-3AD203B41FA5}">
+                      <a16:colId xmlns:a16="http://schemas.microsoft.com/office/drawing/2014/main" val="4145438764"/>
+                    </a:ext>
+                  </a:extLst>
+                </a:gridCol>
+                <a:gridCol w="1397000">
+                  <a:extLst>
+                    <a:ext uri="{9D8B030D-6E8A-4147-A177-3AD203B41FA5}">
+                      <a16:colId xmlns:a16="http://schemas.microsoft.com/office/drawing/2014/main" val="867641991"/>
+                    </a:ext>
+                  </a:extLst>
+                </a:gridCol>
+                <a:gridCol w="1109134">
+                  <a:extLst>
+                    <a:ext uri="{9D8B030D-6E8A-4147-A177-3AD203B41FA5}">
+                      <a16:colId xmlns:a16="http://schemas.microsoft.com/office/drawing/2014/main" val="468753050"/>
+                    </a:ext>
+                  </a:extLst>
+                </a:gridCol>
+                <a:gridCol w="1058333">
+                  <a:extLst>
+                    <a:ext uri="{9D8B030D-6E8A-4147-A177-3AD203B41FA5}">
+                      <a16:colId xmlns:a16="http://schemas.microsoft.com/office/drawing/2014/main" val="1258009846"/>
+                    </a:ext>
+                  </a:extLst>
+                </a:gridCol>
+                <a:gridCol w="1134533">
+                  <a:extLst>
+                    <a:ext uri="{9D8B030D-6E8A-4147-A177-3AD203B41FA5}">
+                      <a16:colId xmlns:a16="http://schemas.microsoft.com/office/drawing/2014/main" val="3496989669"/>
+                    </a:ext>
+                  </a:extLst>
+                </a:gridCol>
+                <a:gridCol w="965200">
+                  <a:extLst>
+                    <a:ext uri="{9D8B030D-6E8A-4147-A177-3AD203B41FA5}">
+                      <a16:colId xmlns:a16="http://schemas.microsoft.com/office/drawing/2014/main" val="2906866505"/>
+                    </a:ext>
+                  </a:extLst>
+                </a:gridCol>
+                <a:gridCol w="1066800">
+                  <a:extLst>
+                    <a:ext uri="{9D8B030D-6E8A-4147-A177-3AD203B41FA5}">
+                      <a16:colId xmlns:a16="http://schemas.microsoft.com/office/drawing/2014/main" val="2120826267"/>
+                    </a:ext>
+                  </a:extLst>
+                </a:gridCol>
+                <a:gridCol w="1286934">
+                  <a:extLst>
+                    <a:ext uri="{9D8B030D-6E8A-4147-A177-3AD203B41FA5}">
+                      <a16:colId xmlns:a16="http://schemas.microsoft.com/office/drawing/2014/main" val="1970964562"/>
+                    </a:ext>
+                  </a:extLst>
+                </a:gridCol>
+                <a:gridCol w="1296173">
+                  <a:extLst>
+                    <a:ext uri="{9D8B030D-6E8A-4147-A177-3AD203B41FA5}">
+                      <a16:colId xmlns:a16="http://schemas.microsoft.com/office/drawing/2014/main" val="4241872789"/>
+                    </a:ext>
+                  </a:extLst>
+                </a:gridCol>
+                <a:gridCol w="1108364">
+                  <a:extLst>
+                    <a:ext uri="{9D8B030D-6E8A-4147-A177-3AD203B41FA5}">
+                      <a16:colId xmlns:a16="http://schemas.microsoft.com/office/drawing/2014/main" val="655485241"/>
+                    </a:ext>
+                  </a:extLst>
+                </a:gridCol>
+              </a:tblGrid>
+              <a:tr h="370840">
+                <a:tc gridSpan="11">
+                  <a:txBody>
+                    <a:bodyPr/>
+                    <a:lstStyle/>
+                    <a:p>
+                      <a:pPr algn="l"/>
+                      <a:r>
+                        <a:rPr lang="en-SG" sz="1600" dirty="0"/>
+                        <a:t>Viscosity Standard 817 – Best parameters  according to volume pipetted experiment 2</a:t>
+                      </a:r>
+                    </a:p>
+                  </a:txBody>
+                  <a:tcPr/>
+                </a:tc>
+                <a:tc hMerge="1">
+                  <a:txBody>
+                    <a:bodyPr/>
+                    <a:lstStyle/>
+                    <a:p>
+                      <a:endParaRPr lang="en-SG" dirty="0"/>
+                    </a:p>
+                  </a:txBody>
+                  <a:tcPr/>
+                </a:tc>
+                <a:tc hMerge="1">
+                  <a:txBody>
+                    <a:bodyPr/>
+                    <a:lstStyle/>
+                    <a:p>
+                      <a:endParaRPr lang="en-SG"/>
+                    </a:p>
+                  </a:txBody>
+                  <a:tcPr/>
+                </a:tc>
+                <a:tc hMerge="1">
+                  <a:txBody>
+                    <a:bodyPr/>
+                    <a:lstStyle/>
+                    <a:p>
+                      <a:endParaRPr lang="en-SG"/>
+                    </a:p>
+                  </a:txBody>
+                  <a:tcPr/>
+                </a:tc>
+                <a:tc hMerge="1">
+                  <a:txBody>
+                    <a:bodyPr/>
+                    <a:lstStyle/>
+                    <a:p>
+                      <a:endParaRPr lang="en-SG"/>
+                    </a:p>
+                  </a:txBody>
+                  <a:tcPr/>
+                </a:tc>
+                <a:tc hMerge="1">
+                  <a:txBody>
+                    <a:bodyPr/>
+                    <a:lstStyle/>
+                    <a:p>
+                      <a:endParaRPr lang="en-SG"/>
+                    </a:p>
+                  </a:txBody>
+                  <a:tcPr/>
+                </a:tc>
+                <a:tc hMerge="1">
+                  <a:txBody>
+                    <a:bodyPr/>
+                    <a:lstStyle/>
+                    <a:p>
+                      <a:endParaRPr lang="en-SG" dirty="0"/>
+                    </a:p>
+                  </a:txBody>
+                  <a:tcPr/>
+                </a:tc>
+                <a:tc hMerge="1">
+                  <a:txBody>
+                    <a:bodyPr/>
+                    <a:lstStyle/>
+                    <a:p>
+                      <a:endParaRPr lang="en-SG"/>
+                    </a:p>
+                  </a:txBody>
+                  <a:tcPr/>
+                </a:tc>
+                <a:tc hMerge="1">
+                  <a:txBody>
+                    <a:bodyPr/>
+                    <a:lstStyle/>
+                    <a:p>
+                      <a:endParaRPr lang="en-SG" dirty="0"/>
+                    </a:p>
+                  </a:txBody>
+                  <a:tcPr/>
+                </a:tc>
+                <a:tc hMerge="1">
+                  <a:txBody>
+                    <a:bodyPr/>
+                    <a:lstStyle/>
+                    <a:p>
+                      <a:endParaRPr lang="en-SG" dirty="0"/>
+                    </a:p>
+                  </a:txBody>
+                  <a:tcPr/>
+                </a:tc>
+                <a:tc hMerge="1">
+                  <a:txBody>
+                    <a:bodyPr/>
+                    <a:lstStyle/>
+                    <a:p>
+                      <a:endParaRPr lang="en-SG" dirty="0"/>
+                    </a:p>
+                  </a:txBody>
+                  <a:tcPr/>
+                </a:tc>
+                <a:extLst>
+                  <a:ext uri="{0D108BD9-81ED-4DB2-BD59-A6C34878D82A}">
+                    <a16:rowId xmlns:a16="http://schemas.microsoft.com/office/drawing/2014/main" val="1977855465"/>
+                  </a:ext>
+                </a:extLst>
+              </a:tr>
+              <a:tr h="370840">
+                <a:tc>
+                  <a:txBody>
+                    <a:bodyPr/>
+                    <a:lstStyle/>
+                    <a:p>
+                      <a:pPr algn="l"/>
+                      <a:r>
+                        <a:rPr lang="en-SG" sz="1600" dirty="0"/>
+                        <a:t>Volume</a:t>
+                      </a:r>
+                    </a:p>
+                  </a:txBody>
+                  <a:tcPr/>
+                </a:tc>
+                <a:tc>
+                  <a:txBody>
+                    <a:bodyPr/>
+                    <a:lstStyle/>
+                    <a:p>
+                      <a:pPr algn="l"/>
+                      <a:r>
+                        <a:rPr lang="en-SG" sz="1600" dirty="0"/>
+                        <a:t>ML or Human</a:t>
+                      </a:r>
+                    </a:p>
+                  </a:txBody>
+                  <a:tcPr/>
+                </a:tc>
+                <a:tc>
+                  <a:txBody>
+                    <a:bodyPr/>
+                    <a:lstStyle/>
+                    <a:p>
+                      <a:pPr algn="l"/>
+                      <a:r>
+                        <a:rPr lang="en-SG" sz="1600" dirty="0"/>
+                        <a:t>Aspiration Rate</a:t>
+                      </a:r>
+                    </a:p>
+                  </a:txBody>
+                  <a:tcPr/>
+                </a:tc>
+                <a:tc>
+                  <a:txBody>
+                    <a:bodyPr/>
+                    <a:lstStyle/>
+                    <a:p>
+                      <a:pPr algn="l"/>
+                      <a:r>
+                        <a:rPr lang="en-SG" sz="1600" dirty="0"/>
+                        <a:t>Dispense Rate</a:t>
+                      </a:r>
+                    </a:p>
+                  </a:txBody>
+                  <a:tcPr/>
+                </a:tc>
+                <a:tc>
+                  <a:txBody>
+                    <a:bodyPr/>
+                    <a:lstStyle/>
+                    <a:p>
+                      <a:pPr algn="l"/>
+                      <a:r>
+                        <a:rPr lang="en-SG" sz="1600" dirty="0"/>
+                        <a:t>Blow Out Rate</a:t>
+                      </a:r>
+                    </a:p>
+                  </a:txBody>
+                  <a:tcPr/>
+                </a:tc>
+                <a:tc>
+                  <a:txBody>
+                    <a:bodyPr/>
+                    <a:lstStyle/>
+                    <a:p>
+                      <a:pPr algn="l"/>
+                      <a:r>
+                        <a:rPr lang="en-SG" sz="1600" dirty="0"/>
+                        <a:t>Delay Aspirate</a:t>
+                      </a:r>
+                    </a:p>
+                  </a:txBody>
+                  <a:tcPr/>
+                </a:tc>
+                <a:tc>
+                  <a:txBody>
+                    <a:bodyPr/>
+                    <a:lstStyle/>
+                    <a:p>
+                      <a:pPr algn="l"/>
+                      <a:r>
+                        <a:rPr lang="en-SG" sz="1600" dirty="0"/>
+                        <a:t>Delay Dispense</a:t>
+                      </a:r>
+                    </a:p>
+                  </a:txBody>
+                  <a:tcPr/>
+                </a:tc>
+                <a:tc>
+                  <a:txBody>
+                    <a:bodyPr/>
+                    <a:lstStyle/>
+                    <a:p>
+                      <a:pPr algn="l"/>
+                      <a:r>
+                        <a:rPr lang="en-SG" sz="1600" dirty="0"/>
+                        <a:t>Delay Blow Out</a:t>
+                      </a:r>
+                    </a:p>
+                  </a:txBody>
+                  <a:tcPr/>
+                </a:tc>
+                <a:tc>
+                  <a:txBody>
+                    <a:bodyPr/>
+                    <a:lstStyle/>
+                    <a:p>
+                      <a:pPr algn="l"/>
+                      <a:r>
+                        <a:rPr lang="en-SG" sz="1600" dirty="0"/>
+                        <a:t>%error</a:t>
+                      </a:r>
+                    </a:p>
+                  </a:txBody>
+                  <a:tcPr/>
+                </a:tc>
+                <a:tc>
+                  <a:txBody>
+                    <a:bodyPr/>
+                    <a:lstStyle/>
+                    <a:p>
+                      <a:pPr algn="l"/>
+                      <a:r>
+                        <a:rPr lang="en-SG" sz="1600" dirty="0"/>
+                        <a:t>Total Time for transfer 1000</a:t>
+                      </a:r>
+                    </a:p>
+                  </a:txBody>
+                  <a:tcPr/>
+                </a:tc>
+                <a:tc>
+                  <a:txBody>
+                    <a:bodyPr/>
+                    <a:lstStyle/>
+                    <a:p>
+                      <a:pPr algn="l"/>
+                      <a:r>
+                        <a:rPr lang="en-SG" sz="1600" dirty="0"/>
+                        <a:t>Iteration</a:t>
+                      </a:r>
+                    </a:p>
+                  </a:txBody>
+                  <a:tcPr/>
+                </a:tc>
+                <a:extLst>
+                  <a:ext uri="{0D108BD9-81ED-4DB2-BD59-A6C34878D82A}">
+                    <a16:rowId xmlns:a16="http://schemas.microsoft.com/office/drawing/2014/main" val="360042618"/>
+                  </a:ext>
+                </a:extLst>
+              </a:tr>
+              <a:tr h="370840">
+                <a:tc>
+                  <a:txBody>
+                    <a:bodyPr/>
+                    <a:lstStyle/>
+                    <a:p>
+                      <a:pPr algn="l"/>
+                      <a:r>
+                        <a:rPr lang="en-SG" sz="1600" dirty="0"/>
+                        <a:t>300</a:t>
+                      </a:r>
+                    </a:p>
+                  </a:txBody>
+                  <a:tcPr>
+                    <a:solidFill>
+                      <a:srgbClr val="E9EBF5"/>
+                    </a:solidFill>
+                  </a:tcPr>
+                </a:tc>
+                <a:tc>
+                  <a:txBody>
+                    <a:bodyPr/>
+                    <a:lstStyle/>
+                    <a:p>
+                      <a:pPr algn="l"/>
+                      <a:r>
+                        <a:rPr lang="en-SG" sz="1600" dirty="0"/>
+                        <a:t>ML</a:t>
+                      </a:r>
+                    </a:p>
+                  </a:txBody>
+                  <a:tcPr>
+                    <a:solidFill>
+                      <a:srgbClr val="E9EBF5"/>
+                    </a:solidFill>
+                  </a:tcPr>
+                </a:tc>
+                <a:tc>
+                  <a:txBody>
+                    <a:bodyPr/>
+                    <a:lstStyle/>
+                    <a:p>
+                      <a:pPr algn="l"/>
+                      <a:r>
+                        <a:rPr lang="en-SG" sz="1600" dirty="0"/>
+                        <a:t>18.715216</a:t>
+                      </a:r>
+                    </a:p>
+                  </a:txBody>
+                  <a:tcPr>
+                    <a:solidFill>
+                      <a:srgbClr val="E9EBF5"/>
+                    </a:solidFill>
+                  </a:tcPr>
+                </a:tc>
+                <a:tc>
+                  <a:txBody>
+                    <a:bodyPr/>
+                    <a:lstStyle/>
+                    <a:p>
+                      <a:pPr algn="l" fontAlgn="ctr"/>
+                      <a:r>
+                        <a:rPr lang="en-SG" sz="1600" dirty="0">
+                          <a:effectLst/>
+                        </a:rPr>
+                        <a:t>11.784961</a:t>
+                      </a:r>
+                    </a:p>
+                  </a:txBody>
+                  <a:tcPr anchor="ctr">
+                    <a:solidFill>
+                      <a:srgbClr val="E9EBF5"/>
+                    </a:solidFill>
+                  </a:tcPr>
+                </a:tc>
+                <a:tc>
+                  <a:txBody>
+                    <a:bodyPr/>
+                    <a:lstStyle/>
+                    <a:p>
+                      <a:pPr algn="l"/>
+                      <a:r>
+                        <a:rPr lang="en-SG" sz="1600" dirty="0"/>
+                        <a:t>0</a:t>
+                      </a:r>
+                    </a:p>
+                  </a:txBody>
+                  <a:tcPr>
+                    <a:solidFill>
+                      <a:srgbClr val="E9EBF5"/>
+                    </a:solidFill>
+                  </a:tcPr>
+                </a:tc>
+                <a:tc>
+                  <a:txBody>
+                    <a:bodyPr/>
+                    <a:lstStyle/>
+                    <a:p>
+                      <a:pPr algn="l"/>
+                      <a:r>
+                        <a:rPr lang="en-SG" sz="1600" dirty="0"/>
+                        <a:t>5</a:t>
+                      </a:r>
+                    </a:p>
+                  </a:txBody>
+                  <a:tcPr>
+                    <a:solidFill>
+                      <a:srgbClr val="E9EBF5"/>
+                    </a:solidFill>
+                  </a:tcPr>
+                </a:tc>
+                <a:tc>
+                  <a:txBody>
+                    <a:bodyPr/>
+                    <a:lstStyle/>
+                    <a:p>
+                      <a:pPr algn="l"/>
+                      <a:r>
+                        <a:rPr lang="en-SG" sz="1600" dirty="0"/>
+                        <a:t>5</a:t>
+                      </a:r>
+                    </a:p>
+                  </a:txBody>
+                  <a:tcPr>
+                    <a:solidFill>
+                      <a:srgbClr val="E9EBF5"/>
+                    </a:solidFill>
+                  </a:tcPr>
+                </a:tc>
+                <a:tc>
+                  <a:txBody>
+                    <a:bodyPr/>
+                    <a:lstStyle/>
+                    <a:p>
+                      <a:pPr algn="l" fontAlgn="ctr"/>
+                      <a:r>
+                        <a:rPr lang="en-SG" sz="1600" dirty="0">
+                          <a:effectLst/>
+                        </a:rPr>
+                        <a:t>0</a:t>
+                      </a:r>
+                    </a:p>
+                  </a:txBody>
+                  <a:tcPr anchor="ctr">
+                    <a:solidFill>
+                      <a:srgbClr val="E9EBF5"/>
+                    </a:solidFill>
+                  </a:tcPr>
+                </a:tc>
+                <a:tc>
+                  <a:txBody>
+                    <a:bodyPr/>
+                    <a:lstStyle/>
+                    <a:p>
+                      <a:pPr algn="l" fontAlgn="ctr"/>
+                      <a:r>
+                        <a:rPr lang="en-SG" sz="1600" dirty="0">
+                          <a:effectLst/>
+                        </a:rPr>
+                        <a:t>-0.976455</a:t>
+                      </a:r>
+                    </a:p>
+                  </a:txBody>
+                  <a:tcPr anchor="ctr">
+                    <a:solidFill>
+                      <a:srgbClr val="E9EBF5"/>
+                    </a:solidFill>
+                  </a:tcPr>
+                </a:tc>
+                <a:tc>
+                  <a:txBody>
+                    <a:bodyPr/>
+                    <a:lstStyle/>
+                    <a:p>
+                      <a:pPr algn="l"/>
+                      <a:r>
+                        <a:rPr lang="en-SG" sz="1600" dirty="0"/>
+                        <a:t>148.28636	</a:t>
+                      </a:r>
+                    </a:p>
+                  </a:txBody>
+                  <a:tcPr>
+                    <a:solidFill>
+                      <a:srgbClr val="E9EBF5"/>
+                    </a:solidFill>
+                  </a:tcPr>
+                </a:tc>
+                <a:tc>
+                  <a:txBody>
+                    <a:bodyPr/>
+                    <a:lstStyle/>
+                    <a:p>
+                      <a:pPr algn="l"/>
+                      <a:r>
+                        <a:rPr lang="en-SG" sz="1600" dirty="0"/>
+                        <a:t>8</a:t>
+                      </a:r>
+                    </a:p>
+                  </a:txBody>
+                  <a:tcPr>
+                    <a:solidFill>
+                      <a:srgbClr val="E9EBF5"/>
+                    </a:solidFill>
+                  </a:tcPr>
+                </a:tc>
+                <a:extLst>
+                  <a:ext uri="{0D108BD9-81ED-4DB2-BD59-A6C34878D82A}">
+                    <a16:rowId xmlns:a16="http://schemas.microsoft.com/office/drawing/2014/main" val="2839940444"/>
+                  </a:ext>
+                </a:extLst>
+              </a:tr>
+              <a:tr h="370840">
+                <a:tc>
+                  <a:txBody>
+                    <a:bodyPr/>
+                    <a:lstStyle/>
+                    <a:p>
+                      <a:pPr algn="l"/>
+                      <a:r>
+                        <a:rPr lang="en-SG" sz="1600" dirty="0"/>
+                        <a:t>300</a:t>
+                      </a:r>
+                    </a:p>
+                  </a:txBody>
+                  <a:tcPr/>
+                </a:tc>
+                <a:tc>
+                  <a:txBody>
+                    <a:bodyPr/>
+                    <a:lstStyle/>
+                    <a:p>
+                      <a:pPr algn="l"/>
+                      <a:r>
+                        <a:rPr lang="en-SG" sz="1600" dirty="0"/>
+                        <a:t>Human</a:t>
+                      </a:r>
+                    </a:p>
+                  </a:txBody>
+                  <a:tcPr/>
+                </a:tc>
+                <a:tc>
+                  <a:txBody>
+                    <a:bodyPr/>
+                    <a:lstStyle/>
+                    <a:p>
+                      <a:pPr algn="l"/>
+                      <a:r>
+                        <a:rPr lang="en-SG" sz="1600" dirty="0"/>
+                        <a:t>20</a:t>
+                      </a:r>
+                    </a:p>
+                  </a:txBody>
+                  <a:tcPr/>
+                </a:tc>
+                <a:tc>
+                  <a:txBody>
+                    <a:bodyPr/>
+                    <a:lstStyle/>
+                    <a:p>
+                      <a:pPr algn="l"/>
+                      <a:r>
+                        <a:rPr lang="en-SG" sz="1600" dirty="0"/>
+                        <a:t>8</a:t>
+                      </a:r>
+                    </a:p>
+                  </a:txBody>
+                  <a:tcPr/>
+                </a:tc>
+                <a:tc>
+                  <a:txBody>
+                    <a:bodyPr/>
+                    <a:lstStyle/>
+                    <a:p>
+                      <a:pPr algn="l"/>
+                      <a:r>
+                        <a:rPr lang="en-SG" sz="1600" dirty="0"/>
+                        <a:t>0</a:t>
+                      </a:r>
+                    </a:p>
+                  </a:txBody>
+                  <a:tcPr/>
+                </a:tc>
+                <a:tc>
+                  <a:txBody>
+                    <a:bodyPr/>
+                    <a:lstStyle/>
+                    <a:p>
+                      <a:pPr algn="l"/>
+                      <a:r>
+                        <a:rPr lang="en-SG" sz="1600" dirty="0"/>
+                        <a:t>5</a:t>
+                      </a:r>
+                    </a:p>
+                  </a:txBody>
+                  <a:tcPr/>
+                </a:tc>
+                <a:tc>
+                  <a:txBody>
+                    <a:bodyPr/>
+                    <a:lstStyle/>
+                    <a:p>
+                      <a:pPr algn="l"/>
+                      <a:r>
+                        <a:rPr lang="en-SG" sz="1600" dirty="0"/>
+                        <a:t>5</a:t>
+                      </a:r>
+                    </a:p>
+                  </a:txBody>
+                  <a:tcPr/>
+                </a:tc>
+                <a:tc>
+                  <a:txBody>
+                    <a:bodyPr/>
+                    <a:lstStyle/>
+                    <a:p>
+                      <a:pPr algn="l"/>
+                      <a:r>
+                        <a:rPr lang="en-SG" sz="1600" dirty="0"/>
+                        <a:t>0</a:t>
+                      </a:r>
+                    </a:p>
+                  </a:txBody>
+                  <a:tcPr/>
+                </a:tc>
+                <a:tc>
+                  <a:txBody>
+                    <a:bodyPr/>
+                    <a:lstStyle/>
+                    <a:p>
+                      <a:pPr algn="l"/>
+                      <a:r>
+                        <a:rPr lang="en-SG" sz="1600" dirty="0"/>
+                        <a:t>-1.567053	</a:t>
+                      </a:r>
+                    </a:p>
+                  </a:txBody>
+                  <a:tcPr/>
+                </a:tc>
+                <a:tc>
+                  <a:txBody>
+                    <a:bodyPr/>
+                    <a:lstStyle/>
+                    <a:p>
+                      <a:pPr algn="l"/>
+                      <a:r>
+                        <a:rPr lang="en-SG" sz="1600" dirty="0"/>
+                        <a:t>185	</a:t>
+                      </a:r>
+                    </a:p>
+                  </a:txBody>
+                  <a:tcPr/>
+                </a:tc>
+                <a:tc>
+                  <a:txBody>
+                    <a:bodyPr/>
+                    <a:lstStyle/>
+                    <a:p>
+                      <a:pPr algn="l"/>
+                      <a:r>
+                        <a:rPr lang="en-SG" sz="1600" dirty="0"/>
+                        <a:t>1</a:t>
+                      </a:r>
+                    </a:p>
+                  </a:txBody>
+                  <a:tcPr/>
+                </a:tc>
+                <a:extLst>
+                  <a:ext uri="{0D108BD9-81ED-4DB2-BD59-A6C34878D82A}">
+                    <a16:rowId xmlns:a16="http://schemas.microsoft.com/office/drawing/2014/main" val="2296966347"/>
+                  </a:ext>
+                </a:extLst>
+              </a:tr>
+              <a:tr h="370840">
+                <a:tc>
+                  <a:txBody>
+                    <a:bodyPr/>
+                    <a:lstStyle/>
+                    <a:p>
+                      <a:pPr algn="l"/>
+                      <a:r>
+                        <a:rPr lang="en-SG" sz="1600" dirty="0"/>
+                        <a:t>500</a:t>
+                      </a:r>
+                    </a:p>
+                  </a:txBody>
+                  <a:tcPr>
+                    <a:solidFill>
+                      <a:srgbClr val="FFFF00"/>
+                    </a:solidFill>
+                  </a:tcPr>
+                </a:tc>
+                <a:tc>
+                  <a:txBody>
+                    <a:bodyPr/>
+                    <a:lstStyle/>
+                    <a:p>
+                      <a:pPr algn="l"/>
+                      <a:r>
+                        <a:rPr lang="en-SG" sz="1600" dirty="0"/>
+                        <a:t>ML</a:t>
+                      </a:r>
+                    </a:p>
+                  </a:txBody>
+                  <a:tcPr>
+                    <a:solidFill>
+                      <a:srgbClr val="FFFF00"/>
+                    </a:solidFill>
+                  </a:tcPr>
+                </a:tc>
+                <a:tc>
+                  <a:txBody>
+                    <a:bodyPr/>
+                    <a:lstStyle/>
+                    <a:p>
+                      <a:pPr algn="l"/>
+                      <a:r>
+                        <a:rPr lang="en-SG" sz="1600" dirty="0"/>
+                        <a:t>23.640162</a:t>
+                      </a:r>
+                    </a:p>
+                  </a:txBody>
+                  <a:tcPr>
+                    <a:solidFill>
+                      <a:srgbClr val="FFFF00"/>
+                    </a:solidFill>
+                  </a:tcPr>
+                </a:tc>
+                <a:tc>
+                  <a:txBody>
+                    <a:bodyPr/>
+                    <a:lstStyle/>
+                    <a:p>
+                      <a:pPr algn="l"/>
+                      <a:r>
+                        <a:rPr lang="en-SG" sz="1600" dirty="0"/>
+                        <a:t>7.605711</a:t>
+                      </a:r>
+                    </a:p>
+                  </a:txBody>
+                  <a:tcPr>
+                    <a:solidFill>
+                      <a:srgbClr val="FFFF00"/>
+                    </a:solidFill>
+                  </a:tcPr>
+                </a:tc>
+                <a:tc>
+                  <a:txBody>
+                    <a:bodyPr/>
+                    <a:lstStyle/>
+                    <a:p>
+                      <a:pPr algn="l"/>
+                      <a:r>
+                        <a:rPr lang="en-SG" sz="1600" dirty="0"/>
+                        <a:t>0</a:t>
+                      </a:r>
+                    </a:p>
+                  </a:txBody>
+                  <a:tcPr>
+                    <a:solidFill>
+                      <a:srgbClr val="FFFF00"/>
+                    </a:solidFill>
+                  </a:tcPr>
+                </a:tc>
+                <a:tc>
+                  <a:txBody>
+                    <a:bodyPr/>
+                    <a:lstStyle/>
+                    <a:p>
+                      <a:pPr algn="l"/>
+                      <a:r>
+                        <a:rPr lang="en-SG" sz="1600" dirty="0"/>
+                        <a:t>5</a:t>
+                      </a:r>
+                    </a:p>
+                  </a:txBody>
+                  <a:tcPr>
+                    <a:solidFill>
+                      <a:srgbClr val="FFFF00"/>
+                    </a:solidFill>
+                  </a:tcPr>
+                </a:tc>
+                <a:tc>
+                  <a:txBody>
+                    <a:bodyPr/>
+                    <a:lstStyle/>
+                    <a:p>
+                      <a:pPr algn="l"/>
+                      <a:r>
+                        <a:rPr lang="en-SG" sz="1600" dirty="0"/>
+                        <a:t>5</a:t>
+                      </a:r>
+                    </a:p>
+                  </a:txBody>
+                  <a:tcPr>
+                    <a:solidFill>
+                      <a:srgbClr val="FFFF00"/>
+                    </a:solidFill>
+                  </a:tcPr>
+                </a:tc>
+                <a:tc>
+                  <a:txBody>
+                    <a:bodyPr/>
+                    <a:lstStyle/>
+                    <a:p>
+                      <a:pPr algn="l"/>
+                      <a:r>
+                        <a:rPr lang="en-SG" sz="1600" dirty="0"/>
+                        <a:t>0</a:t>
+                      </a:r>
+                    </a:p>
+                  </a:txBody>
+                  <a:tcPr>
+                    <a:solidFill>
+                      <a:srgbClr val="FFFF00"/>
+                    </a:solidFill>
+                  </a:tcPr>
+                </a:tc>
+                <a:tc>
+                  <a:txBody>
+                    <a:bodyPr/>
+                    <a:lstStyle/>
+                    <a:p>
+                      <a:pPr algn="l"/>
+                      <a:r>
+                        <a:rPr lang="en-SG" sz="1600" dirty="0"/>
+                        <a:t>-0.779589</a:t>
+                      </a:r>
+                    </a:p>
+                  </a:txBody>
+                  <a:tcPr>
+                    <a:solidFill>
+                      <a:srgbClr val="FFFF00"/>
+                    </a:solidFill>
+                  </a:tcPr>
+                </a:tc>
+                <a:tc>
+                  <a:txBody>
+                    <a:bodyPr/>
+                    <a:lstStyle/>
+                    <a:p>
+                      <a:pPr algn="l"/>
+                      <a:r>
+                        <a:rPr lang="en-SG" sz="1600" dirty="0"/>
+                        <a:t>183.781045</a:t>
+                      </a:r>
+                    </a:p>
+                  </a:txBody>
+                  <a:tcPr>
+                    <a:solidFill>
+                      <a:srgbClr val="FFFF00"/>
+                    </a:solidFill>
+                  </a:tcPr>
+                </a:tc>
+                <a:tc>
+                  <a:txBody>
+                    <a:bodyPr/>
+                    <a:lstStyle/>
+                    <a:p>
+                      <a:pPr algn="l"/>
+                      <a:r>
+                        <a:rPr lang="en-SG" sz="1600" dirty="0"/>
+                        <a:t>7</a:t>
+                      </a:r>
+                    </a:p>
+                  </a:txBody>
+                  <a:tcPr>
+                    <a:solidFill>
+                      <a:srgbClr val="FFFF00"/>
+                    </a:solidFill>
+                  </a:tcPr>
+                </a:tc>
+                <a:extLst>
+                  <a:ext uri="{0D108BD9-81ED-4DB2-BD59-A6C34878D82A}">
+                    <a16:rowId xmlns:a16="http://schemas.microsoft.com/office/drawing/2014/main" val="659660770"/>
+                  </a:ext>
+                </a:extLst>
+              </a:tr>
+              <a:tr h="370840">
+                <a:tc>
+                  <a:txBody>
+                    <a:bodyPr/>
+                    <a:lstStyle/>
+                    <a:p>
+                      <a:pPr algn="l"/>
+                      <a:r>
+                        <a:rPr lang="en-SG" sz="1600" dirty="0"/>
+                        <a:t>500</a:t>
+                      </a:r>
+                    </a:p>
+                  </a:txBody>
+                  <a:tcPr>
+                    <a:solidFill>
+                      <a:srgbClr val="FFFF00"/>
+                    </a:solidFill>
+                  </a:tcPr>
+                </a:tc>
+                <a:tc>
+                  <a:txBody>
+                    <a:bodyPr/>
+                    <a:lstStyle/>
+                    <a:p>
+                      <a:pPr algn="l"/>
+                      <a:r>
+                        <a:rPr lang="en-SG" sz="1600" dirty="0"/>
+                        <a:t>ML</a:t>
+                      </a:r>
+                    </a:p>
+                  </a:txBody>
+                  <a:tcPr>
+                    <a:solidFill>
+                      <a:srgbClr val="FFFF00"/>
+                    </a:solidFill>
+                  </a:tcPr>
+                </a:tc>
+                <a:tc>
+                  <a:txBody>
+                    <a:bodyPr/>
+                    <a:lstStyle/>
+                    <a:p>
+                      <a:pPr algn="l"/>
+                      <a:r>
+                        <a:rPr lang="en-SG" sz="1600" dirty="0"/>
+                        <a:t>27.782234</a:t>
+                      </a:r>
+                    </a:p>
+                  </a:txBody>
+                  <a:tcPr>
+                    <a:solidFill>
+                      <a:srgbClr val="FFFF00"/>
+                    </a:solidFill>
+                  </a:tcPr>
+                </a:tc>
+                <a:tc>
+                  <a:txBody>
+                    <a:bodyPr/>
+                    <a:lstStyle/>
+                    <a:p>
+                      <a:pPr algn="l"/>
+                      <a:r>
+                        <a:rPr lang="en-SG" sz="1600" dirty="0"/>
+                        <a:t>7.244950</a:t>
+                      </a:r>
+                    </a:p>
+                  </a:txBody>
+                  <a:tcPr>
+                    <a:solidFill>
+                      <a:srgbClr val="FFFF00"/>
+                    </a:solidFill>
+                  </a:tcPr>
+                </a:tc>
+                <a:tc>
+                  <a:txBody>
+                    <a:bodyPr/>
+                    <a:lstStyle/>
+                    <a:p>
+                      <a:pPr algn="l"/>
+                      <a:r>
+                        <a:rPr lang="en-SG" sz="1600" dirty="0"/>
+                        <a:t>0</a:t>
+                      </a:r>
+                    </a:p>
+                  </a:txBody>
+                  <a:tcPr>
+                    <a:solidFill>
+                      <a:srgbClr val="FFFF00"/>
+                    </a:solidFill>
+                  </a:tcPr>
+                </a:tc>
+                <a:tc>
+                  <a:txBody>
+                    <a:bodyPr/>
+                    <a:lstStyle/>
+                    <a:p>
+                      <a:pPr algn="l"/>
+                      <a:r>
+                        <a:rPr lang="en-SG" sz="1600" dirty="0"/>
+                        <a:t>5</a:t>
+                      </a:r>
+                    </a:p>
+                  </a:txBody>
+                  <a:tcPr>
+                    <a:solidFill>
+                      <a:srgbClr val="FFFF00"/>
+                    </a:solidFill>
+                  </a:tcPr>
+                </a:tc>
+                <a:tc>
+                  <a:txBody>
+                    <a:bodyPr/>
+                    <a:lstStyle/>
+                    <a:p>
+                      <a:pPr algn="l"/>
+                      <a:r>
+                        <a:rPr lang="en-SG" sz="1600" dirty="0"/>
+                        <a:t>5</a:t>
+                      </a:r>
+                    </a:p>
+                  </a:txBody>
+                  <a:tcPr>
+                    <a:solidFill>
+                      <a:srgbClr val="FFFF00"/>
+                    </a:solidFill>
+                  </a:tcPr>
+                </a:tc>
+                <a:tc>
+                  <a:txBody>
+                    <a:bodyPr/>
+                    <a:lstStyle/>
+                    <a:p>
+                      <a:pPr algn="l"/>
+                      <a:r>
+                        <a:rPr lang="en-SG" sz="1600" dirty="0"/>
+                        <a:t>0</a:t>
+                      </a:r>
+                    </a:p>
+                  </a:txBody>
+                  <a:tcPr>
+                    <a:solidFill>
+                      <a:srgbClr val="FFFF00"/>
+                    </a:solidFill>
+                  </a:tcPr>
+                </a:tc>
+                <a:tc>
+                  <a:txBody>
+                    <a:bodyPr/>
+                    <a:lstStyle/>
+                    <a:p>
+                      <a:pPr algn="l"/>
+                      <a:r>
+                        <a:rPr lang="en-SG" sz="1600" dirty="0"/>
+                        <a:t>-0.708717</a:t>
+                      </a:r>
+                    </a:p>
+                  </a:txBody>
+                  <a:tcPr>
+                    <a:solidFill>
+                      <a:srgbClr val="FFFF00"/>
+                    </a:solidFill>
+                  </a:tcPr>
+                </a:tc>
+                <a:tc>
+                  <a:txBody>
+                    <a:bodyPr/>
+                    <a:lstStyle/>
+                    <a:p>
+                      <a:pPr algn="l"/>
+                      <a:r>
+                        <a:rPr lang="en-SG" sz="1600" dirty="0"/>
+                        <a:t>184.021409</a:t>
+                      </a:r>
+                    </a:p>
+                  </a:txBody>
+                  <a:tcPr>
+                    <a:solidFill>
+                      <a:srgbClr val="FFFF00"/>
+                    </a:solidFill>
+                  </a:tcPr>
+                </a:tc>
+                <a:tc>
+                  <a:txBody>
+                    <a:bodyPr/>
+                    <a:lstStyle/>
+                    <a:p>
+                      <a:pPr algn="l"/>
+                      <a:r>
+                        <a:rPr lang="en-SG" sz="1600" dirty="0"/>
+                        <a:t>8</a:t>
+                      </a:r>
+                    </a:p>
+                  </a:txBody>
+                  <a:tcPr>
+                    <a:solidFill>
+                      <a:srgbClr val="FFFF00"/>
+                    </a:solidFill>
+                  </a:tcPr>
+                </a:tc>
+                <a:extLst>
+                  <a:ext uri="{0D108BD9-81ED-4DB2-BD59-A6C34878D82A}">
+                    <a16:rowId xmlns:a16="http://schemas.microsoft.com/office/drawing/2014/main" val="1124578759"/>
+                  </a:ext>
+                </a:extLst>
+              </a:tr>
+              <a:tr h="370840">
+                <a:tc>
+                  <a:txBody>
+                    <a:bodyPr/>
+                    <a:lstStyle/>
+                    <a:p>
+                      <a:pPr algn="l"/>
+                      <a:r>
+                        <a:rPr lang="en-SG" sz="1600" dirty="0"/>
+                        <a:t>500</a:t>
+                      </a:r>
+                    </a:p>
+                  </a:txBody>
+                  <a:tcPr/>
+                </a:tc>
+                <a:tc>
+                  <a:txBody>
+                    <a:bodyPr/>
+                    <a:lstStyle/>
+                    <a:p>
+                      <a:pPr algn="l"/>
+                      <a:r>
+                        <a:rPr lang="en-SG" sz="1600" dirty="0"/>
+                        <a:t>Human</a:t>
+                      </a:r>
+                    </a:p>
+                  </a:txBody>
+                  <a:tcPr/>
+                </a:tc>
+                <a:tc>
+                  <a:txBody>
+                    <a:bodyPr/>
+                    <a:lstStyle/>
+                    <a:p>
+                      <a:pPr algn="l"/>
+                      <a:r>
+                        <a:rPr lang="en-SG" sz="1600" dirty="0"/>
+                        <a:t>20</a:t>
+                      </a:r>
+                    </a:p>
+                  </a:txBody>
+                  <a:tcPr/>
+                </a:tc>
+                <a:tc>
+                  <a:txBody>
+                    <a:bodyPr/>
+                    <a:lstStyle/>
+                    <a:p>
+                      <a:pPr algn="l"/>
+                      <a:r>
+                        <a:rPr lang="en-SG" sz="1600" dirty="0"/>
+                        <a:t>8</a:t>
+                      </a:r>
+                    </a:p>
+                  </a:txBody>
+                  <a:tcPr/>
+                </a:tc>
+                <a:tc>
+                  <a:txBody>
+                    <a:bodyPr/>
+                    <a:lstStyle/>
+                    <a:p>
+                      <a:pPr algn="l"/>
+                      <a:r>
+                        <a:rPr lang="en-SG" sz="1600" dirty="0"/>
+                        <a:t>0</a:t>
+                      </a:r>
+                    </a:p>
+                  </a:txBody>
+                  <a:tcPr/>
+                </a:tc>
+                <a:tc>
+                  <a:txBody>
+                    <a:bodyPr/>
+                    <a:lstStyle/>
+                    <a:p>
+                      <a:pPr algn="l"/>
+                      <a:r>
+                        <a:rPr lang="en-SG" sz="1600" dirty="0"/>
+                        <a:t>5</a:t>
+                      </a:r>
+                    </a:p>
+                  </a:txBody>
+                  <a:tcPr/>
+                </a:tc>
+                <a:tc>
+                  <a:txBody>
+                    <a:bodyPr/>
+                    <a:lstStyle/>
+                    <a:p>
+                      <a:pPr algn="l"/>
+                      <a:r>
+                        <a:rPr lang="en-SG" sz="1600" dirty="0"/>
+                        <a:t>5</a:t>
+                      </a:r>
+                    </a:p>
+                  </a:txBody>
+                  <a:tcPr/>
+                </a:tc>
+                <a:tc>
+                  <a:txBody>
+                    <a:bodyPr/>
+                    <a:lstStyle/>
+                    <a:p>
+                      <a:pPr algn="l"/>
+                      <a:r>
+                        <a:rPr lang="en-SG" sz="1600" dirty="0"/>
+                        <a:t>0</a:t>
+                      </a:r>
+                    </a:p>
+                  </a:txBody>
+                  <a:tcPr/>
+                </a:tc>
+                <a:tc>
+                  <a:txBody>
+                    <a:bodyPr/>
+                    <a:lstStyle/>
+                    <a:p>
+                      <a:pPr algn="l"/>
+                      <a:r>
+                        <a:rPr lang="en-SG" sz="1600" dirty="0"/>
+                        <a:t>-2.031656</a:t>
+                      </a:r>
+                    </a:p>
+                  </a:txBody>
+                  <a:tcPr/>
+                </a:tc>
+                <a:tc>
+                  <a:txBody>
+                    <a:bodyPr/>
+                    <a:lstStyle/>
+                    <a:p>
+                      <a:pPr algn="l"/>
+                      <a:r>
+                        <a:rPr lang="en-SG" sz="1600" dirty="0"/>
+                        <a:t>185</a:t>
+                      </a:r>
+                    </a:p>
+                  </a:txBody>
+                  <a:tcPr/>
+                </a:tc>
+                <a:tc>
+                  <a:txBody>
+                    <a:bodyPr/>
+                    <a:lstStyle/>
+                    <a:p>
+                      <a:pPr algn="l"/>
+                      <a:r>
+                        <a:rPr lang="en-SG" sz="1600" dirty="0"/>
+                        <a:t>4</a:t>
+                      </a:r>
+                    </a:p>
+                  </a:txBody>
+                  <a:tcPr/>
+                </a:tc>
+                <a:extLst>
+                  <a:ext uri="{0D108BD9-81ED-4DB2-BD59-A6C34878D82A}">
+                    <a16:rowId xmlns:a16="http://schemas.microsoft.com/office/drawing/2014/main" val="480828811"/>
+                  </a:ext>
+                </a:extLst>
+              </a:tr>
+              <a:tr h="370840">
+                <a:tc>
+                  <a:txBody>
+                    <a:bodyPr/>
+                    <a:lstStyle/>
+                    <a:p>
+                      <a:pPr algn="l"/>
+                      <a:r>
+                        <a:rPr lang="en-SG" sz="1600" dirty="0"/>
+                        <a:t>1000</a:t>
+                      </a:r>
+                    </a:p>
+                  </a:txBody>
+                  <a:tcPr>
+                    <a:solidFill>
+                      <a:srgbClr val="CFD5EA"/>
+                    </a:solidFill>
+                  </a:tcPr>
+                </a:tc>
+                <a:tc>
+                  <a:txBody>
+                    <a:bodyPr/>
+                    <a:lstStyle/>
+                    <a:p>
+                      <a:pPr algn="l"/>
+                      <a:r>
+                        <a:rPr lang="en-SG" sz="1600" dirty="0"/>
+                        <a:t>ML</a:t>
+                      </a:r>
+                    </a:p>
+                  </a:txBody>
+                  <a:tcPr>
+                    <a:solidFill>
+                      <a:srgbClr val="CFD5EA"/>
+                    </a:solidFill>
+                  </a:tcPr>
+                </a:tc>
+                <a:tc>
+                  <a:txBody>
+                    <a:bodyPr/>
+                    <a:lstStyle/>
+                    <a:p>
+                      <a:pPr algn="l"/>
+                      <a:r>
+                        <a:rPr lang="en-SG" sz="1600" dirty="0"/>
+                        <a:t>28.455588</a:t>
+                      </a:r>
+                    </a:p>
+                  </a:txBody>
+                  <a:tcPr>
+                    <a:solidFill>
+                      <a:srgbClr val="CFD5EA"/>
+                    </a:solidFill>
+                  </a:tcPr>
+                </a:tc>
+                <a:tc>
+                  <a:txBody>
+                    <a:bodyPr/>
+                    <a:lstStyle/>
+                    <a:p>
+                      <a:pPr algn="l"/>
+                      <a:r>
+                        <a:rPr lang="en-SG" sz="1600" dirty="0"/>
+                        <a:t>5.083888</a:t>
+                      </a:r>
+                    </a:p>
+                  </a:txBody>
+                  <a:tcPr>
+                    <a:solidFill>
+                      <a:srgbClr val="CFD5EA"/>
+                    </a:solidFill>
+                  </a:tcPr>
+                </a:tc>
+                <a:tc>
+                  <a:txBody>
+                    <a:bodyPr/>
+                    <a:lstStyle/>
+                    <a:p>
+                      <a:pPr algn="l"/>
+                      <a:r>
+                        <a:rPr lang="en-SG" sz="1600" dirty="0"/>
+                        <a:t>0</a:t>
+                      </a:r>
+                    </a:p>
+                  </a:txBody>
+                  <a:tcPr>
+                    <a:solidFill>
+                      <a:srgbClr val="CFD5EA"/>
+                    </a:solidFill>
+                  </a:tcPr>
+                </a:tc>
+                <a:tc>
+                  <a:txBody>
+                    <a:bodyPr/>
+                    <a:lstStyle/>
+                    <a:p>
+                      <a:pPr algn="l"/>
+                      <a:r>
+                        <a:rPr lang="en-SG" sz="1600" dirty="0"/>
+                        <a:t>5</a:t>
+                      </a:r>
+                    </a:p>
+                  </a:txBody>
+                  <a:tcPr>
+                    <a:solidFill>
+                      <a:srgbClr val="CFD5EA"/>
+                    </a:solidFill>
+                  </a:tcPr>
+                </a:tc>
+                <a:tc>
+                  <a:txBody>
+                    <a:bodyPr/>
+                    <a:lstStyle/>
+                    <a:p>
+                      <a:pPr algn="l"/>
+                      <a:r>
+                        <a:rPr lang="en-SG" sz="1600" dirty="0"/>
+                        <a:t>5</a:t>
+                      </a:r>
+                    </a:p>
+                  </a:txBody>
+                  <a:tcPr>
+                    <a:solidFill>
+                      <a:srgbClr val="CFD5EA"/>
+                    </a:solidFill>
+                  </a:tcPr>
+                </a:tc>
+                <a:tc>
+                  <a:txBody>
+                    <a:bodyPr/>
+                    <a:lstStyle/>
+                    <a:p>
+                      <a:pPr algn="l"/>
+                      <a:r>
+                        <a:rPr lang="en-SG" sz="1600" dirty="0"/>
+                        <a:t>0</a:t>
+                      </a:r>
+                    </a:p>
+                  </a:txBody>
+                  <a:tcPr>
+                    <a:solidFill>
+                      <a:srgbClr val="CFD5EA"/>
+                    </a:solidFill>
+                  </a:tcPr>
+                </a:tc>
+                <a:tc>
+                  <a:txBody>
+                    <a:bodyPr/>
+                    <a:lstStyle/>
+                    <a:p>
+                      <a:pPr algn="l"/>
+                      <a:r>
+                        <a:rPr lang="en-SG" sz="1600" dirty="0"/>
+                        <a:t>-0.555162</a:t>
+                      </a:r>
+                    </a:p>
+                  </a:txBody>
+                  <a:tcPr>
+                    <a:solidFill>
+                      <a:srgbClr val="CFD5EA"/>
+                    </a:solidFill>
+                  </a:tcPr>
+                </a:tc>
+                <a:tc>
+                  <a:txBody>
+                    <a:bodyPr/>
+                    <a:lstStyle/>
+                    <a:p>
+                      <a:pPr algn="l"/>
+                      <a:r>
+                        <a:rPr lang="en-SG" sz="1600" dirty="0"/>
+                        <a:t>241.842347</a:t>
+                      </a:r>
+                    </a:p>
+                  </a:txBody>
+                  <a:tcPr>
+                    <a:solidFill>
+                      <a:srgbClr val="CFD5EA"/>
+                    </a:solidFill>
+                  </a:tcPr>
+                </a:tc>
+                <a:tc>
+                  <a:txBody>
+                    <a:bodyPr/>
+                    <a:lstStyle/>
+                    <a:p>
+                      <a:pPr algn="l"/>
+                      <a:r>
+                        <a:rPr lang="en-SG" sz="1600" dirty="0"/>
+                        <a:t>8</a:t>
+                      </a:r>
+                    </a:p>
+                  </a:txBody>
+                  <a:tcPr>
+                    <a:solidFill>
+                      <a:srgbClr val="CFD5EA"/>
+                    </a:solidFill>
+                  </a:tcPr>
+                </a:tc>
+                <a:extLst>
+                  <a:ext uri="{0D108BD9-81ED-4DB2-BD59-A6C34878D82A}">
+                    <a16:rowId xmlns:a16="http://schemas.microsoft.com/office/drawing/2014/main" val="2748972000"/>
+                  </a:ext>
+                </a:extLst>
+              </a:tr>
+              <a:tr h="370840">
+                <a:tc>
+                  <a:txBody>
+                    <a:bodyPr/>
+                    <a:lstStyle/>
+                    <a:p>
+                      <a:pPr algn="l"/>
+                      <a:r>
+                        <a:rPr lang="en-SG" sz="1600" dirty="0"/>
+                        <a:t>1000</a:t>
+                      </a:r>
+                    </a:p>
+                  </a:txBody>
+                  <a:tcPr>
+                    <a:solidFill>
+                      <a:srgbClr val="E9EBF5"/>
+                    </a:solidFill>
+                  </a:tcPr>
+                </a:tc>
+                <a:tc>
+                  <a:txBody>
+                    <a:bodyPr/>
+                    <a:lstStyle/>
+                    <a:p>
+                      <a:pPr algn="l"/>
+                      <a:r>
+                        <a:rPr lang="en-SG" sz="1600" dirty="0"/>
+                        <a:t>Human</a:t>
+                      </a:r>
+                    </a:p>
+                  </a:txBody>
+                  <a:tcPr>
+                    <a:solidFill>
+                      <a:srgbClr val="E9EBF5"/>
+                    </a:solidFill>
+                  </a:tcPr>
+                </a:tc>
+                <a:tc>
+                  <a:txBody>
+                    <a:bodyPr/>
+                    <a:lstStyle/>
+                    <a:p>
+                      <a:pPr algn="l"/>
+                      <a:r>
+                        <a:rPr lang="en-SG" sz="1600" dirty="0"/>
+                        <a:t>20</a:t>
+                      </a:r>
+                    </a:p>
+                  </a:txBody>
+                  <a:tcPr>
+                    <a:solidFill>
+                      <a:srgbClr val="E9EBF5"/>
+                    </a:solidFill>
+                  </a:tcPr>
+                </a:tc>
+                <a:tc>
+                  <a:txBody>
+                    <a:bodyPr/>
+                    <a:lstStyle/>
+                    <a:p>
+                      <a:pPr algn="l"/>
+                      <a:r>
+                        <a:rPr lang="en-SG" sz="1600" dirty="0"/>
+                        <a:t>8</a:t>
+                      </a:r>
+                    </a:p>
+                  </a:txBody>
+                  <a:tcPr>
+                    <a:solidFill>
+                      <a:srgbClr val="E9EBF5"/>
+                    </a:solidFill>
+                  </a:tcPr>
+                </a:tc>
+                <a:tc>
+                  <a:txBody>
+                    <a:bodyPr/>
+                    <a:lstStyle/>
+                    <a:p>
+                      <a:pPr algn="l"/>
+                      <a:r>
+                        <a:rPr lang="en-SG" sz="1600" dirty="0"/>
+                        <a:t>0</a:t>
+                      </a:r>
+                    </a:p>
+                  </a:txBody>
+                  <a:tcPr>
+                    <a:solidFill>
+                      <a:srgbClr val="E9EBF5"/>
+                    </a:solidFill>
+                  </a:tcPr>
+                </a:tc>
+                <a:tc>
+                  <a:txBody>
+                    <a:bodyPr/>
+                    <a:lstStyle/>
+                    <a:p>
+                      <a:pPr algn="l"/>
+                      <a:r>
+                        <a:rPr lang="en-SG" sz="1600" dirty="0"/>
+                        <a:t>5</a:t>
+                      </a:r>
+                    </a:p>
+                  </a:txBody>
+                  <a:tcPr>
+                    <a:solidFill>
+                      <a:srgbClr val="E9EBF5"/>
+                    </a:solidFill>
+                  </a:tcPr>
+                </a:tc>
+                <a:tc>
+                  <a:txBody>
+                    <a:bodyPr/>
+                    <a:lstStyle/>
+                    <a:p>
+                      <a:pPr algn="l"/>
+                      <a:r>
+                        <a:rPr lang="en-SG" sz="1600" dirty="0"/>
+                        <a:t>5</a:t>
+                      </a:r>
+                    </a:p>
+                  </a:txBody>
+                  <a:tcPr>
+                    <a:solidFill>
+                      <a:srgbClr val="E9EBF5"/>
+                    </a:solidFill>
+                  </a:tcPr>
+                </a:tc>
+                <a:tc>
+                  <a:txBody>
+                    <a:bodyPr/>
+                    <a:lstStyle/>
+                    <a:p>
+                      <a:pPr algn="l"/>
+                      <a:r>
+                        <a:rPr lang="en-SG" sz="1600" dirty="0"/>
+                        <a:t>0</a:t>
+                      </a:r>
+                    </a:p>
+                  </a:txBody>
+                  <a:tcPr>
+                    <a:solidFill>
+                      <a:srgbClr val="E9EBF5"/>
+                    </a:solidFill>
+                  </a:tcPr>
+                </a:tc>
+                <a:tc>
+                  <a:txBody>
+                    <a:bodyPr/>
+                    <a:lstStyle/>
+                    <a:p>
+                      <a:pPr algn="l"/>
+                      <a:r>
+                        <a:rPr lang="en-SG" sz="1600" dirty="0"/>
+                        <a:t>-1.263879</a:t>
+                      </a:r>
+                    </a:p>
+                  </a:txBody>
+                  <a:tcPr>
+                    <a:solidFill>
+                      <a:srgbClr val="E9EBF5"/>
+                    </a:solidFill>
+                  </a:tcPr>
+                </a:tc>
+                <a:tc>
+                  <a:txBody>
+                    <a:bodyPr/>
+                    <a:lstStyle/>
+                    <a:p>
+                      <a:pPr marL="0" marR="0" lvl="0" indent="0" algn="l" defTabSz="914400" rtl="0" eaLnBrk="1" fontAlgn="auto" latinLnBrk="0" hangingPunct="1">
+                        <a:lnSpc>
+                          <a:spcPct val="100000"/>
+                        </a:lnSpc>
+                        <a:spcBef>
+                          <a:spcPts val="0"/>
+                        </a:spcBef>
+                        <a:spcAft>
+                          <a:spcPts val="0"/>
+                        </a:spcAft>
+                        <a:buClrTx/>
+                        <a:buSzTx/>
+                        <a:buFontTx/>
+                        <a:buNone/>
+                        <a:tabLst/>
+                        <a:defRPr/>
+                      </a:pPr>
+                      <a:r>
+                        <a:rPr lang="en-SG" sz="1600" dirty="0"/>
+                        <a:t>185</a:t>
+                      </a:r>
+                    </a:p>
+                  </a:txBody>
+                  <a:tcPr>
+                    <a:solidFill>
+                      <a:srgbClr val="E9EBF5"/>
+                    </a:solidFill>
+                  </a:tcPr>
+                </a:tc>
+                <a:tc>
+                  <a:txBody>
+                    <a:bodyPr/>
+                    <a:lstStyle/>
+                    <a:p>
+                      <a:pPr algn="l"/>
+                      <a:r>
+                        <a:rPr lang="en-SG" sz="1600" dirty="0"/>
+                        <a:t>4</a:t>
+                      </a:r>
+                    </a:p>
+                  </a:txBody>
+                  <a:tcPr>
+                    <a:solidFill>
+                      <a:srgbClr val="E9EBF5"/>
+                    </a:solidFill>
+                  </a:tcPr>
+                </a:tc>
+                <a:extLst>
+                  <a:ext uri="{0D108BD9-81ED-4DB2-BD59-A6C34878D82A}">
+                    <a16:rowId xmlns:a16="http://schemas.microsoft.com/office/drawing/2014/main" val="1317962754"/>
+                  </a:ext>
+                </a:extLst>
+              </a:tr>
+            </a:tbl>
+          </a:graphicData>
+        </a:graphic>
+      </p:graphicFrame>
+      <p:sp>
+        <p:nvSpPr>
+          <p:cNvPr id="3" name="TextBox 2">
+            <a:extLst>
+              <a:ext uri="{FF2B5EF4-FFF2-40B4-BE49-F238E27FC236}">
+                <a16:creationId xmlns:a16="http://schemas.microsoft.com/office/drawing/2014/main" id="{1308D0C7-1A45-BA0F-910E-1B76483ABB3D}"/>
+              </a:ext>
+            </a:extLst>
+          </p:cNvPr>
+          <p:cNvSpPr txBox="1"/>
+          <p:nvPr/>
+        </p:nvSpPr>
+        <p:spPr>
+          <a:xfrm>
+            <a:off x="1786466" y="575733"/>
+            <a:ext cx="8619067" cy="369332"/>
+          </a:xfrm>
+          <a:prstGeom prst="rect">
+            <a:avLst/>
+          </a:prstGeom>
+          <a:noFill/>
+        </p:spPr>
+        <p:txBody>
+          <a:bodyPr wrap="square" rtlCol="0">
+            <a:spAutoFit/>
+          </a:bodyPr>
+          <a:lstStyle/>
+          <a:p>
+            <a:pPr algn="ctr"/>
+            <a:r>
+              <a:rPr lang="en-SG" dirty="0"/>
+              <a:t>All experiments we have touch tip for aspiration, no touch tip for dispense</a:t>
+            </a:r>
+          </a:p>
+        </p:txBody>
+      </p:sp>
+      <mc:AlternateContent xmlns:mc="http://schemas.openxmlformats.org/markup-compatibility/2006">
+        <mc:Choice xmlns:p14="http://schemas.microsoft.com/office/powerpoint/2010/main" Requires="p14">
+          <p:contentPart p14:bwMode="auto" r:id="rId2">
+            <p14:nvContentPartPr>
+              <p14:cNvPr id="4" name="Ink 3">
+                <a:extLst>
+                  <a:ext uri="{FF2B5EF4-FFF2-40B4-BE49-F238E27FC236}">
+                    <a16:creationId xmlns:a16="http://schemas.microsoft.com/office/drawing/2014/main" id="{28CB8A9E-E29B-DB17-8ECE-7251AB403F33}"/>
+                  </a:ext>
+                </a:extLst>
+              </p14:cNvPr>
+              <p14:cNvContentPartPr/>
+              <p14:nvPr/>
+            </p14:nvContentPartPr>
+            <p14:xfrm>
+              <a:off x="-1107171" y="2955069"/>
+              <a:ext cx="360" cy="360"/>
+            </p14:xfrm>
+          </p:contentPart>
+        </mc:Choice>
+        <mc:Fallback>
+          <p:pic>
+            <p:nvPicPr>
+              <p:cNvPr id="4" name="Ink 3">
+                <a:extLst>
+                  <a:ext uri="{FF2B5EF4-FFF2-40B4-BE49-F238E27FC236}">
+                    <a16:creationId xmlns:a16="http://schemas.microsoft.com/office/drawing/2014/main" id="{28CB8A9E-E29B-DB17-8ECE-7251AB403F33}"/>
+                  </a:ext>
+                </a:extLst>
+              </p:cNvPr>
+              <p:cNvPicPr/>
+              <p:nvPr/>
+            </p:nvPicPr>
+            <p:blipFill>
+              <a:blip r:embed="rId3"/>
+              <a:stretch>
+                <a:fillRect/>
+              </a:stretch>
+            </p:blipFill>
+            <p:spPr>
+              <a:xfrm>
+                <a:off x="-1111491" y="2950749"/>
+                <a:ext cx="9000" cy="9000"/>
+              </a:xfrm>
+              <a:prstGeom prst="rect">
+                <a:avLst/>
+              </a:prstGeom>
+            </p:spPr>
+          </p:pic>
+        </mc:Fallback>
+      </mc:AlternateContent>
+    </p:spTree>
+    <p:extLst>
+      <p:ext uri="{BB962C8B-B14F-4D97-AF65-F5344CB8AC3E}">
+        <p14:creationId xmlns:p14="http://schemas.microsoft.com/office/powerpoint/2010/main" val="4078308528"/>
+      </p:ext>
+    </p:extLst>
+  </p:cSld>
+  <p:clrMapOvr>
+    <a:masterClrMapping/>
+  </p:clrMapOvr>
+</p:sld>
+</file>
+
+<file path=ppt/slides/slide22.xml><?xml version="1.0" encoding="utf-8"?>
+<p:sld xmlns:a="http://schemas.openxmlformats.org/drawingml/2006/main" xmlns:r="http://schemas.openxmlformats.org/officeDocument/2006/relationships" xmlns:p="http://schemas.openxmlformats.org/presentationml/2006/main">
+  <p:cSld>
+    <p:spTree>
+      <p:nvGrpSpPr>
+        <p:cNvPr id="1" name=""/>
+        <p:cNvGrpSpPr/>
+        <p:nvPr/>
+      </p:nvGrpSpPr>
+      <p:grpSpPr>
+        <a:xfrm>
+          <a:off x="0" y="0"/>
+          <a:ext cx="0" cy="0"/>
+          <a:chOff x="0" y="0"/>
+          <a:chExt cx="0" cy="0"/>
+        </a:xfrm>
+      </p:grpSpPr>
+    </p:spTree>
+    <p:extLst>
+      <p:ext uri="{BB962C8B-B14F-4D97-AF65-F5344CB8AC3E}">
+        <p14:creationId xmlns:p14="http://schemas.microsoft.com/office/powerpoint/2010/main" val="3923911006"/>
+      </p:ext>
+    </p:extLst>
+  </p:cSld>
+  <p:clrMapOvr>
+    <a:masterClrMapping/>
+  </p:clrMapOvr>
+</p:sld>
+</file>
+
+<file path=ppt/slides/slide23.xml><?xml version="1.0" encoding="utf-8"?>
+<p:sld xmlns:a="http://schemas.openxmlformats.org/drawingml/2006/main" xmlns:r="http://schemas.openxmlformats.org/officeDocument/2006/relationships" xmlns:p="http://schemas.openxmlformats.org/presentationml/2006/main">
+  <p:cSld>
+    <p:spTree>
+      <p:nvGrpSpPr>
+        <p:cNvPr id="1" name=""/>
+        <p:cNvGrpSpPr/>
+        <p:nvPr/>
+      </p:nvGrpSpPr>
+      <p:grpSpPr>
+        <a:xfrm>
+          <a:off x="0" y="0"/>
+          <a:ext cx="0" cy="0"/>
+          <a:chOff x="0" y="0"/>
+          <a:chExt cx="0" cy="0"/>
+        </a:xfrm>
+      </p:grpSpPr>
+    </p:spTree>
+    <p:extLst>
+      <p:ext uri="{BB962C8B-B14F-4D97-AF65-F5344CB8AC3E}">
+        <p14:creationId xmlns:p14="http://schemas.microsoft.com/office/powerpoint/2010/main" val="1888039758"/>
+      </p:ext>
+    </p:extLst>
+  </p:cSld>
+  <p:clrMapOvr>
+    <a:masterClrMapping/>
+  </p:clrMapOvr>
+</p:sld>
+</file>
+
+<file path=ppt/slides/slide24.xml><?xml version="1.0" encoding="utf-8"?>
+<p:sld xmlns:a="http://schemas.openxmlformats.org/drawingml/2006/main" xmlns:r="http://schemas.openxmlformats.org/officeDocument/2006/relationships" xmlns:p="http://schemas.openxmlformats.org/presentationml/2006/main">
+  <p:cSld>
+    <p:spTree>
+      <p:nvGrpSpPr>
+        <p:cNvPr id="1" name=""/>
+        <p:cNvGrpSpPr/>
+        <p:nvPr/>
+      </p:nvGrpSpPr>
+      <p:grpSpPr>
+        <a:xfrm>
+          <a:off x="0" y="0"/>
+          <a:ext cx="0" cy="0"/>
+          <a:chOff x="0" y="0"/>
+          <a:chExt cx="0" cy="0"/>
+        </a:xfrm>
+      </p:grpSpPr>
+    </p:spTree>
+    <p:extLst>
+      <p:ext uri="{BB962C8B-B14F-4D97-AF65-F5344CB8AC3E}">
+        <p14:creationId xmlns:p14="http://schemas.microsoft.com/office/powerpoint/2010/main" val="2177552859"/>
+      </p:ext>
+    </p:extLst>
+  </p:cSld>
+  <p:clrMapOvr>
+    <a:masterClrMapping/>
+  </p:clrMapOvr>
+</p:sld>
+</file>
+
 <file path=ppt/slides/slide3.xml><?xml version="1.0" encoding="utf-8"?>
-<p:sld xmlns:a="http://schemas.openxmlformats.org/drawingml/2006/main" xmlns:r="http://schemas.openxmlformats.org/officeDocument/2006/relationships" xmlns:p="http://schemas.openxmlformats.org/presentationml/2006/main">
+<p:sld xmlns:a="http://schemas.openxmlformats.org/drawingml/2006/main" xmlns:r="http://schemas.openxmlformats.org/officeDocument/2006/relationships" xmlns:p="http://schemas.openxmlformats.org/presentationml/2006/main" show="0">
   <p:cSld>
     <p:spTree>
       <p:nvGrpSpPr>
@@ -27197,7 +31838,7 @@
 </file>
 
 <file path=ppt/slides/slide4.xml><?xml version="1.0" encoding="utf-8"?>
-<p:sld xmlns:a="http://schemas.openxmlformats.org/drawingml/2006/main" xmlns:r="http://schemas.openxmlformats.org/officeDocument/2006/relationships" xmlns:p="http://schemas.openxmlformats.org/presentationml/2006/main">
+<p:sld xmlns:a="http://schemas.openxmlformats.org/drawingml/2006/main" xmlns:r="http://schemas.openxmlformats.org/officeDocument/2006/relationships" xmlns:p="http://schemas.openxmlformats.org/presentationml/2006/main" show="0">
   <p:cSld>
     <p:spTree>
       <p:nvGrpSpPr>
@@ -27262,7 +31903,7 @@
 </file>
 
 <file path=ppt/slides/slide5.xml><?xml version="1.0" encoding="utf-8"?>
-<p:sld xmlns:a="http://schemas.openxmlformats.org/drawingml/2006/main" xmlns:r="http://schemas.openxmlformats.org/officeDocument/2006/relationships" xmlns:p="http://schemas.openxmlformats.org/presentationml/2006/main">
+<p:sld xmlns:a="http://schemas.openxmlformats.org/drawingml/2006/main" xmlns:r="http://schemas.openxmlformats.org/officeDocument/2006/relationships" xmlns:p="http://schemas.openxmlformats.org/presentationml/2006/main" show="0">
   <p:cSld>
     <p:spTree>
       <p:nvGrpSpPr>
@@ -28354,8 +32995,8 @@
           </p:pic>
         </mc:Fallback>
       </mc:AlternateContent>
-      <mc:AlternateContent xmlns:mc="http://schemas.openxmlformats.org/markup-compatibility/2006">
-        <mc:Choice xmlns:p14="http://schemas.microsoft.com/office/powerpoint/2010/main" Requires="p14">
+      <mc:AlternateContent xmlns:mc="http://schemas.openxmlformats.org/markup-compatibility/2006" xmlns:p14="http://schemas.microsoft.com/office/powerpoint/2010/main">
+        <mc:Choice Requires="p14">
           <p:contentPart p14:bwMode="auto" r:id="rId45">
             <p14:nvContentPartPr>
               <p14:cNvPr id="2" name="Ink 1">
@@ -28374,7 +33015,7 @@
             </p14:xfrm>
           </p:contentPart>
         </mc:Choice>
-        <mc:Fallback>
+        <mc:Fallback xmlns="">
           <p:pic>
             <p:nvPicPr>
               <p:cNvPr id="2" name="Ink 1">
@@ -28405,8 +33046,8 @@
           </p:pic>
         </mc:Fallback>
       </mc:AlternateContent>
-      <mc:AlternateContent xmlns:mc="http://schemas.openxmlformats.org/markup-compatibility/2006">
-        <mc:Choice xmlns:p14="http://schemas.microsoft.com/office/powerpoint/2010/main" Requires="p14">
+      <mc:AlternateContent xmlns:mc="http://schemas.openxmlformats.org/markup-compatibility/2006" xmlns:p14="http://schemas.microsoft.com/office/powerpoint/2010/main">
+        <mc:Choice Requires="p14">
           <p:contentPart p14:bwMode="auto" r:id="rId47">
             <p14:nvContentPartPr>
               <p14:cNvPr id="5" name="Ink 4">
@@ -28425,7 +33066,7 @@
             </p14:xfrm>
           </p:contentPart>
         </mc:Choice>
-        <mc:Fallback>
+        <mc:Fallback xmlns="">
           <p:pic>
             <p:nvPicPr>
               <p:cNvPr id="5" name="Ink 4">
@@ -28456,8 +33097,8 @@
           </p:pic>
         </mc:Fallback>
       </mc:AlternateContent>
-      <mc:AlternateContent xmlns:mc="http://schemas.openxmlformats.org/markup-compatibility/2006">
-        <mc:Choice xmlns:p14="http://schemas.microsoft.com/office/powerpoint/2010/main" Requires="p14">
+      <mc:AlternateContent xmlns:mc="http://schemas.openxmlformats.org/markup-compatibility/2006" xmlns:p14="http://schemas.microsoft.com/office/powerpoint/2010/main">
+        <mc:Choice Requires="p14">
           <p:contentPart p14:bwMode="auto" r:id="rId48">
             <p14:nvContentPartPr>
               <p14:cNvPr id="7" name="Ink 6">
@@ -28476,7 +33117,7 @@
             </p14:xfrm>
           </p:contentPart>
         </mc:Choice>
-        <mc:Fallback>
+        <mc:Fallback xmlns="">
           <p:pic>
             <p:nvPicPr>
               <p:cNvPr id="7" name="Ink 6">
@@ -28507,8 +33148,8 @@
           </p:pic>
         </mc:Fallback>
       </mc:AlternateContent>
-      <mc:AlternateContent xmlns:mc="http://schemas.openxmlformats.org/markup-compatibility/2006">
-        <mc:Choice xmlns:p14="http://schemas.microsoft.com/office/powerpoint/2010/main" Requires="p14">
+      <mc:AlternateContent xmlns:mc="http://schemas.openxmlformats.org/markup-compatibility/2006" xmlns:p14="http://schemas.microsoft.com/office/powerpoint/2010/main">
+        <mc:Choice Requires="p14">
           <p:contentPart p14:bwMode="auto" r:id="rId49">
             <p14:nvContentPartPr>
               <p14:cNvPr id="8" name="Ink 7">
@@ -28527,7 +33168,7 @@
             </p14:xfrm>
           </p:contentPart>
         </mc:Choice>
-        <mc:Fallback>
+        <mc:Fallback xmlns="">
           <p:pic>
             <p:nvPicPr>
               <p:cNvPr id="8" name="Ink 7">
@@ -28578,8 +33219,8 @@
             <a:chExt cx="144360" cy="21600"/>
           </a:xfrm>
         </p:grpSpPr>
-        <mc:AlternateContent xmlns:mc="http://schemas.openxmlformats.org/markup-compatibility/2006">
-          <mc:Choice xmlns:p14="http://schemas.microsoft.com/office/powerpoint/2010/main" Requires="p14">
+        <mc:AlternateContent xmlns:mc="http://schemas.openxmlformats.org/markup-compatibility/2006" xmlns:p14="http://schemas.microsoft.com/office/powerpoint/2010/main">
+          <mc:Choice Requires="p14">
             <p:contentPart p14:bwMode="auto" r:id="rId51">
               <p14:nvContentPartPr>
                 <p14:cNvPr id="20" name="Ink 19">
@@ -28598,7 +33239,7 @@
               </p14:xfrm>
             </p:contentPart>
           </mc:Choice>
-          <mc:Fallback>
+          <mc:Fallback xmlns="">
             <p:pic>
               <p:nvPicPr>
                 <p:cNvPr id="20" name="Ink 19">
@@ -28629,8 +33270,8 @@
             </p:pic>
           </mc:Fallback>
         </mc:AlternateContent>
-        <mc:AlternateContent xmlns:mc="http://schemas.openxmlformats.org/markup-compatibility/2006">
-          <mc:Choice xmlns:p14="http://schemas.microsoft.com/office/powerpoint/2010/main" Requires="p14">
+        <mc:AlternateContent xmlns:mc="http://schemas.openxmlformats.org/markup-compatibility/2006" xmlns:p14="http://schemas.microsoft.com/office/powerpoint/2010/main">
+          <mc:Choice Requires="p14">
             <p:contentPart p14:bwMode="auto" r:id="rId53">
               <p14:nvContentPartPr>
                 <p14:cNvPr id="22" name="Ink 21">
@@ -28649,7 +33290,7 @@
               </p14:xfrm>
             </p:contentPart>
           </mc:Choice>
-          <mc:Fallback>
+          <mc:Fallback xmlns="">
             <p:pic>
               <p:nvPicPr>
                 <p:cNvPr id="22" name="Ink 21">
@@ -28680,8 +33321,8 @@
             </p:pic>
           </mc:Fallback>
         </mc:AlternateContent>
-        <mc:AlternateContent xmlns:mc="http://schemas.openxmlformats.org/markup-compatibility/2006">
-          <mc:Choice xmlns:p14="http://schemas.microsoft.com/office/powerpoint/2010/main" Requires="p14">
+        <mc:AlternateContent xmlns:mc="http://schemas.openxmlformats.org/markup-compatibility/2006" xmlns:p14="http://schemas.microsoft.com/office/powerpoint/2010/main">
+          <mc:Choice Requires="p14">
             <p:contentPart p14:bwMode="auto" r:id="rId55">
               <p14:nvContentPartPr>
                 <p14:cNvPr id="45" name="Ink 44">
@@ -28700,7 +33341,7 @@
               </p14:xfrm>
             </p:contentPart>
           </mc:Choice>
-          <mc:Fallback>
+          <mc:Fallback xmlns="">
             <p:pic>
               <p:nvPicPr>
                 <p:cNvPr id="45" name="Ink 44">
@@ -28732,8 +33373,8 @@
           </mc:Fallback>
         </mc:AlternateContent>
       </p:grpSp>
-      <mc:AlternateContent xmlns:mc="http://schemas.openxmlformats.org/markup-compatibility/2006">
-        <mc:Choice xmlns:p14="http://schemas.microsoft.com/office/powerpoint/2010/main" Requires="p14">
+      <mc:AlternateContent xmlns:mc="http://schemas.openxmlformats.org/markup-compatibility/2006" xmlns:p14="http://schemas.microsoft.com/office/powerpoint/2010/main">
+        <mc:Choice Requires="p14">
           <p:contentPart p14:bwMode="auto" r:id="rId57">
             <p14:nvContentPartPr>
               <p14:cNvPr id="46" name="Ink 45">
@@ -28752,7 +33393,7 @@
             </p14:xfrm>
           </p:contentPart>
         </mc:Choice>
-        <mc:Fallback>
+        <mc:Fallback xmlns="">
           <p:pic>
             <p:nvPicPr>
               <p:cNvPr id="46" name="Ink 45">
@@ -28783,8 +33424,8 @@
           </p:pic>
         </mc:Fallback>
       </mc:AlternateContent>
-      <mc:AlternateContent xmlns:mc="http://schemas.openxmlformats.org/markup-compatibility/2006">
-        <mc:Choice xmlns:p14="http://schemas.microsoft.com/office/powerpoint/2010/main" Requires="p14">
+      <mc:AlternateContent xmlns:mc="http://schemas.openxmlformats.org/markup-compatibility/2006" xmlns:p14="http://schemas.microsoft.com/office/powerpoint/2010/main">
+        <mc:Choice Requires="p14">
           <p:contentPart p14:bwMode="auto" r:id="rId59">
             <p14:nvContentPartPr>
               <p14:cNvPr id="47" name="Ink 46">
@@ -28803,7 +33444,7 @@
             </p14:xfrm>
           </p:contentPart>
         </mc:Choice>
-        <mc:Fallback>
+        <mc:Fallback xmlns="">
           <p:pic>
             <p:nvPicPr>
               <p:cNvPr id="47" name="Ink 46">
@@ -28854,8 +33495,8 @@
             <a:chExt cx="25560" cy="25560"/>
           </a:xfrm>
         </p:grpSpPr>
-        <mc:AlternateContent xmlns:mc="http://schemas.openxmlformats.org/markup-compatibility/2006">
-          <mc:Choice xmlns:p14="http://schemas.microsoft.com/office/powerpoint/2010/main" Requires="p14">
+        <mc:AlternateContent xmlns:mc="http://schemas.openxmlformats.org/markup-compatibility/2006" xmlns:p14="http://schemas.microsoft.com/office/powerpoint/2010/main">
+          <mc:Choice Requires="p14">
             <p:contentPart p14:bwMode="auto" r:id="rId61">
               <p14:nvContentPartPr>
                 <p14:cNvPr id="48" name="Ink 47">
@@ -28874,7 +33515,7 @@
               </p14:xfrm>
             </p:contentPart>
           </mc:Choice>
-          <mc:Fallback>
+          <mc:Fallback xmlns="">
             <p:pic>
               <p:nvPicPr>
                 <p:cNvPr id="48" name="Ink 47">
@@ -28905,8 +33546,8 @@
             </p:pic>
           </mc:Fallback>
         </mc:AlternateContent>
-        <mc:AlternateContent xmlns:mc="http://schemas.openxmlformats.org/markup-compatibility/2006">
-          <mc:Choice xmlns:p14="http://schemas.microsoft.com/office/powerpoint/2010/main" Requires="p14">
+        <mc:AlternateContent xmlns:mc="http://schemas.openxmlformats.org/markup-compatibility/2006" xmlns:p14="http://schemas.microsoft.com/office/powerpoint/2010/main">
+          <mc:Choice Requires="p14">
             <p:contentPart p14:bwMode="auto" r:id="rId63">
               <p14:nvContentPartPr>
                 <p14:cNvPr id="49" name="Ink 48">
@@ -28925,7 +33566,7 @@
               </p14:xfrm>
             </p:contentPart>
           </mc:Choice>
-          <mc:Fallback>
+          <mc:Fallback xmlns="">
             <p:pic>
               <p:nvPicPr>
                 <p:cNvPr id="49" name="Ink 48">
@@ -28957,8 +33598,8 @@
           </mc:Fallback>
         </mc:AlternateContent>
       </p:grpSp>
-      <mc:AlternateContent xmlns:mc="http://schemas.openxmlformats.org/markup-compatibility/2006">
-        <mc:Choice xmlns:p14="http://schemas.microsoft.com/office/powerpoint/2010/main" Requires="p14">
+      <mc:AlternateContent xmlns:mc="http://schemas.openxmlformats.org/markup-compatibility/2006" xmlns:p14="http://schemas.microsoft.com/office/powerpoint/2010/main">
+        <mc:Choice Requires="p14">
           <p:contentPart p14:bwMode="auto" r:id="rId64">
             <p14:nvContentPartPr>
               <p14:cNvPr id="57" name="Ink 56">
@@ -28977,7 +33618,7 @@
             </p14:xfrm>
           </p:contentPart>
         </mc:Choice>
-        <mc:Fallback>
+        <mc:Fallback xmlns="">
           <p:pic>
             <p:nvPicPr>
               <p:cNvPr id="57" name="Ink 56">
@@ -29008,8 +33649,8 @@
           </p:pic>
         </mc:Fallback>
       </mc:AlternateContent>
-      <mc:AlternateContent xmlns:mc="http://schemas.openxmlformats.org/markup-compatibility/2006">
-        <mc:Choice xmlns:p14="http://schemas.microsoft.com/office/powerpoint/2010/main" Requires="p14">
+      <mc:AlternateContent xmlns:mc="http://schemas.openxmlformats.org/markup-compatibility/2006" xmlns:p14="http://schemas.microsoft.com/office/powerpoint/2010/main">
+        <mc:Choice Requires="p14">
           <p:contentPart p14:bwMode="auto" r:id="rId66">
             <p14:nvContentPartPr>
               <p14:cNvPr id="58" name="Ink 57">
@@ -29028,7 +33669,7 @@
             </p14:xfrm>
           </p:contentPart>
         </mc:Choice>
-        <mc:Fallback>
+        <mc:Fallback xmlns="">
           <p:pic>
             <p:nvPicPr>
               <p:cNvPr id="58" name="Ink 57">
@@ -29059,8 +33700,8 @@
           </p:pic>
         </mc:Fallback>
       </mc:AlternateContent>
-      <mc:AlternateContent xmlns:mc="http://schemas.openxmlformats.org/markup-compatibility/2006">
-        <mc:Choice xmlns:p14="http://schemas.microsoft.com/office/powerpoint/2010/main" Requires="p14">
+      <mc:AlternateContent xmlns:mc="http://schemas.openxmlformats.org/markup-compatibility/2006" xmlns:p14="http://schemas.microsoft.com/office/powerpoint/2010/main">
+        <mc:Choice Requires="p14">
           <p:contentPart p14:bwMode="auto" r:id="rId68">
             <p14:nvContentPartPr>
               <p14:cNvPr id="59" name="Ink 58">
@@ -29079,7 +33720,7 @@
             </p14:xfrm>
           </p:contentPart>
         </mc:Choice>
-        <mc:Fallback>
+        <mc:Fallback xmlns="">
           <p:pic>
             <p:nvPicPr>
               <p:cNvPr id="59" name="Ink 58">
@@ -29110,8 +33751,8 @@
           </p:pic>
         </mc:Fallback>
       </mc:AlternateContent>
-      <mc:AlternateContent xmlns:mc="http://schemas.openxmlformats.org/markup-compatibility/2006">
-        <mc:Choice xmlns:p14="http://schemas.microsoft.com/office/powerpoint/2010/main" Requires="p14">
+      <mc:AlternateContent xmlns:mc="http://schemas.openxmlformats.org/markup-compatibility/2006" xmlns:p14="http://schemas.microsoft.com/office/powerpoint/2010/main">
+        <mc:Choice Requires="p14">
           <p:contentPart p14:bwMode="auto" r:id="rId70">
             <p14:nvContentPartPr>
               <p14:cNvPr id="60" name="Ink 59">
@@ -29130,7 +33771,7 @@
             </p14:xfrm>
           </p:contentPart>
         </mc:Choice>
-        <mc:Fallback>
+        <mc:Fallback xmlns="">
           <p:pic>
             <p:nvPicPr>
               <p:cNvPr id="60" name="Ink 59">
@@ -29175,7 +33816,7 @@
 </file>
 
 <file path=ppt/slides/slide6.xml><?xml version="1.0" encoding="utf-8"?>
-<p:sld xmlns:a="http://schemas.openxmlformats.org/drawingml/2006/main" xmlns:r="http://schemas.openxmlformats.org/officeDocument/2006/relationships" xmlns:p="http://schemas.openxmlformats.org/presentationml/2006/main">
+<p:sld xmlns:a="http://schemas.openxmlformats.org/drawingml/2006/main" xmlns:r="http://schemas.openxmlformats.org/officeDocument/2006/relationships" xmlns:p="http://schemas.openxmlformats.org/presentationml/2006/main" show="0">
   <p:cSld>
     <p:spTree>
       <p:nvGrpSpPr>
@@ -31169,7 +35810,7 @@
 </file>
 
 <file path=ppt/slides/slide7.xml><?xml version="1.0" encoding="utf-8"?>
-<p:sld xmlns:a="http://schemas.openxmlformats.org/drawingml/2006/main" xmlns:r="http://schemas.openxmlformats.org/officeDocument/2006/relationships" xmlns:p="http://schemas.openxmlformats.org/presentationml/2006/main">
+<p:sld xmlns:a="http://schemas.openxmlformats.org/drawingml/2006/main" xmlns:r="http://schemas.openxmlformats.org/officeDocument/2006/relationships" xmlns:p="http://schemas.openxmlformats.org/presentationml/2006/main" show="0">
   <p:cSld>
     <p:spTree>
       <p:nvGrpSpPr>
@@ -31234,7 +35875,7 @@
 </file>
 
 <file path=ppt/slides/slide8.xml><?xml version="1.0" encoding="utf-8"?>
-<p:sld xmlns:a="http://schemas.openxmlformats.org/drawingml/2006/main" xmlns:r="http://schemas.openxmlformats.org/officeDocument/2006/relationships" xmlns:p="http://schemas.openxmlformats.org/presentationml/2006/main">
+<p:sld xmlns:a="http://schemas.openxmlformats.org/drawingml/2006/main" xmlns:r="http://schemas.openxmlformats.org/officeDocument/2006/relationships" xmlns:p="http://schemas.openxmlformats.org/presentationml/2006/main" show="0">
   <p:cSld>
     <p:spTree>
       <p:nvGrpSpPr>
@@ -31285,8 +35926,8 @@
           </a:prstGeom>
         </p:spPr>
       </p:pic>
-      <mc:AlternateContent xmlns:mc="http://schemas.openxmlformats.org/markup-compatibility/2006">
-        <mc:Choice xmlns:p14="http://schemas.microsoft.com/office/powerpoint/2010/main" Requires="p14">
+      <mc:AlternateContent xmlns:mc="http://schemas.openxmlformats.org/markup-compatibility/2006" xmlns:p14="http://schemas.microsoft.com/office/powerpoint/2010/main">
+        <mc:Choice Requires="p14">
           <p:contentPart p14:bwMode="auto" r:id="rId3">
             <p14:nvContentPartPr>
               <p14:cNvPr id="5" name="Ink 4">
@@ -31305,7 +35946,7 @@
             </p14:xfrm>
           </p:contentPart>
         </mc:Choice>
-        <mc:Fallback>
+        <mc:Fallback xmlns="">
           <p:pic>
             <p:nvPicPr>
               <p:cNvPr id="5" name="Ink 4">
@@ -31336,8 +35977,8 @@
           </p:pic>
         </mc:Fallback>
       </mc:AlternateContent>
-      <mc:AlternateContent xmlns:mc="http://schemas.openxmlformats.org/markup-compatibility/2006">
-        <mc:Choice xmlns:p14="http://schemas.microsoft.com/office/powerpoint/2010/main" Requires="p14">
+      <mc:AlternateContent xmlns:mc="http://schemas.openxmlformats.org/markup-compatibility/2006" xmlns:p14="http://schemas.microsoft.com/office/powerpoint/2010/main">
+        <mc:Choice Requires="p14">
           <p:contentPart p14:bwMode="auto" r:id="rId5">
             <p14:nvContentPartPr>
               <p14:cNvPr id="7" name="Ink 6">
@@ -31356,7 +35997,7 @@
             </p14:xfrm>
           </p:contentPart>
         </mc:Choice>
-        <mc:Fallback>
+        <mc:Fallback xmlns="">
           <p:pic>
             <p:nvPicPr>
               <p:cNvPr id="7" name="Ink 6">
@@ -31387,8 +36028,8 @@
           </p:pic>
         </mc:Fallback>
       </mc:AlternateContent>
-      <mc:AlternateContent xmlns:mc="http://schemas.openxmlformats.org/markup-compatibility/2006">
-        <mc:Choice xmlns:p14="http://schemas.microsoft.com/office/powerpoint/2010/main" Requires="p14">
+      <mc:AlternateContent xmlns:mc="http://schemas.openxmlformats.org/markup-compatibility/2006" xmlns:p14="http://schemas.microsoft.com/office/powerpoint/2010/main">
+        <mc:Choice Requires="p14">
           <p:contentPart p14:bwMode="auto" r:id="rId7">
             <p14:nvContentPartPr>
               <p14:cNvPr id="46" name="Ink 45">
@@ -31407,7 +36048,7 @@
             </p14:xfrm>
           </p:contentPart>
         </mc:Choice>
-        <mc:Fallback>
+        <mc:Fallback xmlns="">
           <p:pic>
             <p:nvPicPr>
               <p:cNvPr id="46" name="Ink 45">
@@ -31438,8 +36079,8 @@
           </p:pic>
         </mc:Fallback>
       </mc:AlternateContent>
-      <mc:AlternateContent xmlns:mc="http://schemas.openxmlformats.org/markup-compatibility/2006">
-        <mc:Choice xmlns:p14="http://schemas.microsoft.com/office/powerpoint/2010/main" Requires="p14">
+      <mc:AlternateContent xmlns:mc="http://schemas.openxmlformats.org/markup-compatibility/2006" xmlns:p14="http://schemas.microsoft.com/office/powerpoint/2010/main">
+        <mc:Choice Requires="p14">
           <p:contentPart p14:bwMode="auto" r:id="rId9">
             <p14:nvContentPartPr>
               <p14:cNvPr id="47" name="Ink 46">
@@ -31458,7 +36099,7 @@
             </p14:xfrm>
           </p:contentPart>
         </mc:Choice>
-        <mc:Fallback>
+        <mc:Fallback xmlns="">
           <p:pic>
             <p:nvPicPr>
               <p:cNvPr id="47" name="Ink 46">
@@ -31509,8 +36150,8 @@
             <a:chExt cx="360" cy="360"/>
           </a:xfrm>
         </p:grpSpPr>
-        <mc:AlternateContent xmlns:mc="http://schemas.openxmlformats.org/markup-compatibility/2006">
-          <mc:Choice xmlns:p14="http://schemas.microsoft.com/office/powerpoint/2010/main" Requires="p14">
+        <mc:AlternateContent xmlns:mc="http://schemas.openxmlformats.org/markup-compatibility/2006" xmlns:p14="http://schemas.microsoft.com/office/powerpoint/2010/main">
+          <mc:Choice Requires="p14">
             <p:contentPart p14:bwMode="auto" r:id="rId11">
               <p14:nvContentPartPr>
                 <p14:cNvPr id="48" name="Ink 47">
@@ -31529,7 +36170,7 @@
               </p14:xfrm>
             </p:contentPart>
           </mc:Choice>
-          <mc:Fallback>
+          <mc:Fallback xmlns="">
             <p:pic>
               <p:nvPicPr>
                 <p:cNvPr id="48" name="Ink 47">
@@ -31560,8 +36201,8 @@
             </p:pic>
           </mc:Fallback>
         </mc:AlternateContent>
-        <mc:AlternateContent xmlns:mc="http://schemas.openxmlformats.org/markup-compatibility/2006">
-          <mc:Choice xmlns:p14="http://schemas.microsoft.com/office/powerpoint/2010/main" Requires="p14">
+        <mc:AlternateContent xmlns:mc="http://schemas.openxmlformats.org/markup-compatibility/2006" xmlns:p14="http://schemas.microsoft.com/office/powerpoint/2010/main">
+          <mc:Choice Requires="p14">
             <p:contentPart p14:bwMode="auto" r:id="rId12">
               <p14:nvContentPartPr>
                 <p14:cNvPr id="49" name="Ink 48">
@@ -31580,7 +36221,7 @@
               </p14:xfrm>
             </p:contentPart>
           </mc:Choice>
-          <mc:Fallback>
+          <mc:Fallback xmlns="">
             <p:pic>
               <p:nvPicPr>
                 <p:cNvPr id="49" name="Ink 48">
@@ -31612,8 +36253,8 @@
           </mc:Fallback>
         </mc:AlternateContent>
       </p:grpSp>
-      <mc:AlternateContent xmlns:mc="http://schemas.openxmlformats.org/markup-compatibility/2006">
-        <mc:Choice xmlns:p14="http://schemas.microsoft.com/office/powerpoint/2010/main" Requires="p14">
+      <mc:AlternateContent xmlns:mc="http://schemas.openxmlformats.org/markup-compatibility/2006" xmlns:p14="http://schemas.microsoft.com/office/powerpoint/2010/main">
+        <mc:Choice Requires="p14">
           <p:contentPart p14:bwMode="auto" r:id="rId13">
             <p14:nvContentPartPr>
               <p14:cNvPr id="50" name="Ink 49">
@@ -31632,7 +36273,7 @@
             </p14:xfrm>
           </p:contentPart>
         </mc:Choice>
-        <mc:Fallback>
+        <mc:Fallback xmlns="">
           <p:pic>
             <p:nvPicPr>
               <p:cNvPr id="50" name="Ink 49">
@@ -31663,8 +36304,8 @@
           </p:pic>
         </mc:Fallback>
       </mc:AlternateContent>
-      <mc:AlternateContent xmlns:mc="http://schemas.openxmlformats.org/markup-compatibility/2006">
-        <mc:Choice xmlns:p14="http://schemas.microsoft.com/office/powerpoint/2010/main" Requires="p14">
+      <mc:AlternateContent xmlns:mc="http://schemas.openxmlformats.org/markup-compatibility/2006" xmlns:p14="http://schemas.microsoft.com/office/powerpoint/2010/main">
+        <mc:Choice Requires="p14">
           <p:contentPart p14:bwMode="auto" r:id="rId14">
             <p14:nvContentPartPr>
               <p14:cNvPr id="51" name="Ink 50">
@@ -31683,7 +36324,7 @@
             </p14:xfrm>
           </p:contentPart>
         </mc:Choice>
-        <mc:Fallback>
+        <mc:Fallback xmlns="">
           <p:pic>
             <p:nvPicPr>
               <p:cNvPr id="51" name="Ink 50">
@@ -31714,8 +36355,8 @@
           </p:pic>
         </mc:Fallback>
       </mc:AlternateContent>
-      <mc:AlternateContent xmlns:mc="http://schemas.openxmlformats.org/markup-compatibility/2006">
-        <mc:Choice xmlns:p14="http://schemas.microsoft.com/office/powerpoint/2010/main" Requires="p14">
+      <mc:AlternateContent xmlns:mc="http://schemas.openxmlformats.org/markup-compatibility/2006" xmlns:p14="http://schemas.microsoft.com/office/powerpoint/2010/main">
+        <mc:Choice Requires="p14">
           <p:contentPart p14:bwMode="auto" r:id="rId16">
             <p14:nvContentPartPr>
               <p14:cNvPr id="52" name="Ink 51">
@@ -31734,7 +36375,7 @@
             </p14:xfrm>
           </p:contentPart>
         </mc:Choice>
-        <mc:Fallback>
+        <mc:Fallback xmlns="">
           <p:pic>
             <p:nvPicPr>
               <p:cNvPr id="52" name="Ink 51">
@@ -31765,8 +36406,8 @@
           </p:pic>
         </mc:Fallback>
       </mc:AlternateContent>
-      <mc:AlternateContent xmlns:mc="http://schemas.openxmlformats.org/markup-compatibility/2006">
-        <mc:Choice xmlns:p14="http://schemas.microsoft.com/office/powerpoint/2010/main" Requires="p14">
+      <mc:AlternateContent xmlns:mc="http://schemas.openxmlformats.org/markup-compatibility/2006" xmlns:p14="http://schemas.microsoft.com/office/powerpoint/2010/main">
+        <mc:Choice Requires="p14">
           <p:contentPart p14:bwMode="auto" r:id="rId18">
             <p14:nvContentPartPr>
               <p14:cNvPr id="53" name="Ink 52">
@@ -31785,7 +36426,7 @@
             </p14:xfrm>
           </p:contentPart>
         </mc:Choice>
-        <mc:Fallback>
+        <mc:Fallback xmlns="">
           <p:pic>
             <p:nvPicPr>
               <p:cNvPr id="53" name="Ink 52">
@@ -31836,8 +36477,8 @@
             <a:chExt cx="101880" cy="169200"/>
           </a:xfrm>
         </p:grpSpPr>
-        <mc:AlternateContent xmlns:mc="http://schemas.openxmlformats.org/markup-compatibility/2006">
-          <mc:Choice xmlns:p14="http://schemas.microsoft.com/office/powerpoint/2010/main" Requires="p14">
+        <mc:AlternateContent xmlns:mc="http://schemas.openxmlformats.org/markup-compatibility/2006" xmlns:p14="http://schemas.microsoft.com/office/powerpoint/2010/main">
+          <mc:Choice Requires="p14">
             <p:contentPart p14:bwMode="auto" r:id="rId20">
               <p14:nvContentPartPr>
                 <p14:cNvPr id="8" name="Ink 7">
@@ -31856,7 +36497,7 @@
               </p14:xfrm>
             </p:contentPart>
           </mc:Choice>
-          <mc:Fallback>
+          <mc:Fallback xmlns="">
             <p:pic>
               <p:nvPicPr>
                 <p:cNvPr id="8" name="Ink 7">
@@ -31887,8 +36528,8 @@
             </p:pic>
           </mc:Fallback>
         </mc:AlternateContent>
-        <mc:AlternateContent xmlns:mc="http://schemas.openxmlformats.org/markup-compatibility/2006">
-          <mc:Choice xmlns:p14="http://schemas.microsoft.com/office/powerpoint/2010/main" Requires="p14">
+        <mc:AlternateContent xmlns:mc="http://schemas.openxmlformats.org/markup-compatibility/2006" xmlns:p14="http://schemas.microsoft.com/office/powerpoint/2010/main">
+          <mc:Choice Requires="p14">
             <p:contentPart p14:bwMode="auto" r:id="rId21">
               <p14:nvContentPartPr>
                 <p14:cNvPr id="20" name="Ink 19">
@@ -31907,7 +36548,7 @@
               </p14:xfrm>
             </p:contentPart>
           </mc:Choice>
-          <mc:Fallback>
+          <mc:Fallback xmlns="">
             <p:pic>
               <p:nvPicPr>
                 <p:cNvPr id="20" name="Ink 19">
@@ -31938,8 +36579,8 @@
             </p:pic>
           </mc:Fallback>
         </mc:AlternateContent>
-        <mc:AlternateContent xmlns:mc="http://schemas.openxmlformats.org/markup-compatibility/2006">
-          <mc:Choice xmlns:p14="http://schemas.microsoft.com/office/powerpoint/2010/main" Requires="p14">
+        <mc:AlternateContent xmlns:mc="http://schemas.openxmlformats.org/markup-compatibility/2006" xmlns:p14="http://schemas.microsoft.com/office/powerpoint/2010/main">
+          <mc:Choice Requires="p14">
             <p:contentPart p14:bwMode="auto" r:id="rId23">
               <p14:nvContentPartPr>
                 <p14:cNvPr id="22" name="Ink 21">
@@ -31958,7 +36599,7 @@
               </p14:xfrm>
             </p:contentPart>
           </mc:Choice>
-          <mc:Fallback>
+          <mc:Fallback xmlns="">
             <p:pic>
               <p:nvPicPr>
                 <p:cNvPr id="22" name="Ink 21">
@@ -31989,8 +36630,8 @@
             </p:pic>
           </mc:Fallback>
         </mc:AlternateContent>
-        <mc:AlternateContent xmlns:mc="http://schemas.openxmlformats.org/markup-compatibility/2006">
-          <mc:Choice xmlns:p14="http://schemas.microsoft.com/office/powerpoint/2010/main" Requires="p14">
+        <mc:AlternateContent xmlns:mc="http://schemas.openxmlformats.org/markup-compatibility/2006" xmlns:p14="http://schemas.microsoft.com/office/powerpoint/2010/main">
+          <mc:Choice Requires="p14">
             <p:contentPart p14:bwMode="auto" r:id="rId24">
               <p14:nvContentPartPr>
                 <p14:cNvPr id="45" name="Ink 44">
@@ -32009,7 +36650,7 @@
               </p14:xfrm>
             </p:contentPart>
           </mc:Choice>
-          <mc:Fallback>
+          <mc:Fallback xmlns="">
             <p:pic>
               <p:nvPicPr>
                 <p:cNvPr id="45" name="Ink 44">
@@ -32040,8 +36681,8 @@
             </p:pic>
           </mc:Fallback>
         </mc:AlternateContent>
-        <mc:AlternateContent xmlns:mc="http://schemas.openxmlformats.org/markup-compatibility/2006">
-          <mc:Choice xmlns:p14="http://schemas.microsoft.com/office/powerpoint/2010/main" Requires="p14">
+        <mc:AlternateContent xmlns:mc="http://schemas.openxmlformats.org/markup-compatibility/2006" xmlns:p14="http://schemas.microsoft.com/office/powerpoint/2010/main">
+          <mc:Choice Requires="p14">
             <p:contentPart p14:bwMode="auto" r:id="rId25">
               <p14:nvContentPartPr>
                 <p14:cNvPr id="54" name="Ink 53">
@@ -32060,7 +36701,7 @@
               </p14:xfrm>
             </p:contentPart>
           </mc:Choice>
-          <mc:Fallback>
+          <mc:Fallback xmlns="">
             <p:pic>
               <p:nvPicPr>
                 <p:cNvPr id="54" name="Ink 53">
@@ -32091,8 +36732,8 @@
             </p:pic>
           </mc:Fallback>
         </mc:AlternateContent>
-        <mc:AlternateContent xmlns:mc="http://schemas.openxmlformats.org/markup-compatibility/2006">
-          <mc:Choice xmlns:p14="http://schemas.microsoft.com/office/powerpoint/2010/main" Requires="p14">
+        <mc:AlternateContent xmlns:mc="http://schemas.openxmlformats.org/markup-compatibility/2006" xmlns:p14="http://schemas.microsoft.com/office/powerpoint/2010/main">
+          <mc:Choice Requires="p14">
             <p:contentPart p14:bwMode="auto" r:id="rId27">
               <p14:nvContentPartPr>
                 <p14:cNvPr id="55" name="Ink 54">
@@ -32111,7 +36752,7 @@
               </p14:xfrm>
             </p:contentPart>
           </mc:Choice>
-          <mc:Fallback>
+          <mc:Fallback xmlns="">
             <p:pic>
               <p:nvPicPr>
                 <p:cNvPr id="55" name="Ink 54">
@@ -32142,8 +36783,8 @@
             </p:pic>
           </mc:Fallback>
         </mc:AlternateContent>
-        <mc:AlternateContent xmlns:mc="http://schemas.openxmlformats.org/markup-compatibility/2006">
-          <mc:Choice xmlns:p14="http://schemas.microsoft.com/office/powerpoint/2010/main" Requires="p14">
+        <mc:AlternateContent xmlns:mc="http://schemas.openxmlformats.org/markup-compatibility/2006" xmlns:p14="http://schemas.microsoft.com/office/powerpoint/2010/main">
+          <mc:Choice Requires="p14">
             <p:contentPart p14:bwMode="auto" r:id="rId29">
               <p14:nvContentPartPr>
                 <p14:cNvPr id="56" name="Ink 55">
@@ -32162,7 +36803,7 @@
               </p14:xfrm>
             </p:contentPart>
           </mc:Choice>
-          <mc:Fallback>
+          <mc:Fallback xmlns="">
             <p:pic>
               <p:nvPicPr>
                 <p:cNvPr id="56" name="Ink 55">
@@ -32194,8 +36835,8 @@
           </mc:Fallback>
         </mc:AlternateContent>
       </p:grpSp>
-      <mc:AlternateContent xmlns:mc="http://schemas.openxmlformats.org/markup-compatibility/2006">
-        <mc:Choice xmlns:p14="http://schemas.microsoft.com/office/powerpoint/2010/main" Requires="p14">
+      <mc:AlternateContent xmlns:mc="http://schemas.openxmlformats.org/markup-compatibility/2006" xmlns:p14="http://schemas.microsoft.com/office/powerpoint/2010/main">
+        <mc:Choice Requires="p14">
           <p:contentPart p14:bwMode="auto" r:id="rId31">
             <p14:nvContentPartPr>
               <p14:cNvPr id="57" name="Ink 56">
@@ -32214,7 +36855,7 @@
             </p14:xfrm>
           </p:contentPart>
         </mc:Choice>
-        <mc:Fallback>
+        <mc:Fallback xmlns="">
           <p:pic>
             <p:nvPicPr>
               <p:cNvPr id="57" name="Ink 56">
@@ -32245,8 +36886,8 @@
           </p:pic>
         </mc:Fallback>
       </mc:AlternateContent>
-      <mc:AlternateContent xmlns:mc="http://schemas.openxmlformats.org/markup-compatibility/2006">
-        <mc:Choice xmlns:p14="http://schemas.microsoft.com/office/powerpoint/2010/main" Requires="p14">
+      <mc:AlternateContent xmlns:mc="http://schemas.openxmlformats.org/markup-compatibility/2006" xmlns:p14="http://schemas.microsoft.com/office/powerpoint/2010/main">
+        <mc:Choice Requires="p14">
           <p:contentPart p14:bwMode="auto" r:id="rId33">
             <p14:nvContentPartPr>
               <p14:cNvPr id="61" name="Ink 60">
@@ -32265,7 +36906,7 @@
             </p14:xfrm>
           </p:contentPart>
         </mc:Choice>
-        <mc:Fallback>
+        <mc:Fallback xmlns="">
           <p:pic>
             <p:nvPicPr>
               <p:cNvPr id="61" name="Ink 60">
@@ -32296,8 +36937,8 @@
           </p:pic>
         </mc:Fallback>
       </mc:AlternateContent>
-      <mc:AlternateContent xmlns:mc="http://schemas.openxmlformats.org/markup-compatibility/2006">
-        <mc:Choice xmlns:p14="http://schemas.microsoft.com/office/powerpoint/2010/main" Requires="p14">
+      <mc:AlternateContent xmlns:mc="http://schemas.openxmlformats.org/markup-compatibility/2006" xmlns:p14="http://schemas.microsoft.com/office/powerpoint/2010/main">
+        <mc:Choice Requires="p14">
           <p:contentPart p14:bwMode="auto" r:id="rId35">
             <p14:nvContentPartPr>
               <p14:cNvPr id="62" name="Ink 61">
@@ -32316,7 +36957,7 @@
             </p14:xfrm>
           </p:contentPart>
         </mc:Choice>
-        <mc:Fallback>
+        <mc:Fallback xmlns="">
           <p:pic>
             <p:nvPicPr>
               <p:cNvPr id="62" name="Ink 61">
@@ -32347,8 +36988,8 @@
           </p:pic>
         </mc:Fallback>
       </mc:AlternateContent>
-      <mc:AlternateContent xmlns:mc="http://schemas.openxmlformats.org/markup-compatibility/2006">
-        <mc:Choice xmlns:p14="http://schemas.microsoft.com/office/powerpoint/2010/main" Requires="p14">
+      <mc:AlternateContent xmlns:mc="http://schemas.openxmlformats.org/markup-compatibility/2006" xmlns:p14="http://schemas.microsoft.com/office/powerpoint/2010/main">
+        <mc:Choice Requires="p14">
           <p:contentPart p14:bwMode="auto" r:id="rId37">
             <p14:nvContentPartPr>
               <p14:cNvPr id="63" name="Ink 62">
@@ -32367,7 +37008,7 @@
             </p14:xfrm>
           </p:contentPart>
         </mc:Choice>
-        <mc:Fallback>
+        <mc:Fallback xmlns="">
           <p:pic>
             <p:nvPicPr>
               <p:cNvPr id="63" name="Ink 62">
@@ -32398,8 +37039,8 @@
           </p:pic>
         </mc:Fallback>
       </mc:AlternateContent>
-      <mc:AlternateContent xmlns:mc="http://schemas.openxmlformats.org/markup-compatibility/2006">
-        <mc:Choice xmlns:p14="http://schemas.microsoft.com/office/powerpoint/2010/main" Requires="p14">
+      <mc:AlternateContent xmlns:mc="http://schemas.openxmlformats.org/markup-compatibility/2006" xmlns:p14="http://schemas.microsoft.com/office/powerpoint/2010/main">
+        <mc:Choice Requires="p14">
           <p:contentPart p14:bwMode="auto" r:id="rId39">
             <p14:nvContentPartPr>
               <p14:cNvPr id="64" name="Ink 63">
@@ -32418,7 +37059,7 @@
             </p14:xfrm>
           </p:contentPart>
         </mc:Choice>
-        <mc:Fallback>
+        <mc:Fallback xmlns="">
           <p:pic>
             <p:nvPicPr>
               <p:cNvPr id="64" name="Ink 63">
@@ -32449,8 +37090,8 @@
           </p:pic>
         </mc:Fallback>
       </mc:AlternateContent>
-      <mc:AlternateContent xmlns:mc="http://schemas.openxmlformats.org/markup-compatibility/2006">
-        <mc:Choice xmlns:p14="http://schemas.microsoft.com/office/powerpoint/2010/main" Requires="p14">
+      <mc:AlternateContent xmlns:mc="http://schemas.openxmlformats.org/markup-compatibility/2006" xmlns:p14="http://schemas.microsoft.com/office/powerpoint/2010/main">
+        <mc:Choice Requires="p14">
           <p:contentPart p14:bwMode="auto" r:id="rId41">
             <p14:nvContentPartPr>
               <p14:cNvPr id="65" name="Ink 64">
@@ -32469,7 +37110,7 @@
             </p14:xfrm>
           </p:contentPart>
         </mc:Choice>
-        <mc:Fallback>
+        <mc:Fallback xmlns="">
           <p:pic>
             <p:nvPicPr>
               <p:cNvPr id="65" name="Ink 64">
@@ -32520,8 +37161,8 @@
             <a:chExt cx="134640" cy="35640"/>
           </a:xfrm>
         </p:grpSpPr>
-        <mc:AlternateContent xmlns:mc="http://schemas.openxmlformats.org/markup-compatibility/2006">
-          <mc:Choice xmlns:p14="http://schemas.microsoft.com/office/powerpoint/2010/main" Requires="p14">
+        <mc:AlternateContent xmlns:mc="http://schemas.openxmlformats.org/markup-compatibility/2006" xmlns:p14="http://schemas.microsoft.com/office/powerpoint/2010/main">
+          <mc:Choice Requires="p14">
             <p:contentPart p14:bwMode="auto" r:id="rId43">
               <p14:nvContentPartPr>
                 <p14:cNvPr id="66" name="Ink 65">
@@ -32540,7 +37181,7 @@
               </p14:xfrm>
             </p:contentPart>
           </mc:Choice>
-          <mc:Fallback>
+          <mc:Fallback xmlns="">
             <p:pic>
               <p:nvPicPr>
                 <p:cNvPr id="66" name="Ink 65">
@@ -32571,8 +37212,8 @@
             </p:pic>
           </mc:Fallback>
         </mc:AlternateContent>
-        <mc:AlternateContent xmlns:mc="http://schemas.openxmlformats.org/markup-compatibility/2006">
-          <mc:Choice xmlns:p14="http://schemas.microsoft.com/office/powerpoint/2010/main" Requires="p14">
+        <mc:AlternateContent xmlns:mc="http://schemas.openxmlformats.org/markup-compatibility/2006" xmlns:p14="http://schemas.microsoft.com/office/powerpoint/2010/main">
+          <mc:Choice Requires="p14">
             <p:contentPart p14:bwMode="auto" r:id="rId45">
               <p14:nvContentPartPr>
                 <p14:cNvPr id="67" name="Ink 66">
@@ -32591,7 +37232,7 @@
               </p14:xfrm>
             </p:contentPart>
           </mc:Choice>
-          <mc:Fallback>
+          <mc:Fallback xmlns="">
             <p:pic>
               <p:nvPicPr>
                 <p:cNvPr id="67" name="Ink 66">
@@ -32623,8 +37264,8 @@
           </mc:Fallback>
         </mc:AlternateContent>
       </p:grpSp>
-      <mc:AlternateContent xmlns:mc="http://schemas.openxmlformats.org/markup-compatibility/2006">
-        <mc:Choice xmlns:p14="http://schemas.microsoft.com/office/powerpoint/2010/main" Requires="p14">
+      <mc:AlternateContent xmlns:mc="http://schemas.openxmlformats.org/markup-compatibility/2006" xmlns:p14="http://schemas.microsoft.com/office/powerpoint/2010/main">
+        <mc:Choice Requires="p14">
           <p:contentPart p14:bwMode="auto" r:id="rId47">
             <p14:nvContentPartPr>
               <p14:cNvPr id="68" name="Ink 67">
@@ -32643,7 +37284,7 @@
             </p14:xfrm>
           </p:contentPart>
         </mc:Choice>
-        <mc:Fallback>
+        <mc:Fallback xmlns="">
           <p:pic>
             <p:nvPicPr>
               <p:cNvPr id="68" name="Ink 67">
@@ -32674,8 +37315,8 @@
           </p:pic>
         </mc:Fallback>
       </mc:AlternateContent>
-      <mc:AlternateContent xmlns:mc="http://schemas.openxmlformats.org/markup-compatibility/2006">
-        <mc:Choice xmlns:p14="http://schemas.microsoft.com/office/powerpoint/2010/main" Requires="p14">
+      <mc:AlternateContent xmlns:mc="http://schemas.openxmlformats.org/markup-compatibility/2006" xmlns:p14="http://schemas.microsoft.com/office/powerpoint/2010/main">
+        <mc:Choice Requires="p14">
           <p:contentPart p14:bwMode="auto" r:id="rId49">
             <p14:nvContentPartPr>
               <p14:cNvPr id="69" name="Ink 68">
@@ -32694,7 +37335,7 @@
             </p14:xfrm>
           </p:contentPart>
         </mc:Choice>
-        <mc:Fallback>
+        <mc:Fallback xmlns="">
           <p:pic>
             <p:nvPicPr>
               <p:cNvPr id="69" name="Ink 68">
@@ -32725,8 +37366,8 @@
           </p:pic>
         </mc:Fallback>
       </mc:AlternateContent>
-      <mc:AlternateContent xmlns:mc="http://schemas.openxmlformats.org/markup-compatibility/2006">
-        <mc:Choice xmlns:p14="http://schemas.microsoft.com/office/powerpoint/2010/main" Requires="p14">
+      <mc:AlternateContent xmlns:mc="http://schemas.openxmlformats.org/markup-compatibility/2006" xmlns:p14="http://schemas.microsoft.com/office/powerpoint/2010/main">
+        <mc:Choice Requires="p14">
           <p:contentPart p14:bwMode="auto" r:id="rId51">
             <p14:nvContentPartPr>
               <p14:cNvPr id="70" name="Ink 69">
@@ -32745,7 +37386,7 @@
             </p14:xfrm>
           </p:contentPart>
         </mc:Choice>
-        <mc:Fallback>
+        <mc:Fallback xmlns="">
           <p:pic>
             <p:nvPicPr>
               <p:cNvPr id="70" name="Ink 69">
@@ -32776,8 +37417,8 @@
           </p:pic>
         </mc:Fallback>
       </mc:AlternateContent>
-      <mc:AlternateContent xmlns:mc="http://schemas.openxmlformats.org/markup-compatibility/2006">
-        <mc:Choice xmlns:p14="http://schemas.microsoft.com/office/powerpoint/2010/main" Requires="p14">
+      <mc:AlternateContent xmlns:mc="http://schemas.openxmlformats.org/markup-compatibility/2006" xmlns:p14="http://schemas.microsoft.com/office/powerpoint/2010/main">
+        <mc:Choice Requires="p14">
           <p:contentPart p14:bwMode="auto" r:id="rId53">
             <p14:nvContentPartPr>
               <p14:cNvPr id="73" name="Ink 72">
@@ -32796,7 +37437,7 @@
             </p14:xfrm>
           </p:contentPart>
         </mc:Choice>
-        <mc:Fallback>
+        <mc:Fallback xmlns="">
           <p:pic>
             <p:nvPicPr>
               <p:cNvPr id="73" name="Ink 72">
@@ -32827,8 +37468,8 @@
           </p:pic>
         </mc:Fallback>
       </mc:AlternateContent>
-      <mc:AlternateContent xmlns:mc="http://schemas.openxmlformats.org/markup-compatibility/2006">
-        <mc:Choice xmlns:p14="http://schemas.microsoft.com/office/powerpoint/2010/main" Requires="p14">
+      <mc:AlternateContent xmlns:mc="http://schemas.openxmlformats.org/markup-compatibility/2006" xmlns:p14="http://schemas.microsoft.com/office/powerpoint/2010/main">
+        <mc:Choice Requires="p14">
           <p:contentPart p14:bwMode="auto" r:id="rId55">
             <p14:nvContentPartPr>
               <p14:cNvPr id="74" name="Ink 73">
@@ -32847,7 +37488,7 @@
             </p14:xfrm>
           </p:contentPart>
         </mc:Choice>
-        <mc:Fallback>
+        <mc:Fallback xmlns="">
           <p:pic>
             <p:nvPicPr>
               <p:cNvPr id="74" name="Ink 73">
@@ -32878,8 +37519,8 @@
           </p:pic>
         </mc:Fallback>
       </mc:AlternateContent>
-      <mc:AlternateContent xmlns:mc="http://schemas.openxmlformats.org/markup-compatibility/2006">
-        <mc:Choice xmlns:p14="http://schemas.microsoft.com/office/powerpoint/2010/main" Requires="p14">
+      <mc:AlternateContent xmlns:mc="http://schemas.openxmlformats.org/markup-compatibility/2006" xmlns:p14="http://schemas.microsoft.com/office/powerpoint/2010/main">
+        <mc:Choice Requires="p14">
           <p:contentPart p14:bwMode="auto" r:id="rId57">
             <p14:nvContentPartPr>
               <p14:cNvPr id="75" name="Ink 74">
@@ -32898,7 +37539,7 @@
             </p14:xfrm>
           </p:contentPart>
         </mc:Choice>
-        <mc:Fallback>
+        <mc:Fallback xmlns="">
           <p:pic>
             <p:nvPicPr>
               <p:cNvPr id="75" name="Ink 74">
@@ -32929,8 +37570,8 @@
           </p:pic>
         </mc:Fallback>
       </mc:AlternateContent>
-      <mc:AlternateContent xmlns:mc="http://schemas.openxmlformats.org/markup-compatibility/2006">
-        <mc:Choice xmlns:p14="http://schemas.microsoft.com/office/powerpoint/2010/main" Requires="p14">
+      <mc:AlternateContent xmlns:mc="http://schemas.openxmlformats.org/markup-compatibility/2006" xmlns:p14="http://schemas.microsoft.com/office/powerpoint/2010/main">
+        <mc:Choice Requires="p14">
           <p:contentPart p14:bwMode="auto" r:id="rId59">
             <p14:nvContentPartPr>
               <p14:cNvPr id="76" name="Ink 75">
@@ -32949,7 +37590,7 @@
             </p14:xfrm>
           </p:contentPart>
         </mc:Choice>
-        <mc:Fallback>
+        <mc:Fallback xmlns="">
           <p:pic>
             <p:nvPicPr>
               <p:cNvPr id="76" name="Ink 75">
@@ -32980,8 +37621,8 @@
           </p:pic>
         </mc:Fallback>
       </mc:AlternateContent>
-      <mc:AlternateContent xmlns:mc="http://schemas.openxmlformats.org/markup-compatibility/2006">
-        <mc:Choice xmlns:p14="http://schemas.microsoft.com/office/powerpoint/2010/main" Requires="p14">
+      <mc:AlternateContent xmlns:mc="http://schemas.openxmlformats.org/markup-compatibility/2006" xmlns:p14="http://schemas.microsoft.com/office/powerpoint/2010/main">
+        <mc:Choice Requires="p14">
           <p:contentPart p14:bwMode="auto" r:id="rId60">
             <p14:nvContentPartPr>
               <p14:cNvPr id="77" name="Ink 76">
@@ -33000,7 +37641,7 @@
             </p14:xfrm>
           </p:contentPart>
         </mc:Choice>
-        <mc:Fallback>
+        <mc:Fallback xmlns="">
           <p:pic>
             <p:nvPicPr>
               <p:cNvPr id="77" name="Ink 76">
@@ -33031,8 +37672,8 @@
           </p:pic>
         </mc:Fallback>
       </mc:AlternateContent>
-      <mc:AlternateContent xmlns:mc="http://schemas.openxmlformats.org/markup-compatibility/2006">
-        <mc:Choice xmlns:p14="http://schemas.microsoft.com/office/powerpoint/2010/main" Requires="p14">
+      <mc:AlternateContent xmlns:mc="http://schemas.openxmlformats.org/markup-compatibility/2006" xmlns:p14="http://schemas.microsoft.com/office/powerpoint/2010/main">
+        <mc:Choice Requires="p14">
           <p:contentPart p14:bwMode="auto" r:id="rId61">
             <p14:nvContentPartPr>
               <p14:cNvPr id="78" name="Ink 77">
@@ -33051,7 +37692,7 @@
             </p14:xfrm>
           </p:contentPart>
         </mc:Choice>
-        <mc:Fallback>
+        <mc:Fallback xmlns="">
           <p:pic>
             <p:nvPicPr>
               <p:cNvPr id="78" name="Ink 77">
@@ -33082,8 +37723,8 @@
           </p:pic>
         </mc:Fallback>
       </mc:AlternateContent>
-      <mc:AlternateContent xmlns:mc="http://schemas.openxmlformats.org/markup-compatibility/2006">
-        <mc:Choice xmlns:p14="http://schemas.microsoft.com/office/powerpoint/2010/main" Requires="p14">
+      <mc:AlternateContent xmlns:mc="http://schemas.openxmlformats.org/markup-compatibility/2006" xmlns:p14="http://schemas.microsoft.com/office/powerpoint/2010/main">
+        <mc:Choice Requires="p14">
           <p:contentPart p14:bwMode="auto" r:id="rId62">
             <p14:nvContentPartPr>
               <p14:cNvPr id="82" name="Ink 81">
@@ -33102,7 +37743,7 @@
             </p14:xfrm>
           </p:contentPart>
         </mc:Choice>
-        <mc:Fallback>
+        <mc:Fallback xmlns="">
           <p:pic>
             <p:nvPicPr>
               <p:cNvPr id="82" name="Ink 81">
@@ -33153,8 +37794,8 @@
             <a:chExt cx="84960" cy="51120"/>
           </a:xfrm>
         </p:grpSpPr>
-        <mc:AlternateContent xmlns:mc="http://schemas.openxmlformats.org/markup-compatibility/2006">
-          <mc:Choice xmlns:p14="http://schemas.microsoft.com/office/powerpoint/2010/main" Requires="p14">
+        <mc:AlternateContent xmlns:mc="http://schemas.openxmlformats.org/markup-compatibility/2006" xmlns:p14="http://schemas.microsoft.com/office/powerpoint/2010/main">
+          <mc:Choice Requires="p14">
             <p:contentPart p14:bwMode="auto" r:id="rId63">
               <p14:nvContentPartPr>
                 <p14:cNvPr id="79" name="Ink 78">
@@ -33173,7 +37814,7 @@
               </p14:xfrm>
             </p:contentPart>
           </mc:Choice>
-          <mc:Fallback>
+          <mc:Fallback xmlns="">
             <p:pic>
               <p:nvPicPr>
                 <p:cNvPr id="79" name="Ink 78">
@@ -33204,8 +37845,8 @@
             </p:pic>
           </mc:Fallback>
         </mc:AlternateContent>
-        <mc:AlternateContent xmlns:mc="http://schemas.openxmlformats.org/markup-compatibility/2006">
-          <mc:Choice xmlns:p14="http://schemas.microsoft.com/office/powerpoint/2010/main" Requires="p14">
+        <mc:AlternateContent xmlns:mc="http://schemas.openxmlformats.org/markup-compatibility/2006" xmlns:p14="http://schemas.microsoft.com/office/powerpoint/2010/main">
+          <mc:Choice Requires="p14">
             <p:contentPart p14:bwMode="auto" r:id="rId64">
               <p14:nvContentPartPr>
                 <p14:cNvPr id="80" name="Ink 79">
@@ -33224,7 +37865,7 @@
               </p14:xfrm>
             </p:contentPart>
           </mc:Choice>
-          <mc:Fallback>
+          <mc:Fallback xmlns="">
             <p:pic>
               <p:nvPicPr>
                 <p:cNvPr id="80" name="Ink 79">
@@ -33255,8 +37896,8 @@
             </p:pic>
           </mc:Fallback>
         </mc:AlternateContent>
-        <mc:AlternateContent xmlns:mc="http://schemas.openxmlformats.org/markup-compatibility/2006">
-          <mc:Choice xmlns:p14="http://schemas.microsoft.com/office/powerpoint/2010/main" Requires="p14">
+        <mc:AlternateContent xmlns:mc="http://schemas.openxmlformats.org/markup-compatibility/2006" xmlns:p14="http://schemas.microsoft.com/office/powerpoint/2010/main">
+          <mc:Choice Requires="p14">
             <p:contentPart p14:bwMode="auto" r:id="rId65">
               <p14:nvContentPartPr>
                 <p14:cNvPr id="81" name="Ink 80">
@@ -33275,7 +37916,7 @@
               </p14:xfrm>
             </p:contentPart>
           </mc:Choice>
-          <mc:Fallback>
+          <mc:Fallback xmlns="">
             <p:pic>
               <p:nvPicPr>
                 <p:cNvPr id="81" name="Ink 80">
@@ -33306,8 +37947,8 @@
             </p:pic>
           </mc:Fallback>
         </mc:AlternateContent>
-        <mc:AlternateContent xmlns:mc="http://schemas.openxmlformats.org/markup-compatibility/2006">
-          <mc:Choice xmlns:p14="http://schemas.microsoft.com/office/powerpoint/2010/main" Requires="p14">
+        <mc:AlternateContent xmlns:mc="http://schemas.openxmlformats.org/markup-compatibility/2006" xmlns:p14="http://schemas.microsoft.com/office/powerpoint/2010/main">
+          <mc:Choice Requires="p14">
             <p:contentPart p14:bwMode="auto" r:id="rId66">
               <p14:nvContentPartPr>
                 <p14:cNvPr id="83" name="Ink 82">
@@ -33326,7 +37967,7 @@
               </p14:xfrm>
             </p:contentPart>
           </mc:Choice>
-          <mc:Fallback>
+          <mc:Fallback xmlns="">
             <p:pic>
               <p:nvPicPr>
                 <p:cNvPr id="83" name="Ink 82">
@@ -33357,8 +37998,8 @@
             </p:pic>
           </mc:Fallback>
         </mc:AlternateContent>
-        <mc:AlternateContent xmlns:mc="http://schemas.openxmlformats.org/markup-compatibility/2006">
-          <mc:Choice xmlns:p14="http://schemas.microsoft.com/office/powerpoint/2010/main" Requires="p14">
+        <mc:AlternateContent xmlns:mc="http://schemas.openxmlformats.org/markup-compatibility/2006" xmlns:p14="http://schemas.microsoft.com/office/powerpoint/2010/main">
+          <mc:Choice Requires="p14">
             <p:contentPart p14:bwMode="auto" r:id="rId68">
               <p14:nvContentPartPr>
                 <p14:cNvPr id="84" name="Ink 83">
@@ -33377,7 +38018,7 @@
               </p14:xfrm>
             </p:contentPart>
           </mc:Choice>
-          <mc:Fallback>
+          <mc:Fallback xmlns="">
             <p:pic>
               <p:nvPicPr>
                 <p:cNvPr id="84" name="Ink 83">
@@ -33409,8 +38050,8 @@
           </mc:Fallback>
         </mc:AlternateContent>
       </p:grpSp>
-      <mc:AlternateContent xmlns:mc="http://schemas.openxmlformats.org/markup-compatibility/2006">
-        <mc:Choice xmlns:p14="http://schemas.microsoft.com/office/powerpoint/2010/main" Requires="p14">
+      <mc:AlternateContent xmlns:mc="http://schemas.openxmlformats.org/markup-compatibility/2006" xmlns:p14="http://schemas.microsoft.com/office/powerpoint/2010/main">
+        <mc:Choice Requires="p14">
           <p:contentPart p14:bwMode="auto" r:id="rId70">
             <p14:nvContentPartPr>
               <p14:cNvPr id="85" name="Ink 84">
@@ -33429,7 +38070,7 @@
             </p14:xfrm>
           </p:contentPart>
         </mc:Choice>
-        <mc:Fallback>
+        <mc:Fallback xmlns="">
           <p:pic>
             <p:nvPicPr>
               <p:cNvPr id="85" name="Ink 84">
@@ -33460,8 +38101,8 @@
           </p:pic>
         </mc:Fallback>
       </mc:AlternateContent>
-      <mc:AlternateContent xmlns:mc="http://schemas.openxmlformats.org/markup-compatibility/2006">
-        <mc:Choice xmlns:p14="http://schemas.microsoft.com/office/powerpoint/2010/main" Requires="p14">
+      <mc:AlternateContent xmlns:mc="http://schemas.openxmlformats.org/markup-compatibility/2006" xmlns:p14="http://schemas.microsoft.com/office/powerpoint/2010/main">
+        <mc:Choice Requires="p14">
           <p:contentPart p14:bwMode="auto" r:id="rId71">
             <p14:nvContentPartPr>
               <p14:cNvPr id="88" name="Ink 87">
@@ -33480,7 +38121,7 @@
             </p14:xfrm>
           </p:contentPart>
         </mc:Choice>
-        <mc:Fallback>
+        <mc:Fallback xmlns="">
           <p:pic>
             <p:nvPicPr>
               <p:cNvPr id="88" name="Ink 87">
@@ -33531,8 +38172,8 @@
             <a:chExt cx="51480" cy="135720"/>
           </a:xfrm>
         </p:grpSpPr>
-        <mc:AlternateContent xmlns:mc="http://schemas.openxmlformats.org/markup-compatibility/2006">
-          <mc:Choice xmlns:p14="http://schemas.microsoft.com/office/powerpoint/2010/main" Requires="p14">
+        <mc:AlternateContent xmlns:mc="http://schemas.openxmlformats.org/markup-compatibility/2006" xmlns:p14="http://schemas.microsoft.com/office/powerpoint/2010/main">
+          <mc:Choice Requires="p14">
             <p:contentPart p14:bwMode="auto" r:id="rId73">
               <p14:nvContentPartPr>
                 <p14:cNvPr id="86" name="Ink 85">
@@ -33551,7 +38192,7 @@
               </p14:xfrm>
             </p:contentPart>
           </mc:Choice>
-          <mc:Fallback>
+          <mc:Fallback xmlns="">
             <p:pic>
               <p:nvPicPr>
                 <p:cNvPr id="86" name="Ink 85">
@@ -33582,8 +38223,8 @@
             </p:pic>
           </mc:Fallback>
         </mc:AlternateContent>
-        <mc:AlternateContent xmlns:mc="http://schemas.openxmlformats.org/markup-compatibility/2006">
-          <mc:Choice xmlns:p14="http://schemas.microsoft.com/office/powerpoint/2010/main" Requires="p14">
+        <mc:AlternateContent xmlns:mc="http://schemas.openxmlformats.org/markup-compatibility/2006" xmlns:p14="http://schemas.microsoft.com/office/powerpoint/2010/main">
+          <mc:Choice Requires="p14">
             <p:contentPart p14:bwMode="auto" r:id="rId74">
               <p14:nvContentPartPr>
                 <p14:cNvPr id="87" name="Ink 86">
@@ -33602,7 +38243,7 @@
               </p14:xfrm>
             </p:contentPart>
           </mc:Choice>
-          <mc:Fallback>
+          <mc:Fallback xmlns="">
             <p:pic>
               <p:nvPicPr>
                 <p:cNvPr id="87" name="Ink 86">
@@ -33633,8 +38274,8 @@
             </p:pic>
           </mc:Fallback>
         </mc:AlternateContent>
-        <mc:AlternateContent xmlns:mc="http://schemas.openxmlformats.org/markup-compatibility/2006">
-          <mc:Choice xmlns:p14="http://schemas.microsoft.com/office/powerpoint/2010/main" Requires="p14">
+        <mc:AlternateContent xmlns:mc="http://schemas.openxmlformats.org/markup-compatibility/2006" xmlns:p14="http://schemas.microsoft.com/office/powerpoint/2010/main">
+          <mc:Choice Requires="p14">
             <p:contentPart p14:bwMode="auto" r:id="rId75">
               <p14:nvContentPartPr>
                 <p14:cNvPr id="89" name="Ink 88">
@@ -33653,7 +38294,7 @@
               </p14:xfrm>
             </p:contentPart>
           </mc:Choice>
-          <mc:Fallback>
+          <mc:Fallback xmlns="">
             <p:pic>
               <p:nvPicPr>
                 <p:cNvPr id="89" name="Ink 88">
@@ -33705,8 +38346,8 @@
             <a:chExt cx="3600" cy="12240"/>
           </a:xfrm>
         </p:grpSpPr>
-        <mc:AlternateContent xmlns:mc="http://schemas.openxmlformats.org/markup-compatibility/2006">
-          <mc:Choice xmlns:p14="http://schemas.microsoft.com/office/powerpoint/2010/main" Requires="p14">
+        <mc:AlternateContent xmlns:mc="http://schemas.openxmlformats.org/markup-compatibility/2006" xmlns:p14="http://schemas.microsoft.com/office/powerpoint/2010/main">
+          <mc:Choice Requires="p14">
             <p:contentPart p14:bwMode="auto" r:id="rId77">
               <p14:nvContentPartPr>
                 <p14:cNvPr id="90" name="Ink 89">
@@ -33725,7 +38366,7 @@
               </p14:xfrm>
             </p:contentPart>
           </mc:Choice>
-          <mc:Fallback>
+          <mc:Fallback xmlns="">
             <p:pic>
               <p:nvPicPr>
                 <p:cNvPr id="90" name="Ink 89">
@@ -33756,8 +38397,8 @@
             </p:pic>
           </mc:Fallback>
         </mc:AlternateContent>
-        <mc:AlternateContent xmlns:mc="http://schemas.openxmlformats.org/markup-compatibility/2006">
-          <mc:Choice xmlns:p14="http://schemas.microsoft.com/office/powerpoint/2010/main" Requires="p14">
+        <mc:AlternateContent xmlns:mc="http://schemas.openxmlformats.org/markup-compatibility/2006" xmlns:p14="http://schemas.microsoft.com/office/powerpoint/2010/main">
+          <mc:Choice Requires="p14">
             <p:contentPart p14:bwMode="auto" r:id="rId79">
               <p14:nvContentPartPr>
                 <p14:cNvPr id="91" name="Ink 90">
@@ -33776,7 +38417,7 @@
               </p14:xfrm>
             </p:contentPart>
           </mc:Choice>
-          <mc:Fallback>
+          <mc:Fallback xmlns="">
             <p:pic>
               <p:nvPicPr>
                 <p:cNvPr id="91" name="Ink 90">
@@ -33822,7 +38463,7 @@
 </file>
 
 <file path=ppt/slides/slide9.xml><?xml version="1.0" encoding="utf-8"?>
-<p:sld xmlns:a="http://schemas.openxmlformats.org/drawingml/2006/main" xmlns:r="http://schemas.openxmlformats.org/officeDocument/2006/relationships" xmlns:p="http://schemas.openxmlformats.org/presentationml/2006/main">
+<p:sld xmlns:a="http://schemas.openxmlformats.org/drawingml/2006/main" xmlns:r="http://schemas.openxmlformats.org/officeDocument/2006/relationships" xmlns:p="http://schemas.openxmlformats.org/presentationml/2006/main" show="0">
   <p:cSld>
     <p:spTree>
       <p:nvGrpSpPr>

--- a/Opentrons_experiments/BOTorch_optimization/Shivam_Report/Graphs.pptx
+++ b/Opentrons_experiments/BOTorch_optimization/Shivam_Report/Graphs.pptx
@@ -28,7 +28,8 @@
     <p:sldId id="282" r:id="rId22"/>
     <p:sldId id="281" r:id="rId23"/>
     <p:sldId id="278" r:id="rId24"/>
-    <p:sldId id="279" r:id="rId25"/>
+    <p:sldId id="283" r:id="rId25"/>
+    <p:sldId id="279" r:id="rId26"/>
   </p:sldIdLst>
   <p:sldSz cx="12192000" cy="6858000"/>
   <p:notesSz cx="6858000" cy="9144000"/>
@@ -5436,6 +5437,62 @@
 </inkml:ink>
 </file>
 
+<file path=ppt/ink/ink268.xml><?xml version="1.0" encoding="utf-8"?>
+<inkml:ink xmlns:inkml="http://www.w3.org/2003/InkML">
+  <inkml:definitions>
+    <inkml:context xml:id="ctx0">
+      <inkml:inkSource xml:id="inkSrc0">
+        <inkml:traceFormat>
+          <inkml:channel name="X" type="integer" min="-2.14748E9" max="2.14748E9" units="cm"/>
+          <inkml:channel name="Y" type="integer" min="-2.14748E9" max="2.14748E9" units="cm"/>
+          <inkml:channel name="F" type="integer" max="32767" units="dev"/>
+        </inkml:traceFormat>
+        <inkml:channelProperties>
+          <inkml:channelProperty channel="X" name="resolution" value="1000" units="1/cm"/>
+          <inkml:channelProperty channel="Y" name="resolution" value="1000" units="1/cm"/>
+          <inkml:channelProperty channel="F" name="resolution" value="0" units="1/dev"/>
+        </inkml:channelProperties>
+      </inkml:inkSource>
+      <inkml:timestamp xml:id="ts0" timeString="2023-05-25T05:47:03.024"/>
+    </inkml:context>
+    <inkml:brush xml:id="br0">
+      <inkml:brushProperty name="width" value="0.025" units="cm"/>
+      <inkml:brushProperty name="height" value="0.025" units="cm"/>
+      <inkml:brushProperty name="color" value="#004F8B"/>
+    </inkml:brush>
+  </inkml:definitions>
+  <inkml:trace contextRef="#ctx0" brushRef="#br0">1 0 24575,'168'0'-1365,"-161"0"-5461</inkml:trace>
+</inkml:ink>
+</file>
+
+<file path=ppt/ink/ink269.xml><?xml version="1.0" encoding="utf-8"?>
+<inkml:ink xmlns:inkml="http://www.w3.org/2003/InkML">
+  <inkml:definitions>
+    <inkml:context xml:id="ctx0">
+      <inkml:inkSource xml:id="inkSrc0">
+        <inkml:traceFormat>
+          <inkml:channel name="X" type="integer" min="-2.14748E9" max="2.14748E9" units="cm"/>
+          <inkml:channel name="Y" type="integer" min="-2.14748E9" max="2.14748E9" units="cm"/>
+          <inkml:channel name="F" type="integer" max="32767" units="dev"/>
+        </inkml:traceFormat>
+        <inkml:channelProperties>
+          <inkml:channelProperty channel="X" name="resolution" value="1000" units="1/cm"/>
+          <inkml:channelProperty channel="Y" name="resolution" value="1000" units="1/cm"/>
+          <inkml:channelProperty channel="F" name="resolution" value="0" units="1/dev"/>
+        </inkml:channelProperties>
+      </inkml:inkSource>
+      <inkml:timestamp xml:id="ts0" timeString="2023-05-25T05:47:03.872"/>
+    </inkml:context>
+    <inkml:brush xml:id="br0">
+      <inkml:brushProperty name="width" value="0.025" units="cm"/>
+      <inkml:brushProperty name="height" value="0.025" units="cm"/>
+      <inkml:brushProperty name="color" value="#004F8B"/>
+    </inkml:brush>
+  </inkml:definitions>
+  <inkml:trace contextRef="#ctx0" brushRef="#br0">0 0 24575,'2'0'0,"1"0"0,3 0 0,0 0 0,2 0 0,1 0 0,0 0 0,0 0 0,1 0 0,-1 0 0,0 0 0,0 0 0,0 0 0,0 0 0,-1 0 0,1 0 0,-2 0-8191</inkml:trace>
+</inkml:ink>
+</file>
+
 <file path=ppt/ink/ink27.xml><?xml version="1.0" encoding="utf-8"?>
 <inkml:ink xmlns:inkml="http://www.w3.org/2003/InkML">
   <inkml:definitions>
@@ -5461,6 +5518,286 @@
     </inkml:brush>
   </inkml:definitions>
   <inkml:trace contextRef="#ctx0" brushRef="#br0">1 0 24575,'0'0'-8191</inkml:trace>
+</inkml:ink>
+</file>
+
+<file path=ppt/ink/ink270.xml><?xml version="1.0" encoding="utf-8"?>
+<inkml:ink xmlns:inkml="http://www.w3.org/2003/InkML">
+  <inkml:definitions>
+    <inkml:context xml:id="ctx0">
+      <inkml:inkSource xml:id="inkSrc0">
+        <inkml:traceFormat>
+          <inkml:channel name="X" type="integer" min="-2.14748E9" max="2.14748E9" units="cm"/>
+          <inkml:channel name="Y" type="integer" min="-2.14748E9" max="2.14748E9" units="cm"/>
+          <inkml:channel name="F" type="integer" max="32767" units="dev"/>
+        </inkml:traceFormat>
+        <inkml:channelProperties>
+          <inkml:channelProperty channel="X" name="resolution" value="1000" units="1/cm"/>
+          <inkml:channelProperty channel="Y" name="resolution" value="1000" units="1/cm"/>
+          <inkml:channelProperty channel="F" name="resolution" value="0" units="1/dev"/>
+        </inkml:channelProperties>
+      </inkml:inkSource>
+      <inkml:timestamp xml:id="ts0" timeString="2023-05-25T05:47:04.531"/>
+    </inkml:context>
+    <inkml:brush xml:id="br0">
+      <inkml:brushProperty name="width" value="0.025" units="cm"/>
+      <inkml:brushProperty name="height" value="0.025" units="cm"/>
+      <inkml:brushProperty name="color" value="#004F8B"/>
+    </inkml:brush>
+  </inkml:definitions>
+  <inkml:trace contextRef="#ctx0" brushRef="#br0">0 1 24575,'2'11'0,"-1"1"0,2-1 0,-1 0 0,2 0 0,-1 0 0,9 16 0,3 11 0,3 15-1365,-16-46-5461</inkml:trace>
+</inkml:ink>
+</file>
+
+<file path=ppt/ink/ink271.xml><?xml version="1.0" encoding="utf-8"?>
+<inkml:ink xmlns:inkml="http://www.w3.org/2003/InkML">
+  <inkml:definitions>
+    <inkml:context xml:id="ctx0">
+      <inkml:inkSource xml:id="inkSrc0">
+        <inkml:traceFormat>
+          <inkml:channel name="X" type="integer" min="-2.14748E9" max="2.14748E9" units="cm"/>
+          <inkml:channel name="Y" type="integer" min="-2.14748E9" max="2.14748E9" units="cm"/>
+          <inkml:channel name="F" type="integer" max="32767" units="dev"/>
+        </inkml:traceFormat>
+        <inkml:channelProperties>
+          <inkml:channelProperty channel="X" name="resolution" value="1000" units="1/cm"/>
+          <inkml:channelProperty channel="Y" name="resolution" value="1000" units="1/cm"/>
+          <inkml:channelProperty channel="F" name="resolution" value="0" units="1/dev"/>
+        </inkml:channelProperties>
+      </inkml:inkSource>
+      <inkml:timestamp xml:id="ts0" timeString="2023-05-25T05:47:05.198"/>
+    </inkml:context>
+    <inkml:brush xml:id="br0">
+      <inkml:brushProperty name="width" value="0.025" units="cm"/>
+      <inkml:brushProperty name="height" value="0.025" units="cm"/>
+      <inkml:brushProperty name="color" value="#004F8B"/>
+    </inkml:brush>
+  </inkml:definitions>
+  <inkml:trace contextRef="#ctx0" brushRef="#br0">1 0 24575,'0'9'0,"1"-1"0,1 0 0,3 14 0,3 11 0,8 29-1365,-15-55-5461</inkml:trace>
+</inkml:ink>
+</file>
+
+<file path=ppt/ink/ink272.xml><?xml version="1.0" encoding="utf-8"?>
+<inkml:ink xmlns:inkml="http://www.w3.org/2003/InkML">
+  <inkml:definitions>
+    <inkml:context xml:id="ctx0">
+      <inkml:inkSource xml:id="inkSrc0">
+        <inkml:traceFormat>
+          <inkml:channel name="X" type="integer" min="-2.14748E9" max="2.14748E9" units="cm"/>
+          <inkml:channel name="Y" type="integer" min="-2.14748E9" max="2.14748E9" units="cm"/>
+          <inkml:channel name="F" type="integer" max="32767" units="dev"/>
+        </inkml:traceFormat>
+        <inkml:channelProperties>
+          <inkml:channelProperty channel="X" name="resolution" value="1000" units="1/cm"/>
+          <inkml:channelProperty channel="Y" name="resolution" value="1000" units="1/cm"/>
+          <inkml:channelProperty channel="F" name="resolution" value="0" units="1/dev"/>
+        </inkml:channelProperties>
+      </inkml:inkSource>
+      <inkml:timestamp xml:id="ts0" timeString="2023-05-25T05:47:05.787"/>
+    </inkml:context>
+    <inkml:brush xml:id="br0">
+      <inkml:brushProperty name="width" value="0.025" units="cm"/>
+      <inkml:brushProperty name="height" value="0.025" units="cm"/>
+      <inkml:brushProperty name="color" value="#004F8B"/>
+    </inkml:brush>
+  </inkml:definitions>
+  <inkml:trace contextRef="#ctx0" brushRef="#br0">205 16 24575,'-83'-6'0,"68"4"0,-26 1 307,32 1-642,0 0 1,-1 0 0,1-1-1,-13-3 1,16 2-6492</inkml:trace>
+</inkml:ink>
+</file>
+
+<file path=ppt/ink/ink273.xml><?xml version="1.0" encoding="utf-8"?>
+<inkml:ink xmlns:inkml="http://www.w3.org/2003/InkML">
+  <inkml:definitions>
+    <inkml:context xml:id="ctx0">
+      <inkml:inkSource xml:id="inkSrc0">
+        <inkml:traceFormat>
+          <inkml:channel name="X" type="integer" min="-2.14748E9" max="2.14748E9" units="cm"/>
+          <inkml:channel name="Y" type="integer" min="-2.14748E9" max="2.14748E9" units="cm"/>
+          <inkml:channel name="F" type="integer" max="32767" units="dev"/>
+        </inkml:traceFormat>
+        <inkml:channelProperties>
+          <inkml:channelProperty channel="X" name="resolution" value="1000" units="1/cm"/>
+          <inkml:channelProperty channel="Y" name="resolution" value="1000" units="1/cm"/>
+          <inkml:channelProperty channel="F" name="resolution" value="0" units="1/dev"/>
+        </inkml:channelProperties>
+      </inkml:inkSource>
+      <inkml:timestamp xml:id="ts0" timeString="2023-05-25T05:47:06.282"/>
+    </inkml:context>
+    <inkml:brush xml:id="br0">
+      <inkml:brushProperty name="width" value="0.025" units="cm"/>
+      <inkml:brushProperty name="height" value="0.025" units="cm"/>
+      <inkml:brushProperty name="color" value="#004F8B"/>
+    </inkml:brush>
+  </inkml:definitions>
+  <inkml:trace contextRef="#ctx0" brushRef="#br0">168 0 24575,'-1'0'0,"-3"0"0,-1 0 0,-4 0 0,-1 2 0,0 0 0,-1 0 0,-1-1 0,-1 1 0,-2-2 0,-1 1 0,0-1 0,2 0 0,2 0 0,1 0 0,2 0-8191</inkml:trace>
+</inkml:ink>
+</file>
+
+<file path=ppt/ink/ink274.xml><?xml version="1.0" encoding="utf-8"?>
+<inkml:ink xmlns:inkml="http://www.w3.org/2003/InkML">
+  <inkml:definitions>
+    <inkml:context xml:id="ctx0">
+      <inkml:inkSource xml:id="inkSrc0">
+        <inkml:traceFormat>
+          <inkml:channel name="X" type="integer" min="-2.14748E9" max="2.14748E9" units="cm"/>
+          <inkml:channel name="Y" type="integer" min="-2.14748E9" max="2.14748E9" units="cm"/>
+          <inkml:channel name="F" type="integer" max="32767" units="dev"/>
+        </inkml:traceFormat>
+        <inkml:channelProperties>
+          <inkml:channelProperty channel="X" name="resolution" value="1000" units="1/cm"/>
+          <inkml:channelProperty channel="Y" name="resolution" value="1000" units="1/cm"/>
+          <inkml:channelProperty channel="F" name="resolution" value="0" units="1/dev"/>
+        </inkml:channelProperties>
+      </inkml:inkSource>
+      <inkml:timestamp xml:id="ts0" timeString="2023-05-25T05:47:06.773"/>
+    </inkml:context>
+    <inkml:brush xml:id="br0">
+      <inkml:brushProperty name="width" value="0.025" units="cm"/>
+      <inkml:brushProperty name="height" value="0.025" units="cm"/>
+      <inkml:brushProperty name="color" value="#004F8B"/>
+    </inkml:brush>
+  </inkml:definitions>
+  <inkml:trace contextRef="#ctx0" brushRef="#br0">1 293 24575,'0'-285'-1365,"0"277"-5461</inkml:trace>
+</inkml:ink>
+</file>
+
+<file path=ppt/ink/ink275.xml><?xml version="1.0" encoding="utf-8"?>
+<inkml:ink xmlns:inkml="http://www.w3.org/2003/InkML">
+  <inkml:definitions>
+    <inkml:context xml:id="ctx0">
+      <inkml:inkSource xml:id="inkSrc0">
+        <inkml:traceFormat>
+          <inkml:channel name="X" type="integer" min="-2.14748E9" max="2.14748E9" units="cm"/>
+          <inkml:channel name="Y" type="integer" min="-2.14748E9" max="2.14748E9" units="cm"/>
+          <inkml:channel name="F" type="integer" max="32767" units="dev"/>
+        </inkml:traceFormat>
+        <inkml:channelProperties>
+          <inkml:channelProperty channel="X" name="resolution" value="1000" units="1/cm"/>
+          <inkml:channelProperty channel="Y" name="resolution" value="1000" units="1/cm"/>
+          <inkml:channelProperty channel="F" name="resolution" value="0" units="1/dev"/>
+        </inkml:channelProperties>
+      </inkml:inkSource>
+      <inkml:timestamp xml:id="ts0" timeString="2023-05-25T05:47:07.376"/>
+    </inkml:context>
+    <inkml:brush xml:id="br0">
+      <inkml:brushProperty name="width" value="0.025" units="cm"/>
+      <inkml:brushProperty name="height" value="0.025" units="cm"/>
+      <inkml:brushProperty name="color" value="#004F8B"/>
+    </inkml:brush>
+  </inkml:definitions>
+  <inkml:trace contextRef="#ctx0" brushRef="#br0">0 149 24575,'0'-2'0,"2"0"0,0-1 0,0-2 0,1 0 0,0-1 0,1 0 0,0-2 0,0 0 0,1-2 0,0 0 0,-1-1 0,-1-1 0,1-2 0,-1 1 0,1 0 0,0 1 0,-1 3-8191</inkml:trace>
+</inkml:ink>
+</file>
+
+<file path=ppt/ink/ink276.xml><?xml version="1.0" encoding="utf-8"?>
+<inkml:ink xmlns:inkml="http://www.w3.org/2003/InkML">
+  <inkml:definitions>
+    <inkml:context xml:id="ctx0">
+      <inkml:inkSource xml:id="inkSrc0">
+        <inkml:traceFormat>
+          <inkml:channel name="X" type="integer" min="-2.14748E9" max="2.14748E9" units="cm"/>
+          <inkml:channel name="Y" type="integer" min="-2.14748E9" max="2.14748E9" units="cm"/>
+          <inkml:channel name="F" type="integer" max="32767" units="dev"/>
+        </inkml:traceFormat>
+        <inkml:channelProperties>
+          <inkml:channelProperty channel="X" name="resolution" value="1000" units="1/cm"/>
+          <inkml:channelProperty channel="Y" name="resolution" value="1000" units="1/cm"/>
+          <inkml:channelProperty channel="F" name="resolution" value="0" units="1/dev"/>
+        </inkml:channelProperties>
+      </inkml:inkSource>
+      <inkml:timestamp xml:id="ts0" timeString="2023-05-25T05:55:13.955"/>
+    </inkml:context>
+    <inkml:brush xml:id="br0">
+      <inkml:brushProperty name="width" value="0.025" units="cm"/>
+      <inkml:brushProperty name="height" value="0.025" units="cm"/>
+      <inkml:brushProperty name="color" value="#004F8B"/>
+    </inkml:brush>
+  </inkml:definitions>
+  <inkml:trace contextRef="#ctx0" brushRef="#br0">266 23 24575,'-51'-1'0,"-54"2"0,102-1 0,-1 1 0,1 0 0,0 0 0,-1 0 0,1 0 0,0 0 0,0 1 0,0-1 0,0 1 0,0 0 0,0 0 0,0 0 0,0 0 0,1 0 0,-1 1 0,1-1 0,0 1 0,-4 5 0,1-1 0,1 1 0,0-1 0,0 1 0,1 0 0,0 0 0,-2 11 0,-5 33 0,3 0 0,3 0 0,3 101 0,1-81 0,0-63 0,1 1 0,-1-1 0,1 0 0,1 0 0,0 0 0,6 17 0,-7-25 0,1 0 0,-1 0 0,0 1 0,1-1 0,-1-1 0,1 1 0,-1 0 0,1 0 0,0-1 0,-1 1 0,1 0 0,0-1 0,-1 0 0,1 1 0,0-1 0,2 0 0,31 2 0,-35-2 0,36 0 0,1-1 0,-1-2 0,55-12 0,-41 6 0,-34 7 0,0-1 0,17-5 0,-31 7 0,1-1 0,-1 1 0,0-1 0,1 0 0,-1 0 0,0 0 0,0 0 0,0 0 0,0 0 0,-1-1 0,1 1 0,-1-1 0,1 1 0,-1-1 0,0 1 0,1-6 0,2-1 0,-1-1 0,-1 1 0,3-16 0,6-172 0,-8 145 0,-2 32 0,-1-36 0,-2 48 0,0 1 0,-1 0 0,-1-1 0,1 1 0,-1 0 0,0 1 0,0-1 0,-1 1 0,-9-10 0,7 8 0,-1 0 0,-1 0 0,-16-11 0,21 17 0,0-1 0,0 1 0,0 0 0,-1 0 0,1 1 0,-1-1 0,1 1 0,-1 0 0,0 0 0,1 0 0,-8 1 0,-49 0-1365,57 0-5461</inkml:trace>
+</inkml:ink>
+</file>
+
+<file path=ppt/ink/ink277.xml><?xml version="1.0" encoding="utf-8"?>
+<inkml:ink xmlns:inkml="http://www.w3.org/2003/InkML">
+  <inkml:definitions>
+    <inkml:context xml:id="ctx0">
+      <inkml:inkSource xml:id="inkSrc0">
+        <inkml:traceFormat>
+          <inkml:channel name="X" type="integer" min="-2.14748E9" max="2.14748E9" units="cm"/>
+          <inkml:channel name="Y" type="integer" min="-2.14748E9" max="2.14748E9" units="cm"/>
+          <inkml:channel name="F" type="integer" max="32767" units="dev"/>
+        </inkml:traceFormat>
+        <inkml:channelProperties>
+          <inkml:channelProperty channel="X" name="resolution" value="1000" units="1/cm"/>
+          <inkml:channelProperty channel="Y" name="resolution" value="1000" units="1/cm"/>
+          <inkml:channelProperty channel="F" name="resolution" value="0" units="1/dev"/>
+        </inkml:channelProperties>
+      </inkml:inkSource>
+      <inkml:timestamp xml:id="ts0" timeString="2023-05-25T05:55:25.723"/>
+    </inkml:context>
+    <inkml:brush xml:id="br0">
+      <inkml:brushProperty name="width" value="0.025" units="cm"/>
+      <inkml:brushProperty name="height" value="0.025" units="cm"/>
+      <inkml:brushProperty name="color" value="#004F8B"/>
+    </inkml:brush>
+  </inkml:definitions>
+  <inkml:trace contextRef="#ctx0" brushRef="#br0">43 14 24575,'-1'3'0,"1"1"0,-1-1 0,0 1 0,0-1 0,0 0 0,0 1 0,-1-1 0,1 0 0,-1 0 0,-2 3 0,2-2 0,0 0 0,0-1 0,0 1 0,0 0 0,0 0 0,1 0 0,-1 7 0,-2 41 0,4 58 0,-2 20 0,-1-106 0,2-18 0,0 1 0,0-1 0,1 0 0,0 0 0,0 1 0,0-1 0,3 11 0,-3-16 0,1 0 0,0 0 0,-1-1 0,1 1 0,-1 0 0,1-1 0,0 1 0,0 0 0,-1-1 0,1 1 0,0-1 0,0 1 0,0-1 0,0 0 0,0 1 0,0-1 0,-1 0 0,1 0 0,0 1 0,0-1 0,0 0 0,0 0 0,0 0 0,1 0 0,30-1 0,-20 0 0,36 2 0,50-2 0,-73-1 0,0-1 0,31-8 0,-55 10 0,1 0 0,-1 1 0,1-1 0,-1 0 0,0 0 0,1 0 0,-1 0 0,0-1 0,0 1 0,1 0 0,-1 0 0,0-1 0,-1 1 0,1-1 0,0 1 0,0-1 0,0 1 0,-1-1 0,1 1 0,-1-1 0,1 0 0,-1-2 0,5-45 0,-3 26 0,-1 9 0,-1 1 0,0-1 0,-1 0 0,-2-17 0,-2-29 0,4 49 0,0 1 0,-4-19 0,-2-12 0,1-7 0,5 44 0,0 0 0,0-1 0,0 1 0,-1 0 0,1 0 0,-1 0 0,0 0 0,-5-6 0,3 7 0,-1 0 0,0 1 0,0 0 0,1 0 0,-1 0 0,0 1 0,-1-1 0,1 1 0,0 0 0,-10 0 0,2-1 0,-24-2-115,-70 1 0,74 4-1020,29-1-5691</inkml:trace>
+</inkml:ink>
+</file>
+
+<file path=ppt/ink/ink278.xml><?xml version="1.0" encoding="utf-8"?>
+<inkml:ink xmlns:inkml="http://www.w3.org/2003/InkML">
+  <inkml:definitions>
+    <inkml:context xml:id="ctx0">
+      <inkml:inkSource xml:id="inkSrc0">
+        <inkml:traceFormat>
+          <inkml:channel name="X" type="integer" min="-2.14748E9" max="2.14748E9" units="cm"/>
+          <inkml:channel name="Y" type="integer" min="-2.14748E9" max="2.14748E9" units="cm"/>
+          <inkml:channel name="F" type="integer" max="32767" units="dev"/>
+        </inkml:traceFormat>
+        <inkml:channelProperties>
+          <inkml:channelProperty channel="X" name="resolution" value="1000" units="1/cm"/>
+          <inkml:channelProperty channel="Y" name="resolution" value="1000" units="1/cm"/>
+          <inkml:channelProperty channel="F" name="resolution" value="0" units="1/dev"/>
+        </inkml:channelProperties>
+      </inkml:inkSource>
+      <inkml:timestamp xml:id="ts0" timeString="2023-05-25T05:56:35.183"/>
+    </inkml:context>
+    <inkml:brush xml:id="br0">
+      <inkml:brushProperty name="width" value="0.025" units="cm"/>
+      <inkml:brushProperty name="height" value="0.025" units="cm"/>
+      <inkml:brushProperty name="color" value="#008C3A"/>
+    </inkml:brush>
+  </inkml:definitions>
+  <inkml:trace contextRef="#ctx0" brushRef="#br0">0 0 24575,'0'1'0,"0"1"0,0 0 0,0 3 0,0 0 0,0 3 0,0 3 0,0-1 0,0 2 0,0-1 0,0-1 0,0-1 0,0-1 0,0-2-8191</inkml:trace>
+</inkml:ink>
+</file>
+
+<file path=ppt/ink/ink279.xml><?xml version="1.0" encoding="utf-8"?>
+<inkml:ink xmlns:inkml="http://www.w3.org/2003/InkML">
+  <inkml:definitions>
+    <inkml:context xml:id="ctx0">
+      <inkml:inkSource xml:id="inkSrc0">
+        <inkml:traceFormat>
+          <inkml:channel name="X" type="integer" min="-2.14748E9" max="2.14748E9" units="cm"/>
+          <inkml:channel name="Y" type="integer" min="-2.14748E9" max="2.14748E9" units="cm"/>
+          <inkml:channel name="F" type="integer" max="32767" units="dev"/>
+        </inkml:traceFormat>
+        <inkml:channelProperties>
+          <inkml:channelProperty channel="X" name="resolution" value="1000" units="1/cm"/>
+          <inkml:channelProperty channel="Y" name="resolution" value="1000" units="1/cm"/>
+          <inkml:channelProperty channel="F" name="resolution" value="0" units="1/dev"/>
+        </inkml:channelProperties>
+      </inkml:inkSource>
+      <inkml:timestamp xml:id="ts0" timeString="2023-05-25T05:56:35.725"/>
+    </inkml:context>
+    <inkml:brush xml:id="br0">
+      <inkml:brushProperty name="width" value="0.025" units="cm"/>
+      <inkml:brushProperty name="height" value="0.025" units="cm"/>
+      <inkml:brushProperty name="color" value="#008C3A"/>
+    </inkml:brush>
+  </inkml:definitions>
+  <inkml:trace contextRef="#ctx0" brushRef="#br0">3 0 24575,'-1'32'220,"0"-20"-537,1-1 0,0 1 0,0-1 0,4 20 0</inkml:trace>
 </inkml:ink>
 </file>
 
@@ -5492,6 +5829,286 @@
 </inkml:ink>
 </file>
 
+<file path=ppt/ink/ink280.xml><?xml version="1.0" encoding="utf-8"?>
+<inkml:ink xmlns:inkml="http://www.w3.org/2003/InkML">
+  <inkml:definitions>
+    <inkml:context xml:id="ctx0">
+      <inkml:inkSource xml:id="inkSrc0">
+        <inkml:traceFormat>
+          <inkml:channel name="X" type="integer" min="-2.14748E9" max="2.14748E9" units="cm"/>
+          <inkml:channel name="Y" type="integer" min="-2.14748E9" max="2.14748E9" units="cm"/>
+          <inkml:channel name="F" type="integer" max="32767" units="dev"/>
+        </inkml:traceFormat>
+        <inkml:channelProperties>
+          <inkml:channelProperty channel="X" name="resolution" value="1000" units="1/cm"/>
+          <inkml:channelProperty channel="Y" name="resolution" value="1000" units="1/cm"/>
+          <inkml:channelProperty channel="F" name="resolution" value="0" units="1/dev"/>
+        </inkml:channelProperties>
+      </inkml:inkSource>
+      <inkml:timestamp xml:id="ts0" timeString="2023-05-25T05:56:36.216"/>
+    </inkml:context>
+    <inkml:brush xml:id="br0">
+      <inkml:brushProperty name="width" value="0.025" units="cm"/>
+      <inkml:brushProperty name="height" value="0.025" units="cm"/>
+      <inkml:brushProperty name="color" value="#008C3A"/>
+    </inkml:brush>
+  </inkml:definitions>
+  <inkml:trace contextRef="#ctx0" brushRef="#br0">0 1 24575,'0'0'0,"0"2"0,1 1 0,0 0 0,0 2 0,1 1 0,-1 0 0,1 0 0,0 1 0,0 0 0,-1 2 0,-1 1 0,1 1 0,-1-1 0,1-3 0,0-1 0,0-1 0</inkml:trace>
+</inkml:ink>
+</file>
+
+<file path=ppt/ink/ink281.xml><?xml version="1.0" encoding="utf-8"?>
+<inkml:ink xmlns:inkml="http://www.w3.org/2003/InkML">
+  <inkml:definitions>
+    <inkml:context xml:id="ctx0">
+      <inkml:inkSource xml:id="inkSrc0">
+        <inkml:traceFormat>
+          <inkml:channel name="X" type="integer" min="-2.14748E9" max="2.14748E9" units="cm"/>
+          <inkml:channel name="Y" type="integer" min="-2.14748E9" max="2.14748E9" units="cm"/>
+          <inkml:channel name="F" type="integer" max="32767" units="dev"/>
+        </inkml:traceFormat>
+        <inkml:channelProperties>
+          <inkml:channelProperty channel="X" name="resolution" value="1000" units="1/cm"/>
+          <inkml:channelProperty channel="Y" name="resolution" value="1000" units="1/cm"/>
+          <inkml:channelProperty channel="F" name="resolution" value="0" units="1/dev"/>
+        </inkml:channelProperties>
+      </inkml:inkSource>
+      <inkml:timestamp xml:id="ts0" timeString="2023-05-25T05:56:36.690"/>
+    </inkml:context>
+    <inkml:brush xml:id="br0">
+      <inkml:brushProperty name="width" value="0.025" units="cm"/>
+      <inkml:brushProperty name="height" value="0.025" units="cm"/>
+      <inkml:brushProperty name="color" value="#008C3A"/>
+    </inkml:brush>
+  </inkml:definitions>
+  <inkml:trace contextRef="#ctx0" brushRef="#br0">0 2 24575,'24'1'228,"-16"0"-494,-1-1 1,1 0-1,0 0 1,0-1-1,8-1 1</inkml:trace>
+</inkml:ink>
+</file>
+
+<file path=ppt/ink/ink282.xml><?xml version="1.0" encoding="utf-8"?>
+<inkml:ink xmlns:inkml="http://www.w3.org/2003/InkML">
+  <inkml:definitions>
+    <inkml:context xml:id="ctx0">
+      <inkml:inkSource xml:id="inkSrc0">
+        <inkml:traceFormat>
+          <inkml:channel name="X" type="integer" min="-2.14748E9" max="2.14748E9" units="cm"/>
+          <inkml:channel name="Y" type="integer" min="-2.14748E9" max="2.14748E9" units="cm"/>
+          <inkml:channel name="F" type="integer" max="32767" units="dev"/>
+        </inkml:traceFormat>
+        <inkml:channelProperties>
+          <inkml:channelProperty channel="X" name="resolution" value="1000" units="1/cm"/>
+          <inkml:channelProperty channel="Y" name="resolution" value="1000" units="1/cm"/>
+          <inkml:channelProperty channel="F" name="resolution" value="0" units="1/dev"/>
+        </inkml:channelProperties>
+      </inkml:inkSource>
+      <inkml:timestamp xml:id="ts0" timeString="2023-05-25T05:56:37.300"/>
+    </inkml:context>
+    <inkml:brush xml:id="br0">
+      <inkml:brushProperty name="width" value="0.025" units="cm"/>
+      <inkml:brushProperty name="height" value="0.025" units="cm"/>
+      <inkml:brushProperty name="color" value="#008C3A"/>
+    </inkml:brush>
+  </inkml:definitions>
+  <inkml:trace contextRef="#ctx0" brushRef="#br0">0 133 24575,'1'0'0,"0"0"0,0 0 0,-1-1 0,1 1 0,0 0 0,-1-1 0,1 1 0,0-1 0,-1 1 0,1-1 0,-1 1 0,1-1 0,-1 1 0,1-1 0,-1 0 0,1 1 0,-1-1 0,0 0 0,1 1 0,-1-1 0,0 0 0,0 1 0,1-1 0,-1 0 0,0 0 0,0 1 0,0-1 0,0 0 0,0-1 0,2-30 0,-2 21 0,3-61-1365</inkml:trace>
+</inkml:ink>
+</file>
+
+<file path=ppt/ink/ink283.xml><?xml version="1.0" encoding="utf-8"?>
+<inkml:ink xmlns:inkml="http://www.w3.org/2003/InkML">
+  <inkml:definitions>
+    <inkml:context xml:id="ctx0">
+      <inkml:inkSource xml:id="inkSrc0">
+        <inkml:traceFormat>
+          <inkml:channel name="X" type="integer" min="-2.14748E9" max="2.14748E9" units="cm"/>
+          <inkml:channel name="Y" type="integer" min="-2.14748E9" max="2.14748E9" units="cm"/>
+          <inkml:channel name="F" type="integer" max="32767" units="dev"/>
+        </inkml:traceFormat>
+        <inkml:channelProperties>
+          <inkml:channelProperty channel="X" name="resolution" value="1000" units="1/cm"/>
+          <inkml:channelProperty channel="Y" name="resolution" value="1000" units="1/cm"/>
+          <inkml:channelProperty channel="F" name="resolution" value="0" units="1/dev"/>
+        </inkml:channelProperties>
+      </inkml:inkSource>
+      <inkml:timestamp xml:id="ts0" timeString="2023-05-25T05:56:37.788"/>
+    </inkml:context>
+    <inkml:brush xml:id="br0">
+      <inkml:brushProperty name="width" value="0.025" units="cm"/>
+      <inkml:brushProperty name="height" value="0.025" units="cm"/>
+      <inkml:brushProperty name="color" value="#008C3A"/>
+    </inkml:brush>
+  </inkml:definitions>
+  <inkml:trace contextRef="#ctx0" brushRef="#br0">6 151 24575,'1'-43'0,"-2"-43"0,-5 64-1365</inkml:trace>
+</inkml:ink>
+</file>
+
+<file path=ppt/ink/ink284.xml><?xml version="1.0" encoding="utf-8"?>
+<inkml:ink xmlns:inkml="http://www.w3.org/2003/InkML">
+  <inkml:definitions>
+    <inkml:context xml:id="ctx0">
+      <inkml:inkSource xml:id="inkSrc0">
+        <inkml:traceFormat>
+          <inkml:channel name="X" type="integer" min="-2.14748E9" max="2.14748E9" units="cm"/>
+          <inkml:channel name="Y" type="integer" min="-2.14748E9" max="2.14748E9" units="cm"/>
+          <inkml:channel name="F" type="integer" max="32767" units="dev"/>
+        </inkml:traceFormat>
+        <inkml:channelProperties>
+          <inkml:channelProperty channel="X" name="resolution" value="1000" units="1/cm"/>
+          <inkml:channelProperty channel="Y" name="resolution" value="1000" units="1/cm"/>
+          <inkml:channelProperty channel="F" name="resolution" value="0" units="1/dev"/>
+        </inkml:channelProperties>
+      </inkml:inkSource>
+      <inkml:timestamp xml:id="ts0" timeString="2023-05-25T05:56:38.837"/>
+    </inkml:context>
+    <inkml:brush xml:id="br0">
+      <inkml:brushProperty name="width" value="0.025" units="cm"/>
+      <inkml:brushProperty name="height" value="0.025" units="cm"/>
+      <inkml:brushProperty name="color" value="#008C3A"/>
+    </inkml:brush>
+  </inkml:definitions>
+  <inkml:trace contextRef="#ctx0" brushRef="#br0">156 50 24575,'0'-2'0,"0"-1"0,0 1 0,0-1 0,-1 1 0,1 0 0,-1-1 0,1 1 0,-1 0 0,0 0 0,0-1 0,0 1 0,0 0 0,0 0 0,-2-2 0,2 2 0,0 1 0,-1 0 0,1 0 0,-1 0 0,1 0 0,-1 0 0,1 0 0,-1 0 0,1 1 0,-1-1 0,0 1 0,1-1 0,-1 1 0,0-1 0,0 1 0,1 0 0,-1 0 0,0 0 0,-1 0 0,-12 1 52,1 1-1,-1 1 1,-16 4-1,-6 2-1622</inkml:trace>
+</inkml:ink>
+</file>
+
+<file path=ppt/ink/ink285.xml><?xml version="1.0" encoding="utf-8"?>
+<inkml:ink xmlns:inkml="http://www.w3.org/2003/InkML">
+  <inkml:definitions>
+    <inkml:context xml:id="ctx0">
+      <inkml:inkSource xml:id="inkSrc0">
+        <inkml:traceFormat>
+          <inkml:channel name="X" type="integer" min="-2.14748E9" max="2.14748E9" units="cm"/>
+          <inkml:channel name="Y" type="integer" min="-2.14748E9" max="2.14748E9" units="cm"/>
+          <inkml:channel name="F" type="integer" max="32767" units="dev"/>
+        </inkml:traceFormat>
+        <inkml:channelProperties>
+          <inkml:channelProperty channel="X" name="resolution" value="1000" units="1/cm"/>
+          <inkml:channelProperty channel="Y" name="resolution" value="1000" units="1/cm"/>
+          <inkml:channelProperty channel="F" name="resolution" value="0" units="1/dev"/>
+        </inkml:channelProperties>
+      </inkml:inkSource>
+      <inkml:timestamp xml:id="ts0" timeString="2023-05-25T05:56:43.155"/>
+    </inkml:context>
+    <inkml:brush xml:id="br0">
+      <inkml:brushProperty name="width" value="0.025" units="cm"/>
+      <inkml:brushProperty name="height" value="0.025" units="cm"/>
+      <inkml:brushProperty name="color" value="#E71224"/>
+    </inkml:brush>
+  </inkml:definitions>
+  <inkml:trace contextRef="#ctx0" brushRef="#br0">0 21 24575,'1'0'0,"1"0"0,0 0 0,2-1 0,0 0 0,0-1 0,1 1 0,-1-1 0,1 1 0,0-1 0,0 0 0,0 0 0,1 0 0,-1 0 0,0 1 0,0-1 0</inkml:trace>
+</inkml:ink>
+</file>
+
+<file path=ppt/ink/ink286.xml><?xml version="1.0" encoding="utf-8"?>
+<inkml:ink xmlns:inkml="http://www.w3.org/2003/InkML">
+  <inkml:definitions>
+    <inkml:context xml:id="ctx0">
+      <inkml:inkSource xml:id="inkSrc0">
+        <inkml:traceFormat>
+          <inkml:channel name="X" type="integer" min="-2.14748E9" max="2.14748E9" units="cm"/>
+          <inkml:channel name="Y" type="integer" min="-2.14748E9" max="2.14748E9" units="cm"/>
+          <inkml:channel name="F" type="integer" max="32767" units="dev"/>
+        </inkml:traceFormat>
+        <inkml:channelProperties>
+          <inkml:channelProperty channel="X" name="resolution" value="1000" units="1/cm"/>
+          <inkml:channelProperty channel="Y" name="resolution" value="1000" units="1/cm"/>
+          <inkml:channelProperty channel="F" name="resolution" value="0" units="1/dev"/>
+        </inkml:channelProperties>
+      </inkml:inkSource>
+      <inkml:timestamp xml:id="ts0" timeString="2023-05-25T05:56:43.832"/>
+    </inkml:context>
+    <inkml:brush xml:id="br0">
+      <inkml:brushProperty name="width" value="0.025" units="cm"/>
+      <inkml:brushProperty name="height" value="0.025" units="cm"/>
+      <inkml:brushProperty name="color" value="#E71224"/>
+    </inkml:brush>
+  </inkml:definitions>
+  <inkml:trace contextRef="#ctx0" brushRef="#br0">1 28 24575,'0'-1'0,"1"0"0,0 0 0,-1 0 0,1 0 0,0 0 0,0 0 0,0 0 0,0 0 0,0 1 0,0-1 0,0 0 0,0 0 0,0 1 0,0-1 0,2 0 0,18-9 0,20 6-1365</inkml:trace>
+</inkml:ink>
+</file>
+
+<file path=ppt/ink/ink287.xml><?xml version="1.0" encoding="utf-8"?>
+<inkml:ink xmlns:inkml="http://www.w3.org/2003/InkML">
+  <inkml:definitions>
+    <inkml:context xml:id="ctx0">
+      <inkml:inkSource xml:id="inkSrc0">
+        <inkml:traceFormat>
+          <inkml:channel name="X" type="integer" min="-2.14748E9" max="2.14748E9" units="cm"/>
+          <inkml:channel name="Y" type="integer" min="-2.14748E9" max="2.14748E9" units="cm"/>
+          <inkml:channel name="F" type="integer" max="32767" units="dev"/>
+        </inkml:traceFormat>
+        <inkml:channelProperties>
+          <inkml:channelProperty channel="X" name="resolution" value="1000" units="1/cm"/>
+          <inkml:channelProperty channel="Y" name="resolution" value="1000" units="1/cm"/>
+          <inkml:channelProperty channel="F" name="resolution" value="0" units="1/dev"/>
+        </inkml:channelProperties>
+      </inkml:inkSource>
+      <inkml:timestamp xml:id="ts0" timeString="2023-05-25T05:56:44.367"/>
+    </inkml:context>
+    <inkml:brush xml:id="br0">
+      <inkml:brushProperty name="width" value="0.025" units="cm"/>
+      <inkml:brushProperty name="height" value="0.025" units="cm"/>
+      <inkml:brushProperty name="color" value="#E71224"/>
+    </inkml:brush>
+  </inkml:definitions>
+  <inkml:trace contextRef="#ctx0" brushRef="#br0">1 5 24575,'141'-4'-1365</inkml:trace>
+</inkml:ink>
+</file>
+
+<file path=ppt/ink/ink288.xml><?xml version="1.0" encoding="utf-8"?>
+<inkml:ink xmlns:inkml="http://www.w3.org/2003/InkML">
+  <inkml:definitions>
+    <inkml:context xml:id="ctx0">
+      <inkml:inkSource xml:id="inkSrc0">
+        <inkml:traceFormat>
+          <inkml:channel name="X" type="integer" min="-2.14748E9" max="2.14748E9" units="cm"/>
+          <inkml:channel name="Y" type="integer" min="-2.14748E9" max="2.14748E9" units="cm"/>
+          <inkml:channel name="F" type="integer" max="32767" units="dev"/>
+        </inkml:traceFormat>
+        <inkml:channelProperties>
+          <inkml:channelProperty channel="X" name="resolution" value="1000" units="1/cm"/>
+          <inkml:channelProperty channel="Y" name="resolution" value="1000" units="1/cm"/>
+          <inkml:channelProperty channel="F" name="resolution" value="0" units="1/dev"/>
+        </inkml:channelProperties>
+      </inkml:inkSource>
+      <inkml:timestamp xml:id="ts0" timeString="2023-05-25T05:56:44.775"/>
+    </inkml:context>
+    <inkml:brush xml:id="br0">
+      <inkml:brushProperty name="width" value="0.025" units="cm"/>
+      <inkml:brushProperty name="height" value="0.025" units="cm"/>
+      <inkml:brushProperty name="color" value="#E71224"/>
+    </inkml:brush>
+  </inkml:definitions>
+  <inkml:trace contextRef="#ctx0" brushRef="#br0">0 1 24575,'1'0'0,"1"0"0,1 0 0,2 0 0,0 0 0,2 0 0,-1 0 0,-1 0 0,1 0 0</inkml:trace>
+</inkml:ink>
+</file>
+
+<file path=ppt/ink/ink289.xml><?xml version="1.0" encoding="utf-8"?>
+<inkml:ink xmlns:inkml="http://www.w3.org/2003/InkML">
+  <inkml:definitions>
+    <inkml:context xml:id="ctx0">
+      <inkml:inkSource xml:id="inkSrc0">
+        <inkml:traceFormat>
+          <inkml:channel name="X" type="integer" min="-2.14748E9" max="2.14748E9" units="cm"/>
+          <inkml:channel name="Y" type="integer" min="-2.14748E9" max="2.14748E9" units="cm"/>
+          <inkml:channel name="F" type="integer" max="32767" units="dev"/>
+        </inkml:traceFormat>
+        <inkml:channelProperties>
+          <inkml:channelProperty channel="X" name="resolution" value="1000" units="1/cm"/>
+          <inkml:channelProperty channel="Y" name="resolution" value="1000" units="1/cm"/>
+          <inkml:channelProperty channel="F" name="resolution" value="0" units="1/dev"/>
+        </inkml:channelProperties>
+      </inkml:inkSource>
+      <inkml:timestamp xml:id="ts0" timeString="2023-05-25T05:56:45.265"/>
+    </inkml:context>
+    <inkml:brush xml:id="br0">
+      <inkml:brushProperty name="width" value="0.025" units="cm"/>
+      <inkml:brushProperty name="height" value="0.025" units="cm"/>
+      <inkml:brushProperty name="color" value="#E71224"/>
+    </inkml:brush>
+  </inkml:definitions>
+  <inkml:trace contextRef="#ctx0" brushRef="#br0">0 0 24575,'9'170'-1365,"-9"-164"-5461</inkml:trace>
+</inkml:ink>
+</file>
+
 <file path=ppt/ink/ink29.xml><?xml version="1.0" encoding="utf-8"?>
 <inkml:ink xmlns:inkml="http://www.w3.org/2003/InkML">
   <inkml:definitions>
@@ -5517,6 +6134,258 @@
     </inkml:brush>
   </inkml:definitions>
   <inkml:trace contextRef="#ctx0" brushRef="#br0">1 1 24575,'1'0'0,"1"0"0,3 0 0,1 0 0,0 0 0,2 0 0,0-1 0</inkml:trace>
+</inkml:ink>
+</file>
+
+<file path=ppt/ink/ink290.xml><?xml version="1.0" encoding="utf-8"?>
+<inkml:ink xmlns:inkml="http://www.w3.org/2003/InkML">
+  <inkml:definitions>
+    <inkml:context xml:id="ctx0">
+      <inkml:inkSource xml:id="inkSrc0">
+        <inkml:traceFormat>
+          <inkml:channel name="X" type="integer" min="-2.14748E9" max="2.14748E9" units="cm"/>
+          <inkml:channel name="Y" type="integer" min="-2.14748E9" max="2.14748E9" units="cm"/>
+          <inkml:channel name="F" type="integer" max="32767" units="dev"/>
+        </inkml:traceFormat>
+        <inkml:channelProperties>
+          <inkml:channelProperty channel="X" name="resolution" value="1000" units="1/cm"/>
+          <inkml:channelProperty channel="Y" name="resolution" value="1000" units="1/cm"/>
+          <inkml:channelProperty channel="F" name="resolution" value="0" units="1/dev"/>
+        </inkml:channelProperties>
+      </inkml:inkSource>
+      <inkml:timestamp xml:id="ts0" timeString="2023-05-25T05:56:45.837"/>
+    </inkml:context>
+    <inkml:brush xml:id="br0">
+      <inkml:brushProperty name="width" value="0.025" units="cm"/>
+      <inkml:brushProperty name="height" value="0.025" units="cm"/>
+      <inkml:brushProperty name="color" value="#E71224"/>
+    </inkml:brush>
+  </inkml:definitions>
+  <inkml:trace contextRef="#ctx0" brushRef="#br0">0 1 24575,'0'145'-1365,"0"-140"-5461</inkml:trace>
+</inkml:ink>
+</file>
+
+<file path=ppt/ink/ink291.xml><?xml version="1.0" encoding="utf-8"?>
+<inkml:ink xmlns:inkml="http://www.w3.org/2003/InkML">
+  <inkml:definitions>
+    <inkml:context xml:id="ctx0">
+      <inkml:inkSource xml:id="inkSrc0">
+        <inkml:traceFormat>
+          <inkml:channel name="X" type="integer" min="-2.14748E9" max="2.14748E9" units="cm"/>
+          <inkml:channel name="Y" type="integer" min="-2.14748E9" max="2.14748E9" units="cm"/>
+          <inkml:channel name="F" type="integer" max="32767" units="dev"/>
+        </inkml:traceFormat>
+        <inkml:channelProperties>
+          <inkml:channelProperty channel="X" name="resolution" value="1000" units="1/cm"/>
+          <inkml:channelProperty channel="Y" name="resolution" value="1000" units="1/cm"/>
+          <inkml:channelProperty channel="F" name="resolution" value="0" units="1/dev"/>
+        </inkml:channelProperties>
+      </inkml:inkSource>
+      <inkml:timestamp xml:id="ts0" timeString="2023-05-25T05:56:46.237"/>
+    </inkml:context>
+    <inkml:brush xml:id="br0">
+      <inkml:brushProperty name="width" value="0.025" units="cm"/>
+      <inkml:brushProperty name="height" value="0.025" units="cm"/>
+      <inkml:brushProperty name="color" value="#E71224"/>
+    </inkml:brush>
+  </inkml:definitions>
+  <inkml:trace contextRef="#ctx0" brushRef="#br0">0 1 24575,'0'0'0,"0"3"0,0 1 0,0 1 0,0 0 0,0 1 0,0 0 0,0-1 0,0 0 0,0 0 0,0 0 0</inkml:trace>
+</inkml:ink>
+</file>
+
+<file path=ppt/ink/ink292.xml><?xml version="1.0" encoding="utf-8"?>
+<inkml:ink xmlns:inkml="http://www.w3.org/2003/InkML">
+  <inkml:definitions>
+    <inkml:context xml:id="ctx0">
+      <inkml:inkSource xml:id="inkSrc0">
+        <inkml:traceFormat>
+          <inkml:channel name="X" type="integer" min="-2.14748E9" max="2.14748E9" units="cm"/>
+          <inkml:channel name="Y" type="integer" min="-2.14748E9" max="2.14748E9" units="cm"/>
+          <inkml:channel name="F" type="integer" max="32767" units="dev"/>
+        </inkml:traceFormat>
+        <inkml:channelProperties>
+          <inkml:channelProperty channel="X" name="resolution" value="1000" units="1/cm"/>
+          <inkml:channelProperty channel="Y" name="resolution" value="1000" units="1/cm"/>
+          <inkml:channelProperty channel="F" name="resolution" value="0" units="1/dev"/>
+        </inkml:channelProperties>
+      </inkml:inkSource>
+      <inkml:timestamp xml:id="ts0" timeString="2023-05-25T05:56:46.641"/>
+    </inkml:context>
+    <inkml:brush xml:id="br0">
+      <inkml:brushProperty name="width" value="0.025" units="cm"/>
+      <inkml:brushProperty name="height" value="0.025" units="cm"/>
+      <inkml:brushProperty name="color" value="#E71224"/>
+    </inkml:brush>
+  </inkml:definitions>
+  <inkml:trace contextRef="#ctx0" brushRef="#br0">249 1 24575,'-119'7'341,"-5"-1"-2047,119-6-5120</inkml:trace>
+</inkml:ink>
+</file>
+
+<file path=ppt/ink/ink293.xml><?xml version="1.0" encoding="utf-8"?>
+<inkml:ink xmlns:inkml="http://www.w3.org/2003/InkML">
+  <inkml:definitions>
+    <inkml:context xml:id="ctx0">
+      <inkml:inkSource xml:id="inkSrc0">
+        <inkml:traceFormat>
+          <inkml:channel name="X" type="integer" min="-2.14748E9" max="2.14748E9" units="cm"/>
+          <inkml:channel name="Y" type="integer" min="-2.14748E9" max="2.14748E9" units="cm"/>
+          <inkml:channel name="F" type="integer" max="32767" units="dev"/>
+        </inkml:traceFormat>
+        <inkml:channelProperties>
+          <inkml:channelProperty channel="X" name="resolution" value="1000" units="1/cm"/>
+          <inkml:channelProperty channel="Y" name="resolution" value="1000" units="1/cm"/>
+          <inkml:channelProperty channel="F" name="resolution" value="0" units="1/dev"/>
+        </inkml:channelProperties>
+      </inkml:inkSource>
+      <inkml:timestamp xml:id="ts0" timeString="2023-05-25T05:56:47.086"/>
+    </inkml:context>
+    <inkml:brush xml:id="br0">
+      <inkml:brushProperty name="width" value="0.025" units="cm"/>
+      <inkml:brushProperty name="height" value="0.025" units="cm"/>
+      <inkml:brushProperty name="color" value="#E71224"/>
+    </inkml:brush>
+  </inkml:definitions>
+  <inkml:trace contextRef="#ctx0" brushRef="#br0">58 0 24575,'0'1'0,"0"1"0,-2 0 0,-1 0 0,0 0 0,-1 1 0,-1-1 0,0 0 0,0 0 0,-1 0 0,1-1 0,0 0 0,0-1 0,0 0 0,1 1 0</inkml:trace>
+</inkml:ink>
+</file>
+
+<file path=ppt/ink/ink294.xml><?xml version="1.0" encoding="utf-8"?>
+<inkml:ink xmlns:inkml="http://www.w3.org/2003/InkML">
+  <inkml:definitions>
+    <inkml:context xml:id="ctx0">
+      <inkml:inkSource xml:id="inkSrc0">
+        <inkml:traceFormat>
+          <inkml:channel name="X" type="integer" min="-2.14748E9" max="2.14748E9" units="cm"/>
+          <inkml:channel name="Y" type="integer" min="-2.14748E9" max="2.14748E9" units="cm"/>
+          <inkml:channel name="F" type="integer" max="32767" units="dev"/>
+        </inkml:traceFormat>
+        <inkml:channelProperties>
+          <inkml:channelProperty channel="X" name="resolution" value="1000" units="1/cm"/>
+          <inkml:channelProperty channel="Y" name="resolution" value="1000" units="1/cm"/>
+          <inkml:channelProperty channel="F" name="resolution" value="0" units="1/dev"/>
+        </inkml:channelProperties>
+      </inkml:inkSource>
+      <inkml:timestamp xml:id="ts0" timeString="2023-05-25T05:56:47.570"/>
+    </inkml:context>
+    <inkml:brush xml:id="br0">
+      <inkml:brushProperty name="width" value="0.025" units="cm"/>
+      <inkml:brushProperty name="height" value="0.025" units="cm"/>
+      <inkml:brushProperty name="color" value="#E71224"/>
+    </inkml:brush>
+  </inkml:definitions>
+  <inkml:trace contextRef="#ctx0" brushRef="#br0">14 203 24575,'-7'-90'0,"0"-6"0,7 79-1365</inkml:trace>
+</inkml:ink>
+</file>
+
+<file path=ppt/ink/ink295.xml><?xml version="1.0" encoding="utf-8"?>
+<inkml:ink xmlns:inkml="http://www.w3.org/2003/InkML">
+  <inkml:definitions>
+    <inkml:context xml:id="ctx0">
+      <inkml:inkSource xml:id="inkSrc0">
+        <inkml:traceFormat>
+          <inkml:channel name="X" type="integer" min="-2.14748E9" max="2.14748E9" units="cm"/>
+          <inkml:channel name="Y" type="integer" min="-2.14748E9" max="2.14748E9" units="cm"/>
+          <inkml:channel name="F" type="integer" max="32767" units="dev"/>
+        </inkml:traceFormat>
+        <inkml:channelProperties>
+          <inkml:channelProperty channel="X" name="resolution" value="1000" units="1/cm"/>
+          <inkml:channelProperty channel="Y" name="resolution" value="1000" units="1/cm"/>
+          <inkml:channelProperty channel="F" name="resolution" value="0" units="1/dev"/>
+        </inkml:channelProperties>
+      </inkml:inkSource>
+      <inkml:timestamp xml:id="ts0" timeString="2023-05-25T05:56:47.978"/>
+    </inkml:context>
+    <inkml:brush xml:id="br0">
+      <inkml:brushProperty name="width" value="0.025" units="cm"/>
+      <inkml:brushProperty name="height" value="0.025" units="cm"/>
+      <inkml:brushProperty name="color" value="#E71224"/>
+    </inkml:brush>
+  </inkml:definitions>
+  <inkml:trace contextRef="#ctx0" brushRef="#br0">0 111 24575,'0'-110'-1365</inkml:trace>
+</inkml:ink>
+</file>
+
+<file path=ppt/ink/ink296.xml><?xml version="1.0" encoding="utf-8"?>
+<inkml:ink xmlns:inkml="http://www.w3.org/2003/InkML">
+  <inkml:definitions>
+    <inkml:context xml:id="ctx0">
+      <inkml:inkSource xml:id="inkSrc0">
+        <inkml:traceFormat>
+          <inkml:channel name="X" type="integer" min="-2.14748E9" max="2.14748E9" units="cm"/>
+          <inkml:channel name="Y" type="integer" min="-2.14748E9" max="2.14748E9" units="cm"/>
+          <inkml:channel name="F" type="integer" max="32767" units="dev"/>
+        </inkml:traceFormat>
+        <inkml:channelProperties>
+          <inkml:channelProperty channel="X" name="resolution" value="1000" units="1/cm"/>
+          <inkml:channelProperty channel="Y" name="resolution" value="1000" units="1/cm"/>
+          <inkml:channelProperty channel="F" name="resolution" value="0" units="1/dev"/>
+        </inkml:channelProperties>
+      </inkml:inkSource>
+      <inkml:timestamp xml:id="ts0" timeString="2023-05-25T05:56:48.629"/>
+    </inkml:context>
+    <inkml:brush xml:id="br0">
+      <inkml:brushProperty name="width" value="0.025" units="cm"/>
+      <inkml:brushProperty name="height" value="0.025" units="cm"/>
+      <inkml:brushProperty name="color" value="#E71224"/>
+    </inkml:brush>
+  </inkml:definitions>
+  <inkml:trace contextRef="#ctx0" brushRef="#br0">0 146 24575,'0'-146'-1365</inkml:trace>
+</inkml:ink>
+</file>
+
+<file path=ppt/ink/ink297.xml><?xml version="1.0" encoding="utf-8"?>
+<inkml:ink xmlns:inkml="http://www.w3.org/2003/InkML">
+  <inkml:definitions>
+    <inkml:context xml:id="ctx0">
+      <inkml:inkSource xml:id="inkSrc0">
+        <inkml:traceFormat>
+          <inkml:channel name="X" type="integer" min="-2.14748E9" max="2.14748E9" units="cm"/>
+          <inkml:channel name="Y" type="integer" min="-2.14748E9" max="2.14748E9" units="cm"/>
+          <inkml:channel name="F" type="integer" max="32767" units="dev"/>
+        </inkml:traceFormat>
+        <inkml:channelProperties>
+          <inkml:channelProperty channel="X" name="resolution" value="1000" units="1/cm"/>
+          <inkml:channelProperty channel="Y" name="resolution" value="1000" units="1/cm"/>
+          <inkml:channelProperty channel="F" name="resolution" value="0" units="1/dev"/>
+        </inkml:channelProperties>
+      </inkml:inkSource>
+      <inkml:timestamp xml:id="ts0" timeString="2023-05-25T06:00:04.669"/>
+    </inkml:context>
+    <inkml:brush xml:id="br0">
+      <inkml:brushProperty name="width" value="0.025" units="cm"/>
+      <inkml:brushProperty name="height" value="0.025" units="cm"/>
+      <inkml:brushProperty name="color" value="#008C3A"/>
+    </inkml:brush>
+  </inkml:definitions>
+  <inkml:trace contextRef="#ctx0" brushRef="#br0">187 35 24575,'-20'1'0,"-1"1"0,0 1 0,-31 7 0,50-9 0,1 0 0,-1 0 0,0 0 0,1-1 0,0 1 0,-1 1 0,1-1 0,-1 0 0,1 0 0,0 0 0,0 1 0,0-1 0,0 1 0,0-1 0,0 1 0,0-1 0,0 1 0,1-1 0,-1 1 0,0 0 0,1 0 0,0-1 0,-1 1 0,1 0 0,0 2 0,-1 8 0,0 0 0,2 20 0,-1-18 0,-1 12 0,-4 29 0,3-38 0,-6 88 0,-5-9 0,7-53 0,-3 75 0,8-88 0,0-13 0,3 32 0,-2-45 0,1 0 0,-1-1 0,1 1 0,0-1 0,0 1 0,0-1 0,1 0 0,-1 1 0,1-1 0,-1 0 0,1 0 0,0 0 0,1 0 0,3 4 0,19 14 0,-3-3 0,24 26 0,-43-41 0,1 0 0,-1 0 0,1 0 0,0 0 0,0-1 0,0 0 0,0 0 0,0 0 0,0 0 0,1 0 0,-1-1 0,1 0 0,-1 0 0,7 1 0,7-1 0,1 0 0,25-3 0,-2 0 0,-7 3 0,-23 0 0,-1 0 0,1-1 0,-1 0 0,0-1 0,1 0 0,-1-1 0,12-3 0,-21 4 0,1 0 0,-1 0 0,0-1 0,0 1 0,1-1 0,-1 1 0,0-1 0,0 0 0,-1 0 0,1 0 0,0 0 0,-1 0 0,1 0 0,-1 0 0,0-1 0,1 1 0,0-3 0,1-5 0,0 0 0,0-1 0,1-10 0,7-26 0,-5 30 0,-1-1 0,5-26 0,6-19 0,-4 22 0,-2 0 0,-2-1 0,-1 0 0,-2 0 0,-2 0 0,-2-1 0,-5-43 0,3 78 0,-1-1 0,1 1 0,-2 0 0,1 0 0,-1 0 0,-1 1 0,1-1 0,-1 1 0,0-1 0,-1 1 0,0 0 0,0 1 0,-1-1 0,1 1 0,-1 0 0,0 1 0,-1-1 0,0 1 0,0 1 0,0-1 0,0 1 0,-1 0 0,1 1 0,-1 0 0,0 0 0,-12-3 0,-53-13 0,45 10 0,-1 2 0,-37-5 0,25 5-1365,33 6-5461</inkml:trace>
+</inkml:ink>
+</file>
+
+<file path=ppt/ink/ink298.xml><?xml version="1.0" encoding="utf-8"?>
+<inkml:ink xmlns:inkml="http://www.w3.org/2003/InkML">
+  <inkml:definitions>
+    <inkml:context xml:id="ctx0">
+      <inkml:inkSource xml:id="inkSrc0">
+        <inkml:traceFormat>
+          <inkml:channel name="X" type="integer" min="-2.14748E9" max="2.14748E9" units="cm"/>
+          <inkml:channel name="Y" type="integer" min="-2.14748E9" max="2.14748E9" units="cm"/>
+          <inkml:channel name="F" type="integer" max="32767" units="dev"/>
+        </inkml:traceFormat>
+        <inkml:channelProperties>
+          <inkml:channelProperty channel="X" name="resolution" value="1000" units="1/cm"/>
+          <inkml:channelProperty channel="Y" name="resolution" value="1000" units="1/cm"/>
+          <inkml:channelProperty channel="F" name="resolution" value="0" units="1/dev"/>
+        </inkml:channelProperties>
+      </inkml:inkSource>
+      <inkml:timestamp xml:id="ts0" timeString="2023-05-22T07:49:33.056"/>
+    </inkml:context>
+    <inkml:brush xml:id="br0">
+      <inkml:brushProperty name="width" value="0.025" units="cm"/>
+      <inkml:brushProperty name="height" value="0.025" units="cm"/>
+      <inkml:brushProperty name="color" value="#FFC114"/>
+    </inkml:brush>
+  </inkml:definitions>
+  <inkml:trace contextRef="#ctx0" brushRef="#br0">0 0 24575,'0'0'-8191</inkml:trace>
 </inkml:ink>
 </file>
 
@@ -24477,7 +25346,7 @@
 </file>
 
 <file path=ppt/slides/slide19.xml><?xml version="1.0" encoding="utf-8"?>
-<p:sld xmlns:a="http://schemas.openxmlformats.org/drawingml/2006/main" xmlns:r="http://schemas.openxmlformats.org/officeDocument/2006/relationships" xmlns:p="http://schemas.openxmlformats.org/presentationml/2006/main">
+<p:sld xmlns:a="http://schemas.openxmlformats.org/drawingml/2006/main" xmlns:r="http://schemas.openxmlformats.org/officeDocument/2006/relationships" xmlns:p="http://schemas.openxmlformats.org/presentationml/2006/main" show="0">
   <p:cSld>
     <p:spTree>
       <p:nvGrpSpPr>
@@ -26435,7 +27304,7 @@
 </file>
 
 <file path=ppt/slides/slide20.xml><?xml version="1.0" encoding="utf-8"?>
-<p:sld xmlns:a="http://schemas.openxmlformats.org/drawingml/2006/main" xmlns:r="http://schemas.openxmlformats.org/officeDocument/2006/relationships" xmlns:p="http://schemas.openxmlformats.org/presentationml/2006/main">
+<p:sld xmlns:a="http://schemas.openxmlformats.org/drawingml/2006/main" xmlns:r="http://schemas.openxmlformats.org/officeDocument/2006/relationships" xmlns:p="http://schemas.openxmlformats.org/presentationml/2006/main" show="0">
   <p:cSld>
     <p:spTree>
       <p:nvGrpSpPr>
@@ -26507,8 +27376,8 @@
             <a:chExt cx="25920" cy="77760"/>
           </a:xfrm>
         </p:grpSpPr>
-        <mc:AlternateContent xmlns:mc="http://schemas.openxmlformats.org/markup-compatibility/2006">
-          <mc:Choice xmlns:p14="http://schemas.microsoft.com/office/powerpoint/2010/main" Requires="p14">
+        <mc:AlternateContent xmlns:mc="http://schemas.openxmlformats.org/markup-compatibility/2006" xmlns:p14="http://schemas.microsoft.com/office/powerpoint/2010/main">
+          <mc:Choice Requires="p14">
             <p:contentPart p14:bwMode="auto" r:id="rId3">
               <p14:nvContentPartPr>
                 <p14:cNvPr id="23" name="Ink 22">
@@ -26527,7 +27396,7 @@
               </p14:xfrm>
             </p:contentPart>
           </mc:Choice>
-          <mc:Fallback>
+          <mc:Fallback xmlns="">
             <p:pic>
               <p:nvPicPr>
                 <p:cNvPr id="23" name="Ink 22">
@@ -26558,8 +27427,8 @@
             </p:pic>
           </mc:Fallback>
         </mc:AlternateContent>
-        <mc:AlternateContent xmlns:mc="http://schemas.openxmlformats.org/markup-compatibility/2006">
-          <mc:Choice xmlns:p14="http://schemas.microsoft.com/office/powerpoint/2010/main" Requires="p14">
+        <mc:AlternateContent xmlns:mc="http://schemas.openxmlformats.org/markup-compatibility/2006" xmlns:p14="http://schemas.microsoft.com/office/powerpoint/2010/main">
+          <mc:Choice Requires="p14">
             <p:contentPart p14:bwMode="auto" r:id="rId5">
               <p14:nvContentPartPr>
                 <p14:cNvPr id="24" name="Ink 23">
@@ -26578,7 +27447,7 @@
               </p14:xfrm>
             </p:contentPart>
           </mc:Choice>
-          <mc:Fallback>
+          <mc:Fallback xmlns="">
             <p:pic>
               <p:nvPicPr>
                 <p:cNvPr id="24" name="Ink 23">
@@ -26610,8 +27479,8 @@
           </mc:Fallback>
         </mc:AlternateContent>
       </p:grpSp>
-      <mc:AlternateContent xmlns:mc="http://schemas.openxmlformats.org/markup-compatibility/2006">
-        <mc:Choice xmlns:p14="http://schemas.microsoft.com/office/powerpoint/2010/main" Requires="p14">
+      <mc:AlternateContent xmlns:mc="http://schemas.openxmlformats.org/markup-compatibility/2006" xmlns:p14="http://schemas.microsoft.com/office/powerpoint/2010/main">
+        <mc:Choice Requires="p14">
           <p:contentPart p14:bwMode="auto" r:id="rId7">
             <p14:nvContentPartPr>
               <p14:cNvPr id="25" name="Ink 24">
@@ -26630,7 +27499,7 @@
             </p14:xfrm>
           </p:contentPart>
         </mc:Choice>
-        <mc:Fallback>
+        <mc:Fallback xmlns="">
           <p:pic>
             <p:nvPicPr>
               <p:cNvPr id="25" name="Ink 24">
@@ -26661,8 +27530,8 @@
           </p:pic>
         </mc:Fallback>
       </mc:AlternateContent>
-      <mc:AlternateContent xmlns:mc="http://schemas.openxmlformats.org/markup-compatibility/2006">
-        <mc:Choice xmlns:p14="http://schemas.microsoft.com/office/powerpoint/2010/main" Requires="p14">
+      <mc:AlternateContent xmlns:mc="http://schemas.openxmlformats.org/markup-compatibility/2006" xmlns:p14="http://schemas.microsoft.com/office/powerpoint/2010/main">
+        <mc:Choice Requires="p14">
           <p:contentPart p14:bwMode="auto" r:id="rId9">
             <p14:nvContentPartPr>
               <p14:cNvPr id="26" name="Ink 25">
@@ -26681,7 +27550,7 @@
             </p14:xfrm>
           </p:contentPart>
         </mc:Choice>
-        <mc:Fallback>
+        <mc:Fallback xmlns="">
           <p:pic>
             <p:nvPicPr>
               <p:cNvPr id="26" name="Ink 25">
@@ -26712,8 +27581,8 @@
           </p:pic>
         </mc:Fallback>
       </mc:AlternateContent>
-      <mc:AlternateContent xmlns:mc="http://schemas.openxmlformats.org/markup-compatibility/2006">
-        <mc:Choice xmlns:p14="http://schemas.microsoft.com/office/powerpoint/2010/main" Requires="p14">
+      <mc:AlternateContent xmlns:mc="http://schemas.openxmlformats.org/markup-compatibility/2006" xmlns:p14="http://schemas.microsoft.com/office/powerpoint/2010/main">
+        <mc:Choice Requires="p14">
           <p:contentPart p14:bwMode="auto" r:id="rId11">
             <p14:nvContentPartPr>
               <p14:cNvPr id="27" name="Ink 26">
@@ -26732,7 +27601,7 @@
             </p14:xfrm>
           </p:contentPart>
         </mc:Choice>
-        <mc:Fallback>
+        <mc:Fallback xmlns="">
           <p:pic>
             <p:nvPicPr>
               <p:cNvPr id="27" name="Ink 26">
@@ -26763,8 +27632,8 @@
           </p:pic>
         </mc:Fallback>
       </mc:AlternateContent>
-      <mc:AlternateContent xmlns:mc="http://schemas.openxmlformats.org/markup-compatibility/2006">
-        <mc:Choice xmlns:p14="http://schemas.microsoft.com/office/powerpoint/2010/main" Requires="p14">
+      <mc:AlternateContent xmlns:mc="http://schemas.openxmlformats.org/markup-compatibility/2006" xmlns:p14="http://schemas.microsoft.com/office/powerpoint/2010/main">
+        <mc:Choice Requires="p14">
           <p:contentPart p14:bwMode="auto" r:id="rId13">
             <p14:nvContentPartPr>
               <p14:cNvPr id="28" name="Ink 27">
@@ -26783,7 +27652,7 @@
             </p14:xfrm>
           </p:contentPart>
         </mc:Choice>
-        <mc:Fallback>
+        <mc:Fallback xmlns="">
           <p:pic>
             <p:nvPicPr>
               <p:cNvPr id="28" name="Ink 27">
@@ -26814,8 +27683,8 @@
           </p:pic>
         </mc:Fallback>
       </mc:AlternateContent>
-      <mc:AlternateContent xmlns:mc="http://schemas.openxmlformats.org/markup-compatibility/2006">
-        <mc:Choice xmlns:p14="http://schemas.microsoft.com/office/powerpoint/2010/main" Requires="p14">
+      <mc:AlternateContent xmlns:mc="http://schemas.openxmlformats.org/markup-compatibility/2006" xmlns:p14="http://schemas.microsoft.com/office/powerpoint/2010/main">
+        <mc:Choice Requires="p14">
           <p:contentPart p14:bwMode="auto" r:id="rId15">
             <p14:nvContentPartPr>
               <p14:cNvPr id="29" name="Ink 28">
@@ -26834,7 +27703,7 @@
             </p14:xfrm>
           </p:contentPart>
         </mc:Choice>
-        <mc:Fallback>
+        <mc:Fallback xmlns="">
           <p:pic>
             <p:nvPicPr>
               <p:cNvPr id="29" name="Ink 28">
@@ -26865,8 +27734,8 @@
           </p:pic>
         </mc:Fallback>
       </mc:AlternateContent>
-      <mc:AlternateContent xmlns:mc="http://schemas.openxmlformats.org/markup-compatibility/2006">
-        <mc:Choice xmlns:p14="http://schemas.microsoft.com/office/powerpoint/2010/main" Requires="p14">
+      <mc:AlternateContent xmlns:mc="http://schemas.openxmlformats.org/markup-compatibility/2006" xmlns:p14="http://schemas.microsoft.com/office/powerpoint/2010/main">
+        <mc:Choice Requires="p14">
           <p:contentPart p14:bwMode="auto" r:id="rId17">
             <p14:nvContentPartPr>
               <p14:cNvPr id="30" name="Ink 29">
@@ -26885,7 +27754,7 @@
             </p14:xfrm>
           </p:contentPart>
         </mc:Choice>
-        <mc:Fallback>
+        <mc:Fallback xmlns="">
           <p:pic>
             <p:nvPicPr>
               <p:cNvPr id="30" name="Ink 29">
@@ -26936,8 +27805,8 @@
             <a:chExt cx="41400" cy="10800"/>
           </a:xfrm>
         </p:grpSpPr>
-        <mc:AlternateContent xmlns:mc="http://schemas.openxmlformats.org/markup-compatibility/2006">
-          <mc:Choice xmlns:p14="http://schemas.microsoft.com/office/powerpoint/2010/main" Requires="p14">
+        <mc:AlternateContent xmlns:mc="http://schemas.openxmlformats.org/markup-compatibility/2006" xmlns:p14="http://schemas.microsoft.com/office/powerpoint/2010/main">
+          <mc:Choice Requires="p14">
             <p:contentPart p14:bwMode="auto" r:id="rId19">
               <p14:nvContentPartPr>
                 <p14:cNvPr id="22" name="Ink 21">
@@ -26956,7 +27825,7 @@
               </p14:xfrm>
             </p:contentPart>
           </mc:Choice>
-          <mc:Fallback>
+          <mc:Fallback xmlns="">
             <p:pic>
               <p:nvPicPr>
                 <p:cNvPr id="22" name="Ink 21">
@@ -26987,8 +27856,8 @@
             </p:pic>
           </mc:Fallback>
         </mc:AlternateContent>
-        <mc:AlternateContent xmlns:mc="http://schemas.openxmlformats.org/markup-compatibility/2006">
-          <mc:Choice xmlns:p14="http://schemas.microsoft.com/office/powerpoint/2010/main" Requires="p14">
+        <mc:AlternateContent xmlns:mc="http://schemas.openxmlformats.org/markup-compatibility/2006" xmlns:p14="http://schemas.microsoft.com/office/powerpoint/2010/main">
+          <mc:Choice Requires="p14">
             <p:contentPart p14:bwMode="auto" r:id="rId21">
               <p14:nvContentPartPr>
                 <p14:cNvPr id="31" name="Ink 30">
@@ -27007,7 +27876,7 @@
               </p14:xfrm>
             </p:contentPart>
           </mc:Choice>
-          <mc:Fallback>
+          <mc:Fallback xmlns="">
             <p:pic>
               <p:nvPicPr>
                 <p:cNvPr id="31" name="Ink 30">
@@ -27039,8 +27908,8 @@
           </mc:Fallback>
         </mc:AlternateContent>
       </p:grpSp>
-      <mc:AlternateContent xmlns:mc="http://schemas.openxmlformats.org/markup-compatibility/2006">
-        <mc:Choice xmlns:p14="http://schemas.microsoft.com/office/powerpoint/2010/main" Requires="p14">
+      <mc:AlternateContent xmlns:mc="http://schemas.openxmlformats.org/markup-compatibility/2006" xmlns:p14="http://schemas.microsoft.com/office/powerpoint/2010/main">
+        <mc:Choice Requires="p14">
           <p:contentPart p14:bwMode="auto" r:id="rId23">
             <p14:nvContentPartPr>
               <p14:cNvPr id="35" name="Ink 34">
@@ -27059,7 +27928,7 @@
             </p14:xfrm>
           </p:contentPart>
         </mc:Choice>
-        <mc:Fallback>
+        <mc:Fallback xmlns="">
           <p:pic>
             <p:nvPicPr>
               <p:cNvPr id="35" name="Ink 34">
@@ -27090,8 +27959,8 @@
           </p:pic>
         </mc:Fallback>
       </mc:AlternateContent>
-      <mc:AlternateContent xmlns:mc="http://schemas.openxmlformats.org/markup-compatibility/2006">
-        <mc:Choice xmlns:p14="http://schemas.microsoft.com/office/powerpoint/2010/main" Requires="p14">
+      <mc:AlternateContent xmlns:mc="http://schemas.openxmlformats.org/markup-compatibility/2006" xmlns:p14="http://schemas.microsoft.com/office/powerpoint/2010/main">
+        <mc:Choice Requires="p14">
           <p:contentPart p14:bwMode="auto" r:id="rId25">
             <p14:nvContentPartPr>
               <p14:cNvPr id="53" name="Ink 52">
@@ -27110,7 +27979,7 @@
             </p14:xfrm>
           </p:contentPart>
         </mc:Choice>
-        <mc:Fallback>
+        <mc:Fallback xmlns="">
           <p:pic>
             <p:nvPicPr>
               <p:cNvPr id="53" name="Ink 52">
@@ -27141,8 +28010,8 @@
           </p:pic>
         </mc:Fallback>
       </mc:AlternateContent>
-      <mc:AlternateContent xmlns:mc="http://schemas.openxmlformats.org/markup-compatibility/2006">
-        <mc:Choice xmlns:p14="http://schemas.microsoft.com/office/powerpoint/2010/main" Requires="p14">
+      <mc:AlternateContent xmlns:mc="http://schemas.openxmlformats.org/markup-compatibility/2006" xmlns:p14="http://schemas.microsoft.com/office/powerpoint/2010/main">
+        <mc:Choice Requires="p14">
           <p:contentPart p14:bwMode="auto" r:id="rId27">
             <p14:nvContentPartPr>
               <p14:cNvPr id="54" name="Ink 53">
@@ -27161,7 +28030,7 @@
             </p14:xfrm>
           </p:contentPart>
         </mc:Choice>
-        <mc:Fallback>
+        <mc:Fallback xmlns="">
           <p:pic>
             <p:nvPicPr>
               <p:cNvPr id="54" name="Ink 53">
@@ -27212,8 +28081,8 @@
             <a:chExt cx="181800" cy="84240"/>
           </a:xfrm>
         </p:grpSpPr>
-        <mc:AlternateContent xmlns:mc="http://schemas.openxmlformats.org/markup-compatibility/2006">
-          <mc:Choice xmlns:p14="http://schemas.microsoft.com/office/powerpoint/2010/main" Requires="p14">
+        <mc:AlternateContent xmlns:mc="http://schemas.openxmlformats.org/markup-compatibility/2006" xmlns:p14="http://schemas.microsoft.com/office/powerpoint/2010/main">
+          <mc:Choice Requires="p14">
             <p:contentPart p14:bwMode="auto" r:id="rId29">
               <p14:nvContentPartPr>
                 <p14:cNvPr id="57" name="Ink 56">
@@ -27232,7 +28101,7 @@
               </p14:xfrm>
             </p:contentPart>
           </mc:Choice>
-          <mc:Fallback>
+          <mc:Fallback xmlns="">
             <p:pic>
               <p:nvPicPr>
                 <p:cNvPr id="57" name="Ink 56">
@@ -27263,8 +28132,8 @@
             </p:pic>
           </mc:Fallback>
         </mc:AlternateContent>
-        <mc:AlternateContent xmlns:mc="http://schemas.openxmlformats.org/markup-compatibility/2006">
-          <mc:Choice xmlns:p14="http://schemas.microsoft.com/office/powerpoint/2010/main" Requires="p14">
+        <mc:AlternateContent xmlns:mc="http://schemas.openxmlformats.org/markup-compatibility/2006" xmlns:p14="http://schemas.microsoft.com/office/powerpoint/2010/main">
+          <mc:Choice Requires="p14">
             <p:contentPart p14:bwMode="auto" r:id="rId31">
               <p14:nvContentPartPr>
                 <p14:cNvPr id="58" name="Ink 57">
@@ -27283,7 +28152,7 @@
               </p14:xfrm>
             </p:contentPart>
           </mc:Choice>
-          <mc:Fallback>
+          <mc:Fallback xmlns="">
             <p:pic>
               <p:nvPicPr>
                 <p:cNvPr id="58" name="Ink 57">
@@ -27314,8 +28183,8 @@
             </p:pic>
           </mc:Fallback>
         </mc:AlternateContent>
-        <mc:AlternateContent xmlns:mc="http://schemas.openxmlformats.org/markup-compatibility/2006">
-          <mc:Choice xmlns:p14="http://schemas.microsoft.com/office/powerpoint/2010/main" Requires="p14">
+        <mc:AlternateContent xmlns:mc="http://schemas.openxmlformats.org/markup-compatibility/2006" xmlns:p14="http://schemas.microsoft.com/office/powerpoint/2010/main">
+          <mc:Choice Requires="p14">
             <p:contentPart p14:bwMode="auto" r:id="rId33">
               <p14:nvContentPartPr>
                 <p14:cNvPr id="59" name="Ink 58">
@@ -27334,7 +28203,7 @@
               </p14:xfrm>
             </p:contentPart>
           </mc:Choice>
-          <mc:Fallback>
+          <mc:Fallback xmlns="">
             <p:pic>
               <p:nvPicPr>
                 <p:cNvPr id="59" name="Ink 58">
@@ -27365,8 +28234,8 @@
             </p:pic>
           </mc:Fallback>
         </mc:AlternateContent>
-        <mc:AlternateContent xmlns:mc="http://schemas.openxmlformats.org/markup-compatibility/2006">
-          <mc:Choice xmlns:p14="http://schemas.microsoft.com/office/powerpoint/2010/main" Requires="p14">
+        <mc:AlternateContent xmlns:mc="http://schemas.openxmlformats.org/markup-compatibility/2006" xmlns:p14="http://schemas.microsoft.com/office/powerpoint/2010/main">
+          <mc:Choice Requires="p14">
             <p:contentPart p14:bwMode="auto" r:id="rId35">
               <p14:nvContentPartPr>
                 <p14:cNvPr id="60" name="Ink 59">
@@ -27385,7 +28254,7 @@
               </p14:xfrm>
             </p:contentPart>
           </mc:Choice>
-          <mc:Fallback>
+          <mc:Fallback xmlns="">
             <p:pic>
               <p:nvPicPr>
                 <p:cNvPr id="60" name="Ink 59">
@@ -27437,8 +28306,8 @@
             <a:chExt cx="165600" cy="59760"/>
           </a:xfrm>
         </p:grpSpPr>
-        <mc:AlternateContent xmlns:mc="http://schemas.openxmlformats.org/markup-compatibility/2006">
-          <mc:Choice xmlns:p14="http://schemas.microsoft.com/office/powerpoint/2010/main" Requires="p14">
+        <mc:AlternateContent xmlns:mc="http://schemas.openxmlformats.org/markup-compatibility/2006" xmlns:p14="http://schemas.microsoft.com/office/powerpoint/2010/main">
+          <mc:Choice Requires="p14">
             <p:contentPart p14:bwMode="auto" r:id="rId37">
               <p14:nvContentPartPr>
                 <p14:cNvPr id="55" name="Ink 54">
@@ -27457,7 +28326,7 @@
               </p14:xfrm>
             </p:contentPart>
           </mc:Choice>
-          <mc:Fallback>
+          <mc:Fallback xmlns="">
             <p:pic>
               <p:nvPicPr>
                 <p:cNvPr id="55" name="Ink 54">
@@ -27488,8 +28357,8 @@
             </p:pic>
           </mc:Fallback>
         </mc:AlternateContent>
-        <mc:AlternateContent xmlns:mc="http://schemas.openxmlformats.org/markup-compatibility/2006">
-          <mc:Choice xmlns:p14="http://schemas.microsoft.com/office/powerpoint/2010/main" Requires="p14">
+        <mc:AlternateContent xmlns:mc="http://schemas.openxmlformats.org/markup-compatibility/2006" xmlns:p14="http://schemas.microsoft.com/office/powerpoint/2010/main">
+          <mc:Choice Requires="p14">
             <p:contentPart p14:bwMode="auto" r:id="rId39">
               <p14:nvContentPartPr>
                 <p14:cNvPr id="56" name="Ink 55">
@@ -27508,7 +28377,7 @@
               </p14:xfrm>
             </p:contentPart>
           </mc:Choice>
-          <mc:Fallback>
+          <mc:Fallback xmlns="">
             <p:pic>
               <p:nvPicPr>
                 <p:cNvPr id="56" name="Ink 55">
@@ -27539,8 +28408,8 @@
             </p:pic>
           </mc:Fallback>
         </mc:AlternateContent>
-        <mc:AlternateContent xmlns:mc="http://schemas.openxmlformats.org/markup-compatibility/2006">
-          <mc:Choice xmlns:p14="http://schemas.microsoft.com/office/powerpoint/2010/main" Requires="p14">
+        <mc:AlternateContent xmlns:mc="http://schemas.openxmlformats.org/markup-compatibility/2006" xmlns:p14="http://schemas.microsoft.com/office/powerpoint/2010/main">
+          <mc:Choice Requires="p14">
             <p:contentPart p14:bwMode="auto" r:id="rId41">
               <p14:nvContentPartPr>
                 <p14:cNvPr id="61" name="Ink 60">
@@ -27559,7 +28428,7 @@
               </p14:xfrm>
             </p:contentPart>
           </mc:Choice>
-          <mc:Fallback>
+          <mc:Fallback xmlns="">
             <p:pic>
               <p:nvPicPr>
                 <p:cNvPr id="61" name="Ink 60">
@@ -27590,8 +28459,8 @@
             </p:pic>
           </mc:Fallback>
         </mc:AlternateContent>
-        <mc:AlternateContent xmlns:mc="http://schemas.openxmlformats.org/markup-compatibility/2006">
-          <mc:Choice xmlns:p14="http://schemas.microsoft.com/office/powerpoint/2010/main" Requires="p14">
+        <mc:AlternateContent xmlns:mc="http://schemas.openxmlformats.org/markup-compatibility/2006" xmlns:p14="http://schemas.microsoft.com/office/powerpoint/2010/main">
+          <mc:Choice Requires="p14">
             <p:contentPart p14:bwMode="auto" r:id="rId43">
               <p14:nvContentPartPr>
                 <p14:cNvPr id="62" name="Ink 61">
@@ -27610,7 +28479,7 @@
               </p14:xfrm>
             </p:contentPart>
           </mc:Choice>
-          <mc:Fallback>
+          <mc:Fallback xmlns="">
             <p:pic>
               <p:nvPicPr>
                 <p:cNvPr id="62" name="Ink 61">
@@ -27642,8 +28511,8 @@
           </mc:Fallback>
         </mc:AlternateContent>
       </p:grpSp>
-      <mc:AlternateContent xmlns:mc="http://schemas.openxmlformats.org/markup-compatibility/2006">
-        <mc:Choice xmlns:p14="http://schemas.microsoft.com/office/powerpoint/2010/main" Requires="p14">
+      <mc:AlternateContent xmlns:mc="http://schemas.openxmlformats.org/markup-compatibility/2006" xmlns:p14="http://schemas.microsoft.com/office/powerpoint/2010/main">
+        <mc:Choice Requires="p14">
           <p:contentPart p14:bwMode="auto" r:id="rId45">
             <p14:nvContentPartPr>
               <p14:cNvPr id="66" name="Ink 65">
@@ -27662,7 +28531,7 @@
             </p14:xfrm>
           </p:contentPart>
         </mc:Choice>
-        <mc:Fallback>
+        <mc:Fallback xmlns="">
           <p:pic>
             <p:nvPicPr>
               <p:cNvPr id="66" name="Ink 65">
@@ -27693,8 +28562,8 @@
           </p:pic>
         </mc:Fallback>
       </mc:AlternateContent>
-      <mc:AlternateContent xmlns:mc="http://schemas.openxmlformats.org/markup-compatibility/2006">
-        <mc:Choice xmlns:p14="http://schemas.microsoft.com/office/powerpoint/2010/main" Requires="p14">
+      <mc:AlternateContent xmlns:mc="http://schemas.openxmlformats.org/markup-compatibility/2006" xmlns:p14="http://schemas.microsoft.com/office/powerpoint/2010/main">
+        <mc:Choice Requires="p14">
           <p:contentPart p14:bwMode="auto" r:id="rId47">
             <p14:nvContentPartPr>
               <p14:cNvPr id="67" name="Ink 66">
@@ -27713,7 +28582,7 @@
             </p14:xfrm>
           </p:contentPart>
         </mc:Choice>
-        <mc:Fallback>
+        <mc:Fallback xmlns="">
           <p:pic>
             <p:nvPicPr>
               <p:cNvPr id="67" name="Ink 66">
@@ -27764,8 +28633,8 @@
             <a:chExt cx="273960" cy="62280"/>
           </a:xfrm>
         </p:grpSpPr>
-        <mc:AlternateContent xmlns:mc="http://schemas.openxmlformats.org/markup-compatibility/2006">
-          <mc:Choice xmlns:p14="http://schemas.microsoft.com/office/powerpoint/2010/main" Requires="p14">
+        <mc:AlternateContent xmlns:mc="http://schemas.openxmlformats.org/markup-compatibility/2006" xmlns:p14="http://schemas.microsoft.com/office/powerpoint/2010/main">
+          <mc:Choice Requires="p14">
             <p:contentPart p14:bwMode="auto" r:id="rId49">
               <p14:nvContentPartPr>
                 <p14:cNvPr id="68" name="Ink 67">
@@ -27784,7 +28653,7 @@
               </p14:xfrm>
             </p:contentPart>
           </mc:Choice>
-          <mc:Fallback>
+          <mc:Fallback xmlns="">
             <p:pic>
               <p:nvPicPr>
                 <p:cNvPr id="68" name="Ink 67">
@@ -27815,8 +28684,8 @@
             </p:pic>
           </mc:Fallback>
         </mc:AlternateContent>
-        <mc:AlternateContent xmlns:mc="http://schemas.openxmlformats.org/markup-compatibility/2006">
-          <mc:Choice xmlns:p14="http://schemas.microsoft.com/office/powerpoint/2010/main" Requires="p14">
+        <mc:AlternateContent xmlns:mc="http://schemas.openxmlformats.org/markup-compatibility/2006" xmlns:p14="http://schemas.microsoft.com/office/powerpoint/2010/main">
+          <mc:Choice Requires="p14">
             <p:contentPart p14:bwMode="auto" r:id="rId51">
               <p14:nvContentPartPr>
                 <p14:cNvPr id="69" name="Ink 68">
@@ -27835,7 +28704,7 @@
               </p14:xfrm>
             </p:contentPart>
           </mc:Choice>
-          <mc:Fallback>
+          <mc:Fallback xmlns="">
             <p:pic>
               <p:nvPicPr>
                 <p:cNvPr id="69" name="Ink 68">
@@ -27866,8 +28735,8 @@
             </p:pic>
           </mc:Fallback>
         </mc:AlternateContent>
-        <mc:AlternateContent xmlns:mc="http://schemas.openxmlformats.org/markup-compatibility/2006">
-          <mc:Choice xmlns:p14="http://schemas.microsoft.com/office/powerpoint/2010/main" Requires="p14">
+        <mc:AlternateContent xmlns:mc="http://schemas.openxmlformats.org/markup-compatibility/2006" xmlns:p14="http://schemas.microsoft.com/office/powerpoint/2010/main">
+          <mc:Choice Requires="p14">
             <p:contentPart p14:bwMode="auto" r:id="rId53">
               <p14:nvContentPartPr>
                 <p14:cNvPr id="70" name="Ink 69">
@@ -27886,7 +28755,7 @@
               </p14:xfrm>
             </p:contentPart>
           </mc:Choice>
-          <mc:Fallback>
+          <mc:Fallback xmlns="">
             <p:pic>
               <p:nvPicPr>
                 <p:cNvPr id="70" name="Ink 69">
@@ -27917,8 +28786,8 @@
             </p:pic>
           </mc:Fallback>
         </mc:AlternateContent>
-        <mc:AlternateContent xmlns:mc="http://schemas.openxmlformats.org/markup-compatibility/2006">
-          <mc:Choice xmlns:p14="http://schemas.microsoft.com/office/powerpoint/2010/main" Requires="p14">
+        <mc:AlternateContent xmlns:mc="http://schemas.openxmlformats.org/markup-compatibility/2006" xmlns:p14="http://schemas.microsoft.com/office/powerpoint/2010/main">
+          <mc:Choice Requires="p14">
             <p:contentPart p14:bwMode="auto" r:id="rId55">
               <p14:nvContentPartPr>
                 <p14:cNvPr id="71" name="Ink 70">
@@ -27937,7 +28806,7 @@
               </p14:xfrm>
             </p:contentPart>
           </mc:Choice>
-          <mc:Fallback>
+          <mc:Fallback xmlns="">
             <p:pic>
               <p:nvPicPr>
                 <p:cNvPr id="71" name="Ink 70">
@@ -27989,8 +28858,8 @@
             <a:chExt cx="146160" cy="80640"/>
           </a:xfrm>
         </p:grpSpPr>
-        <mc:AlternateContent xmlns:mc="http://schemas.openxmlformats.org/markup-compatibility/2006">
-          <mc:Choice xmlns:p14="http://schemas.microsoft.com/office/powerpoint/2010/main" Requires="p14">
+        <mc:AlternateContent xmlns:mc="http://schemas.openxmlformats.org/markup-compatibility/2006" xmlns:p14="http://schemas.microsoft.com/office/powerpoint/2010/main">
+          <mc:Choice Requires="p14">
             <p:contentPart p14:bwMode="auto" r:id="rId57">
               <p14:nvContentPartPr>
                 <p14:cNvPr id="72" name="Ink 71">
@@ -28009,7 +28878,7 @@
               </p14:xfrm>
             </p:contentPart>
           </mc:Choice>
-          <mc:Fallback>
+          <mc:Fallback xmlns="">
             <p:pic>
               <p:nvPicPr>
                 <p:cNvPr id="72" name="Ink 71">
@@ -28040,8 +28909,8 @@
             </p:pic>
           </mc:Fallback>
         </mc:AlternateContent>
-        <mc:AlternateContent xmlns:mc="http://schemas.openxmlformats.org/markup-compatibility/2006">
-          <mc:Choice xmlns:p14="http://schemas.microsoft.com/office/powerpoint/2010/main" Requires="p14">
+        <mc:AlternateContent xmlns:mc="http://schemas.openxmlformats.org/markup-compatibility/2006" xmlns:p14="http://schemas.microsoft.com/office/powerpoint/2010/main">
+          <mc:Choice Requires="p14">
             <p:contentPart p14:bwMode="auto" r:id="rId59">
               <p14:nvContentPartPr>
                 <p14:cNvPr id="73" name="Ink 72">
@@ -28060,7 +28929,7 @@
               </p14:xfrm>
             </p:contentPart>
           </mc:Choice>
-          <mc:Fallback>
+          <mc:Fallback xmlns="">
             <p:pic>
               <p:nvPicPr>
                 <p:cNvPr id="73" name="Ink 72">
@@ -28092,8 +28961,8 @@
           </mc:Fallback>
         </mc:AlternateContent>
       </p:grpSp>
-      <mc:AlternateContent xmlns:mc="http://schemas.openxmlformats.org/markup-compatibility/2006">
-        <mc:Choice xmlns:p14="http://schemas.microsoft.com/office/powerpoint/2010/main" Requires="p14">
+      <mc:AlternateContent xmlns:mc="http://schemas.openxmlformats.org/markup-compatibility/2006" xmlns:p14="http://schemas.microsoft.com/office/powerpoint/2010/main">
+        <mc:Choice Requires="p14">
           <p:contentPart p14:bwMode="auto" r:id="rId61">
             <p14:nvContentPartPr>
               <p14:cNvPr id="76" name="Ink 75">
@@ -28112,7 +28981,7 @@
             </p14:xfrm>
           </p:contentPart>
         </mc:Choice>
-        <mc:Fallback>
+        <mc:Fallback xmlns="">
           <p:pic>
             <p:nvPicPr>
               <p:cNvPr id="76" name="Ink 75">
@@ -28157,7 +29026,7 @@
 </file>
 
 <file path=ppt/slides/slide21.xml><?xml version="1.0" encoding="utf-8"?>
-<p:sld xmlns:a="http://schemas.openxmlformats.org/drawingml/2006/main" xmlns:r="http://schemas.openxmlformats.org/officeDocument/2006/relationships" xmlns:p="http://schemas.openxmlformats.org/presentationml/2006/main">
+<p:sld xmlns:a="http://schemas.openxmlformats.org/drawingml/2006/main" xmlns:r="http://schemas.openxmlformats.org/officeDocument/2006/relationships" xmlns:p="http://schemas.openxmlformats.org/presentationml/2006/main" show="0">
   <p:cSld>
     <p:spTree>
       <p:nvGrpSpPr>
@@ -29973,6 +30842,3566 @@
           </a:p>
         </p:txBody>
       </p:sp>
+      <mc:AlternateContent xmlns:mc="http://schemas.openxmlformats.org/markup-compatibility/2006" xmlns:p14="http://schemas.microsoft.com/office/powerpoint/2010/main">
+        <mc:Choice Requires="p14">
+          <p:contentPart p14:bwMode="auto" r:id="rId2">
+            <p14:nvContentPartPr>
+              <p14:cNvPr id="4" name="Ink 3">
+                <a:extLst>
+                  <a:ext uri="{FF2B5EF4-FFF2-40B4-BE49-F238E27FC236}">
+                    <a16:creationId xmlns:a16="http://schemas.microsoft.com/office/drawing/2014/main" id="{28CB8A9E-E29B-DB17-8ECE-7251AB403F33}"/>
+                  </a:ext>
+                </a:extLst>
+              </p14:cNvPr>
+              <p14:cNvContentPartPr/>
+              <p14:nvPr/>
+            </p14:nvContentPartPr>
+            <p14:xfrm>
+              <a:off x="-1107171" y="2955069"/>
+              <a:ext cx="360" cy="360"/>
+            </p14:xfrm>
+          </p:contentPart>
+        </mc:Choice>
+        <mc:Fallback xmlns="">
+          <p:pic>
+            <p:nvPicPr>
+              <p:cNvPr id="4" name="Ink 3">
+                <a:extLst>
+                  <a:ext uri="{FF2B5EF4-FFF2-40B4-BE49-F238E27FC236}">
+                    <a16:creationId xmlns:a16="http://schemas.microsoft.com/office/drawing/2014/main" id="{28CB8A9E-E29B-DB17-8ECE-7251AB403F33}"/>
+                  </a:ext>
+                </a:extLst>
+              </p:cNvPr>
+              <p:cNvPicPr/>
+              <p:nvPr/>
+            </p:nvPicPr>
+            <p:blipFill>
+              <a:blip r:embed="rId3"/>
+              <a:stretch>
+                <a:fillRect/>
+              </a:stretch>
+            </p:blipFill>
+            <p:spPr>
+              <a:xfrm>
+                <a:off x="-1111491" y="2950749"/>
+                <a:ext cx="9000" cy="9000"/>
+              </a:xfrm>
+              <a:prstGeom prst="rect">
+                <a:avLst/>
+              </a:prstGeom>
+            </p:spPr>
+          </p:pic>
+        </mc:Fallback>
+      </mc:AlternateContent>
+    </p:spTree>
+    <p:extLst>
+      <p:ext uri="{BB962C8B-B14F-4D97-AF65-F5344CB8AC3E}">
+        <p14:creationId xmlns:p14="http://schemas.microsoft.com/office/powerpoint/2010/main" val="4078308528"/>
+      </p:ext>
+    </p:extLst>
+  </p:cSld>
+  <p:clrMapOvr>
+    <a:masterClrMapping/>
+  </p:clrMapOvr>
+</p:sld>
+</file>
+
+<file path=ppt/slides/slide22.xml><?xml version="1.0" encoding="utf-8"?>
+<p:sld xmlns:a="http://schemas.openxmlformats.org/drawingml/2006/main" xmlns:r="http://schemas.openxmlformats.org/officeDocument/2006/relationships" xmlns:p="http://schemas.openxmlformats.org/presentationml/2006/main" show="0">
+  <p:cSld>
+    <p:spTree>
+      <p:nvGrpSpPr>
+        <p:cNvPr id="1" name=""/>
+        <p:cNvGrpSpPr/>
+        <p:nvPr/>
+      </p:nvGrpSpPr>
+      <p:grpSpPr>
+        <a:xfrm>
+          <a:off x="0" y="0"/>
+          <a:ext cx="0" cy="0"/>
+          <a:chOff x="0" y="0"/>
+          <a:chExt cx="0" cy="0"/>
+        </a:xfrm>
+      </p:grpSpPr>
+      <p:pic>
+        <p:nvPicPr>
+          <p:cNvPr id="3" name="Picture 2" descr="A screenshot of a graph&#10;&#10;Description automatically generated with low confidence">
+            <a:extLst>
+              <a:ext uri="{FF2B5EF4-FFF2-40B4-BE49-F238E27FC236}">
+                <a16:creationId xmlns:a16="http://schemas.microsoft.com/office/drawing/2014/main" id="{57E419BF-CA04-68C0-0D78-F4FEE7D7E8C5}"/>
+              </a:ext>
+            </a:extLst>
+          </p:cNvPr>
+          <p:cNvPicPr>
+            <a:picLocks noChangeAspect="1"/>
+          </p:cNvPicPr>
+          <p:nvPr/>
+        </p:nvPicPr>
+        <p:blipFill>
+          <a:blip r:embed="rId2">
+            <a:extLst>
+              <a:ext uri="{28A0092B-C50C-407E-A947-70E740481C1C}">
+                <a14:useLocalDpi xmlns:a14="http://schemas.microsoft.com/office/drawing/2010/main" val="0"/>
+              </a:ext>
+            </a:extLst>
+          </a:blip>
+          <a:stretch>
+            <a:fillRect/>
+          </a:stretch>
+        </p:blipFill>
+        <p:spPr>
+          <a:xfrm>
+            <a:off x="266700" y="0"/>
+            <a:ext cx="11658600" cy="6858000"/>
+          </a:xfrm>
+          <a:prstGeom prst="rect">
+            <a:avLst/>
+          </a:prstGeom>
+        </p:spPr>
+      </p:pic>
+    </p:spTree>
+    <p:extLst>
+      <p:ext uri="{BB962C8B-B14F-4D97-AF65-F5344CB8AC3E}">
+        <p14:creationId xmlns:p14="http://schemas.microsoft.com/office/powerpoint/2010/main" val="3923911006"/>
+      </p:ext>
+    </p:extLst>
+  </p:cSld>
+  <p:clrMapOvr>
+    <a:masterClrMapping/>
+  </p:clrMapOvr>
+</p:sld>
+</file>
+
+<file path=ppt/slides/slide23.xml><?xml version="1.0" encoding="utf-8"?>
+<p:sld xmlns:a="http://schemas.openxmlformats.org/drawingml/2006/main" xmlns:r="http://schemas.openxmlformats.org/officeDocument/2006/relationships" xmlns:p="http://schemas.openxmlformats.org/presentationml/2006/main" show="0">
+  <p:cSld>
+    <p:spTree>
+      <p:nvGrpSpPr>
+        <p:cNvPr id="1" name=""/>
+        <p:cNvGrpSpPr/>
+        <p:nvPr/>
+      </p:nvGrpSpPr>
+      <p:grpSpPr>
+        <a:xfrm>
+          <a:off x="0" y="0"/>
+          <a:ext cx="0" cy="0"/>
+          <a:chOff x="0" y="0"/>
+          <a:chExt cx="0" cy="0"/>
+        </a:xfrm>
+      </p:grpSpPr>
+      <p:pic>
+        <p:nvPicPr>
+          <p:cNvPr id="3" name="Picture 2" descr="A picture containing diagram, line, text, plot&#10;&#10;Description automatically generated">
+            <a:extLst>
+              <a:ext uri="{FF2B5EF4-FFF2-40B4-BE49-F238E27FC236}">
+                <a16:creationId xmlns:a16="http://schemas.microsoft.com/office/drawing/2014/main" id="{C788446C-CFA3-357D-1F12-3EB4C7C7FE83}"/>
+              </a:ext>
+            </a:extLst>
+          </p:cNvPr>
+          <p:cNvPicPr>
+            <a:picLocks noChangeAspect="1"/>
+          </p:cNvPicPr>
+          <p:nvPr/>
+        </p:nvPicPr>
+        <p:blipFill>
+          <a:blip r:embed="rId2">
+            <a:extLst>
+              <a:ext uri="{28A0092B-C50C-407E-A947-70E740481C1C}">
+                <a14:useLocalDpi xmlns:a14="http://schemas.microsoft.com/office/drawing/2010/main" val="0"/>
+              </a:ext>
+            </a:extLst>
+          </a:blip>
+          <a:stretch>
+            <a:fillRect/>
+          </a:stretch>
+        </p:blipFill>
+        <p:spPr>
+          <a:xfrm>
+            <a:off x="266700" y="0"/>
+            <a:ext cx="11658600" cy="6858000"/>
+          </a:xfrm>
+          <a:prstGeom prst="rect">
+            <a:avLst/>
+          </a:prstGeom>
+        </p:spPr>
+      </p:pic>
+      <p:grpSp>
+        <p:nvGrpSpPr>
+          <p:cNvPr id="12" name="Group 11">
+            <a:extLst>
+              <a:ext uri="{FF2B5EF4-FFF2-40B4-BE49-F238E27FC236}">
+                <a16:creationId xmlns:a16="http://schemas.microsoft.com/office/drawing/2014/main" id="{C8806DA2-97CE-E59F-E0CD-FDCE8BE86111}"/>
+              </a:ext>
+            </a:extLst>
+          </p:cNvPr>
+          <p:cNvGrpSpPr/>
+          <p:nvPr/>
+        </p:nvGrpSpPr>
+        <p:grpSpPr>
+          <a:xfrm>
+            <a:off x="1142625" y="1701650"/>
+            <a:ext cx="228600" cy="216360"/>
+            <a:chOff x="1142625" y="1701650"/>
+            <a:chExt cx="228600" cy="216360"/>
+          </a:xfrm>
+        </p:grpSpPr>
+        <mc:AlternateContent xmlns:mc="http://schemas.openxmlformats.org/markup-compatibility/2006">
+          <mc:Choice xmlns:p14="http://schemas.microsoft.com/office/powerpoint/2010/main" Requires="p14">
+            <p:contentPart p14:bwMode="auto" r:id="rId3">
+              <p14:nvContentPartPr>
+                <p14:cNvPr id="4" name="Ink 3">
+                  <a:extLst>
+                    <a:ext uri="{FF2B5EF4-FFF2-40B4-BE49-F238E27FC236}">
+                      <a16:creationId xmlns:a16="http://schemas.microsoft.com/office/drawing/2014/main" id="{47A80DB5-F59F-014E-2F33-7C51EBCBF4CE}"/>
+                    </a:ext>
+                  </a:extLst>
+                </p14:cNvPr>
+                <p14:cNvContentPartPr/>
+                <p14:nvPr/>
+              </p14:nvContentPartPr>
+              <p14:xfrm>
+                <a:off x="1180785" y="1701650"/>
+                <a:ext cx="63720" cy="360"/>
+              </p14:xfrm>
+            </p:contentPart>
+          </mc:Choice>
+          <mc:Fallback>
+            <p:pic>
+              <p:nvPicPr>
+                <p:cNvPr id="4" name="Ink 3">
+                  <a:extLst>
+                    <a:ext uri="{FF2B5EF4-FFF2-40B4-BE49-F238E27FC236}">
+                      <a16:creationId xmlns:a16="http://schemas.microsoft.com/office/drawing/2014/main" id="{47A80DB5-F59F-014E-2F33-7C51EBCBF4CE}"/>
+                    </a:ext>
+                  </a:extLst>
+                </p:cNvPr>
+                <p:cNvPicPr/>
+                <p:nvPr/>
+              </p:nvPicPr>
+              <p:blipFill>
+                <a:blip r:embed="rId4"/>
+                <a:stretch>
+                  <a:fillRect/>
+                </a:stretch>
+              </p:blipFill>
+              <p:spPr>
+                <a:xfrm>
+                  <a:off x="1176465" y="1697330"/>
+                  <a:ext cx="72360" cy="9000"/>
+                </a:xfrm>
+                <a:prstGeom prst="rect">
+                  <a:avLst/>
+                </a:prstGeom>
+              </p:spPr>
+            </p:pic>
+          </mc:Fallback>
+        </mc:AlternateContent>
+        <mc:AlternateContent xmlns:mc="http://schemas.openxmlformats.org/markup-compatibility/2006">
+          <mc:Choice xmlns:p14="http://schemas.microsoft.com/office/powerpoint/2010/main" Requires="p14">
+            <p:contentPart p14:bwMode="auto" r:id="rId5">
+              <p14:nvContentPartPr>
+                <p14:cNvPr id="5" name="Ink 4">
+                  <a:extLst>
+                    <a:ext uri="{FF2B5EF4-FFF2-40B4-BE49-F238E27FC236}">
+                      <a16:creationId xmlns:a16="http://schemas.microsoft.com/office/drawing/2014/main" id="{AD1DBF6A-CEE0-0F81-CCAA-FAD0398EC197}"/>
+                    </a:ext>
+                  </a:extLst>
+                </p14:cNvPr>
+                <p14:cNvContentPartPr/>
+                <p14:nvPr/>
+              </p14:nvContentPartPr>
+              <p14:xfrm>
+                <a:off x="1282665" y="1701650"/>
+                <a:ext cx="47520" cy="360"/>
+              </p14:xfrm>
+            </p:contentPart>
+          </mc:Choice>
+          <mc:Fallback>
+            <p:pic>
+              <p:nvPicPr>
+                <p:cNvPr id="5" name="Ink 4">
+                  <a:extLst>
+                    <a:ext uri="{FF2B5EF4-FFF2-40B4-BE49-F238E27FC236}">
+                      <a16:creationId xmlns:a16="http://schemas.microsoft.com/office/drawing/2014/main" id="{AD1DBF6A-CEE0-0F81-CCAA-FAD0398EC197}"/>
+                    </a:ext>
+                  </a:extLst>
+                </p:cNvPr>
+                <p:cNvPicPr/>
+                <p:nvPr/>
+              </p:nvPicPr>
+              <p:blipFill>
+                <a:blip r:embed="rId6"/>
+                <a:stretch>
+                  <a:fillRect/>
+                </a:stretch>
+              </p:blipFill>
+              <p:spPr>
+                <a:xfrm>
+                  <a:off x="1278345" y="1697330"/>
+                  <a:ext cx="56160" cy="9000"/>
+                </a:xfrm>
+                <a:prstGeom prst="rect">
+                  <a:avLst/>
+                </a:prstGeom>
+              </p:spPr>
+            </p:pic>
+          </mc:Fallback>
+        </mc:AlternateContent>
+        <mc:AlternateContent xmlns:mc="http://schemas.openxmlformats.org/markup-compatibility/2006">
+          <mc:Choice xmlns:p14="http://schemas.microsoft.com/office/powerpoint/2010/main" Requires="p14">
+            <p:contentPart p14:bwMode="auto" r:id="rId7">
+              <p14:nvContentPartPr>
+                <p14:cNvPr id="6" name="Ink 5">
+                  <a:extLst>
+                    <a:ext uri="{FF2B5EF4-FFF2-40B4-BE49-F238E27FC236}">
+                      <a16:creationId xmlns:a16="http://schemas.microsoft.com/office/drawing/2014/main" id="{D7ECE308-7014-09BD-0E15-20386BE50FA0}"/>
+                    </a:ext>
+                  </a:extLst>
+                </p14:cNvPr>
+                <p14:cNvContentPartPr/>
+                <p14:nvPr/>
+              </p14:nvContentPartPr>
+              <p14:xfrm>
+                <a:off x="1333425" y="1714250"/>
+                <a:ext cx="22320" cy="69480"/>
+              </p14:xfrm>
+            </p:contentPart>
+          </mc:Choice>
+          <mc:Fallback>
+            <p:pic>
+              <p:nvPicPr>
+                <p:cNvPr id="6" name="Ink 5">
+                  <a:extLst>
+                    <a:ext uri="{FF2B5EF4-FFF2-40B4-BE49-F238E27FC236}">
+                      <a16:creationId xmlns:a16="http://schemas.microsoft.com/office/drawing/2014/main" id="{D7ECE308-7014-09BD-0E15-20386BE50FA0}"/>
+                    </a:ext>
+                  </a:extLst>
+                </p:cNvPr>
+                <p:cNvPicPr/>
+                <p:nvPr/>
+              </p:nvPicPr>
+              <p:blipFill>
+                <a:blip r:embed="rId8"/>
+                <a:stretch>
+                  <a:fillRect/>
+                </a:stretch>
+              </p:blipFill>
+              <p:spPr>
+                <a:xfrm>
+                  <a:off x="1329105" y="1709930"/>
+                  <a:ext cx="30960" cy="78120"/>
+                </a:xfrm>
+                <a:prstGeom prst="rect">
+                  <a:avLst/>
+                </a:prstGeom>
+              </p:spPr>
+            </p:pic>
+          </mc:Fallback>
+        </mc:AlternateContent>
+        <mc:AlternateContent xmlns:mc="http://schemas.openxmlformats.org/markup-compatibility/2006">
+          <mc:Choice xmlns:p14="http://schemas.microsoft.com/office/powerpoint/2010/main" Requires="p14">
+            <p:contentPart p14:bwMode="auto" r:id="rId9">
+              <p14:nvContentPartPr>
+                <p14:cNvPr id="7" name="Ink 6">
+                  <a:extLst>
+                    <a:ext uri="{FF2B5EF4-FFF2-40B4-BE49-F238E27FC236}">
+                      <a16:creationId xmlns:a16="http://schemas.microsoft.com/office/drawing/2014/main" id="{3A3FF258-380B-F8AC-C414-DE0C442965BC}"/>
+                    </a:ext>
+                  </a:extLst>
+                </p14:cNvPr>
+                <p14:cNvContentPartPr/>
+                <p14:nvPr/>
+              </p14:nvContentPartPr>
+              <p14:xfrm>
+                <a:off x="1358625" y="1841330"/>
+                <a:ext cx="12600" cy="54000"/>
+              </p14:xfrm>
+            </p:contentPart>
+          </mc:Choice>
+          <mc:Fallback>
+            <p:pic>
+              <p:nvPicPr>
+                <p:cNvPr id="7" name="Ink 6">
+                  <a:extLst>
+                    <a:ext uri="{FF2B5EF4-FFF2-40B4-BE49-F238E27FC236}">
+                      <a16:creationId xmlns:a16="http://schemas.microsoft.com/office/drawing/2014/main" id="{3A3FF258-380B-F8AC-C414-DE0C442965BC}"/>
+                    </a:ext>
+                  </a:extLst>
+                </p:cNvPr>
+                <p:cNvPicPr/>
+                <p:nvPr/>
+              </p:nvPicPr>
+              <p:blipFill>
+                <a:blip r:embed="rId10"/>
+                <a:stretch>
+                  <a:fillRect/>
+                </a:stretch>
+              </p:blipFill>
+              <p:spPr>
+                <a:xfrm>
+                  <a:off x="1354305" y="1837010"/>
+                  <a:ext cx="21240" cy="62640"/>
+                </a:xfrm>
+                <a:prstGeom prst="rect">
+                  <a:avLst/>
+                </a:prstGeom>
+              </p:spPr>
+            </p:pic>
+          </mc:Fallback>
+        </mc:AlternateContent>
+        <mc:AlternateContent xmlns:mc="http://schemas.openxmlformats.org/markup-compatibility/2006">
+          <mc:Choice xmlns:p14="http://schemas.microsoft.com/office/powerpoint/2010/main" Requires="p14">
+            <p:contentPart p14:bwMode="auto" r:id="rId11">
+              <p14:nvContentPartPr>
+                <p14:cNvPr id="8" name="Ink 7">
+                  <a:extLst>
+                    <a:ext uri="{FF2B5EF4-FFF2-40B4-BE49-F238E27FC236}">
+                      <a16:creationId xmlns:a16="http://schemas.microsoft.com/office/drawing/2014/main" id="{BBC8572B-2A8F-5411-4327-6A4276E64220}"/>
+                    </a:ext>
+                  </a:extLst>
+                </p14:cNvPr>
+                <p14:cNvContentPartPr/>
+                <p14:nvPr/>
+              </p14:nvContentPartPr>
+              <p14:xfrm>
+                <a:off x="1275465" y="1911890"/>
+                <a:ext cx="73800" cy="6120"/>
+              </p14:xfrm>
+            </p:contentPart>
+          </mc:Choice>
+          <mc:Fallback>
+            <p:pic>
+              <p:nvPicPr>
+                <p:cNvPr id="8" name="Ink 7">
+                  <a:extLst>
+                    <a:ext uri="{FF2B5EF4-FFF2-40B4-BE49-F238E27FC236}">
+                      <a16:creationId xmlns:a16="http://schemas.microsoft.com/office/drawing/2014/main" id="{BBC8572B-2A8F-5411-4327-6A4276E64220}"/>
+                    </a:ext>
+                  </a:extLst>
+                </p:cNvPr>
+                <p:cNvPicPr/>
+                <p:nvPr/>
+              </p:nvPicPr>
+              <p:blipFill>
+                <a:blip r:embed="rId12"/>
+                <a:stretch>
+                  <a:fillRect/>
+                </a:stretch>
+              </p:blipFill>
+              <p:spPr>
+                <a:xfrm>
+                  <a:off x="1271145" y="1907570"/>
+                  <a:ext cx="82440" cy="14760"/>
+                </a:xfrm>
+                <a:prstGeom prst="rect">
+                  <a:avLst/>
+                </a:prstGeom>
+              </p:spPr>
+            </p:pic>
+          </mc:Fallback>
+        </mc:AlternateContent>
+        <mc:AlternateContent xmlns:mc="http://schemas.openxmlformats.org/markup-compatibility/2006">
+          <mc:Choice xmlns:p14="http://schemas.microsoft.com/office/powerpoint/2010/main" Requires="p14">
+            <p:contentPart p14:bwMode="auto" r:id="rId13">
+              <p14:nvContentPartPr>
+                <p14:cNvPr id="9" name="Ink 8">
+                  <a:extLst>
+                    <a:ext uri="{FF2B5EF4-FFF2-40B4-BE49-F238E27FC236}">
+                      <a16:creationId xmlns:a16="http://schemas.microsoft.com/office/drawing/2014/main" id="{92930EF5-8ACC-FFFB-D8FB-1425FF419EAF}"/>
+                    </a:ext>
+                  </a:extLst>
+                </p14:cNvPr>
+                <p14:cNvContentPartPr/>
+                <p14:nvPr/>
+              </p14:nvContentPartPr>
+              <p14:xfrm>
+                <a:off x="1152345" y="1911170"/>
+                <a:ext cx="60840" cy="3600"/>
+              </p14:xfrm>
+            </p:contentPart>
+          </mc:Choice>
+          <mc:Fallback>
+            <p:pic>
+              <p:nvPicPr>
+                <p:cNvPr id="9" name="Ink 8">
+                  <a:extLst>
+                    <a:ext uri="{FF2B5EF4-FFF2-40B4-BE49-F238E27FC236}">
+                      <a16:creationId xmlns:a16="http://schemas.microsoft.com/office/drawing/2014/main" id="{92930EF5-8ACC-FFFB-D8FB-1425FF419EAF}"/>
+                    </a:ext>
+                  </a:extLst>
+                </p:cNvPr>
+                <p:cNvPicPr/>
+                <p:nvPr/>
+              </p:nvPicPr>
+              <p:blipFill>
+                <a:blip r:embed="rId14"/>
+                <a:stretch>
+                  <a:fillRect/>
+                </a:stretch>
+              </p:blipFill>
+              <p:spPr>
+                <a:xfrm>
+                  <a:off x="1148025" y="1906850"/>
+                  <a:ext cx="69480" cy="12240"/>
+                </a:xfrm>
+                <a:prstGeom prst="rect">
+                  <a:avLst/>
+                </a:prstGeom>
+              </p:spPr>
+            </p:pic>
+          </mc:Fallback>
+        </mc:AlternateContent>
+        <mc:AlternateContent xmlns:mc="http://schemas.openxmlformats.org/markup-compatibility/2006">
+          <mc:Choice xmlns:p14="http://schemas.microsoft.com/office/powerpoint/2010/main" Requires="p14">
+            <p:contentPart p14:bwMode="auto" r:id="rId15">
+              <p14:nvContentPartPr>
+                <p14:cNvPr id="10" name="Ink 9">
+                  <a:extLst>
+                    <a:ext uri="{FF2B5EF4-FFF2-40B4-BE49-F238E27FC236}">
+                      <a16:creationId xmlns:a16="http://schemas.microsoft.com/office/drawing/2014/main" id="{30C1354E-A231-69A8-D7CF-AE42B7156EDD}"/>
+                    </a:ext>
+                  </a:extLst>
+                </p14:cNvPr>
+                <p14:cNvContentPartPr/>
+                <p14:nvPr/>
+              </p14:nvContentPartPr>
+              <p14:xfrm>
+                <a:off x="1142625" y="1799570"/>
+                <a:ext cx="360" cy="105840"/>
+              </p14:xfrm>
+            </p:contentPart>
+          </mc:Choice>
+          <mc:Fallback>
+            <p:pic>
+              <p:nvPicPr>
+                <p:cNvPr id="10" name="Ink 9">
+                  <a:extLst>
+                    <a:ext uri="{FF2B5EF4-FFF2-40B4-BE49-F238E27FC236}">
+                      <a16:creationId xmlns:a16="http://schemas.microsoft.com/office/drawing/2014/main" id="{30C1354E-A231-69A8-D7CF-AE42B7156EDD}"/>
+                    </a:ext>
+                  </a:extLst>
+                </p:cNvPr>
+                <p:cNvPicPr/>
+                <p:nvPr/>
+              </p:nvPicPr>
+              <p:blipFill>
+                <a:blip r:embed="rId16"/>
+                <a:stretch>
+                  <a:fillRect/>
+                </a:stretch>
+              </p:blipFill>
+              <p:spPr>
+                <a:xfrm>
+                  <a:off x="1138305" y="1795250"/>
+                  <a:ext cx="9000" cy="114480"/>
+                </a:xfrm>
+                <a:prstGeom prst="rect">
+                  <a:avLst/>
+                </a:prstGeom>
+              </p:spPr>
+            </p:pic>
+          </mc:Fallback>
+        </mc:AlternateContent>
+        <mc:AlternateContent xmlns:mc="http://schemas.openxmlformats.org/markup-compatibility/2006">
+          <mc:Choice xmlns:p14="http://schemas.microsoft.com/office/powerpoint/2010/main" Requires="p14">
+            <p:contentPart p14:bwMode="auto" r:id="rId17">
+              <p14:nvContentPartPr>
+                <p14:cNvPr id="11" name="Ink 10">
+                  <a:extLst>
+                    <a:ext uri="{FF2B5EF4-FFF2-40B4-BE49-F238E27FC236}">
+                      <a16:creationId xmlns:a16="http://schemas.microsoft.com/office/drawing/2014/main" id="{E13844CC-3721-A8A4-D798-0EF282CA8E7F}"/>
+                    </a:ext>
+                  </a:extLst>
+                </p14:cNvPr>
+                <p14:cNvContentPartPr/>
+                <p14:nvPr/>
+              </p14:nvContentPartPr>
+              <p14:xfrm>
+                <a:off x="1155585" y="1714970"/>
+                <a:ext cx="21240" cy="54000"/>
+              </p14:xfrm>
+            </p:contentPart>
+          </mc:Choice>
+          <mc:Fallback>
+            <p:pic>
+              <p:nvPicPr>
+                <p:cNvPr id="11" name="Ink 10">
+                  <a:extLst>
+                    <a:ext uri="{FF2B5EF4-FFF2-40B4-BE49-F238E27FC236}">
+                      <a16:creationId xmlns:a16="http://schemas.microsoft.com/office/drawing/2014/main" id="{E13844CC-3721-A8A4-D798-0EF282CA8E7F}"/>
+                    </a:ext>
+                  </a:extLst>
+                </p:cNvPr>
+                <p:cNvPicPr/>
+                <p:nvPr/>
+              </p:nvPicPr>
+              <p:blipFill>
+                <a:blip r:embed="rId18"/>
+                <a:stretch>
+                  <a:fillRect/>
+                </a:stretch>
+              </p:blipFill>
+              <p:spPr>
+                <a:xfrm>
+                  <a:off x="1151265" y="1710650"/>
+                  <a:ext cx="29880" cy="62640"/>
+                </a:xfrm>
+                <a:prstGeom prst="rect">
+                  <a:avLst/>
+                </a:prstGeom>
+              </p:spPr>
+            </p:pic>
+          </mc:Fallback>
+        </mc:AlternateContent>
+      </p:grpSp>
+      <mc:AlternateContent xmlns:mc="http://schemas.openxmlformats.org/markup-compatibility/2006">
+        <mc:Choice xmlns:p14="http://schemas.microsoft.com/office/powerpoint/2010/main" Requires="p14">
+          <p:contentPart p14:bwMode="auto" r:id="rId19">
+            <p14:nvContentPartPr>
+              <p14:cNvPr id="14" name="Ink 13">
+                <a:extLst>
+                  <a:ext uri="{FF2B5EF4-FFF2-40B4-BE49-F238E27FC236}">
+                    <a16:creationId xmlns:a16="http://schemas.microsoft.com/office/drawing/2014/main" id="{821FB8D3-D5D8-5CD0-7967-4ACB5EB73FA6}"/>
+                  </a:ext>
+                </a:extLst>
+              </p14:cNvPr>
+              <p14:cNvContentPartPr/>
+              <p14:nvPr/>
+            </p14:nvContentPartPr>
+            <p14:xfrm>
+              <a:off x="7284628" y="1498258"/>
+              <a:ext cx="164160" cy="216360"/>
+            </p14:xfrm>
+          </p:contentPart>
+        </mc:Choice>
+        <mc:Fallback>
+          <p:pic>
+            <p:nvPicPr>
+              <p:cNvPr id="14" name="Ink 13">
+                <a:extLst>
+                  <a:ext uri="{FF2B5EF4-FFF2-40B4-BE49-F238E27FC236}">
+                    <a16:creationId xmlns:a16="http://schemas.microsoft.com/office/drawing/2014/main" id="{821FB8D3-D5D8-5CD0-7967-4ACB5EB73FA6}"/>
+                  </a:ext>
+                </a:extLst>
+              </p:cNvPr>
+              <p:cNvPicPr/>
+              <p:nvPr/>
+            </p:nvPicPr>
+            <p:blipFill>
+              <a:blip r:embed="rId20"/>
+              <a:stretch>
+                <a:fillRect/>
+              </a:stretch>
+            </p:blipFill>
+            <p:spPr>
+              <a:xfrm>
+                <a:off x="7280308" y="1493938"/>
+                <a:ext cx="172800" cy="225000"/>
+              </a:xfrm>
+              <a:prstGeom prst="rect">
+                <a:avLst/>
+              </a:prstGeom>
+            </p:spPr>
+          </p:pic>
+        </mc:Fallback>
+      </mc:AlternateContent>
+      <mc:AlternateContent xmlns:mc="http://schemas.openxmlformats.org/markup-compatibility/2006">
+        <mc:Choice xmlns:p14="http://schemas.microsoft.com/office/powerpoint/2010/main" Requires="p14">
+          <p:contentPart p14:bwMode="auto" r:id="rId21">
+            <p14:nvContentPartPr>
+              <p14:cNvPr id="16" name="Ink 15">
+                <a:extLst>
+                  <a:ext uri="{FF2B5EF4-FFF2-40B4-BE49-F238E27FC236}">
+                    <a16:creationId xmlns:a16="http://schemas.microsoft.com/office/drawing/2014/main" id="{BF62296D-12C4-7E06-8F30-04AF08682F4E}"/>
+                  </a:ext>
+                </a:extLst>
+              </p14:cNvPr>
+              <p14:cNvContentPartPr/>
+              <p14:nvPr/>
+            </p14:nvContentPartPr>
+            <p14:xfrm>
+              <a:off x="8322148" y="1652338"/>
+              <a:ext cx="126720" cy="172440"/>
+            </p14:xfrm>
+          </p:contentPart>
+        </mc:Choice>
+        <mc:Fallback>
+          <p:pic>
+            <p:nvPicPr>
+              <p:cNvPr id="16" name="Ink 15">
+                <a:extLst>
+                  <a:ext uri="{FF2B5EF4-FFF2-40B4-BE49-F238E27FC236}">
+                    <a16:creationId xmlns:a16="http://schemas.microsoft.com/office/drawing/2014/main" id="{BF62296D-12C4-7E06-8F30-04AF08682F4E}"/>
+                  </a:ext>
+                </a:extLst>
+              </p:cNvPr>
+              <p:cNvPicPr/>
+              <p:nvPr/>
+            </p:nvPicPr>
+            <p:blipFill>
+              <a:blip r:embed="rId22"/>
+              <a:stretch>
+                <a:fillRect/>
+              </a:stretch>
+            </p:blipFill>
+            <p:spPr>
+              <a:xfrm>
+                <a:off x="8317828" y="1648018"/>
+                <a:ext cx="135360" cy="181080"/>
+              </a:xfrm>
+              <a:prstGeom prst="rect">
+                <a:avLst/>
+              </a:prstGeom>
+            </p:spPr>
+          </p:pic>
+        </mc:Fallback>
+      </mc:AlternateContent>
+      <p:grpSp>
+        <p:nvGrpSpPr>
+          <p:cNvPr id="34" name="Group 33">
+            <a:extLst>
+              <a:ext uri="{FF2B5EF4-FFF2-40B4-BE49-F238E27FC236}">
+                <a16:creationId xmlns:a16="http://schemas.microsoft.com/office/drawing/2014/main" id="{39FB5660-90EC-AB86-1CD8-4051150B3BD9}"/>
+              </a:ext>
+            </a:extLst>
+          </p:cNvPr>
+          <p:cNvGrpSpPr/>
+          <p:nvPr/>
+        </p:nvGrpSpPr>
+        <p:grpSpPr>
+          <a:xfrm>
+            <a:off x="4252758" y="1682263"/>
+            <a:ext cx="104040" cy="199800"/>
+            <a:chOff x="4252758" y="1682263"/>
+            <a:chExt cx="104040" cy="199800"/>
+          </a:xfrm>
+        </p:grpSpPr>
+        <mc:AlternateContent xmlns:mc="http://schemas.openxmlformats.org/markup-compatibility/2006">
+          <mc:Choice xmlns:p14="http://schemas.microsoft.com/office/powerpoint/2010/main" Requires="p14">
+            <p:contentPart p14:bwMode="auto" r:id="rId23">
+              <p14:nvContentPartPr>
+                <p14:cNvPr id="27" name="Ink 26">
+                  <a:extLst>
+                    <a:ext uri="{FF2B5EF4-FFF2-40B4-BE49-F238E27FC236}">
+                      <a16:creationId xmlns:a16="http://schemas.microsoft.com/office/drawing/2014/main" id="{80CF707E-43CE-4CAC-8646-EB944721571C}"/>
+                    </a:ext>
+                  </a:extLst>
+                </p14:cNvPr>
+                <p14:cNvContentPartPr/>
+                <p14:nvPr/>
+              </p14:nvContentPartPr>
+              <p14:xfrm>
+                <a:off x="4252758" y="1693783"/>
+                <a:ext cx="360" cy="36360"/>
+              </p14:xfrm>
+            </p:contentPart>
+          </mc:Choice>
+          <mc:Fallback>
+            <p:pic>
+              <p:nvPicPr>
+                <p:cNvPr id="27" name="Ink 26">
+                  <a:extLst>
+                    <a:ext uri="{FF2B5EF4-FFF2-40B4-BE49-F238E27FC236}">
+                      <a16:creationId xmlns:a16="http://schemas.microsoft.com/office/drawing/2014/main" id="{80CF707E-43CE-4CAC-8646-EB944721571C}"/>
+                    </a:ext>
+                  </a:extLst>
+                </p:cNvPr>
+                <p:cNvPicPr/>
+                <p:nvPr/>
+              </p:nvPicPr>
+              <p:blipFill>
+                <a:blip r:embed="rId24"/>
+                <a:stretch>
+                  <a:fillRect/>
+                </a:stretch>
+              </p:blipFill>
+              <p:spPr>
+                <a:xfrm>
+                  <a:off x="4248438" y="1689463"/>
+                  <a:ext cx="9000" cy="45000"/>
+                </a:xfrm>
+                <a:prstGeom prst="rect">
+                  <a:avLst/>
+                </a:prstGeom>
+              </p:spPr>
+            </p:pic>
+          </mc:Fallback>
+        </mc:AlternateContent>
+        <mc:AlternateContent xmlns:mc="http://schemas.openxmlformats.org/markup-compatibility/2006">
+          <mc:Choice xmlns:p14="http://schemas.microsoft.com/office/powerpoint/2010/main" Requires="p14">
+            <p:contentPart p14:bwMode="auto" r:id="rId25">
+              <p14:nvContentPartPr>
+                <p14:cNvPr id="28" name="Ink 27">
+                  <a:extLst>
+                    <a:ext uri="{FF2B5EF4-FFF2-40B4-BE49-F238E27FC236}">
+                      <a16:creationId xmlns:a16="http://schemas.microsoft.com/office/drawing/2014/main" id="{7C34A0A6-E6C1-7E38-4579-5492DBE9EA99}"/>
+                    </a:ext>
+                  </a:extLst>
+                </p14:cNvPr>
+                <p14:cNvContentPartPr/>
+                <p14:nvPr/>
+              </p14:nvContentPartPr>
+              <p14:xfrm>
+                <a:off x="4254918" y="1763623"/>
+                <a:ext cx="1800" cy="39600"/>
+              </p14:xfrm>
+            </p:contentPart>
+          </mc:Choice>
+          <mc:Fallback>
+            <p:pic>
+              <p:nvPicPr>
+                <p:cNvPr id="28" name="Ink 27">
+                  <a:extLst>
+                    <a:ext uri="{FF2B5EF4-FFF2-40B4-BE49-F238E27FC236}">
+                      <a16:creationId xmlns:a16="http://schemas.microsoft.com/office/drawing/2014/main" id="{7C34A0A6-E6C1-7E38-4579-5492DBE9EA99}"/>
+                    </a:ext>
+                  </a:extLst>
+                </p:cNvPr>
+                <p:cNvPicPr/>
+                <p:nvPr/>
+              </p:nvPicPr>
+              <p:blipFill>
+                <a:blip r:embed="rId26"/>
+                <a:stretch>
+                  <a:fillRect/>
+                </a:stretch>
+              </p:blipFill>
+              <p:spPr>
+                <a:xfrm>
+                  <a:off x="4250598" y="1759303"/>
+                  <a:ext cx="10440" cy="48240"/>
+                </a:xfrm>
+                <a:prstGeom prst="rect">
+                  <a:avLst/>
+                </a:prstGeom>
+              </p:spPr>
+            </p:pic>
+          </mc:Fallback>
+        </mc:AlternateContent>
+        <mc:AlternateContent xmlns:mc="http://schemas.openxmlformats.org/markup-compatibility/2006">
+          <mc:Choice xmlns:p14="http://schemas.microsoft.com/office/powerpoint/2010/main" Requires="p14">
+            <p:contentPart p14:bwMode="auto" r:id="rId27">
+              <p14:nvContentPartPr>
+                <p14:cNvPr id="29" name="Ink 28">
+                  <a:extLst>
+                    <a:ext uri="{FF2B5EF4-FFF2-40B4-BE49-F238E27FC236}">
+                      <a16:creationId xmlns:a16="http://schemas.microsoft.com/office/drawing/2014/main" id="{7E78A759-29E6-7B6B-7D66-69D257AE9980}"/>
+                    </a:ext>
+                  </a:extLst>
+                </p14:cNvPr>
+                <p14:cNvContentPartPr/>
+                <p14:nvPr/>
+              </p14:nvContentPartPr>
+              <p14:xfrm>
+                <a:off x="4263918" y="1842823"/>
+                <a:ext cx="6480" cy="37440"/>
+              </p14:xfrm>
+            </p:contentPart>
+          </mc:Choice>
+          <mc:Fallback>
+            <p:pic>
+              <p:nvPicPr>
+                <p:cNvPr id="29" name="Ink 28">
+                  <a:extLst>
+                    <a:ext uri="{FF2B5EF4-FFF2-40B4-BE49-F238E27FC236}">
+                      <a16:creationId xmlns:a16="http://schemas.microsoft.com/office/drawing/2014/main" id="{7E78A759-29E6-7B6B-7D66-69D257AE9980}"/>
+                    </a:ext>
+                  </a:extLst>
+                </p:cNvPr>
+                <p:cNvPicPr/>
+                <p:nvPr/>
+              </p:nvPicPr>
+              <p:blipFill>
+                <a:blip r:embed="rId28"/>
+                <a:stretch>
+                  <a:fillRect/>
+                </a:stretch>
+              </p:blipFill>
+              <p:spPr>
+                <a:xfrm>
+                  <a:off x="4259598" y="1838503"/>
+                  <a:ext cx="15120" cy="46080"/>
+                </a:xfrm>
+                <a:prstGeom prst="rect">
+                  <a:avLst/>
+                </a:prstGeom>
+              </p:spPr>
+            </p:pic>
+          </mc:Fallback>
+        </mc:AlternateContent>
+        <mc:AlternateContent xmlns:mc="http://schemas.openxmlformats.org/markup-compatibility/2006">
+          <mc:Choice xmlns:p14="http://schemas.microsoft.com/office/powerpoint/2010/main" Requires="p14">
+            <p:contentPart p14:bwMode="auto" r:id="rId29">
+              <p14:nvContentPartPr>
+                <p14:cNvPr id="30" name="Ink 29">
+                  <a:extLst>
+                    <a:ext uri="{FF2B5EF4-FFF2-40B4-BE49-F238E27FC236}">
+                      <a16:creationId xmlns:a16="http://schemas.microsoft.com/office/drawing/2014/main" id="{A00DE429-EBCA-3D38-50FE-0B9087D3AA8B}"/>
+                    </a:ext>
+                  </a:extLst>
+                </p14:cNvPr>
+                <p14:cNvContentPartPr/>
+                <p14:nvPr/>
+              </p14:nvContentPartPr>
+              <p14:xfrm>
+                <a:off x="4298838" y="1880623"/>
+                <a:ext cx="28800" cy="1440"/>
+              </p14:xfrm>
+            </p:contentPart>
+          </mc:Choice>
+          <mc:Fallback>
+            <p:pic>
+              <p:nvPicPr>
+                <p:cNvPr id="30" name="Ink 29">
+                  <a:extLst>
+                    <a:ext uri="{FF2B5EF4-FFF2-40B4-BE49-F238E27FC236}">
+                      <a16:creationId xmlns:a16="http://schemas.microsoft.com/office/drawing/2014/main" id="{A00DE429-EBCA-3D38-50FE-0B9087D3AA8B}"/>
+                    </a:ext>
+                  </a:extLst>
+                </p:cNvPr>
+                <p:cNvPicPr/>
+                <p:nvPr/>
+              </p:nvPicPr>
+              <p:blipFill>
+                <a:blip r:embed="rId30"/>
+                <a:stretch>
+                  <a:fillRect/>
+                </a:stretch>
+              </p:blipFill>
+              <p:spPr>
+                <a:xfrm>
+                  <a:off x="4294518" y="1876303"/>
+                  <a:ext cx="37440" cy="10080"/>
+                </a:xfrm>
+                <a:prstGeom prst="rect">
+                  <a:avLst/>
+                </a:prstGeom>
+              </p:spPr>
+            </p:pic>
+          </mc:Fallback>
+        </mc:AlternateContent>
+        <mc:AlternateContent xmlns:mc="http://schemas.openxmlformats.org/markup-compatibility/2006">
+          <mc:Choice xmlns:p14="http://schemas.microsoft.com/office/powerpoint/2010/main" Requires="p14">
+            <p:contentPart p14:bwMode="auto" r:id="rId31">
+              <p14:nvContentPartPr>
+                <p14:cNvPr id="31" name="Ink 30">
+                  <a:extLst>
+                    <a:ext uri="{FF2B5EF4-FFF2-40B4-BE49-F238E27FC236}">
+                      <a16:creationId xmlns:a16="http://schemas.microsoft.com/office/drawing/2014/main" id="{61A5D3B7-40D4-CFAC-7D64-70776CB649C5}"/>
+                    </a:ext>
+                  </a:extLst>
+                </p14:cNvPr>
+                <p14:cNvContentPartPr/>
+                <p14:nvPr/>
+              </p14:nvContentPartPr>
+              <p14:xfrm>
+                <a:off x="4349598" y="1825183"/>
+                <a:ext cx="6840" cy="48240"/>
+              </p14:xfrm>
+            </p:contentPart>
+          </mc:Choice>
+          <mc:Fallback>
+            <p:pic>
+              <p:nvPicPr>
+                <p:cNvPr id="31" name="Ink 30">
+                  <a:extLst>
+                    <a:ext uri="{FF2B5EF4-FFF2-40B4-BE49-F238E27FC236}">
+                      <a16:creationId xmlns:a16="http://schemas.microsoft.com/office/drawing/2014/main" id="{61A5D3B7-40D4-CFAC-7D64-70776CB649C5}"/>
+                    </a:ext>
+                  </a:extLst>
+                </p:cNvPr>
+                <p:cNvPicPr/>
+                <p:nvPr/>
+              </p:nvPicPr>
+              <p:blipFill>
+                <a:blip r:embed="rId32"/>
+                <a:stretch>
+                  <a:fillRect/>
+                </a:stretch>
+              </p:blipFill>
+              <p:spPr>
+                <a:xfrm>
+                  <a:off x="4345278" y="1820863"/>
+                  <a:ext cx="15480" cy="56880"/>
+                </a:xfrm>
+                <a:prstGeom prst="rect">
+                  <a:avLst/>
+                </a:prstGeom>
+              </p:spPr>
+            </p:pic>
+          </mc:Fallback>
+        </mc:AlternateContent>
+        <mc:AlternateContent xmlns:mc="http://schemas.openxmlformats.org/markup-compatibility/2006">
+          <mc:Choice xmlns:p14="http://schemas.microsoft.com/office/powerpoint/2010/main" Requires="p14">
+            <p:contentPart p14:bwMode="auto" r:id="rId33">
+              <p14:nvContentPartPr>
+                <p14:cNvPr id="32" name="Ink 31">
+                  <a:extLst>
+                    <a:ext uri="{FF2B5EF4-FFF2-40B4-BE49-F238E27FC236}">
+                      <a16:creationId xmlns:a16="http://schemas.microsoft.com/office/drawing/2014/main" id="{EE5DFC87-7BA2-375D-23F6-50E87B8DBE9E}"/>
+                    </a:ext>
+                  </a:extLst>
+                </p14:cNvPr>
+                <p14:cNvContentPartPr/>
+                <p14:nvPr/>
+              </p14:nvContentPartPr>
+              <p14:xfrm>
+                <a:off x="4353918" y="1738063"/>
+                <a:ext cx="2880" cy="54360"/>
+              </p14:xfrm>
+            </p:contentPart>
+          </mc:Choice>
+          <mc:Fallback>
+            <p:pic>
+              <p:nvPicPr>
+                <p:cNvPr id="32" name="Ink 31">
+                  <a:extLst>
+                    <a:ext uri="{FF2B5EF4-FFF2-40B4-BE49-F238E27FC236}">
+                      <a16:creationId xmlns:a16="http://schemas.microsoft.com/office/drawing/2014/main" id="{EE5DFC87-7BA2-375D-23F6-50E87B8DBE9E}"/>
+                    </a:ext>
+                  </a:extLst>
+                </p:cNvPr>
+                <p:cNvPicPr/>
+                <p:nvPr/>
+              </p:nvPicPr>
+              <p:blipFill>
+                <a:blip r:embed="rId34"/>
+                <a:stretch>
+                  <a:fillRect/>
+                </a:stretch>
+              </p:blipFill>
+              <p:spPr>
+                <a:xfrm>
+                  <a:off x="4349598" y="1733743"/>
+                  <a:ext cx="11520" cy="63000"/>
+                </a:xfrm>
+                <a:prstGeom prst="rect">
+                  <a:avLst/>
+                </a:prstGeom>
+              </p:spPr>
+            </p:pic>
+          </mc:Fallback>
+        </mc:AlternateContent>
+        <mc:AlternateContent xmlns:mc="http://schemas.openxmlformats.org/markup-compatibility/2006">
+          <mc:Choice xmlns:p14="http://schemas.microsoft.com/office/powerpoint/2010/main" Requires="p14">
+            <p:contentPart p14:bwMode="auto" r:id="rId35">
+              <p14:nvContentPartPr>
+                <p14:cNvPr id="33" name="Ink 32">
+                  <a:extLst>
+                    <a:ext uri="{FF2B5EF4-FFF2-40B4-BE49-F238E27FC236}">
+                      <a16:creationId xmlns:a16="http://schemas.microsoft.com/office/drawing/2014/main" id="{660AD234-9AA8-B658-EBD9-35983EB598B2}"/>
+                    </a:ext>
+                  </a:extLst>
+                </p14:cNvPr>
+                <p14:cNvContentPartPr/>
+                <p14:nvPr/>
+              </p14:nvContentPartPr>
+              <p14:xfrm>
+                <a:off x="4290558" y="1682263"/>
+                <a:ext cx="56520" cy="18000"/>
+              </p14:xfrm>
+            </p:contentPart>
+          </mc:Choice>
+          <mc:Fallback>
+            <p:pic>
+              <p:nvPicPr>
+                <p:cNvPr id="33" name="Ink 32">
+                  <a:extLst>
+                    <a:ext uri="{FF2B5EF4-FFF2-40B4-BE49-F238E27FC236}">
+                      <a16:creationId xmlns:a16="http://schemas.microsoft.com/office/drawing/2014/main" id="{660AD234-9AA8-B658-EBD9-35983EB598B2}"/>
+                    </a:ext>
+                  </a:extLst>
+                </p:cNvPr>
+                <p:cNvPicPr/>
+                <p:nvPr/>
+              </p:nvPicPr>
+              <p:blipFill>
+                <a:blip r:embed="rId36"/>
+                <a:stretch>
+                  <a:fillRect/>
+                </a:stretch>
+              </p:blipFill>
+              <p:spPr>
+                <a:xfrm>
+                  <a:off x="4286238" y="1677943"/>
+                  <a:ext cx="65160" cy="26640"/>
+                </a:xfrm>
+                <a:prstGeom prst="rect">
+                  <a:avLst/>
+                </a:prstGeom>
+              </p:spPr>
+            </p:pic>
+          </mc:Fallback>
+        </mc:AlternateContent>
+      </p:grpSp>
+      <p:grpSp>
+        <p:nvGrpSpPr>
+          <p:cNvPr id="48" name="Group 47">
+            <a:extLst>
+              <a:ext uri="{FF2B5EF4-FFF2-40B4-BE49-F238E27FC236}">
+                <a16:creationId xmlns:a16="http://schemas.microsoft.com/office/drawing/2014/main" id="{FD184877-E7A9-D2F7-D429-B3CB146DBF77}"/>
+              </a:ext>
+            </a:extLst>
+          </p:cNvPr>
+          <p:cNvGrpSpPr/>
+          <p:nvPr/>
+        </p:nvGrpSpPr>
+        <p:grpSpPr>
+          <a:xfrm>
+            <a:off x="4194078" y="1649143"/>
+            <a:ext cx="243000" cy="300600"/>
+            <a:chOff x="4194078" y="1649143"/>
+            <a:chExt cx="243000" cy="300600"/>
+          </a:xfrm>
+        </p:grpSpPr>
+        <mc:AlternateContent xmlns:mc="http://schemas.openxmlformats.org/markup-compatibility/2006">
+          <mc:Choice xmlns:p14="http://schemas.microsoft.com/office/powerpoint/2010/main" Requires="p14">
+            <p:contentPart p14:bwMode="auto" r:id="rId37">
+              <p14:nvContentPartPr>
+                <p14:cNvPr id="35" name="Ink 34">
+                  <a:extLst>
+                    <a:ext uri="{FF2B5EF4-FFF2-40B4-BE49-F238E27FC236}">
+                      <a16:creationId xmlns:a16="http://schemas.microsoft.com/office/drawing/2014/main" id="{D0A51765-DA52-3374-9EB6-02764CCB8D0A}"/>
+                    </a:ext>
+                  </a:extLst>
+                </p14:cNvPr>
+                <p14:cNvContentPartPr/>
+                <p14:nvPr/>
+              </p14:nvContentPartPr>
+              <p14:xfrm>
+                <a:off x="4194078" y="1668943"/>
+                <a:ext cx="24120" cy="7560"/>
+              </p14:xfrm>
+            </p:contentPart>
+          </mc:Choice>
+          <mc:Fallback>
+            <p:pic>
+              <p:nvPicPr>
+                <p:cNvPr id="35" name="Ink 34">
+                  <a:extLst>
+                    <a:ext uri="{FF2B5EF4-FFF2-40B4-BE49-F238E27FC236}">
+                      <a16:creationId xmlns:a16="http://schemas.microsoft.com/office/drawing/2014/main" id="{D0A51765-DA52-3374-9EB6-02764CCB8D0A}"/>
+                    </a:ext>
+                  </a:extLst>
+                </p:cNvPr>
+                <p:cNvPicPr/>
+                <p:nvPr/>
+              </p:nvPicPr>
+              <p:blipFill>
+                <a:blip r:embed="rId38"/>
+                <a:stretch>
+                  <a:fillRect/>
+                </a:stretch>
+              </p:blipFill>
+              <p:spPr>
+                <a:xfrm>
+                  <a:off x="4189758" y="1664623"/>
+                  <a:ext cx="32760" cy="16200"/>
+                </a:xfrm>
+                <a:prstGeom prst="rect">
+                  <a:avLst/>
+                </a:prstGeom>
+              </p:spPr>
+            </p:pic>
+          </mc:Fallback>
+        </mc:AlternateContent>
+        <mc:AlternateContent xmlns:mc="http://schemas.openxmlformats.org/markup-compatibility/2006">
+          <mc:Choice xmlns:p14="http://schemas.microsoft.com/office/powerpoint/2010/main" Requires="p14">
+            <p:contentPart p14:bwMode="auto" r:id="rId39">
+              <p14:nvContentPartPr>
+                <p14:cNvPr id="36" name="Ink 35">
+                  <a:extLst>
+                    <a:ext uri="{FF2B5EF4-FFF2-40B4-BE49-F238E27FC236}">
+                      <a16:creationId xmlns:a16="http://schemas.microsoft.com/office/drawing/2014/main" id="{B1E36F04-36CD-A1F9-247C-16F7373B5CC8}"/>
+                    </a:ext>
+                  </a:extLst>
+                </p14:cNvPr>
+                <p14:cNvContentPartPr/>
+                <p14:nvPr/>
+              </p14:nvContentPartPr>
+              <p14:xfrm>
+                <a:off x="4238358" y="1653463"/>
+                <a:ext cx="28440" cy="10440"/>
+              </p14:xfrm>
+            </p:contentPart>
+          </mc:Choice>
+          <mc:Fallback>
+            <p:pic>
+              <p:nvPicPr>
+                <p:cNvPr id="36" name="Ink 35">
+                  <a:extLst>
+                    <a:ext uri="{FF2B5EF4-FFF2-40B4-BE49-F238E27FC236}">
+                      <a16:creationId xmlns:a16="http://schemas.microsoft.com/office/drawing/2014/main" id="{B1E36F04-36CD-A1F9-247C-16F7373B5CC8}"/>
+                    </a:ext>
+                  </a:extLst>
+                </p:cNvPr>
+                <p:cNvPicPr/>
+                <p:nvPr/>
+              </p:nvPicPr>
+              <p:blipFill>
+                <a:blip r:embed="rId40"/>
+                <a:stretch>
+                  <a:fillRect/>
+                </a:stretch>
+              </p:blipFill>
+              <p:spPr>
+                <a:xfrm>
+                  <a:off x="4234038" y="1649143"/>
+                  <a:ext cx="37080" cy="19080"/>
+                </a:xfrm>
+                <a:prstGeom prst="rect">
+                  <a:avLst/>
+                </a:prstGeom>
+              </p:spPr>
+            </p:pic>
+          </mc:Fallback>
+        </mc:AlternateContent>
+        <mc:AlternateContent xmlns:mc="http://schemas.openxmlformats.org/markup-compatibility/2006">
+          <mc:Choice xmlns:p14="http://schemas.microsoft.com/office/powerpoint/2010/main" Requires="p14">
+            <p:contentPart p14:bwMode="auto" r:id="rId41">
+              <p14:nvContentPartPr>
+                <p14:cNvPr id="37" name="Ink 36">
+                  <a:extLst>
+                    <a:ext uri="{FF2B5EF4-FFF2-40B4-BE49-F238E27FC236}">
+                      <a16:creationId xmlns:a16="http://schemas.microsoft.com/office/drawing/2014/main" id="{7ADB5E90-5984-905A-71A8-F63561F83C13}"/>
+                    </a:ext>
+                  </a:extLst>
+                </p14:cNvPr>
+                <p14:cNvContentPartPr/>
+                <p14:nvPr/>
+              </p14:nvContentPartPr>
+              <p14:xfrm>
+                <a:off x="4311438" y="1649143"/>
+                <a:ext cx="51120" cy="2160"/>
+              </p14:xfrm>
+            </p:contentPart>
+          </mc:Choice>
+          <mc:Fallback>
+            <p:pic>
+              <p:nvPicPr>
+                <p:cNvPr id="37" name="Ink 36">
+                  <a:extLst>
+                    <a:ext uri="{FF2B5EF4-FFF2-40B4-BE49-F238E27FC236}">
+                      <a16:creationId xmlns:a16="http://schemas.microsoft.com/office/drawing/2014/main" id="{7ADB5E90-5984-905A-71A8-F63561F83C13}"/>
+                    </a:ext>
+                  </a:extLst>
+                </p:cNvPr>
+                <p:cNvPicPr/>
+                <p:nvPr/>
+              </p:nvPicPr>
+              <p:blipFill>
+                <a:blip r:embed="rId42"/>
+                <a:stretch>
+                  <a:fillRect/>
+                </a:stretch>
+              </p:blipFill>
+              <p:spPr>
+                <a:xfrm>
+                  <a:off x="4307118" y="1644823"/>
+                  <a:ext cx="59760" cy="10800"/>
+                </a:xfrm>
+                <a:prstGeom prst="rect">
+                  <a:avLst/>
+                </a:prstGeom>
+              </p:spPr>
+            </p:pic>
+          </mc:Fallback>
+        </mc:AlternateContent>
+        <mc:AlternateContent xmlns:mc="http://schemas.openxmlformats.org/markup-compatibility/2006">
+          <mc:Choice xmlns:p14="http://schemas.microsoft.com/office/powerpoint/2010/main" Requires="p14">
+            <p:contentPart p14:bwMode="auto" r:id="rId43">
+              <p14:nvContentPartPr>
+                <p14:cNvPr id="38" name="Ink 37">
+                  <a:extLst>
+                    <a:ext uri="{FF2B5EF4-FFF2-40B4-BE49-F238E27FC236}">
+                      <a16:creationId xmlns:a16="http://schemas.microsoft.com/office/drawing/2014/main" id="{FB6567F4-C053-2B56-F5EF-295F16C7802C}"/>
+                    </a:ext>
+                  </a:extLst>
+                </p14:cNvPr>
+                <p14:cNvContentPartPr/>
+                <p14:nvPr/>
+              </p14:nvContentPartPr>
+              <p14:xfrm>
+                <a:off x="4422678" y="1652383"/>
+                <a:ext cx="14400" cy="360"/>
+              </p14:xfrm>
+            </p:contentPart>
+          </mc:Choice>
+          <mc:Fallback>
+            <p:pic>
+              <p:nvPicPr>
+                <p:cNvPr id="38" name="Ink 37">
+                  <a:extLst>
+                    <a:ext uri="{FF2B5EF4-FFF2-40B4-BE49-F238E27FC236}">
+                      <a16:creationId xmlns:a16="http://schemas.microsoft.com/office/drawing/2014/main" id="{FB6567F4-C053-2B56-F5EF-295F16C7802C}"/>
+                    </a:ext>
+                  </a:extLst>
+                </p:cNvPr>
+                <p:cNvPicPr/>
+                <p:nvPr/>
+              </p:nvPicPr>
+              <p:blipFill>
+                <a:blip r:embed="rId44"/>
+                <a:stretch>
+                  <a:fillRect/>
+                </a:stretch>
+              </p:blipFill>
+              <p:spPr>
+                <a:xfrm>
+                  <a:off x="4418358" y="1648063"/>
+                  <a:ext cx="23040" cy="9000"/>
+                </a:xfrm>
+                <a:prstGeom prst="rect">
+                  <a:avLst/>
+                </a:prstGeom>
+              </p:spPr>
+            </p:pic>
+          </mc:Fallback>
+        </mc:AlternateContent>
+        <mc:AlternateContent xmlns:mc="http://schemas.openxmlformats.org/markup-compatibility/2006">
+          <mc:Choice xmlns:p14="http://schemas.microsoft.com/office/powerpoint/2010/main" Requires="p14">
+            <p:contentPart p14:bwMode="auto" r:id="rId45">
+              <p14:nvContentPartPr>
+                <p14:cNvPr id="39" name="Ink 38">
+                  <a:extLst>
+                    <a:ext uri="{FF2B5EF4-FFF2-40B4-BE49-F238E27FC236}">
+                      <a16:creationId xmlns:a16="http://schemas.microsoft.com/office/drawing/2014/main" id="{36B2B92B-FD54-1D26-BA1C-AD35125A94E3}"/>
+                    </a:ext>
+                  </a:extLst>
+                </p14:cNvPr>
+                <p14:cNvContentPartPr/>
+                <p14:nvPr/>
+              </p14:nvContentPartPr>
+              <p14:xfrm>
+                <a:off x="4422678" y="1679383"/>
+                <a:ext cx="3600" cy="63360"/>
+              </p14:xfrm>
+            </p:contentPart>
+          </mc:Choice>
+          <mc:Fallback>
+            <p:pic>
+              <p:nvPicPr>
+                <p:cNvPr id="39" name="Ink 38">
+                  <a:extLst>
+                    <a:ext uri="{FF2B5EF4-FFF2-40B4-BE49-F238E27FC236}">
+                      <a16:creationId xmlns:a16="http://schemas.microsoft.com/office/drawing/2014/main" id="{36B2B92B-FD54-1D26-BA1C-AD35125A94E3}"/>
+                    </a:ext>
+                  </a:extLst>
+                </p:cNvPr>
+                <p:cNvPicPr/>
+                <p:nvPr/>
+              </p:nvPicPr>
+              <p:blipFill>
+                <a:blip r:embed="rId46"/>
+                <a:stretch>
+                  <a:fillRect/>
+                </a:stretch>
+              </p:blipFill>
+              <p:spPr>
+                <a:xfrm>
+                  <a:off x="4418358" y="1675063"/>
+                  <a:ext cx="12240" cy="72000"/>
+                </a:xfrm>
+                <a:prstGeom prst="rect">
+                  <a:avLst/>
+                </a:prstGeom>
+              </p:spPr>
+            </p:pic>
+          </mc:Fallback>
+        </mc:AlternateContent>
+        <mc:AlternateContent xmlns:mc="http://schemas.openxmlformats.org/markup-compatibility/2006">
+          <mc:Choice xmlns:p14="http://schemas.microsoft.com/office/powerpoint/2010/main" Requires="p14">
+            <p:contentPart p14:bwMode="auto" r:id="rId47">
+              <p14:nvContentPartPr>
+                <p14:cNvPr id="40" name="Ink 39">
+                  <a:extLst>
+                    <a:ext uri="{FF2B5EF4-FFF2-40B4-BE49-F238E27FC236}">
+                      <a16:creationId xmlns:a16="http://schemas.microsoft.com/office/drawing/2014/main" id="{5FA06E71-FCEC-C06F-20E3-5FC79FA0F144}"/>
+                    </a:ext>
+                  </a:extLst>
+                </p14:cNvPr>
+                <p14:cNvContentPartPr/>
+                <p14:nvPr/>
+              </p14:nvContentPartPr>
+              <p14:xfrm>
+                <a:off x="4422678" y="1819063"/>
+                <a:ext cx="360" cy="54360"/>
+              </p14:xfrm>
+            </p:contentPart>
+          </mc:Choice>
+          <mc:Fallback>
+            <p:pic>
+              <p:nvPicPr>
+                <p:cNvPr id="40" name="Ink 39">
+                  <a:extLst>
+                    <a:ext uri="{FF2B5EF4-FFF2-40B4-BE49-F238E27FC236}">
+                      <a16:creationId xmlns:a16="http://schemas.microsoft.com/office/drawing/2014/main" id="{5FA06E71-FCEC-C06F-20E3-5FC79FA0F144}"/>
+                    </a:ext>
+                  </a:extLst>
+                </p:cNvPr>
+                <p:cNvPicPr/>
+                <p:nvPr/>
+              </p:nvPicPr>
+              <p:blipFill>
+                <a:blip r:embed="rId48"/>
+                <a:stretch>
+                  <a:fillRect/>
+                </a:stretch>
+              </p:blipFill>
+              <p:spPr>
+                <a:xfrm>
+                  <a:off x="4418358" y="1814743"/>
+                  <a:ext cx="9000" cy="63000"/>
+                </a:xfrm>
+                <a:prstGeom prst="rect">
+                  <a:avLst/>
+                </a:prstGeom>
+              </p:spPr>
+            </p:pic>
+          </mc:Fallback>
+        </mc:AlternateContent>
+        <mc:AlternateContent xmlns:mc="http://schemas.openxmlformats.org/markup-compatibility/2006">
+          <mc:Choice xmlns:p14="http://schemas.microsoft.com/office/powerpoint/2010/main" Requires="p14">
+            <p:contentPart p14:bwMode="auto" r:id="rId49">
+              <p14:nvContentPartPr>
+                <p14:cNvPr id="41" name="Ink 40">
+                  <a:extLst>
+                    <a:ext uri="{FF2B5EF4-FFF2-40B4-BE49-F238E27FC236}">
+                      <a16:creationId xmlns:a16="http://schemas.microsoft.com/office/drawing/2014/main" id="{7ADC6EB5-B2FC-9749-57B7-0F4FBC21DF7C}"/>
+                    </a:ext>
+                  </a:extLst>
+                </p14:cNvPr>
+                <p14:cNvContentPartPr/>
+                <p14:nvPr/>
+              </p14:nvContentPartPr>
+              <p14:xfrm>
+                <a:off x="4419438" y="1915903"/>
+                <a:ext cx="360" cy="18000"/>
+              </p14:xfrm>
+            </p:contentPart>
+          </mc:Choice>
+          <mc:Fallback>
+            <p:pic>
+              <p:nvPicPr>
+                <p:cNvPr id="41" name="Ink 40">
+                  <a:extLst>
+                    <a:ext uri="{FF2B5EF4-FFF2-40B4-BE49-F238E27FC236}">
+                      <a16:creationId xmlns:a16="http://schemas.microsoft.com/office/drawing/2014/main" id="{7ADC6EB5-B2FC-9749-57B7-0F4FBC21DF7C}"/>
+                    </a:ext>
+                  </a:extLst>
+                </p:cNvPr>
+                <p:cNvPicPr/>
+                <p:nvPr/>
+              </p:nvPicPr>
+              <p:blipFill>
+                <a:blip r:embed="rId50"/>
+                <a:stretch>
+                  <a:fillRect/>
+                </a:stretch>
+              </p:blipFill>
+              <p:spPr>
+                <a:xfrm>
+                  <a:off x="4415118" y="1911583"/>
+                  <a:ext cx="9000" cy="26640"/>
+                </a:xfrm>
+                <a:prstGeom prst="rect">
+                  <a:avLst/>
+                </a:prstGeom>
+              </p:spPr>
+            </p:pic>
+          </mc:Fallback>
+        </mc:AlternateContent>
+        <mc:AlternateContent xmlns:mc="http://schemas.openxmlformats.org/markup-compatibility/2006">
+          <mc:Choice xmlns:p14="http://schemas.microsoft.com/office/powerpoint/2010/main" Requires="p14">
+            <p:contentPart p14:bwMode="auto" r:id="rId51">
+              <p14:nvContentPartPr>
+                <p14:cNvPr id="42" name="Ink 41">
+                  <a:extLst>
+                    <a:ext uri="{FF2B5EF4-FFF2-40B4-BE49-F238E27FC236}">
+                      <a16:creationId xmlns:a16="http://schemas.microsoft.com/office/drawing/2014/main" id="{AE4011D2-6A38-30BF-B666-6A56EF0F3EEA}"/>
+                    </a:ext>
+                  </a:extLst>
+                </p14:cNvPr>
+                <p14:cNvContentPartPr/>
+                <p14:nvPr/>
+              </p14:nvContentPartPr>
+              <p14:xfrm>
+                <a:off x="4309278" y="1936423"/>
+                <a:ext cx="89640" cy="5040"/>
+              </p14:xfrm>
+            </p:contentPart>
+          </mc:Choice>
+          <mc:Fallback>
+            <p:pic>
+              <p:nvPicPr>
+                <p:cNvPr id="42" name="Ink 41">
+                  <a:extLst>
+                    <a:ext uri="{FF2B5EF4-FFF2-40B4-BE49-F238E27FC236}">
+                      <a16:creationId xmlns:a16="http://schemas.microsoft.com/office/drawing/2014/main" id="{AE4011D2-6A38-30BF-B666-6A56EF0F3EEA}"/>
+                    </a:ext>
+                  </a:extLst>
+                </p:cNvPr>
+                <p:cNvPicPr/>
+                <p:nvPr/>
+              </p:nvPicPr>
+              <p:blipFill>
+                <a:blip r:embed="rId52"/>
+                <a:stretch>
+                  <a:fillRect/>
+                </a:stretch>
+              </p:blipFill>
+              <p:spPr>
+                <a:xfrm>
+                  <a:off x="4304958" y="1932103"/>
+                  <a:ext cx="98280" cy="13680"/>
+                </a:xfrm>
+                <a:prstGeom prst="rect">
+                  <a:avLst/>
+                </a:prstGeom>
+              </p:spPr>
+            </p:pic>
+          </mc:Fallback>
+        </mc:AlternateContent>
+        <mc:AlternateContent xmlns:mc="http://schemas.openxmlformats.org/markup-compatibility/2006">
+          <mc:Choice xmlns:p14="http://schemas.microsoft.com/office/powerpoint/2010/main" Requires="p14">
+            <p:contentPart p14:bwMode="auto" r:id="rId53">
+              <p14:nvContentPartPr>
+                <p14:cNvPr id="43" name="Ink 42">
+                  <a:extLst>
+                    <a:ext uri="{FF2B5EF4-FFF2-40B4-BE49-F238E27FC236}">
+                      <a16:creationId xmlns:a16="http://schemas.microsoft.com/office/drawing/2014/main" id="{3E1E802F-F65A-3481-891F-B15A48C0598F}"/>
+                    </a:ext>
+                  </a:extLst>
+                </p14:cNvPr>
+                <p14:cNvContentPartPr/>
+                <p14:nvPr/>
+              </p14:nvContentPartPr>
+              <p14:xfrm>
+                <a:off x="4231878" y="1941463"/>
+                <a:ext cx="21240" cy="8280"/>
+              </p14:xfrm>
+            </p:contentPart>
+          </mc:Choice>
+          <mc:Fallback>
+            <p:pic>
+              <p:nvPicPr>
+                <p:cNvPr id="43" name="Ink 42">
+                  <a:extLst>
+                    <a:ext uri="{FF2B5EF4-FFF2-40B4-BE49-F238E27FC236}">
+                      <a16:creationId xmlns:a16="http://schemas.microsoft.com/office/drawing/2014/main" id="{3E1E802F-F65A-3481-891F-B15A48C0598F}"/>
+                    </a:ext>
+                  </a:extLst>
+                </p:cNvPr>
+                <p:cNvPicPr/>
+                <p:nvPr/>
+              </p:nvPicPr>
+              <p:blipFill>
+                <a:blip r:embed="rId54"/>
+                <a:stretch>
+                  <a:fillRect/>
+                </a:stretch>
+              </p:blipFill>
+              <p:spPr>
+                <a:xfrm>
+                  <a:off x="4227558" y="1937143"/>
+                  <a:ext cx="29880" cy="16920"/>
+                </a:xfrm>
+                <a:prstGeom prst="rect">
+                  <a:avLst/>
+                </a:prstGeom>
+              </p:spPr>
+            </p:pic>
+          </mc:Fallback>
+        </mc:AlternateContent>
+        <mc:AlternateContent xmlns:mc="http://schemas.openxmlformats.org/markup-compatibility/2006">
+          <mc:Choice xmlns:p14="http://schemas.microsoft.com/office/powerpoint/2010/main" Requires="p14">
+            <p:contentPart p14:bwMode="auto" r:id="rId55">
+              <p14:nvContentPartPr>
+                <p14:cNvPr id="44" name="Ink 43">
+                  <a:extLst>
+                    <a:ext uri="{FF2B5EF4-FFF2-40B4-BE49-F238E27FC236}">
+                      <a16:creationId xmlns:a16="http://schemas.microsoft.com/office/drawing/2014/main" id="{C6499294-9B84-F1F7-F775-D588D3BCFD4F}"/>
+                    </a:ext>
+                  </a:extLst>
+                </p14:cNvPr>
+                <p14:cNvContentPartPr/>
+                <p14:nvPr/>
+              </p14:nvContentPartPr>
+              <p14:xfrm>
+                <a:off x="4217838" y="1853983"/>
+                <a:ext cx="5040" cy="73440"/>
+              </p14:xfrm>
+            </p:contentPart>
+          </mc:Choice>
+          <mc:Fallback>
+            <p:pic>
+              <p:nvPicPr>
+                <p:cNvPr id="44" name="Ink 43">
+                  <a:extLst>
+                    <a:ext uri="{FF2B5EF4-FFF2-40B4-BE49-F238E27FC236}">
+                      <a16:creationId xmlns:a16="http://schemas.microsoft.com/office/drawing/2014/main" id="{C6499294-9B84-F1F7-F775-D588D3BCFD4F}"/>
+                    </a:ext>
+                  </a:extLst>
+                </p:cNvPr>
+                <p:cNvPicPr/>
+                <p:nvPr/>
+              </p:nvPicPr>
+              <p:blipFill>
+                <a:blip r:embed="rId56"/>
+                <a:stretch>
+                  <a:fillRect/>
+                </a:stretch>
+              </p:blipFill>
+              <p:spPr>
+                <a:xfrm>
+                  <a:off x="4213518" y="1849663"/>
+                  <a:ext cx="13680" cy="82080"/>
+                </a:xfrm>
+                <a:prstGeom prst="rect">
+                  <a:avLst/>
+                </a:prstGeom>
+              </p:spPr>
+            </p:pic>
+          </mc:Fallback>
+        </mc:AlternateContent>
+        <mc:AlternateContent xmlns:mc="http://schemas.openxmlformats.org/markup-compatibility/2006">
+          <mc:Choice xmlns:p14="http://schemas.microsoft.com/office/powerpoint/2010/main" Requires="p14">
+            <p:contentPart p14:bwMode="auto" r:id="rId57">
+              <p14:nvContentPartPr>
+                <p14:cNvPr id="45" name="Ink 44">
+                  <a:extLst>
+                    <a:ext uri="{FF2B5EF4-FFF2-40B4-BE49-F238E27FC236}">
+                      <a16:creationId xmlns:a16="http://schemas.microsoft.com/office/drawing/2014/main" id="{659F2F42-DB0F-BA70-A90F-12B5BA210AA7}"/>
+                    </a:ext>
+                  </a:extLst>
+                </p14:cNvPr>
+                <p14:cNvContentPartPr/>
+                <p14:nvPr/>
+              </p14:nvContentPartPr>
+              <p14:xfrm>
+                <a:off x="4217838" y="1782343"/>
+                <a:ext cx="360" cy="40320"/>
+              </p14:xfrm>
+            </p:contentPart>
+          </mc:Choice>
+          <mc:Fallback>
+            <p:pic>
+              <p:nvPicPr>
+                <p:cNvPr id="45" name="Ink 44">
+                  <a:extLst>
+                    <a:ext uri="{FF2B5EF4-FFF2-40B4-BE49-F238E27FC236}">
+                      <a16:creationId xmlns:a16="http://schemas.microsoft.com/office/drawing/2014/main" id="{659F2F42-DB0F-BA70-A90F-12B5BA210AA7}"/>
+                    </a:ext>
+                  </a:extLst>
+                </p:cNvPr>
+                <p:cNvPicPr/>
+                <p:nvPr/>
+              </p:nvPicPr>
+              <p:blipFill>
+                <a:blip r:embed="rId58"/>
+                <a:stretch>
+                  <a:fillRect/>
+                </a:stretch>
+              </p:blipFill>
+              <p:spPr>
+                <a:xfrm>
+                  <a:off x="4213518" y="1778023"/>
+                  <a:ext cx="9000" cy="48960"/>
+                </a:xfrm>
+                <a:prstGeom prst="rect">
+                  <a:avLst/>
+                </a:prstGeom>
+              </p:spPr>
+            </p:pic>
+          </mc:Fallback>
+        </mc:AlternateContent>
+        <mc:AlternateContent xmlns:mc="http://schemas.openxmlformats.org/markup-compatibility/2006">
+          <mc:Choice xmlns:p14="http://schemas.microsoft.com/office/powerpoint/2010/main" Requires="p14">
+            <p:contentPart p14:bwMode="auto" r:id="rId59">
+              <p14:nvContentPartPr>
+                <p14:cNvPr id="47" name="Ink 46">
+                  <a:extLst>
+                    <a:ext uri="{FF2B5EF4-FFF2-40B4-BE49-F238E27FC236}">
+                      <a16:creationId xmlns:a16="http://schemas.microsoft.com/office/drawing/2014/main" id="{8D1FE827-34EB-FBD4-4812-613EDA6FD7D8}"/>
+                    </a:ext>
+                  </a:extLst>
+                </p14:cNvPr>
+                <p14:cNvContentPartPr/>
+                <p14:nvPr/>
+              </p14:nvContentPartPr>
+              <p14:xfrm>
+                <a:off x="4217838" y="1695223"/>
+                <a:ext cx="360" cy="52920"/>
+              </p14:xfrm>
+            </p:contentPart>
+          </mc:Choice>
+          <mc:Fallback>
+            <p:pic>
+              <p:nvPicPr>
+                <p:cNvPr id="47" name="Ink 46">
+                  <a:extLst>
+                    <a:ext uri="{FF2B5EF4-FFF2-40B4-BE49-F238E27FC236}">
+                      <a16:creationId xmlns:a16="http://schemas.microsoft.com/office/drawing/2014/main" id="{8D1FE827-34EB-FBD4-4812-613EDA6FD7D8}"/>
+                    </a:ext>
+                  </a:extLst>
+                </p:cNvPr>
+                <p:cNvPicPr/>
+                <p:nvPr/>
+              </p:nvPicPr>
+              <p:blipFill>
+                <a:blip r:embed="rId60"/>
+                <a:stretch>
+                  <a:fillRect/>
+                </a:stretch>
+              </p:blipFill>
+              <p:spPr>
+                <a:xfrm>
+                  <a:off x="4213518" y="1690903"/>
+                  <a:ext cx="9000" cy="61560"/>
+                </a:xfrm>
+                <a:prstGeom prst="rect">
+                  <a:avLst/>
+                </a:prstGeom>
+              </p:spPr>
+            </p:pic>
+          </mc:Fallback>
+        </mc:AlternateContent>
+      </p:grpSp>
+      <mc:AlternateContent xmlns:mc="http://schemas.openxmlformats.org/markup-compatibility/2006">
+        <mc:Choice xmlns:p14="http://schemas.microsoft.com/office/powerpoint/2010/main" Requires="p14">
+          <p:contentPart p14:bwMode="auto" r:id="rId61">
+            <p14:nvContentPartPr>
+              <p14:cNvPr id="49" name="Ink 48">
+                <a:extLst>
+                  <a:ext uri="{FF2B5EF4-FFF2-40B4-BE49-F238E27FC236}">
+                    <a16:creationId xmlns:a16="http://schemas.microsoft.com/office/drawing/2014/main" id="{6C363355-4689-F9EA-CD45-9DECD892DA95}"/>
+                  </a:ext>
+                </a:extLst>
+              </p14:cNvPr>
+              <p14:cNvContentPartPr/>
+              <p14:nvPr/>
+            </p14:nvContentPartPr>
+            <p14:xfrm>
+              <a:off x="8295445" y="1603400"/>
+              <a:ext cx="211680" cy="318960"/>
+            </p14:xfrm>
+          </p:contentPart>
+        </mc:Choice>
+        <mc:Fallback>
+          <p:pic>
+            <p:nvPicPr>
+              <p:cNvPr id="49" name="Ink 48">
+                <a:extLst>
+                  <a:ext uri="{FF2B5EF4-FFF2-40B4-BE49-F238E27FC236}">
+                    <a16:creationId xmlns:a16="http://schemas.microsoft.com/office/drawing/2014/main" id="{6C363355-4689-F9EA-CD45-9DECD892DA95}"/>
+                  </a:ext>
+                </a:extLst>
+              </p:cNvPr>
+              <p:cNvPicPr/>
+              <p:nvPr/>
+            </p:nvPicPr>
+            <p:blipFill>
+              <a:blip r:embed="rId62"/>
+              <a:stretch>
+                <a:fillRect/>
+              </a:stretch>
+            </p:blipFill>
+            <p:spPr>
+              <a:xfrm>
+                <a:off x="8291125" y="1599080"/>
+                <a:ext cx="220320" cy="327600"/>
+              </a:xfrm>
+              <a:prstGeom prst="rect">
+                <a:avLst/>
+              </a:prstGeom>
+            </p:spPr>
+          </p:pic>
+        </mc:Fallback>
+      </mc:AlternateContent>
+    </p:spTree>
+    <p:extLst>
+      <p:ext uri="{BB962C8B-B14F-4D97-AF65-F5344CB8AC3E}">
+        <p14:creationId xmlns:p14="http://schemas.microsoft.com/office/powerpoint/2010/main" val="1888039758"/>
+      </p:ext>
+    </p:extLst>
+  </p:cSld>
+  <p:clrMapOvr>
+    <a:masterClrMapping/>
+  </p:clrMapOvr>
+</p:sld>
+</file>
+
+<file path=ppt/slides/slide24.xml><?xml version="1.0" encoding="utf-8"?>
+<p:sld xmlns:a="http://schemas.openxmlformats.org/drawingml/2006/main" xmlns:r="http://schemas.openxmlformats.org/officeDocument/2006/relationships" xmlns:p="http://schemas.openxmlformats.org/presentationml/2006/main" show="0">
+  <p:cSld>
+    <p:spTree>
+      <p:nvGrpSpPr>
+        <p:cNvPr id="1" name=""/>
+        <p:cNvGrpSpPr/>
+        <p:nvPr/>
+      </p:nvGrpSpPr>
+      <p:grpSpPr>
+        <a:xfrm>
+          <a:off x="0" y="0"/>
+          <a:ext cx="0" cy="0"/>
+          <a:chOff x="0" y="0"/>
+          <a:chExt cx="0" cy="0"/>
+        </a:xfrm>
+      </p:grpSpPr>
+      <p:graphicFrame>
+        <p:nvGraphicFramePr>
+          <p:cNvPr id="2" name="Table 2">
+            <a:extLst>
+              <a:ext uri="{FF2B5EF4-FFF2-40B4-BE49-F238E27FC236}">
+                <a16:creationId xmlns:a16="http://schemas.microsoft.com/office/drawing/2014/main" id="{989BA033-4F80-E70F-3B44-29B8A78A35EE}"/>
+              </a:ext>
+            </a:extLst>
+          </p:cNvPr>
+          <p:cNvGraphicFramePr>
+            <a:graphicFrameLocks noGrp="1"/>
+          </p:cNvGraphicFramePr>
+          <p:nvPr>
+            <p:extLst>
+              <p:ext uri="{D42A27DB-BD31-4B8C-83A1-F6EECF244321}">
+                <p14:modId xmlns:p14="http://schemas.microsoft.com/office/powerpoint/2010/main" val="1388143482"/>
+              </p:ext>
+            </p:extLst>
+          </p:nvPr>
+        </p:nvGraphicFramePr>
+        <p:xfrm>
+          <a:off x="0" y="1431063"/>
+          <a:ext cx="12192004" cy="3789680"/>
+        </p:xfrm>
+        <a:graphic>
+          <a:graphicData uri="http://schemas.openxmlformats.org/drawingml/2006/table">
+            <a:tbl>
+              <a:tblPr firstRow="1" bandRow="1">
+                <a:tableStyleId>{5C22544A-7EE6-4342-B048-85BDC9FD1C3A}</a:tableStyleId>
+              </a:tblPr>
+              <a:tblGrid>
+                <a:gridCol w="897467">
+                  <a:extLst>
+                    <a:ext uri="{9D8B030D-6E8A-4147-A177-3AD203B41FA5}">
+                      <a16:colId xmlns:a16="http://schemas.microsoft.com/office/drawing/2014/main" val="2206697726"/>
+                    </a:ext>
+                  </a:extLst>
+                </a:gridCol>
+                <a:gridCol w="872066">
+                  <a:extLst>
+                    <a:ext uri="{9D8B030D-6E8A-4147-A177-3AD203B41FA5}">
+                      <a16:colId xmlns:a16="http://schemas.microsoft.com/office/drawing/2014/main" val="4145438764"/>
+                    </a:ext>
+                  </a:extLst>
+                </a:gridCol>
+                <a:gridCol w="1397000">
+                  <a:extLst>
+                    <a:ext uri="{9D8B030D-6E8A-4147-A177-3AD203B41FA5}">
+                      <a16:colId xmlns:a16="http://schemas.microsoft.com/office/drawing/2014/main" val="867641991"/>
+                    </a:ext>
+                  </a:extLst>
+                </a:gridCol>
+                <a:gridCol w="1109134">
+                  <a:extLst>
+                    <a:ext uri="{9D8B030D-6E8A-4147-A177-3AD203B41FA5}">
+                      <a16:colId xmlns:a16="http://schemas.microsoft.com/office/drawing/2014/main" val="468753050"/>
+                    </a:ext>
+                  </a:extLst>
+                </a:gridCol>
+                <a:gridCol w="1058333">
+                  <a:extLst>
+                    <a:ext uri="{9D8B030D-6E8A-4147-A177-3AD203B41FA5}">
+                      <a16:colId xmlns:a16="http://schemas.microsoft.com/office/drawing/2014/main" val="1258009846"/>
+                    </a:ext>
+                  </a:extLst>
+                </a:gridCol>
+                <a:gridCol w="1134533">
+                  <a:extLst>
+                    <a:ext uri="{9D8B030D-6E8A-4147-A177-3AD203B41FA5}">
+                      <a16:colId xmlns:a16="http://schemas.microsoft.com/office/drawing/2014/main" val="3496989669"/>
+                    </a:ext>
+                  </a:extLst>
+                </a:gridCol>
+                <a:gridCol w="965200">
+                  <a:extLst>
+                    <a:ext uri="{9D8B030D-6E8A-4147-A177-3AD203B41FA5}">
+                      <a16:colId xmlns:a16="http://schemas.microsoft.com/office/drawing/2014/main" val="2906866505"/>
+                    </a:ext>
+                  </a:extLst>
+                </a:gridCol>
+                <a:gridCol w="1066800">
+                  <a:extLst>
+                    <a:ext uri="{9D8B030D-6E8A-4147-A177-3AD203B41FA5}">
+                      <a16:colId xmlns:a16="http://schemas.microsoft.com/office/drawing/2014/main" val="2120826267"/>
+                    </a:ext>
+                  </a:extLst>
+                </a:gridCol>
+                <a:gridCol w="1286934">
+                  <a:extLst>
+                    <a:ext uri="{9D8B030D-6E8A-4147-A177-3AD203B41FA5}">
+                      <a16:colId xmlns:a16="http://schemas.microsoft.com/office/drawing/2014/main" val="1970964562"/>
+                    </a:ext>
+                  </a:extLst>
+                </a:gridCol>
+                <a:gridCol w="1296173">
+                  <a:extLst>
+                    <a:ext uri="{9D8B030D-6E8A-4147-A177-3AD203B41FA5}">
+                      <a16:colId xmlns:a16="http://schemas.microsoft.com/office/drawing/2014/main" val="4241872789"/>
+                    </a:ext>
+                  </a:extLst>
+                </a:gridCol>
+                <a:gridCol w="1108364">
+                  <a:extLst>
+                    <a:ext uri="{9D8B030D-6E8A-4147-A177-3AD203B41FA5}">
+                      <a16:colId xmlns:a16="http://schemas.microsoft.com/office/drawing/2014/main" val="655485241"/>
+                    </a:ext>
+                  </a:extLst>
+                </a:gridCol>
+              </a:tblGrid>
+              <a:tr h="370840">
+                <a:tc gridSpan="11">
+                  <a:txBody>
+                    <a:bodyPr/>
+                    <a:lstStyle/>
+                    <a:p>
+                      <a:pPr algn="l"/>
+                      <a:r>
+                        <a:rPr lang="en-SG" sz="1600" dirty="0"/>
+                        <a:t>Viscosity Standard 817 – Best parameters  according to volume pipetted experiment 3</a:t>
+                      </a:r>
+                    </a:p>
+                  </a:txBody>
+                  <a:tcPr/>
+                </a:tc>
+                <a:tc hMerge="1">
+                  <a:txBody>
+                    <a:bodyPr/>
+                    <a:lstStyle/>
+                    <a:p>
+                      <a:endParaRPr lang="en-SG" dirty="0"/>
+                    </a:p>
+                  </a:txBody>
+                  <a:tcPr/>
+                </a:tc>
+                <a:tc hMerge="1">
+                  <a:txBody>
+                    <a:bodyPr/>
+                    <a:lstStyle/>
+                    <a:p>
+                      <a:endParaRPr lang="en-SG"/>
+                    </a:p>
+                  </a:txBody>
+                  <a:tcPr/>
+                </a:tc>
+                <a:tc hMerge="1">
+                  <a:txBody>
+                    <a:bodyPr/>
+                    <a:lstStyle/>
+                    <a:p>
+                      <a:endParaRPr lang="en-SG"/>
+                    </a:p>
+                  </a:txBody>
+                  <a:tcPr/>
+                </a:tc>
+                <a:tc hMerge="1">
+                  <a:txBody>
+                    <a:bodyPr/>
+                    <a:lstStyle/>
+                    <a:p>
+                      <a:endParaRPr lang="en-SG"/>
+                    </a:p>
+                  </a:txBody>
+                  <a:tcPr/>
+                </a:tc>
+                <a:tc hMerge="1">
+                  <a:txBody>
+                    <a:bodyPr/>
+                    <a:lstStyle/>
+                    <a:p>
+                      <a:endParaRPr lang="en-SG"/>
+                    </a:p>
+                  </a:txBody>
+                  <a:tcPr/>
+                </a:tc>
+                <a:tc hMerge="1">
+                  <a:txBody>
+                    <a:bodyPr/>
+                    <a:lstStyle/>
+                    <a:p>
+                      <a:endParaRPr lang="en-SG" dirty="0"/>
+                    </a:p>
+                  </a:txBody>
+                  <a:tcPr/>
+                </a:tc>
+                <a:tc hMerge="1">
+                  <a:txBody>
+                    <a:bodyPr/>
+                    <a:lstStyle/>
+                    <a:p>
+                      <a:endParaRPr lang="en-SG"/>
+                    </a:p>
+                  </a:txBody>
+                  <a:tcPr/>
+                </a:tc>
+                <a:tc hMerge="1">
+                  <a:txBody>
+                    <a:bodyPr/>
+                    <a:lstStyle/>
+                    <a:p>
+                      <a:endParaRPr lang="en-SG" dirty="0"/>
+                    </a:p>
+                  </a:txBody>
+                  <a:tcPr/>
+                </a:tc>
+                <a:tc hMerge="1">
+                  <a:txBody>
+                    <a:bodyPr/>
+                    <a:lstStyle/>
+                    <a:p>
+                      <a:endParaRPr lang="en-SG" dirty="0"/>
+                    </a:p>
+                  </a:txBody>
+                  <a:tcPr/>
+                </a:tc>
+                <a:tc hMerge="1">
+                  <a:txBody>
+                    <a:bodyPr/>
+                    <a:lstStyle/>
+                    <a:p>
+                      <a:endParaRPr lang="en-SG" dirty="0"/>
+                    </a:p>
+                  </a:txBody>
+                  <a:tcPr/>
+                </a:tc>
+                <a:extLst>
+                  <a:ext uri="{0D108BD9-81ED-4DB2-BD59-A6C34878D82A}">
+                    <a16:rowId xmlns:a16="http://schemas.microsoft.com/office/drawing/2014/main" val="1977855465"/>
+                  </a:ext>
+                </a:extLst>
+              </a:tr>
+              <a:tr h="370840">
+                <a:tc>
+                  <a:txBody>
+                    <a:bodyPr/>
+                    <a:lstStyle/>
+                    <a:p>
+                      <a:pPr algn="l"/>
+                      <a:r>
+                        <a:rPr lang="en-SG" sz="1600" dirty="0"/>
+                        <a:t>Volume</a:t>
+                      </a:r>
+                    </a:p>
+                  </a:txBody>
+                  <a:tcPr/>
+                </a:tc>
+                <a:tc>
+                  <a:txBody>
+                    <a:bodyPr/>
+                    <a:lstStyle/>
+                    <a:p>
+                      <a:pPr algn="l"/>
+                      <a:r>
+                        <a:rPr lang="en-SG" sz="1600" dirty="0"/>
+                        <a:t>ML or Human</a:t>
+                      </a:r>
+                    </a:p>
+                  </a:txBody>
+                  <a:tcPr/>
+                </a:tc>
+                <a:tc>
+                  <a:txBody>
+                    <a:bodyPr/>
+                    <a:lstStyle/>
+                    <a:p>
+                      <a:pPr algn="l"/>
+                      <a:r>
+                        <a:rPr lang="en-SG" sz="1600" dirty="0"/>
+                        <a:t>Aspiration Rate</a:t>
+                      </a:r>
+                    </a:p>
+                  </a:txBody>
+                  <a:tcPr/>
+                </a:tc>
+                <a:tc>
+                  <a:txBody>
+                    <a:bodyPr/>
+                    <a:lstStyle/>
+                    <a:p>
+                      <a:pPr algn="l"/>
+                      <a:r>
+                        <a:rPr lang="en-SG" sz="1600" dirty="0"/>
+                        <a:t>Dispense Rate</a:t>
+                      </a:r>
+                    </a:p>
+                  </a:txBody>
+                  <a:tcPr/>
+                </a:tc>
+                <a:tc>
+                  <a:txBody>
+                    <a:bodyPr/>
+                    <a:lstStyle/>
+                    <a:p>
+                      <a:pPr algn="l"/>
+                      <a:r>
+                        <a:rPr lang="en-SG" sz="1600" dirty="0"/>
+                        <a:t>Blow Out Rate</a:t>
+                      </a:r>
+                    </a:p>
+                  </a:txBody>
+                  <a:tcPr/>
+                </a:tc>
+                <a:tc>
+                  <a:txBody>
+                    <a:bodyPr/>
+                    <a:lstStyle/>
+                    <a:p>
+                      <a:pPr algn="l"/>
+                      <a:r>
+                        <a:rPr lang="en-SG" sz="1600" dirty="0"/>
+                        <a:t>Delay Aspirate</a:t>
+                      </a:r>
+                    </a:p>
+                  </a:txBody>
+                  <a:tcPr/>
+                </a:tc>
+                <a:tc>
+                  <a:txBody>
+                    <a:bodyPr/>
+                    <a:lstStyle/>
+                    <a:p>
+                      <a:pPr algn="l"/>
+                      <a:r>
+                        <a:rPr lang="en-SG" sz="1600" dirty="0"/>
+                        <a:t>Delay Dispense</a:t>
+                      </a:r>
+                    </a:p>
+                  </a:txBody>
+                  <a:tcPr/>
+                </a:tc>
+                <a:tc>
+                  <a:txBody>
+                    <a:bodyPr/>
+                    <a:lstStyle/>
+                    <a:p>
+                      <a:pPr algn="l"/>
+                      <a:r>
+                        <a:rPr lang="en-SG" sz="1600" dirty="0"/>
+                        <a:t>Delay Blow Out</a:t>
+                      </a:r>
+                    </a:p>
+                  </a:txBody>
+                  <a:tcPr/>
+                </a:tc>
+                <a:tc>
+                  <a:txBody>
+                    <a:bodyPr/>
+                    <a:lstStyle/>
+                    <a:p>
+                      <a:pPr algn="l"/>
+                      <a:r>
+                        <a:rPr lang="en-SG" sz="1600" dirty="0"/>
+                        <a:t>%error</a:t>
+                      </a:r>
+                    </a:p>
+                  </a:txBody>
+                  <a:tcPr/>
+                </a:tc>
+                <a:tc>
+                  <a:txBody>
+                    <a:bodyPr/>
+                    <a:lstStyle/>
+                    <a:p>
+                      <a:pPr algn="l"/>
+                      <a:r>
+                        <a:rPr lang="en-SG" sz="1600" dirty="0"/>
+                        <a:t>Total Time for transfer 1000</a:t>
+                      </a:r>
+                    </a:p>
+                  </a:txBody>
+                  <a:tcPr/>
+                </a:tc>
+                <a:tc>
+                  <a:txBody>
+                    <a:bodyPr/>
+                    <a:lstStyle/>
+                    <a:p>
+                      <a:pPr algn="l"/>
+                      <a:r>
+                        <a:rPr lang="en-SG" sz="1600" dirty="0"/>
+                        <a:t>Iteration</a:t>
+                      </a:r>
+                    </a:p>
+                  </a:txBody>
+                  <a:tcPr/>
+                </a:tc>
+                <a:extLst>
+                  <a:ext uri="{0D108BD9-81ED-4DB2-BD59-A6C34878D82A}">
+                    <a16:rowId xmlns:a16="http://schemas.microsoft.com/office/drawing/2014/main" val="360042618"/>
+                  </a:ext>
+                </a:extLst>
+              </a:tr>
+              <a:tr h="370840">
+                <a:tc>
+                  <a:txBody>
+                    <a:bodyPr/>
+                    <a:lstStyle/>
+                    <a:p>
+                      <a:pPr algn="l"/>
+                      <a:r>
+                        <a:rPr lang="en-SG" sz="1600" dirty="0"/>
+                        <a:t>300</a:t>
+                      </a:r>
+                    </a:p>
+                  </a:txBody>
+                  <a:tcPr>
+                    <a:solidFill>
+                      <a:srgbClr val="E9EBF5"/>
+                    </a:solidFill>
+                  </a:tcPr>
+                </a:tc>
+                <a:tc>
+                  <a:txBody>
+                    <a:bodyPr/>
+                    <a:lstStyle/>
+                    <a:p>
+                      <a:pPr algn="l"/>
+                      <a:r>
+                        <a:rPr lang="en-SG" sz="1600" dirty="0"/>
+                        <a:t>ML</a:t>
+                      </a:r>
+                    </a:p>
+                  </a:txBody>
+                  <a:tcPr>
+                    <a:solidFill>
+                      <a:srgbClr val="E9EBF5"/>
+                    </a:solidFill>
+                  </a:tcPr>
+                </a:tc>
+                <a:tc>
+                  <a:txBody>
+                    <a:bodyPr/>
+                    <a:lstStyle/>
+                    <a:p>
+                      <a:pPr algn="l"/>
+                      <a:r>
+                        <a:rPr lang="en-SG" sz="1600" dirty="0"/>
+                        <a:t>19.630164</a:t>
+                      </a:r>
+                    </a:p>
+                  </a:txBody>
+                  <a:tcPr>
+                    <a:solidFill>
+                      <a:srgbClr val="E9EBF5"/>
+                    </a:solidFill>
+                  </a:tcPr>
+                </a:tc>
+                <a:tc>
+                  <a:txBody>
+                    <a:bodyPr/>
+                    <a:lstStyle/>
+                    <a:p>
+                      <a:pPr algn="l" fontAlgn="ctr"/>
+                      <a:r>
+                        <a:rPr lang="en-SG" sz="1600" dirty="0">
+                          <a:effectLst/>
+                        </a:rPr>
+                        <a:t>6.392805</a:t>
+                      </a:r>
+                    </a:p>
+                  </a:txBody>
+                  <a:tcPr anchor="ctr">
+                    <a:solidFill>
+                      <a:srgbClr val="E9EBF5"/>
+                    </a:solidFill>
+                  </a:tcPr>
+                </a:tc>
+                <a:tc>
+                  <a:txBody>
+                    <a:bodyPr/>
+                    <a:lstStyle/>
+                    <a:p>
+                      <a:pPr algn="l"/>
+                      <a:r>
+                        <a:rPr lang="en-SG" sz="1600" dirty="0"/>
+                        <a:t>0</a:t>
+                      </a:r>
+                    </a:p>
+                  </a:txBody>
+                  <a:tcPr>
+                    <a:solidFill>
+                      <a:srgbClr val="E9EBF5"/>
+                    </a:solidFill>
+                  </a:tcPr>
+                </a:tc>
+                <a:tc>
+                  <a:txBody>
+                    <a:bodyPr/>
+                    <a:lstStyle/>
+                    <a:p>
+                      <a:pPr algn="l"/>
+                      <a:r>
+                        <a:rPr lang="en-SG" sz="1600" dirty="0"/>
+                        <a:t>5</a:t>
+                      </a:r>
+                    </a:p>
+                  </a:txBody>
+                  <a:tcPr>
+                    <a:solidFill>
+                      <a:srgbClr val="E9EBF5"/>
+                    </a:solidFill>
+                  </a:tcPr>
+                </a:tc>
+                <a:tc>
+                  <a:txBody>
+                    <a:bodyPr/>
+                    <a:lstStyle/>
+                    <a:p>
+                      <a:pPr algn="l"/>
+                      <a:r>
+                        <a:rPr lang="en-SG" sz="1600" dirty="0"/>
+                        <a:t>5</a:t>
+                      </a:r>
+                    </a:p>
+                  </a:txBody>
+                  <a:tcPr>
+                    <a:solidFill>
+                      <a:srgbClr val="E9EBF5"/>
+                    </a:solidFill>
+                  </a:tcPr>
+                </a:tc>
+                <a:tc>
+                  <a:txBody>
+                    <a:bodyPr/>
+                    <a:lstStyle/>
+                    <a:p>
+                      <a:pPr algn="l"/>
+                      <a:r>
+                        <a:rPr lang="en-SG" sz="1600" dirty="0"/>
+                        <a:t>0</a:t>
+                      </a:r>
+                    </a:p>
+                  </a:txBody>
+                  <a:tcPr>
+                    <a:solidFill>
+                      <a:srgbClr val="E9EBF5"/>
+                    </a:solidFill>
+                  </a:tcPr>
+                </a:tc>
+                <a:tc>
+                  <a:txBody>
+                    <a:bodyPr/>
+                    <a:lstStyle/>
+                    <a:p>
+                      <a:pPr algn="l" fontAlgn="ctr"/>
+                      <a:r>
+                        <a:rPr lang="en-SG" sz="1600" dirty="0">
+                          <a:effectLst/>
+                        </a:rPr>
+                        <a:t>0.125994</a:t>
+                      </a:r>
+                    </a:p>
+                  </a:txBody>
+                  <a:tcPr anchor="ctr">
+                    <a:solidFill>
+                      <a:srgbClr val="E9EBF5"/>
+                    </a:solidFill>
+                  </a:tcPr>
+                </a:tc>
+                <a:tc>
+                  <a:txBody>
+                    <a:bodyPr/>
+                    <a:lstStyle/>
+                    <a:p>
+                      <a:pPr algn="l"/>
+                      <a:r>
+                        <a:rPr lang="en-SG" sz="1600" dirty="0"/>
+                        <a:t>217.367862</a:t>
+                      </a:r>
+                    </a:p>
+                  </a:txBody>
+                  <a:tcPr>
+                    <a:solidFill>
+                      <a:srgbClr val="E9EBF5"/>
+                    </a:solidFill>
+                  </a:tcPr>
+                </a:tc>
+                <a:tc>
+                  <a:txBody>
+                    <a:bodyPr/>
+                    <a:lstStyle/>
+                    <a:p>
+                      <a:pPr algn="l"/>
+                      <a:r>
+                        <a:rPr lang="en-SG" sz="1600" dirty="0"/>
+                        <a:t>7</a:t>
+                      </a:r>
+                    </a:p>
+                  </a:txBody>
+                  <a:tcPr>
+                    <a:solidFill>
+                      <a:srgbClr val="E9EBF5"/>
+                    </a:solidFill>
+                  </a:tcPr>
+                </a:tc>
+                <a:extLst>
+                  <a:ext uri="{0D108BD9-81ED-4DB2-BD59-A6C34878D82A}">
+                    <a16:rowId xmlns:a16="http://schemas.microsoft.com/office/drawing/2014/main" val="2839940444"/>
+                  </a:ext>
+                </a:extLst>
+              </a:tr>
+              <a:tr h="370840">
+                <a:tc>
+                  <a:txBody>
+                    <a:bodyPr/>
+                    <a:lstStyle/>
+                    <a:p>
+                      <a:pPr algn="l"/>
+                      <a:r>
+                        <a:rPr lang="en-SG" sz="1600" dirty="0"/>
+                        <a:t>300</a:t>
+                      </a:r>
+                    </a:p>
+                  </a:txBody>
+                  <a:tcPr/>
+                </a:tc>
+                <a:tc>
+                  <a:txBody>
+                    <a:bodyPr/>
+                    <a:lstStyle/>
+                    <a:p>
+                      <a:pPr algn="l"/>
+                      <a:r>
+                        <a:rPr lang="en-SG" sz="1600" dirty="0"/>
+                        <a:t>ML</a:t>
+                      </a:r>
+                    </a:p>
+                  </a:txBody>
+                  <a:tcPr/>
+                </a:tc>
+                <a:tc>
+                  <a:txBody>
+                    <a:bodyPr/>
+                    <a:lstStyle/>
+                    <a:p>
+                      <a:pPr algn="l"/>
+                      <a:r>
+                        <a:rPr lang="en-SG" sz="1600" dirty="0"/>
+                        <a:t>16.556084</a:t>
+                      </a:r>
+                    </a:p>
+                  </a:txBody>
+                  <a:tcPr/>
+                </a:tc>
+                <a:tc>
+                  <a:txBody>
+                    <a:bodyPr/>
+                    <a:lstStyle/>
+                    <a:p>
+                      <a:pPr algn="l"/>
+                      <a:r>
+                        <a:rPr lang="en-SG" sz="1600" dirty="0"/>
+                        <a:t>12.276070</a:t>
+                      </a:r>
+                    </a:p>
+                  </a:txBody>
+                  <a:tcPr/>
+                </a:tc>
+                <a:tc>
+                  <a:txBody>
+                    <a:bodyPr/>
+                    <a:lstStyle/>
+                    <a:p>
+                      <a:pPr algn="l"/>
+                      <a:r>
+                        <a:rPr lang="en-SG" sz="1600" dirty="0"/>
+                        <a:t>0</a:t>
+                      </a:r>
+                    </a:p>
+                  </a:txBody>
+                  <a:tcPr/>
+                </a:tc>
+                <a:tc>
+                  <a:txBody>
+                    <a:bodyPr/>
+                    <a:lstStyle/>
+                    <a:p>
+                      <a:pPr algn="l"/>
+                      <a:r>
+                        <a:rPr lang="en-SG" sz="1600" dirty="0"/>
+                        <a:t>5</a:t>
+                      </a:r>
+                    </a:p>
+                  </a:txBody>
+                  <a:tcPr/>
+                </a:tc>
+                <a:tc>
+                  <a:txBody>
+                    <a:bodyPr/>
+                    <a:lstStyle/>
+                    <a:p>
+                      <a:pPr algn="l"/>
+                      <a:r>
+                        <a:rPr lang="en-SG" sz="1600" dirty="0"/>
+                        <a:t>5</a:t>
+                      </a:r>
+                    </a:p>
+                  </a:txBody>
+                  <a:tcPr/>
+                </a:tc>
+                <a:tc>
+                  <a:txBody>
+                    <a:bodyPr/>
+                    <a:lstStyle/>
+                    <a:p>
+                      <a:pPr algn="l"/>
+                      <a:r>
+                        <a:rPr lang="en-SG" sz="1600" dirty="0"/>
+                        <a:t>0</a:t>
+                      </a:r>
+                    </a:p>
+                  </a:txBody>
+                  <a:tcPr/>
+                </a:tc>
+                <a:tc>
+                  <a:txBody>
+                    <a:bodyPr/>
+                    <a:lstStyle/>
+                    <a:p>
+                      <a:pPr algn="l"/>
+                      <a:r>
+                        <a:rPr lang="en-SG" sz="1600" dirty="0"/>
+                        <a:t>-1.094574</a:t>
+                      </a:r>
+                    </a:p>
+                  </a:txBody>
+                  <a:tcPr/>
+                </a:tc>
+                <a:tc>
+                  <a:txBody>
+                    <a:bodyPr/>
+                    <a:lstStyle/>
+                    <a:p>
+                      <a:pPr algn="l"/>
+                      <a:r>
+                        <a:rPr lang="en-SG" sz="1600" dirty="0"/>
+                        <a:t>151.860050</a:t>
+                      </a:r>
+                    </a:p>
+                  </a:txBody>
+                  <a:tcPr/>
+                </a:tc>
+                <a:tc>
+                  <a:txBody>
+                    <a:bodyPr/>
+                    <a:lstStyle/>
+                    <a:p>
+                      <a:pPr algn="l"/>
+                      <a:r>
+                        <a:rPr lang="en-SG" sz="1600" dirty="0"/>
+                        <a:t>8</a:t>
+                      </a:r>
+                    </a:p>
+                  </a:txBody>
+                  <a:tcPr/>
+                </a:tc>
+                <a:extLst>
+                  <a:ext uri="{0D108BD9-81ED-4DB2-BD59-A6C34878D82A}">
+                    <a16:rowId xmlns:a16="http://schemas.microsoft.com/office/drawing/2014/main" val="1913186621"/>
+                  </a:ext>
+                </a:extLst>
+              </a:tr>
+              <a:tr h="370840">
+                <a:tc>
+                  <a:txBody>
+                    <a:bodyPr/>
+                    <a:lstStyle/>
+                    <a:p>
+                      <a:pPr algn="l"/>
+                      <a:r>
+                        <a:rPr lang="en-SG" sz="1600" dirty="0"/>
+                        <a:t>300</a:t>
+                      </a:r>
+                    </a:p>
+                  </a:txBody>
+                  <a:tcPr/>
+                </a:tc>
+                <a:tc>
+                  <a:txBody>
+                    <a:bodyPr/>
+                    <a:lstStyle/>
+                    <a:p>
+                      <a:pPr algn="l"/>
+                      <a:r>
+                        <a:rPr lang="en-SG" sz="1600" dirty="0"/>
+                        <a:t>Human</a:t>
+                      </a:r>
+                    </a:p>
+                  </a:txBody>
+                  <a:tcPr/>
+                </a:tc>
+                <a:tc>
+                  <a:txBody>
+                    <a:bodyPr/>
+                    <a:lstStyle/>
+                    <a:p>
+                      <a:pPr algn="l"/>
+                      <a:r>
+                        <a:rPr lang="en-SG" sz="1600" dirty="0"/>
+                        <a:t>20</a:t>
+                      </a:r>
+                    </a:p>
+                  </a:txBody>
+                  <a:tcPr/>
+                </a:tc>
+                <a:tc>
+                  <a:txBody>
+                    <a:bodyPr/>
+                    <a:lstStyle/>
+                    <a:p>
+                      <a:pPr algn="l"/>
+                      <a:r>
+                        <a:rPr lang="en-SG" sz="1600" dirty="0"/>
+                        <a:t>8</a:t>
+                      </a:r>
+                    </a:p>
+                  </a:txBody>
+                  <a:tcPr/>
+                </a:tc>
+                <a:tc>
+                  <a:txBody>
+                    <a:bodyPr/>
+                    <a:lstStyle/>
+                    <a:p>
+                      <a:pPr algn="l"/>
+                      <a:r>
+                        <a:rPr lang="en-SG" sz="1600" dirty="0"/>
+                        <a:t>0</a:t>
+                      </a:r>
+                    </a:p>
+                  </a:txBody>
+                  <a:tcPr/>
+                </a:tc>
+                <a:tc>
+                  <a:txBody>
+                    <a:bodyPr/>
+                    <a:lstStyle/>
+                    <a:p>
+                      <a:pPr algn="l"/>
+                      <a:r>
+                        <a:rPr lang="en-SG" sz="1600" dirty="0"/>
+                        <a:t>5</a:t>
+                      </a:r>
+                    </a:p>
+                  </a:txBody>
+                  <a:tcPr/>
+                </a:tc>
+                <a:tc>
+                  <a:txBody>
+                    <a:bodyPr/>
+                    <a:lstStyle/>
+                    <a:p>
+                      <a:pPr algn="l"/>
+                      <a:r>
+                        <a:rPr lang="en-SG" sz="1600" dirty="0"/>
+                        <a:t>5</a:t>
+                      </a:r>
+                    </a:p>
+                  </a:txBody>
+                  <a:tcPr/>
+                </a:tc>
+                <a:tc>
+                  <a:txBody>
+                    <a:bodyPr/>
+                    <a:lstStyle/>
+                    <a:p>
+                      <a:pPr algn="l"/>
+                      <a:r>
+                        <a:rPr lang="en-SG" sz="1600" dirty="0"/>
+                        <a:t>0</a:t>
+                      </a:r>
+                    </a:p>
+                  </a:txBody>
+                  <a:tcPr/>
+                </a:tc>
+                <a:tc>
+                  <a:txBody>
+                    <a:bodyPr/>
+                    <a:lstStyle/>
+                    <a:p>
+                      <a:pPr algn="l"/>
+                      <a:r>
+                        <a:rPr lang="en-SG" sz="1600" dirty="0"/>
+                        <a:t>-1.567053	</a:t>
+                      </a:r>
+                    </a:p>
+                  </a:txBody>
+                  <a:tcPr/>
+                </a:tc>
+                <a:tc>
+                  <a:txBody>
+                    <a:bodyPr/>
+                    <a:lstStyle/>
+                    <a:p>
+                      <a:pPr algn="l"/>
+                      <a:r>
+                        <a:rPr lang="en-SG" sz="1600" dirty="0"/>
+                        <a:t>185	</a:t>
+                      </a:r>
+                    </a:p>
+                  </a:txBody>
+                  <a:tcPr/>
+                </a:tc>
+                <a:tc>
+                  <a:txBody>
+                    <a:bodyPr/>
+                    <a:lstStyle/>
+                    <a:p>
+                      <a:pPr algn="l"/>
+                      <a:r>
+                        <a:rPr lang="en-SG" sz="1600" dirty="0"/>
+                        <a:t>1</a:t>
+                      </a:r>
+                    </a:p>
+                  </a:txBody>
+                  <a:tcPr/>
+                </a:tc>
+                <a:extLst>
+                  <a:ext uri="{0D108BD9-81ED-4DB2-BD59-A6C34878D82A}">
+                    <a16:rowId xmlns:a16="http://schemas.microsoft.com/office/drawing/2014/main" val="565245655"/>
+                  </a:ext>
+                </a:extLst>
+              </a:tr>
+              <a:tr h="370840">
+                <a:tc>
+                  <a:txBody>
+                    <a:bodyPr/>
+                    <a:lstStyle/>
+                    <a:p>
+                      <a:pPr algn="l"/>
+                      <a:r>
+                        <a:rPr lang="en-SG" sz="1600" dirty="0"/>
+                        <a:t>500</a:t>
+                      </a:r>
+                    </a:p>
+                  </a:txBody>
+                  <a:tcPr>
+                    <a:solidFill>
+                      <a:srgbClr val="CFD5EA"/>
+                    </a:solidFill>
+                  </a:tcPr>
+                </a:tc>
+                <a:tc>
+                  <a:txBody>
+                    <a:bodyPr/>
+                    <a:lstStyle/>
+                    <a:p>
+                      <a:pPr algn="l"/>
+                      <a:r>
+                        <a:rPr lang="en-SG" sz="1600" dirty="0"/>
+                        <a:t>ML</a:t>
+                      </a:r>
+                    </a:p>
+                  </a:txBody>
+                  <a:tcPr>
+                    <a:solidFill>
+                      <a:srgbClr val="CFD5EA"/>
+                    </a:solidFill>
+                  </a:tcPr>
+                </a:tc>
+                <a:tc>
+                  <a:txBody>
+                    <a:bodyPr/>
+                    <a:lstStyle/>
+                    <a:p>
+                      <a:pPr algn="l"/>
+                      <a:r>
+                        <a:rPr lang="en-SG" sz="1600" dirty="0"/>
+                        <a:t>16.556084</a:t>
+                      </a:r>
+                    </a:p>
+                  </a:txBody>
+                  <a:tcPr>
+                    <a:solidFill>
+                      <a:srgbClr val="CFD5EA"/>
+                    </a:solidFill>
+                  </a:tcPr>
+                </a:tc>
+                <a:tc>
+                  <a:txBody>
+                    <a:bodyPr/>
+                    <a:lstStyle/>
+                    <a:p>
+                      <a:pPr algn="l"/>
+                      <a:r>
+                        <a:rPr lang="en-SG" sz="1600" dirty="0"/>
+                        <a:t>12.276070</a:t>
+                      </a:r>
+                    </a:p>
+                  </a:txBody>
+                  <a:tcPr>
+                    <a:solidFill>
+                      <a:srgbClr val="CFD5EA"/>
+                    </a:solidFill>
+                  </a:tcPr>
+                </a:tc>
+                <a:tc>
+                  <a:txBody>
+                    <a:bodyPr/>
+                    <a:lstStyle/>
+                    <a:p>
+                      <a:pPr algn="l"/>
+                      <a:r>
+                        <a:rPr lang="en-SG" sz="1600" dirty="0"/>
+                        <a:t>0</a:t>
+                      </a:r>
+                    </a:p>
+                  </a:txBody>
+                  <a:tcPr>
+                    <a:solidFill>
+                      <a:srgbClr val="CFD5EA"/>
+                    </a:solidFill>
+                  </a:tcPr>
+                </a:tc>
+                <a:tc>
+                  <a:txBody>
+                    <a:bodyPr/>
+                    <a:lstStyle/>
+                    <a:p>
+                      <a:pPr algn="l"/>
+                      <a:r>
+                        <a:rPr lang="en-SG" sz="1600" dirty="0"/>
+                        <a:t>5</a:t>
+                      </a:r>
+                    </a:p>
+                  </a:txBody>
+                  <a:tcPr>
+                    <a:solidFill>
+                      <a:srgbClr val="CFD5EA"/>
+                    </a:solidFill>
+                  </a:tcPr>
+                </a:tc>
+                <a:tc>
+                  <a:txBody>
+                    <a:bodyPr/>
+                    <a:lstStyle/>
+                    <a:p>
+                      <a:pPr algn="l"/>
+                      <a:r>
+                        <a:rPr lang="en-SG" sz="1600" dirty="0"/>
+                        <a:t>5</a:t>
+                      </a:r>
+                    </a:p>
+                  </a:txBody>
+                  <a:tcPr>
+                    <a:solidFill>
+                      <a:srgbClr val="CFD5EA"/>
+                    </a:solidFill>
+                  </a:tcPr>
+                </a:tc>
+                <a:tc>
+                  <a:txBody>
+                    <a:bodyPr/>
+                    <a:lstStyle/>
+                    <a:p>
+                      <a:pPr algn="l"/>
+                      <a:r>
+                        <a:rPr lang="en-SG" sz="1600" dirty="0"/>
+                        <a:t>0</a:t>
+                      </a:r>
+                    </a:p>
+                  </a:txBody>
+                  <a:tcPr>
+                    <a:solidFill>
+                      <a:srgbClr val="CFD5EA"/>
+                    </a:solidFill>
+                  </a:tcPr>
+                </a:tc>
+                <a:tc>
+                  <a:txBody>
+                    <a:bodyPr/>
+                    <a:lstStyle/>
+                    <a:p>
+                      <a:pPr algn="l"/>
+                      <a:r>
+                        <a:rPr lang="en-SG" sz="1600" dirty="0"/>
+                        <a:t>-0.732341</a:t>
+                      </a:r>
+                    </a:p>
+                  </a:txBody>
+                  <a:tcPr>
+                    <a:solidFill>
+                      <a:srgbClr val="CFD5EA"/>
+                    </a:solidFill>
+                  </a:tcPr>
+                </a:tc>
+                <a:tc>
+                  <a:txBody>
+                    <a:bodyPr/>
+                    <a:lstStyle/>
+                    <a:p>
+                      <a:pPr algn="l"/>
+                      <a:r>
+                        <a:rPr lang="en-SG" sz="1600" dirty="0"/>
+                        <a:t>151.860050</a:t>
+                      </a:r>
+                    </a:p>
+                  </a:txBody>
+                  <a:tcPr>
+                    <a:solidFill>
+                      <a:srgbClr val="CFD5EA"/>
+                    </a:solidFill>
+                  </a:tcPr>
+                </a:tc>
+                <a:tc>
+                  <a:txBody>
+                    <a:bodyPr/>
+                    <a:lstStyle/>
+                    <a:p>
+                      <a:pPr algn="l"/>
+                      <a:r>
+                        <a:rPr lang="en-SG" sz="1600" dirty="0"/>
+                        <a:t>8</a:t>
+                      </a:r>
+                    </a:p>
+                  </a:txBody>
+                  <a:tcPr>
+                    <a:solidFill>
+                      <a:srgbClr val="CFD5EA"/>
+                    </a:solidFill>
+                  </a:tcPr>
+                </a:tc>
+                <a:extLst>
+                  <a:ext uri="{0D108BD9-81ED-4DB2-BD59-A6C34878D82A}">
+                    <a16:rowId xmlns:a16="http://schemas.microsoft.com/office/drawing/2014/main" val="659660770"/>
+                  </a:ext>
+                </a:extLst>
+              </a:tr>
+              <a:tr h="370840">
+                <a:tc>
+                  <a:txBody>
+                    <a:bodyPr/>
+                    <a:lstStyle/>
+                    <a:p>
+                      <a:pPr algn="l"/>
+                      <a:r>
+                        <a:rPr lang="en-SG" sz="1600" dirty="0"/>
+                        <a:t>500</a:t>
+                      </a:r>
+                    </a:p>
+                  </a:txBody>
+                  <a:tcPr/>
+                </a:tc>
+                <a:tc>
+                  <a:txBody>
+                    <a:bodyPr/>
+                    <a:lstStyle/>
+                    <a:p>
+                      <a:pPr algn="l"/>
+                      <a:r>
+                        <a:rPr lang="en-SG" sz="1600" dirty="0"/>
+                        <a:t>Human</a:t>
+                      </a:r>
+                    </a:p>
+                  </a:txBody>
+                  <a:tcPr/>
+                </a:tc>
+                <a:tc>
+                  <a:txBody>
+                    <a:bodyPr/>
+                    <a:lstStyle/>
+                    <a:p>
+                      <a:pPr algn="l"/>
+                      <a:r>
+                        <a:rPr lang="en-SG" sz="1600" dirty="0"/>
+                        <a:t>20</a:t>
+                      </a:r>
+                    </a:p>
+                  </a:txBody>
+                  <a:tcPr/>
+                </a:tc>
+                <a:tc>
+                  <a:txBody>
+                    <a:bodyPr/>
+                    <a:lstStyle/>
+                    <a:p>
+                      <a:pPr algn="l"/>
+                      <a:r>
+                        <a:rPr lang="en-SG" sz="1600" dirty="0"/>
+                        <a:t>8</a:t>
+                      </a:r>
+                    </a:p>
+                  </a:txBody>
+                  <a:tcPr/>
+                </a:tc>
+                <a:tc>
+                  <a:txBody>
+                    <a:bodyPr/>
+                    <a:lstStyle/>
+                    <a:p>
+                      <a:pPr algn="l"/>
+                      <a:r>
+                        <a:rPr lang="en-SG" sz="1600" dirty="0"/>
+                        <a:t>0</a:t>
+                      </a:r>
+                    </a:p>
+                  </a:txBody>
+                  <a:tcPr/>
+                </a:tc>
+                <a:tc>
+                  <a:txBody>
+                    <a:bodyPr/>
+                    <a:lstStyle/>
+                    <a:p>
+                      <a:pPr algn="l"/>
+                      <a:r>
+                        <a:rPr lang="en-SG" sz="1600" dirty="0"/>
+                        <a:t>5</a:t>
+                      </a:r>
+                    </a:p>
+                  </a:txBody>
+                  <a:tcPr/>
+                </a:tc>
+                <a:tc>
+                  <a:txBody>
+                    <a:bodyPr/>
+                    <a:lstStyle/>
+                    <a:p>
+                      <a:pPr algn="l"/>
+                      <a:r>
+                        <a:rPr lang="en-SG" sz="1600" dirty="0"/>
+                        <a:t>5</a:t>
+                      </a:r>
+                    </a:p>
+                  </a:txBody>
+                  <a:tcPr/>
+                </a:tc>
+                <a:tc>
+                  <a:txBody>
+                    <a:bodyPr/>
+                    <a:lstStyle/>
+                    <a:p>
+                      <a:pPr algn="l"/>
+                      <a:r>
+                        <a:rPr lang="en-SG" sz="1600" dirty="0"/>
+                        <a:t>0</a:t>
+                      </a:r>
+                    </a:p>
+                  </a:txBody>
+                  <a:tcPr/>
+                </a:tc>
+                <a:tc>
+                  <a:txBody>
+                    <a:bodyPr/>
+                    <a:lstStyle/>
+                    <a:p>
+                      <a:pPr algn="l"/>
+                      <a:r>
+                        <a:rPr lang="en-SG" sz="1600" dirty="0"/>
+                        <a:t>-2.031656</a:t>
+                      </a:r>
+                    </a:p>
+                  </a:txBody>
+                  <a:tcPr/>
+                </a:tc>
+                <a:tc>
+                  <a:txBody>
+                    <a:bodyPr/>
+                    <a:lstStyle/>
+                    <a:p>
+                      <a:pPr algn="l"/>
+                      <a:r>
+                        <a:rPr lang="en-SG" sz="1600" dirty="0"/>
+                        <a:t>185</a:t>
+                      </a:r>
+                    </a:p>
+                  </a:txBody>
+                  <a:tcPr/>
+                </a:tc>
+                <a:tc>
+                  <a:txBody>
+                    <a:bodyPr/>
+                    <a:lstStyle/>
+                    <a:p>
+                      <a:pPr algn="l"/>
+                      <a:r>
+                        <a:rPr lang="en-SG" sz="1600" dirty="0"/>
+                        <a:t>4</a:t>
+                      </a:r>
+                    </a:p>
+                  </a:txBody>
+                  <a:tcPr/>
+                </a:tc>
+                <a:extLst>
+                  <a:ext uri="{0D108BD9-81ED-4DB2-BD59-A6C34878D82A}">
+                    <a16:rowId xmlns:a16="http://schemas.microsoft.com/office/drawing/2014/main" val="480828811"/>
+                  </a:ext>
+                </a:extLst>
+              </a:tr>
+              <a:tr h="370840">
+                <a:tc>
+                  <a:txBody>
+                    <a:bodyPr/>
+                    <a:lstStyle/>
+                    <a:p>
+                      <a:pPr algn="l"/>
+                      <a:r>
+                        <a:rPr lang="en-SG" sz="1600" dirty="0"/>
+                        <a:t>1000</a:t>
+                      </a:r>
+                    </a:p>
+                  </a:txBody>
+                  <a:tcPr>
+                    <a:solidFill>
+                      <a:srgbClr val="CFD5EA"/>
+                    </a:solidFill>
+                  </a:tcPr>
+                </a:tc>
+                <a:tc>
+                  <a:txBody>
+                    <a:bodyPr/>
+                    <a:lstStyle/>
+                    <a:p>
+                      <a:pPr algn="l"/>
+                      <a:r>
+                        <a:rPr lang="en-SG" sz="1600" dirty="0"/>
+                        <a:t>ML</a:t>
+                      </a:r>
+                    </a:p>
+                  </a:txBody>
+                  <a:tcPr>
+                    <a:solidFill>
+                      <a:srgbClr val="CFD5EA"/>
+                    </a:solidFill>
+                  </a:tcPr>
+                </a:tc>
+                <a:tc>
+                  <a:txBody>
+                    <a:bodyPr/>
+                    <a:lstStyle/>
+                    <a:p>
+                      <a:pPr algn="l"/>
+                      <a:r>
+                        <a:rPr lang="en-SG" sz="1600" dirty="0"/>
+                        <a:t>19.630164</a:t>
+                      </a:r>
+                    </a:p>
+                  </a:txBody>
+                  <a:tcPr>
+                    <a:solidFill>
+                      <a:srgbClr val="CFD5EA"/>
+                    </a:solidFill>
+                  </a:tcPr>
+                </a:tc>
+                <a:tc>
+                  <a:txBody>
+                    <a:bodyPr/>
+                    <a:lstStyle/>
+                    <a:p>
+                      <a:pPr algn="l"/>
+                      <a:r>
+                        <a:rPr lang="en-SG" sz="1600" dirty="0"/>
+                        <a:t>6.392805</a:t>
+                      </a:r>
+                    </a:p>
+                  </a:txBody>
+                  <a:tcPr>
+                    <a:solidFill>
+                      <a:srgbClr val="CFD5EA"/>
+                    </a:solidFill>
+                  </a:tcPr>
+                </a:tc>
+                <a:tc>
+                  <a:txBody>
+                    <a:bodyPr/>
+                    <a:lstStyle/>
+                    <a:p>
+                      <a:pPr algn="l"/>
+                      <a:r>
+                        <a:rPr lang="en-SG" sz="1600" dirty="0"/>
+                        <a:t>0</a:t>
+                      </a:r>
+                    </a:p>
+                  </a:txBody>
+                  <a:tcPr>
+                    <a:solidFill>
+                      <a:srgbClr val="CFD5EA"/>
+                    </a:solidFill>
+                  </a:tcPr>
+                </a:tc>
+                <a:tc>
+                  <a:txBody>
+                    <a:bodyPr/>
+                    <a:lstStyle/>
+                    <a:p>
+                      <a:pPr algn="l"/>
+                      <a:r>
+                        <a:rPr lang="en-SG" sz="1600" dirty="0"/>
+                        <a:t>5</a:t>
+                      </a:r>
+                    </a:p>
+                  </a:txBody>
+                  <a:tcPr>
+                    <a:solidFill>
+                      <a:srgbClr val="CFD5EA"/>
+                    </a:solidFill>
+                  </a:tcPr>
+                </a:tc>
+                <a:tc>
+                  <a:txBody>
+                    <a:bodyPr/>
+                    <a:lstStyle/>
+                    <a:p>
+                      <a:pPr algn="l"/>
+                      <a:r>
+                        <a:rPr lang="en-SG" sz="1600" dirty="0"/>
+                        <a:t>5</a:t>
+                      </a:r>
+                    </a:p>
+                  </a:txBody>
+                  <a:tcPr>
+                    <a:solidFill>
+                      <a:srgbClr val="CFD5EA"/>
+                    </a:solidFill>
+                  </a:tcPr>
+                </a:tc>
+                <a:tc>
+                  <a:txBody>
+                    <a:bodyPr/>
+                    <a:lstStyle/>
+                    <a:p>
+                      <a:pPr algn="l"/>
+                      <a:r>
+                        <a:rPr lang="en-SG" sz="1600" dirty="0"/>
+                        <a:t>0</a:t>
+                      </a:r>
+                    </a:p>
+                  </a:txBody>
+                  <a:tcPr>
+                    <a:solidFill>
+                      <a:srgbClr val="CFD5EA"/>
+                    </a:solidFill>
+                  </a:tcPr>
+                </a:tc>
+                <a:tc>
+                  <a:txBody>
+                    <a:bodyPr/>
+                    <a:lstStyle/>
+                    <a:p>
+                      <a:pPr algn="l"/>
+                      <a:r>
+                        <a:rPr lang="en-SG" sz="1600" dirty="0"/>
+                        <a:t>-0.106308</a:t>
+                      </a:r>
+                    </a:p>
+                  </a:txBody>
+                  <a:tcPr>
+                    <a:solidFill>
+                      <a:srgbClr val="CFD5EA"/>
+                    </a:solidFill>
+                  </a:tcPr>
+                </a:tc>
+                <a:tc>
+                  <a:txBody>
+                    <a:bodyPr/>
+                    <a:lstStyle/>
+                    <a:p>
+                      <a:pPr algn="l"/>
+                      <a:r>
+                        <a:rPr lang="en-SG" sz="1600" dirty="0"/>
+                        <a:t>217.367862</a:t>
+                      </a:r>
+                    </a:p>
+                  </a:txBody>
+                  <a:tcPr>
+                    <a:solidFill>
+                      <a:srgbClr val="CFD5EA"/>
+                    </a:solidFill>
+                  </a:tcPr>
+                </a:tc>
+                <a:tc>
+                  <a:txBody>
+                    <a:bodyPr/>
+                    <a:lstStyle/>
+                    <a:p>
+                      <a:pPr algn="l"/>
+                      <a:r>
+                        <a:rPr lang="en-SG" sz="1600" dirty="0"/>
+                        <a:t>7</a:t>
+                      </a:r>
+                    </a:p>
+                  </a:txBody>
+                  <a:tcPr>
+                    <a:solidFill>
+                      <a:srgbClr val="CFD5EA"/>
+                    </a:solidFill>
+                  </a:tcPr>
+                </a:tc>
+                <a:extLst>
+                  <a:ext uri="{0D108BD9-81ED-4DB2-BD59-A6C34878D82A}">
+                    <a16:rowId xmlns:a16="http://schemas.microsoft.com/office/drawing/2014/main" val="2748972000"/>
+                  </a:ext>
+                </a:extLst>
+              </a:tr>
+              <a:tr h="370840">
+                <a:tc>
+                  <a:txBody>
+                    <a:bodyPr/>
+                    <a:lstStyle/>
+                    <a:p>
+                      <a:pPr algn="l"/>
+                      <a:r>
+                        <a:rPr lang="en-SG" sz="1600" dirty="0"/>
+                        <a:t>1000</a:t>
+                      </a:r>
+                    </a:p>
+                  </a:txBody>
+                  <a:tcPr>
+                    <a:solidFill>
+                      <a:srgbClr val="E9EBF5"/>
+                    </a:solidFill>
+                  </a:tcPr>
+                </a:tc>
+                <a:tc>
+                  <a:txBody>
+                    <a:bodyPr/>
+                    <a:lstStyle/>
+                    <a:p>
+                      <a:pPr algn="l"/>
+                      <a:r>
+                        <a:rPr lang="en-SG" sz="1600" dirty="0"/>
+                        <a:t>Human</a:t>
+                      </a:r>
+                    </a:p>
+                  </a:txBody>
+                  <a:tcPr>
+                    <a:solidFill>
+                      <a:srgbClr val="E9EBF5"/>
+                    </a:solidFill>
+                  </a:tcPr>
+                </a:tc>
+                <a:tc>
+                  <a:txBody>
+                    <a:bodyPr/>
+                    <a:lstStyle/>
+                    <a:p>
+                      <a:pPr algn="l"/>
+                      <a:r>
+                        <a:rPr lang="en-SG" sz="1600" dirty="0"/>
+                        <a:t>20</a:t>
+                      </a:r>
+                    </a:p>
+                  </a:txBody>
+                  <a:tcPr>
+                    <a:solidFill>
+                      <a:srgbClr val="E9EBF5"/>
+                    </a:solidFill>
+                  </a:tcPr>
+                </a:tc>
+                <a:tc>
+                  <a:txBody>
+                    <a:bodyPr/>
+                    <a:lstStyle/>
+                    <a:p>
+                      <a:pPr algn="l"/>
+                      <a:r>
+                        <a:rPr lang="en-SG" sz="1600" dirty="0"/>
+                        <a:t>8</a:t>
+                      </a:r>
+                    </a:p>
+                  </a:txBody>
+                  <a:tcPr>
+                    <a:solidFill>
+                      <a:srgbClr val="E9EBF5"/>
+                    </a:solidFill>
+                  </a:tcPr>
+                </a:tc>
+                <a:tc>
+                  <a:txBody>
+                    <a:bodyPr/>
+                    <a:lstStyle/>
+                    <a:p>
+                      <a:pPr algn="l"/>
+                      <a:r>
+                        <a:rPr lang="en-SG" sz="1600" dirty="0"/>
+                        <a:t>0</a:t>
+                      </a:r>
+                    </a:p>
+                  </a:txBody>
+                  <a:tcPr>
+                    <a:solidFill>
+                      <a:srgbClr val="E9EBF5"/>
+                    </a:solidFill>
+                  </a:tcPr>
+                </a:tc>
+                <a:tc>
+                  <a:txBody>
+                    <a:bodyPr/>
+                    <a:lstStyle/>
+                    <a:p>
+                      <a:pPr algn="l"/>
+                      <a:r>
+                        <a:rPr lang="en-SG" sz="1600" dirty="0"/>
+                        <a:t>5</a:t>
+                      </a:r>
+                    </a:p>
+                  </a:txBody>
+                  <a:tcPr>
+                    <a:solidFill>
+                      <a:srgbClr val="E9EBF5"/>
+                    </a:solidFill>
+                  </a:tcPr>
+                </a:tc>
+                <a:tc>
+                  <a:txBody>
+                    <a:bodyPr/>
+                    <a:lstStyle/>
+                    <a:p>
+                      <a:pPr algn="l"/>
+                      <a:r>
+                        <a:rPr lang="en-SG" sz="1600" dirty="0"/>
+                        <a:t>5</a:t>
+                      </a:r>
+                    </a:p>
+                  </a:txBody>
+                  <a:tcPr>
+                    <a:solidFill>
+                      <a:srgbClr val="E9EBF5"/>
+                    </a:solidFill>
+                  </a:tcPr>
+                </a:tc>
+                <a:tc>
+                  <a:txBody>
+                    <a:bodyPr/>
+                    <a:lstStyle/>
+                    <a:p>
+                      <a:pPr algn="l"/>
+                      <a:r>
+                        <a:rPr lang="en-SG" sz="1600" dirty="0"/>
+                        <a:t>0</a:t>
+                      </a:r>
+                    </a:p>
+                  </a:txBody>
+                  <a:tcPr>
+                    <a:solidFill>
+                      <a:srgbClr val="E9EBF5"/>
+                    </a:solidFill>
+                  </a:tcPr>
+                </a:tc>
+                <a:tc>
+                  <a:txBody>
+                    <a:bodyPr/>
+                    <a:lstStyle/>
+                    <a:p>
+                      <a:pPr algn="l"/>
+                      <a:r>
+                        <a:rPr lang="en-SG" sz="1600" dirty="0"/>
+                        <a:t>-1.263879</a:t>
+                      </a:r>
+                    </a:p>
+                  </a:txBody>
+                  <a:tcPr>
+                    <a:solidFill>
+                      <a:srgbClr val="E9EBF5"/>
+                    </a:solidFill>
+                  </a:tcPr>
+                </a:tc>
+                <a:tc>
+                  <a:txBody>
+                    <a:bodyPr/>
+                    <a:lstStyle/>
+                    <a:p>
+                      <a:pPr marL="0" marR="0" lvl="0" indent="0" algn="l" defTabSz="914400" rtl="0" eaLnBrk="1" fontAlgn="auto" latinLnBrk="0" hangingPunct="1">
+                        <a:lnSpc>
+                          <a:spcPct val="100000"/>
+                        </a:lnSpc>
+                        <a:spcBef>
+                          <a:spcPts val="0"/>
+                        </a:spcBef>
+                        <a:spcAft>
+                          <a:spcPts val="0"/>
+                        </a:spcAft>
+                        <a:buClrTx/>
+                        <a:buSzTx/>
+                        <a:buFontTx/>
+                        <a:buNone/>
+                        <a:tabLst/>
+                        <a:defRPr/>
+                      </a:pPr>
+                      <a:r>
+                        <a:rPr lang="en-SG" sz="1600" dirty="0"/>
+                        <a:t>185</a:t>
+                      </a:r>
+                    </a:p>
+                  </a:txBody>
+                  <a:tcPr>
+                    <a:solidFill>
+                      <a:srgbClr val="E9EBF5"/>
+                    </a:solidFill>
+                  </a:tcPr>
+                </a:tc>
+                <a:tc>
+                  <a:txBody>
+                    <a:bodyPr/>
+                    <a:lstStyle/>
+                    <a:p>
+                      <a:pPr algn="l"/>
+                      <a:r>
+                        <a:rPr lang="en-SG" sz="1600" dirty="0"/>
+                        <a:t>4</a:t>
+                      </a:r>
+                    </a:p>
+                  </a:txBody>
+                  <a:tcPr>
+                    <a:solidFill>
+                      <a:srgbClr val="E9EBF5"/>
+                    </a:solidFill>
+                  </a:tcPr>
+                </a:tc>
+                <a:extLst>
+                  <a:ext uri="{0D108BD9-81ED-4DB2-BD59-A6C34878D82A}">
+                    <a16:rowId xmlns:a16="http://schemas.microsoft.com/office/drawing/2014/main" val="1317962754"/>
+                  </a:ext>
+                </a:extLst>
+              </a:tr>
+            </a:tbl>
+          </a:graphicData>
+        </a:graphic>
+      </p:graphicFrame>
+      <p:sp>
+        <p:nvSpPr>
+          <p:cNvPr id="3" name="TextBox 2">
+            <a:extLst>
+              <a:ext uri="{FF2B5EF4-FFF2-40B4-BE49-F238E27FC236}">
+                <a16:creationId xmlns:a16="http://schemas.microsoft.com/office/drawing/2014/main" id="{1308D0C7-1A45-BA0F-910E-1B76483ABB3D}"/>
+              </a:ext>
+            </a:extLst>
+          </p:cNvPr>
+          <p:cNvSpPr txBox="1"/>
+          <p:nvPr/>
+        </p:nvSpPr>
+        <p:spPr>
+          <a:xfrm>
+            <a:off x="1786466" y="575733"/>
+            <a:ext cx="8619067" cy="369332"/>
+          </a:xfrm>
+          <a:prstGeom prst="rect">
+            <a:avLst/>
+          </a:prstGeom>
+          <a:noFill/>
+        </p:spPr>
+        <p:txBody>
+          <a:bodyPr wrap="square" rtlCol="0">
+            <a:spAutoFit/>
+          </a:bodyPr>
+          <a:lstStyle/>
+          <a:p>
+            <a:pPr algn="ctr"/>
+            <a:r>
+              <a:rPr lang="en-SG" dirty="0"/>
+              <a:t>All experiments we have touch tip for aspiration, no touch tip for dispense</a:t>
+            </a:r>
+          </a:p>
+        </p:txBody>
+      </p:sp>
       <mc:AlternateContent xmlns:mc="http://schemas.openxmlformats.org/markup-compatibility/2006">
         <mc:Choice xmlns:p14="http://schemas.microsoft.com/office/powerpoint/2010/main" Requires="p14">
           <p:contentPart p14:bwMode="auto" r:id="rId2">
@@ -30027,7 +34456,7 @@
     </p:spTree>
     <p:extLst>
       <p:ext uri="{BB962C8B-B14F-4D97-AF65-F5344CB8AC3E}">
-        <p14:creationId xmlns:p14="http://schemas.microsoft.com/office/powerpoint/2010/main" val="4078308528"/>
+        <p14:creationId xmlns:p14="http://schemas.microsoft.com/office/powerpoint/2010/main" val="212273708"/>
       </p:ext>
     </p:extLst>
   </p:cSld>
@@ -30037,67 +34466,7 @@
 </p:sld>
 </file>
 
-<file path=ppt/slides/slide22.xml><?xml version="1.0" encoding="utf-8"?>
-<p:sld xmlns:a="http://schemas.openxmlformats.org/drawingml/2006/main" xmlns:r="http://schemas.openxmlformats.org/officeDocument/2006/relationships" xmlns:p="http://schemas.openxmlformats.org/presentationml/2006/main">
-  <p:cSld>
-    <p:spTree>
-      <p:nvGrpSpPr>
-        <p:cNvPr id="1" name=""/>
-        <p:cNvGrpSpPr/>
-        <p:nvPr/>
-      </p:nvGrpSpPr>
-      <p:grpSpPr>
-        <a:xfrm>
-          <a:off x="0" y="0"/>
-          <a:ext cx="0" cy="0"/>
-          <a:chOff x="0" y="0"/>
-          <a:chExt cx="0" cy="0"/>
-        </a:xfrm>
-      </p:grpSpPr>
-    </p:spTree>
-    <p:extLst>
-      <p:ext uri="{BB962C8B-B14F-4D97-AF65-F5344CB8AC3E}">
-        <p14:creationId xmlns:p14="http://schemas.microsoft.com/office/powerpoint/2010/main" val="3923911006"/>
-      </p:ext>
-    </p:extLst>
-  </p:cSld>
-  <p:clrMapOvr>
-    <a:masterClrMapping/>
-  </p:clrMapOvr>
-</p:sld>
-</file>
-
-<file path=ppt/slides/slide23.xml><?xml version="1.0" encoding="utf-8"?>
-<p:sld xmlns:a="http://schemas.openxmlformats.org/drawingml/2006/main" xmlns:r="http://schemas.openxmlformats.org/officeDocument/2006/relationships" xmlns:p="http://schemas.openxmlformats.org/presentationml/2006/main">
-  <p:cSld>
-    <p:spTree>
-      <p:nvGrpSpPr>
-        <p:cNvPr id="1" name=""/>
-        <p:cNvGrpSpPr/>
-        <p:nvPr/>
-      </p:nvGrpSpPr>
-      <p:grpSpPr>
-        <a:xfrm>
-          <a:off x="0" y="0"/>
-          <a:ext cx="0" cy="0"/>
-          <a:chOff x="0" y="0"/>
-          <a:chExt cx="0" cy="0"/>
-        </a:xfrm>
-      </p:grpSpPr>
-    </p:spTree>
-    <p:extLst>
-      <p:ext uri="{BB962C8B-B14F-4D97-AF65-F5344CB8AC3E}">
-        <p14:creationId xmlns:p14="http://schemas.microsoft.com/office/powerpoint/2010/main" val="1888039758"/>
-      </p:ext>
-    </p:extLst>
-  </p:cSld>
-  <p:clrMapOvr>
-    <a:masterClrMapping/>
-  </p:clrMapOvr>
-</p:sld>
-</file>
-
-<file path=ppt/slides/slide24.xml><?xml version="1.0" encoding="utf-8"?>
+<file path=ppt/slides/slide25.xml><?xml version="1.0" encoding="utf-8"?>
 <p:sld xmlns:a="http://schemas.openxmlformats.org/drawingml/2006/main" xmlns:r="http://schemas.openxmlformats.org/officeDocument/2006/relationships" xmlns:p="http://schemas.openxmlformats.org/presentationml/2006/main">
   <p:cSld>
     <p:spTree>
